--- a/ThesisDefense.pptx
+++ b/ThesisDefense.pptx
@@ -9,8 +9,8 @@
   </p:notesMasterIdLst>
   <p:sldIdLst>
     <p:sldId id="256" r:id="rId3"/>
-    <p:sldId id="257" r:id="rId4"/>
-    <p:sldId id="258" r:id="rId5"/>
+    <p:sldId id="258" r:id="rId4"/>
+    <p:sldId id="257" r:id="rId5"/>
     <p:sldId id="259" r:id="rId6"/>
     <p:sldId id="260" r:id="rId7"/>
     <p:sldId id="261" r:id="rId8"/>
@@ -178,10 +178,10 @@
                   <a:lumOff val="35000"/>
                 </a:schemeClr>
               </a:solidFill>
-              <a:latin typeface="微软雅黑" panose="020B0503020204020204" charset="-122"/>
-              <a:ea typeface="微软雅黑" panose="020B0503020204020204" charset="-122"/>
-              <a:cs typeface="微软雅黑" panose="020B0503020204020204" charset="-122"/>
-              <a:sym typeface="微软雅黑" panose="020B0503020204020204" charset="-122"/>
+              <a:latin typeface="Microsoft YaHei" panose="020B0503020204020204" charset="-122"/>
+              <a:ea typeface="Microsoft YaHei" panose="020B0503020204020204" charset="-122"/>
+              <a:cs typeface="Microsoft YaHei" panose="020B0503020204020204" charset="-122"/>
+              <a:sym typeface="Microsoft YaHei" panose="020B0503020204020204" charset="-122"/>
             </a:defRPr>
           </a:pPr>
         </a:p>
@@ -446,10 +446,10 @@
                     <a:lumOff val="35000"/>
                   </a:schemeClr>
                 </a:solidFill>
-                <a:latin typeface="微软雅黑" panose="020B0503020204020204" charset="-122"/>
-                <a:ea typeface="微软雅黑" panose="020B0503020204020204" charset="-122"/>
-                <a:cs typeface="微软雅黑" panose="020B0503020204020204" charset="-122"/>
-                <a:sym typeface="微软雅黑" panose="020B0503020204020204" charset="-122"/>
+                <a:latin typeface="Microsoft YaHei" panose="020B0503020204020204" charset="-122"/>
+                <a:ea typeface="Microsoft YaHei" panose="020B0503020204020204" charset="-122"/>
+                <a:cs typeface="Microsoft YaHei" panose="020B0503020204020204" charset="-122"/>
+                <a:sym typeface="Microsoft YaHei" panose="020B0503020204020204" charset="-122"/>
               </a:defRPr>
             </a:pPr>
           </a:p>
@@ -505,10 +505,10 @@
                     <a:lumOff val="35000"/>
                   </a:schemeClr>
                 </a:solidFill>
-                <a:latin typeface="微软雅黑" panose="020B0503020204020204" charset="-122"/>
-                <a:ea typeface="微软雅黑" panose="020B0503020204020204" charset="-122"/>
-                <a:cs typeface="微软雅黑" panose="020B0503020204020204" charset="-122"/>
-                <a:sym typeface="微软雅黑" panose="020B0503020204020204" charset="-122"/>
+                <a:latin typeface="Microsoft YaHei" panose="020B0503020204020204" charset="-122"/>
+                <a:ea typeface="Microsoft YaHei" panose="020B0503020204020204" charset="-122"/>
+                <a:cs typeface="Microsoft YaHei" panose="020B0503020204020204" charset="-122"/>
+                <a:sym typeface="Microsoft YaHei" panose="020B0503020204020204" charset="-122"/>
               </a:defRPr>
             </a:pPr>
           </a:p>
@@ -541,10 +541,10 @@
                     <a:lumOff val="35000"/>
                   </a:schemeClr>
                 </a:solidFill>
-                <a:latin typeface="微软雅黑" panose="020B0503020204020204" charset="-122"/>
-                <a:ea typeface="微软雅黑" panose="020B0503020204020204" charset="-122"/>
-                <a:cs typeface="微软雅黑" panose="020B0503020204020204" charset="-122"/>
-                <a:sym typeface="微软雅黑" panose="020B0503020204020204" charset="-122"/>
+                <a:latin typeface="Microsoft YaHei" panose="020B0503020204020204" charset="-122"/>
+                <a:ea typeface="Microsoft YaHei" panose="020B0503020204020204" charset="-122"/>
+                <a:cs typeface="Microsoft YaHei" panose="020B0503020204020204" charset="-122"/>
+                <a:sym typeface="Microsoft YaHei" panose="020B0503020204020204" charset="-122"/>
               </a:defRPr>
             </a:pPr>
           </a:p>
@@ -564,10 +564,10 @@
                     <a:lumOff val="35000"/>
                   </a:schemeClr>
                 </a:solidFill>
-                <a:latin typeface="微软雅黑" panose="020B0503020204020204" charset="-122"/>
-                <a:ea typeface="微软雅黑" panose="020B0503020204020204" charset="-122"/>
-                <a:cs typeface="微软雅黑" panose="020B0503020204020204" charset="-122"/>
-                <a:sym typeface="微软雅黑" panose="020B0503020204020204" charset="-122"/>
+                <a:latin typeface="Microsoft YaHei" panose="020B0503020204020204" charset="-122"/>
+                <a:ea typeface="Microsoft YaHei" panose="020B0503020204020204" charset="-122"/>
+                <a:cs typeface="Microsoft YaHei" panose="020B0503020204020204" charset="-122"/>
+                <a:sym typeface="Microsoft YaHei" panose="020B0503020204020204" charset="-122"/>
               </a:defRPr>
             </a:pPr>
           </a:p>
@@ -587,10 +587,10 @@
                     <a:lumOff val="35000"/>
                   </a:schemeClr>
                 </a:solidFill>
-                <a:latin typeface="微软雅黑" panose="020B0503020204020204" charset="-122"/>
-                <a:ea typeface="微软雅黑" panose="020B0503020204020204" charset="-122"/>
-                <a:cs typeface="微软雅黑" panose="020B0503020204020204" charset="-122"/>
-                <a:sym typeface="微软雅黑" panose="020B0503020204020204" charset="-122"/>
+                <a:latin typeface="Microsoft YaHei" panose="020B0503020204020204" charset="-122"/>
+                <a:ea typeface="Microsoft YaHei" panose="020B0503020204020204" charset="-122"/>
+                <a:cs typeface="Microsoft YaHei" panose="020B0503020204020204" charset="-122"/>
+                <a:sym typeface="Microsoft YaHei" panose="020B0503020204020204" charset="-122"/>
               </a:defRPr>
             </a:pPr>
           </a:p>
@@ -617,10 +617,10 @@
                   <a:lumOff val="35000"/>
                 </a:schemeClr>
               </a:solidFill>
-              <a:latin typeface="微软雅黑" panose="020B0503020204020204" charset="-122"/>
-              <a:ea typeface="微软雅黑" panose="020B0503020204020204" charset="-122"/>
-              <a:cs typeface="微软雅黑" panose="020B0503020204020204" charset="-122"/>
-              <a:sym typeface="微软雅黑" panose="020B0503020204020204" charset="-122"/>
+              <a:latin typeface="Microsoft YaHei" panose="020B0503020204020204" charset="-122"/>
+              <a:ea typeface="Microsoft YaHei" panose="020B0503020204020204" charset="-122"/>
+              <a:cs typeface="Microsoft YaHei" panose="020B0503020204020204" charset="-122"/>
+              <a:sym typeface="Microsoft YaHei" panose="020B0503020204020204" charset="-122"/>
             </a:defRPr>
           </a:pPr>
         </a:p>
@@ -643,10 +643,10 @@
     <a:p>
       <a:pPr>
         <a:defRPr lang="zh-CN">
-          <a:latin typeface="微软雅黑" panose="020B0503020204020204" charset="-122"/>
-          <a:ea typeface="微软雅黑" panose="020B0503020204020204" charset="-122"/>
-          <a:cs typeface="微软雅黑" panose="020B0503020204020204" charset="-122"/>
-          <a:sym typeface="微软雅黑" panose="020B0503020204020204" charset="-122"/>
+          <a:latin typeface="Microsoft YaHei" panose="020B0503020204020204" charset="-122"/>
+          <a:ea typeface="Microsoft YaHei" panose="020B0503020204020204" charset="-122"/>
+          <a:cs typeface="Microsoft YaHei" panose="020B0503020204020204" charset="-122"/>
+          <a:sym typeface="Microsoft YaHei" panose="020B0503020204020204" charset="-122"/>
         </a:defRPr>
       </a:pPr>
     </a:p>
@@ -5200,7 +5200,7 @@
         <a:spcBef>
           <a:spcPts val="1000"/>
         </a:spcBef>
-        <a:buFont typeface="Arial" panose="020B0604020202020204" pitchFamily="34" charset="0"/>
+        <a:buFont typeface="Arial" panose="02080604020202020204" pitchFamily="34" charset="0"/>
         <a:buChar char="•"/>
         <a:defRPr sz="2800" kern="1200">
           <a:solidFill>
@@ -5218,7 +5218,7 @@
         <a:spcBef>
           <a:spcPts val="500"/>
         </a:spcBef>
-        <a:buFont typeface="Arial" panose="020B0604020202020204" pitchFamily="34" charset="0"/>
+        <a:buFont typeface="Arial" panose="02080604020202020204" pitchFamily="34" charset="0"/>
         <a:buChar char="•"/>
         <a:defRPr sz="2400" kern="1200">
           <a:solidFill>
@@ -5236,7 +5236,7 @@
         <a:spcBef>
           <a:spcPts val="500"/>
         </a:spcBef>
-        <a:buFont typeface="Arial" panose="020B0604020202020204" pitchFamily="34" charset="0"/>
+        <a:buFont typeface="Arial" panose="02080604020202020204" pitchFamily="34" charset="0"/>
         <a:buChar char="•"/>
         <a:defRPr sz="2000" kern="1200">
           <a:solidFill>
@@ -5254,7 +5254,7 @@
         <a:spcBef>
           <a:spcPts val="500"/>
         </a:spcBef>
-        <a:buFont typeface="Arial" panose="020B0604020202020204" pitchFamily="34" charset="0"/>
+        <a:buFont typeface="Arial" panose="02080604020202020204" pitchFamily="34" charset="0"/>
         <a:buChar char="•"/>
         <a:defRPr sz="1800" kern="1200">
           <a:solidFill>
@@ -5272,7 +5272,7 @@
         <a:spcBef>
           <a:spcPts val="500"/>
         </a:spcBef>
-        <a:buFont typeface="Arial" panose="020B0604020202020204" pitchFamily="34" charset="0"/>
+        <a:buFont typeface="Arial" panose="02080604020202020204" pitchFamily="34" charset="0"/>
         <a:buChar char="•"/>
         <a:defRPr sz="1800" kern="1200">
           <a:solidFill>
@@ -5290,7 +5290,7 @@
         <a:spcBef>
           <a:spcPts val="500"/>
         </a:spcBef>
-        <a:buFont typeface="Arial" panose="020B0604020202020204" pitchFamily="34" charset="0"/>
+        <a:buFont typeface="Arial" panose="02080604020202020204" pitchFamily="34" charset="0"/>
         <a:buChar char="•"/>
         <a:defRPr sz="1800" kern="1200">
           <a:solidFill>
@@ -5308,7 +5308,7 @@
         <a:spcBef>
           <a:spcPts val="500"/>
         </a:spcBef>
-        <a:buFont typeface="Arial" panose="020B0604020202020204" pitchFamily="34" charset="0"/>
+        <a:buFont typeface="Arial" panose="02080604020202020204" pitchFamily="34" charset="0"/>
         <a:buChar char="•"/>
         <a:defRPr sz="1800" kern="1200">
           <a:solidFill>
@@ -5326,7 +5326,7 @@
         <a:spcBef>
           <a:spcPts val="500"/>
         </a:spcBef>
-        <a:buFont typeface="Arial" panose="020B0604020202020204" pitchFamily="34" charset="0"/>
+        <a:buFont typeface="Arial" panose="02080604020202020204" pitchFamily="34" charset="0"/>
         <a:buChar char="•"/>
         <a:defRPr sz="1800" kern="1200">
           <a:solidFill>
@@ -5344,7 +5344,7 @@
         <a:spcBef>
           <a:spcPts val="500"/>
         </a:spcBef>
-        <a:buFont typeface="Arial" panose="020B0604020202020204" pitchFamily="34" charset="0"/>
+        <a:buFont typeface="Arial" panose="02080604020202020204" pitchFamily="34" charset="0"/>
         <a:buChar char="•"/>
         <a:defRPr sz="1800" kern="1200">
           <a:solidFill>
@@ -5627,90 +5627,14 @@
       </p:grpSp>
       <p:sp>
         <p:nvSpPr>
-          <p:cNvPr id="12" name="Picture Placeholder 11"/>
-          <p:cNvSpPr>
-            <a:spLocks noGrp="1"/>
-          </p:cNvSpPr>
-          <p:nvPr>
-            <p:ph type="pic" sz="quarter" idx="10"/>
-          </p:nvPr>
-        </p:nvSpPr>
-        <p:spPr>
-          <a:xfrm>
-            <a:off x="0" y="1292061"/>
-            <a:ext cx="7173532" cy="4091307"/>
-          </a:xfrm>
-          <a:custGeom>
-            <a:avLst/>
-            <a:gdLst>
-              <a:gd name="connsiteX0" fmla="*/ 0 w 1970468"/>
-              <a:gd name="connsiteY0" fmla="*/ 0 h 1239357"/>
-              <a:gd name="connsiteX1" fmla="*/ 1763904 w 1970468"/>
-              <a:gd name="connsiteY1" fmla="*/ 0 h 1239357"/>
-              <a:gd name="connsiteX2" fmla="*/ 1970468 w 1970468"/>
-              <a:gd name="connsiteY2" fmla="*/ 206564 h 1239357"/>
-              <a:gd name="connsiteX3" fmla="*/ 1970468 w 1970468"/>
-              <a:gd name="connsiteY3" fmla="*/ 1239357 h 1239357"/>
-              <a:gd name="connsiteX4" fmla="*/ 0 w 1970468"/>
-              <a:gd name="connsiteY4" fmla="*/ 1239357 h 1239357"/>
-            </a:gdLst>
-            <a:ahLst/>
-            <a:cxnLst>
-              <a:cxn ang="0">
-                <a:pos x="connsiteX0" y="connsiteY0"/>
-              </a:cxn>
-              <a:cxn ang="0">
-                <a:pos x="connsiteX1" y="connsiteY1"/>
-              </a:cxn>
-              <a:cxn ang="0">
-                <a:pos x="connsiteX2" y="connsiteY2"/>
-              </a:cxn>
-              <a:cxn ang="0">
-                <a:pos x="connsiteX3" y="connsiteY3"/>
-              </a:cxn>
-              <a:cxn ang="0">
-                <a:pos x="connsiteX4" y="connsiteY4"/>
-              </a:cxn>
-            </a:cxnLst>
-            <a:rect l="l" t="t" r="r" b="b"/>
-            <a:pathLst>
-              <a:path w="1970468" h="1239357">
-                <a:moveTo>
-                  <a:pt x="0" y="0"/>
-                </a:moveTo>
-                <a:lnTo>
-                  <a:pt x="1763904" y="0"/>
-                </a:lnTo>
-                <a:lnTo>
-                  <a:pt x="1970468" y="206564"/>
-                </a:lnTo>
-                <a:lnTo>
-                  <a:pt x="1970468" y="1239357"/>
-                </a:lnTo>
-                <a:lnTo>
-                  <a:pt x="0" y="1239357"/>
-                </a:lnTo>
-                <a:close/>
-              </a:path>
-            </a:pathLst>
-          </a:custGeom>
-          <a:solidFill>
-            <a:schemeClr val="tx1">
-              <a:lumMod val="85000"/>
-            </a:schemeClr>
-          </a:solidFill>
-        </p:spPr>
-      </p:sp>
-      <p:sp>
-        <p:nvSpPr>
           <p:cNvPr id="14" name="TextBox 13"/>
           <p:cNvSpPr txBox="1"/>
           <p:nvPr/>
         </p:nvSpPr>
         <p:spPr>
           <a:xfrm>
-            <a:off x="7405351" y="747700"/>
-            <a:ext cx="4365939" cy="2553335"/>
+            <a:off x="6661150" y="1779905"/>
+            <a:ext cx="4853305" cy="1014730"/>
           </a:xfrm>
           <a:prstGeom prst="rect">
             <a:avLst/>
@@ -5724,43 +5648,22 @@
           <a:lstStyle/>
           <a:p>
             <a:r>
-              <a:rPr lang="en-US" sz="8000" b="1" dirty="0">
+              <a:rPr lang="zh-CN" altLang="en-US" sz="6000" b="1" dirty="0">
                 <a:solidFill>
                   <a:schemeClr val="tx2"/>
                 </a:solidFill>
                 <a:latin typeface="Segoe UI" panose="020B0502040204020203" charset="0"/>
-                <a:ea typeface="微软雅黑" panose="020B0503020204020204" charset="-122"/>
+                <a:ea typeface="Microsoft YaHei" panose="020B0503020204020204" charset="-122"/>
                 <a:cs typeface="Noto sans" panose="020B0502040504020204" pitchFamily="34" charset="0"/>
               </a:rPr>
-              <a:t>CASUAL</a:t>
+              <a:t>随机抽题系统</a:t>
             </a:r>
-            <a:endParaRPr lang="en-US" sz="8000" b="1" dirty="0">
+            <a:endParaRPr lang="zh-CN" altLang="en-US" sz="6000" b="1" dirty="0">
               <a:solidFill>
                 <a:schemeClr val="tx2"/>
               </a:solidFill>
               <a:latin typeface="Segoe UI" panose="020B0502040204020203" charset="0"/>
-              <a:ea typeface="微软雅黑" panose="020B0503020204020204" charset="-122"/>
-              <a:cs typeface="Noto sans" panose="020B0502040504020204" pitchFamily="34" charset="0"/>
-            </a:endParaRPr>
-          </a:p>
-          <a:p>
-            <a:r>
-              <a:rPr lang="en-US" sz="8000" b="1" dirty="0">
-                <a:solidFill>
-                  <a:schemeClr val="tx2"/>
-                </a:solidFill>
-                <a:latin typeface="Segoe UI" panose="020B0502040204020203" charset="0"/>
-                <a:ea typeface="微软雅黑" panose="020B0503020204020204" charset="-122"/>
-                <a:cs typeface="Noto sans" panose="020B0502040504020204" pitchFamily="34" charset="0"/>
-              </a:rPr>
-              <a:t>SHOES</a:t>
-            </a:r>
-            <a:endParaRPr lang="en-ID" sz="8000" b="1" dirty="0">
-              <a:solidFill>
-                <a:schemeClr val="tx2"/>
-              </a:solidFill>
-              <a:latin typeface="Segoe UI" panose="020B0502040204020203" charset="0"/>
-              <a:ea typeface="微软雅黑" panose="020B0503020204020204" charset="-122"/>
+              <a:ea typeface="Microsoft YaHei" panose="020B0503020204020204" charset="-122"/>
               <a:cs typeface="Noto sans" panose="020B0502040504020204" pitchFamily="34" charset="0"/>
             </a:endParaRPr>
           </a:p>
@@ -5821,7 +5724,7 @@
         <p:spPr>
           <a:xfrm>
             <a:off x="6529589" y="3537169"/>
-            <a:ext cx="5241701" cy="306705"/>
+            <a:ext cx="5241701" cy="521970"/>
           </a:xfrm>
           <a:prstGeom prst="rect">
             <a:avLst/>
@@ -5836,24 +5739,96 @@
           <a:p>
             <a:pPr algn="just"/>
             <a:r>
-              <a:rPr lang="en-US" sz="1400" b="1" i="0" dirty="0">
+              <a:rPr lang="zh-CN" altLang="en-US" sz="1400" b="1" i="0" dirty="0">
                 <a:solidFill>
                   <a:schemeClr val="bg1"/>
                 </a:solidFill>
                 <a:effectLst/>
                 <a:latin typeface="Segoe UI" panose="020B0502040204020203" charset="0"/>
-                <a:ea typeface="微软雅黑" panose="020B0503020204020204" charset="-122"/>
+                <a:ea typeface="Microsoft YaHei" panose="020B0503020204020204" charset="-122"/>
                 <a:cs typeface="Poppins" panose="00000500000000000000" pitchFamily="2" charset="0"/>
               </a:rPr>
-              <a:t>If I ever let my head down, it will be to admire my shoes</a:t>
+              <a:t>使用由</a:t>
             </a:r>
-            <a:endParaRPr lang="en-US" sz="1400" b="1" i="0" dirty="0">
+            <a:r>
+              <a:rPr lang="en-US" altLang="zh-CN" sz="1400" b="1" i="0" dirty="0">
+                <a:solidFill>
+                  <a:schemeClr val="bg1"/>
+                </a:solidFill>
+                <a:effectLst/>
+                <a:latin typeface="Segoe UI" panose="020B0502040204020203" charset="0"/>
+                <a:ea typeface="Microsoft YaHei" panose="020B0503020204020204" charset="-122"/>
+                <a:cs typeface="Poppins" panose="00000500000000000000" pitchFamily="2" charset="0"/>
+              </a:rPr>
+              <a:t>C++</a:t>
+            </a:r>
+            <a:r>
+              <a:rPr lang="zh-CN" altLang="en-US" sz="1400" b="1" i="0" dirty="0">
+                <a:solidFill>
+                  <a:schemeClr val="bg1"/>
+                </a:solidFill>
+                <a:effectLst/>
+                <a:latin typeface="Segoe UI" panose="020B0502040204020203" charset="0"/>
+                <a:ea typeface="Microsoft YaHei" panose="020B0503020204020204" charset="-122"/>
+                <a:cs typeface="Poppins" panose="00000500000000000000" pitchFamily="2" charset="0"/>
+              </a:rPr>
+              <a:t>通过WebAssembly编译而成的</a:t>
+            </a:r>
+            <a:r>
+              <a:rPr lang="en-US" altLang="zh-CN" sz="1400" b="1" i="0" dirty="0">
+                <a:solidFill>
+                  <a:schemeClr val="bg1"/>
+                </a:solidFill>
+                <a:effectLst/>
+                <a:latin typeface="Segoe UI" panose="020B0502040204020203" charset="0"/>
+                <a:ea typeface="Microsoft YaHei" panose="020B0503020204020204" charset="-122"/>
+                <a:cs typeface="Poppins" panose="00000500000000000000" pitchFamily="2" charset="0"/>
+              </a:rPr>
+              <a:t>JavaScript</a:t>
+            </a:r>
+            <a:r>
+              <a:rPr lang="zh-CN" altLang="en-US" sz="1400" b="1" i="0" dirty="0">
+                <a:solidFill>
+                  <a:schemeClr val="bg1"/>
+                </a:solidFill>
+                <a:effectLst/>
+                <a:latin typeface="Segoe UI" panose="020B0502040204020203" charset="0"/>
+                <a:ea typeface="Microsoft YaHei" panose="020B0503020204020204" charset="-122"/>
+                <a:cs typeface="Poppins" panose="00000500000000000000" pitchFamily="2" charset="0"/>
+              </a:rPr>
+              <a:t>作为后端，</a:t>
+            </a:r>
+            <a:r>
+              <a:rPr lang="en-US" altLang="zh-CN" sz="1400" b="1" i="0" dirty="0">
+                <a:solidFill>
+                  <a:schemeClr val="bg1"/>
+                </a:solidFill>
+                <a:effectLst/>
+                <a:latin typeface="Segoe UI" panose="020B0502040204020203" charset="0"/>
+                <a:ea typeface="Microsoft YaHei" panose="020B0503020204020204" charset="-122"/>
+                <a:cs typeface="Poppins" panose="00000500000000000000" pitchFamily="2" charset="0"/>
+              </a:rPr>
+              <a:t>HTML</a:t>
+            </a:r>
+            <a:r>
+              <a:rPr lang="zh-CN" altLang="en-US" sz="1400" b="1" i="0" dirty="0">
+                <a:solidFill>
+                  <a:schemeClr val="bg1"/>
+                </a:solidFill>
+                <a:effectLst/>
+                <a:latin typeface="Segoe UI" panose="020B0502040204020203" charset="0"/>
+                <a:ea typeface="Microsoft YaHei" panose="020B0503020204020204" charset="-122"/>
+                <a:cs typeface="Poppins" panose="00000500000000000000" pitchFamily="2" charset="0"/>
+              </a:rPr>
+              <a:t>为前端的随机抽题系统</a:t>
+            </a:r>
+            <a:endParaRPr lang="zh-CN" altLang="en-US" sz="1400" b="1" i="0" dirty="0">
               <a:solidFill>
                 <a:schemeClr val="bg1"/>
               </a:solidFill>
               <a:effectLst/>
               <a:latin typeface="Segoe UI" panose="020B0502040204020203" charset="0"/>
-              <a:ea typeface="微软雅黑" panose="020B0503020204020204" charset="-122"/>
+              <a:ea typeface="Microsoft YaHei" panose="020B0503020204020204" charset="-122"/>
               <a:cs typeface="Poppins" panose="00000500000000000000" pitchFamily="2" charset="0"/>
             </a:endParaRPr>
           </a:p>
@@ -5867,7 +5842,7 @@
         </p:nvSpPr>
         <p:spPr>
           <a:xfrm>
-            <a:off x="6529589" y="3888602"/>
+            <a:off x="6591819" y="4058782"/>
             <a:ext cx="5116473" cy="737235"/>
           </a:xfrm>
           <a:prstGeom prst="rect">
@@ -5983,7 +5958,7 @@
                 </a:solidFill>
                 <a:effectLst/>
                 <a:latin typeface="Segoe UI" panose="020B0502040204020203" charset="0"/>
-                <a:ea typeface="微软雅黑" panose="020B0503020204020204" charset="-122"/>
+                <a:ea typeface="Microsoft YaHei" panose="020B0503020204020204" charset="-122"/>
               </a:rPr>
               <a:t>Lorem Ipsum is simply dummy text of the printing and typesetting industry. Lorem Ipsum has been the industry's standard dummy text ever since the 1500s, when an unknown printer took a galley of type and scrambled it to make a type specimen book.</a:t>
             </a:r>
@@ -5993,7 +5968,7 @@
               </a:solidFill>
               <a:effectLst/>
               <a:latin typeface="Segoe UI" panose="020B0502040204020203" charset="0"/>
-              <a:ea typeface="微软雅黑" panose="020B0503020204020204" charset="-122"/>
+              <a:ea typeface="Microsoft YaHei" panose="020B0503020204020204" charset="-122"/>
               <a:cs typeface="Poppins" panose="00000500000000000000" pitchFamily="2" charset="0"/>
             </a:endParaRPr>
           </a:p>
@@ -6027,7 +6002,7 @@
                   <a:schemeClr val="tx2"/>
                 </a:solidFill>
                 <a:latin typeface="Segoe UI" panose="020B0502040204020203" charset="0"/>
-                <a:ea typeface="微软雅黑" panose="020B0503020204020204" charset="-122"/>
+                <a:ea typeface="Microsoft YaHei" panose="020B0503020204020204" charset="-122"/>
                 <a:cs typeface="Noto sans" panose="020B0502040504020204" pitchFamily="34" charset="0"/>
               </a:rPr>
               <a:t>Modern Presentation</a:t>
@@ -6037,7 +6012,7 @@
                 <a:schemeClr val="tx2"/>
               </a:solidFill>
               <a:latin typeface="Segoe UI" panose="020B0502040204020203" charset="0"/>
-              <a:ea typeface="微软雅黑" panose="020B0503020204020204" charset="-122"/>
+              <a:ea typeface="Microsoft YaHei" panose="020B0503020204020204" charset="-122"/>
               <a:cs typeface="Noto sans" panose="020B0502040504020204" pitchFamily="34" charset="0"/>
             </a:endParaRPr>
           </a:p>
@@ -6250,157 +6225,23 @@
           <a:lstStyle/>
           <a:p>
             <a:r>
-              <a:rPr lang="en-US" sz="1600" b="1" dirty="0">
+              <a:rPr lang="en-US" altLang="zh-CN" sz="1600" b="1" dirty="0">
                 <a:solidFill>
                   <a:schemeClr val="tx2"/>
                 </a:solidFill>
                 <a:latin typeface="Segoe UI" panose="020B0502040204020203" charset="0"/>
-                <a:ea typeface="微软雅黑" panose="020B0503020204020204" charset="-122"/>
+                <a:ea typeface="Microsoft YaHei" panose="020B0503020204020204" charset="-122"/>
                 <a:cs typeface="Noto sans" panose="020B0502040504020204" pitchFamily="34" charset="0"/>
               </a:rPr>
-              <a:t>Brand Name</a:t>
+              <a:t>Index</a:t>
             </a:r>
-            <a:endParaRPr lang="en-US" sz="1600" b="1" dirty="0">
+            <a:endParaRPr lang="en-US" altLang="zh-CN" sz="1600" b="1" dirty="0">
               <a:solidFill>
                 <a:schemeClr val="tx2"/>
               </a:solidFill>
               <a:latin typeface="Segoe UI" panose="020B0502040204020203" charset="0"/>
-              <a:ea typeface="微软雅黑" panose="020B0503020204020204" charset="-122"/>
+              <a:ea typeface="Microsoft YaHei" panose="020B0503020204020204" charset="-122"/>
               <a:cs typeface="Noto sans" panose="020B0502040504020204" pitchFamily="34" charset="0"/>
-            </a:endParaRPr>
-          </a:p>
-        </p:txBody>
-      </p:sp>
-      <p:sp>
-        <p:nvSpPr>
-          <p:cNvPr id="47" name="TextBox 34"/>
-          <p:cNvSpPr txBox="1"/>
-          <p:nvPr/>
-        </p:nvSpPr>
-        <p:spPr>
-          <a:xfrm>
-            <a:off x="409173" y="5579731"/>
-            <a:ext cx="5797505" cy="575945"/>
-          </a:xfrm>
-          <a:prstGeom prst="rect">
-            <a:avLst/>
-          </a:prstGeom>
-          <a:noFill/>
-        </p:spPr>
-        <p:txBody>
-          <a:bodyPr wrap="square" rtlCol="0">
-            <a:spAutoFit/>
-          </a:bodyPr>
-          <a:lstStyle>
-            <a:defPPr>
-              <a:defRPr lang="en-US"/>
-            </a:defPPr>
-            <a:lvl1pPr marL="0" algn="l" defTabSz="914400" rtl="0" eaLnBrk="1" latinLnBrk="0" hangingPunct="1">
-              <a:defRPr sz="1800" kern="1200">
-                <a:solidFill>
-                  <a:schemeClr val="tx1"/>
-                </a:solidFill>
-                <a:latin typeface="+mn-lt"/>
-                <a:ea typeface="+mn-ea"/>
-                <a:cs typeface="+mn-cs"/>
-              </a:defRPr>
-            </a:lvl1pPr>
-            <a:lvl2pPr marL="457200" algn="l" defTabSz="914400" rtl="0" eaLnBrk="1" latinLnBrk="0" hangingPunct="1">
-              <a:defRPr sz="1800" kern="1200">
-                <a:solidFill>
-                  <a:schemeClr val="tx1"/>
-                </a:solidFill>
-                <a:latin typeface="+mn-lt"/>
-                <a:ea typeface="+mn-ea"/>
-                <a:cs typeface="+mn-cs"/>
-              </a:defRPr>
-            </a:lvl2pPr>
-            <a:lvl3pPr marL="914400" algn="l" defTabSz="914400" rtl="0" eaLnBrk="1" latinLnBrk="0" hangingPunct="1">
-              <a:defRPr sz="1800" kern="1200">
-                <a:solidFill>
-                  <a:schemeClr val="tx1"/>
-                </a:solidFill>
-                <a:latin typeface="+mn-lt"/>
-                <a:ea typeface="+mn-ea"/>
-                <a:cs typeface="+mn-cs"/>
-              </a:defRPr>
-            </a:lvl3pPr>
-            <a:lvl4pPr marL="1371600" algn="l" defTabSz="914400" rtl="0" eaLnBrk="1" latinLnBrk="0" hangingPunct="1">
-              <a:defRPr sz="1800" kern="1200">
-                <a:solidFill>
-                  <a:schemeClr val="tx1"/>
-                </a:solidFill>
-                <a:latin typeface="+mn-lt"/>
-                <a:ea typeface="+mn-ea"/>
-                <a:cs typeface="+mn-cs"/>
-              </a:defRPr>
-            </a:lvl4pPr>
-            <a:lvl5pPr marL="1828800" algn="l" defTabSz="914400" rtl="0" eaLnBrk="1" latinLnBrk="0" hangingPunct="1">
-              <a:defRPr sz="1800" kern="1200">
-                <a:solidFill>
-                  <a:schemeClr val="tx1"/>
-                </a:solidFill>
-                <a:latin typeface="+mn-lt"/>
-                <a:ea typeface="+mn-ea"/>
-                <a:cs typeface="+mn-cs"/>
-              </a:defRPr>
-            </a:lvl5pPr>
-            <a:lvl6pPr marL="2286000" algn="l" defTabSz="914400" rtl="0" eaLnBrk="1" latinLnBrk="0" hangingPunct="1">
-              <a:defRPr sz="1800" kern="1200">
-                <a:solidFill>
-                  <a:schemeClr val="tx1"/>
-                </a:solidFill>
-                <a:latin typeface="+mn-lt"/>
-                <a:ea typeface="+mn-ea"/>
-                <a:cs typeface="+mn-cs"/>
-              </a:defRPr>
-            </a:lvl6pPr>
-            <a:lvl7pPr marL="2743200" algn="l" defTabSz="914400" rtl="0" eaLnBrk="1" latinLnBrk="0" hangingPunct="1">
-              <a:defRPr sz="1800" kern="1200">
-                <a:solidFill>
-                  <a:schemeClr val="tx1"/>
-                </a:solidFill>
-                <a:latin typeface="+mn-lt"/>
-                <a:ea typeface="+mn-ea"/>
-                <a:cs typeface="+mn-cs"/>
-              </a:defRPr>
-            </a:lvl7pPr>
-            <a:lvl8pPr marL="3200400" algn="l" defTabSz="914400" rtl="0" eaLnBrk="1" latinLnBrk="0" hangingPunct="1">
-              <a:defRPr sz="1800" kern="1200">
-                <a:solidFill>
-                  <a:schemeClr val="tx1"/>
-                </a:solidFill>
-                <a:latin typeface="+mn-lt"/>
-                <a:ea typeface="+mn-ea"/>
-                <a:cs typeface="+mn-cs"/>
-              </a:defRPr>
-            </a:lvl8pPr>
-            <a:lvl9pPr marL="3657600" algn="l" defTabSz="914400" rtl="0" eaLnBrk="1" latinLnBrk="0" hangingPunct="1">
-              <a:defRPr sz="1800" kern="1200">
-                <a:solidFill>
-                  <a:schemeClr val="tx1"/>
-                </a:solidFill>
-                <a:latin typeface="+mn-lt"/>
-                <a:ea typeface="+mn-ea"/>
-                <a:cs typeface="+mn-cs"/>
-              </a:defRPr>
-            </a:lvl9pPr>
-          </a:lstStyle>
-          <a:p>
-            <a:pPr algn="just"/>
-            <a:r>
-              <a:rPr lang="en-US" sz="1050" b="0" i="0" dirty="0">
-                <a:effectLst/>
-                <a:latin typeface="Segoe UI" panose="020B0502040204020203" charset="0"/>
-                <a:ea typeface="微软雅黑" panose="020B0503020204020204" charset="-122"/>
-              </a:rPr>
-              <a:t>Lorem Ipsum is simply dummy text of the printing and typesetting industry. Lorem Ipsum has been the industry's standard dummy text ever since the 1500s, when an unknown printer took a galley of type and scrambled it to make a type specimen book.</a:t>
-            </a:r>
-            <a:endParaRPr lang="en-US" sz="1050" b="0" i="0" dirty="0">
-              <a:effectLst/>
-              <a:latin typeface="Segoe UI" panose="020B0502040204020203" charset="0"/>
-              <a:ea typeface="微软雅黑" panose="020B0503020204020204" charset="-122"/>
-              <a:cs typeface="Poppins" panose="00000500000000000000" pitchFamily="2" charset="0"/>
             </a:endParaRPr>
           </a:p>
         </p:txBody>
@@ -6558,6 +6399,51 @@
           </p:txBody>
         </p:sp>
       </p:grpSp>
+      <p:sp>
+        <p:nvSpPr>
+          <p:cNvPr id="19" name="Oval 18"/>
+          <p:cNvSpPr/>
+          <p:nvPr/>
+        </p:nvSpPr>
+        <p:spPr>
+          <a:xfrm>
+            <a:off x="-2111188" y="983155"/>
+            <a:ext cx="5331511" cy="4984124"/>
+          </a:xfrm>
+          <a:prstGeom prst="ellipse">
+            <a:avLst/>
+          </a:prstGeom>
+          <a:solidFill>
+            <a:schemeClr val="accent3"/>
+          </a:solidFill>
+          <a:ln>
+            <a:noFill/>
+          </a:ln>
+        </p:spPr>
+        <p:style>
+          <a:lnRef idx="2">
+            <a:schemeClr val="accent1">
+              <a:shade val="50000"/>
+            </a:schemeClr>
+          </a:lnRef>
+          <a:fillRef idx="1">
+            <a:schemeClr val="accent1"/>
+          </a:fillRef>
+          <a:effectRef idx="0">
+            <a:schemeClr val="accent1"/>
+          </a:effectRef>
+          <a:fontRef idx="minor">
+            <a:schemeClr val="lt1"/>
+          </a:fontRef>
+        </p:style>
+        <p:txBody>
+          <a:bodyPr rtlCol="0" anchor="ctr"/>
+          <a:p>
+            <a:pPr algn="ctr"/>
+            <a:endParaRPr lang="en-ID"/>
+          </a:p>
+        </p:txBody>
+      </p:sp>
     </p:spTree>
   </p:cSld>
   <p:clrMapOvr>
@@ -6776,7 +6662,7 @@
                   <a:schemeClr val="tx2"/>
                 </a:solidFill>
                 <a:latin typeface="Segoe UI" panose="020B0502040204020203" charset="0"/>
-                <a:ea typeface="微软雅黑" panose="020B0503020204020204" charset="-122"/>
+                <a:ea typeface="Microsoft YaHei" panose="020B0503020204020204" charset="-122"/>
                 <a:cs typeface="Noto sans" panose="020B0502040504020204" pitchFamily="34" charset="0"/>
               </a:rPr>
               <a:t>Modern Presentation</a:t>
@@ -6786,7 +6672,7 @@
                 <a:schemeClr val="tx2"/>
               </a:solidFill>
               <a:latin typeface="Segoe UI" panose="020B0502040204020203" charset="0"/>
-              <a:ea typeface="微软雅黑" panose="020B0503020204020204" charset="-122"/>
+              <a:ea typeface="Microsoft YaHei" panose="020B0503020204020204" charset="-122"/>
               <a:cs typeface="Noto sans" panose="020B0502040504020204" pitchFamily="34" charset="0"/>
             </a:endParaRPr>
           </a:p>
@@ -7004,7 +6890,7 @@
                   <a:schemeClr val="tx2"/>
                 </a:solidFill>
                 <a:latin typeface="Segoe UI" panose="020B0502040204020203" charset="0"/>
-                <a:ea typeface="微软雅黑" panose="020B0503020204020204" charset="-122"/>
+                <a:ea typeface="Microsoft YaHei" panose="020B0503020204020204" charset="-122"/>
                 <a:cs typeface="Noto sans" panose="020B0502040504020204" pitchFamily="34" charset="0"/>
               </a:rPr>
               <a:t>Brand Name</a:t>
@@ -7014,7 +6900,7 @@
                 <a:schemeClr val="tx2"/>
               </a:solidFill>
               <a:latin typeface="Segoe UI" panose="020B0502040204020203" charset="0"/>
-              <a:ea typeface="微软雅黑" panose="020B0503020204020204" charset="-122"/>
+              <a:ea typeface="Microsoft YaHei" panose="020B0503020204020204" charset="-122"/>
               <a:cs typeface="Noto sans" panose="020B0502040504020204" pitchFamily="34" charset="0"/>
             </a:endParaRPr>
           </a:p>
@@ -7268,7 +7154,7 @@
                 </a:solidFill>
                 <a:effectLst/>
                 <a:latin typeface="Segoe UI" panose="020B0502040204020203" charset="0"/>
-                <a:ea typeface="微软雅黑" panose="020B0503020204020204" charset="-122"/>
+                <a:ea typeface="Microsoft YaHei" panose="020B0503020204020204" charset="-122"/>
                 <a:cs typeface="Poppins" panose="00000500000000000000" pitchFamily="2" charset="0"/>
               </a:rPr>
               <a:t>If I ever let my head down, it will be to admire my shoes</a:t>
@@ -7279,7 +7165,7 @@
               </a:solidFill>
               <a:effectLst/>
               <a:latin typeface="Segoe UI" panose="020B0502040204020203" charset="0"/>
-              <a:ea typeface="微软雅黑" panose="020B0503020204020204" charset="-122"/>
+              <a:ea typeface="Microsoft YaHei" panose="020B0503020204020204" charset="-122"/>
               <a:cs typeface="Poppins" panose="00000500000000000000" pitchFamily="2" charset="0"/>
             </a:endParaRPr>
           </a:p>
@@ -7313,7 +7199,7 @@
                   <a:schemeClr val="tx2"/>
                 </a:solidFill>
                 <a:latin typeface="Segoe UI" panose="020B0502040204020203" charset="0"/>
-                <a:ea typeface="微软雅黑" panose="020B0503020204020204" charset="-122"/>
+                <a:ea typeface="Microsoft YaHei" panose="020B0503020204020204" charset="-122"/>
                 <a:cs typeface="Noto sans" panose="020B0502040504020204" pitchFamily="34" charset="0"/>
               </a:rPr>
               <a:t>Development</a:t>
@@ -7323,7 +7209,7 @@
                 <a:schemeClr val="tx2"/>
               </a:solidFill>
               <a:latin typeface="Segoe UI" panose="020B0502040204020203" charset="0"/>
-              <a:ea typeface="微软雅黑" panose="020B0503020204020204" charset="-122"/>
+              <a:ea typeface="Microsoft YaHei" panose="020B0503020204020204" charset="-122"/>
               <a:cs typeface="Noto sans" panose="020B0502040504020204" pitchFamily="34" charset="0"/>
             </a:endParaRPr>
           </a:p>
@@ -7404,7 +7290,7 @@
                 </a:solidFill>
                 <a:effectLst/>
                 <a:latin typeface="Segoe UI" panose="020B0502040204020203" charset="0"/>
-                <a:ea typeface="微软雅黑" panose="020B0503020204020204" charset="-122"/>
+                <a:ea typeface="Microsoft YaHei" panose="020B0503020204020204" charset="-122"/>
                 <a:cs typeface="Poppins" panose="00000500000000000000" pitchFamily="2" charset="0"/>
               </a:rPr>
               <a:t>If I ever let my head down, it will be to admire my shoes</a:t>
@@ -7415,7 +7301,7 @@
               </a:solidFill>
               <a:effectLst/>
               <a:latin typeface="Segoe UI" panose="020B0502040204020203" charset="0"/>
-              <a:ea typeface="微软雅黑" panose="020B0503020204020204" charset="-122"/>
+              <a:ea typeface="Microsoft YaHei" panose="020B0503020204020204" charset="-122"/>
               <a:cs typeface="Poppins" panose="00000500000000000000" pitchFamily="2" charset="0"/>
             </a:endParaRPr>
           </a:p>
@@ -7448,14 +7334,14 @@
               <a:rPr lang="en-US" sz="900" b="0" i="0" dirty="0">
                 <a:effectLst/>
                 <a:latin typeface="Segoe UI" panose="020B0502040204020203" charset="0"/>
-                <a:ea typeface="微软雅黑" panose="020B0503020204020204" charset="-122"/>
+                <a:ea typeface="Microsoft YaHei" panose="020B0503020204020204" charset="-122"/>
               </a:rPr>
               <a:t>Lorem Ipsum is simply dummy text of the printing and typesetting industry. Lorem Ipsum has been the industry's standard dummy text ever since the 1500s, when an unknown printer took a galley of type and scrambled it to make a type specimen book.</a:t>
             </a:r>
             <a:endParaRPr lang="en-US" sz="900" b="0" i="0" dirty="0">
               <a:effectLst/>
               <a:latin typeface="Segoe UI" panose="020B0502040204020203" charset="0"/>
-              <a:ea typeface="微软雅黑" panose="020B0503020204020204" charset="-122"/>
+              <a:ea typeface="Microsoft YaHei" panose="020B0503020204020204" charset="-122"/>
               <a:cs typeface="Poppins" panose="00000500000000000000" pitchFamily="2" charset="0"/>
             </a:endParaRPr>
           </a:p>
@@ -7488,14 +7374,14 @@
               <a:rPr lang="en-US" sz="900" b="0" i="0" dirty="0">
                 <a:effectLst/>
                 <a:latin typeface="Segoe UI" panose="020B0502040204020203" charset="0"/>
-                <a:ea typeface="微软雅黑" panose="020B0503020204020204" charset="-122"/>
+                <a:ea typeface="Microsoft YaHei" panose="020B0503020204020204" charset="-122"/>
               </a:rPr>
               <a:t>Lorem Ipsum is simply dummy text of the printing and typesetting industry. Lorem Ipsum has been the industry's standard dummy text ever since the 1500s, when an unknown printer took a galley of type and scrambled it to make a type specimen book.</a:t>
             </a:r>
             <a:endParaRPr lang="en-US" sz="900" b="0" i="0" dirty="0">
               <a:effectLst/>
               <a:latin typeface="Segoe UI" panose="020B0502040204020203" charset="0"/>
-              <a:ea typeface="微软雅黑" panose="020B0503020204020204" charset="-122"/>
+              <a:ea typeface="Microsoft YaHei" panose="020B0503020204020204" charset="-122"/>
               <a:cs typeface="Poppins" panose="00000500000000000000" pitchFamily="2" charset="0"/>
             </a:endParaRPr>
           </a:p>
@@ -7528,14 +7414,14 @@
               <a:rPr lang="en-US" sz="900" b="0" i="0" dirty="0">
                 <a:effectLst/>
                 <a:latin typeface="Segoe UI" panose="020B0502040204020203" charset="0"/>
-                <a:ea typeface="微软雅黑" panose="020B0503020204020204" charset="-122"/>
+                <a:ea typeface="Microsoft YaHei" panose="020B0503020204020204" charset="-122"/>
               </a:rPr>
               <a:t>Lorem Ipsum is simply dummy text of the printing and typesetting industry. Lorem Ipsum has been the industry's standard dummy text ever since the 1500s, when an unknown printer took a galley of type and scrambled it to make a type specimen book.</a:t>
             </a:r>
             <a:endParaRPr lang="en-US" sz="900" b="0" i="0" dirty="0">
               <a:effectLst/>
               <a:latin typeface="Segoe UI" panose="020B0502040204020203" charset="0"/>
-              <a:ea typeface="微软雅黑" panose="020B0503020204020204" charset="-122"/>
+              <a:ea typeface="Microsoft YaHei" panose="020B0503020204020204" charset="-122"/>
               <a:cs typeface="Poppins" panose="00000500000000000000" pitchFamily="2" charset="0"/>
             </a:endParaRPr>
           </a:p>
@@ -7568,14 +7454,14 @@
               <a:rPr lang="en-US" sz="900" b="0" i="0" dirty="0">
                 <a:effectLst/>
                 <a:latin typeface="Segoe UI" panose="020B0502040204020203" charset="0"/>
-                <a:ea typeface="微软雅黑" panose="020B0503020204020204" charset="-122"/>
+                <a:ea typeface="Microsoft YaHei" panose="020B0503020204020204" charset="-122"/>
               </a:rPr>
               <a:t>Lorem Ipsum is simply dummy text of the printing and typesetting industry. Lorem Ipsum has been the industry's standard dummy text ever since the 1500s, when an unknown printer took a galley of type and scrambled it to make a type specimen book.</a:t>
             </a:r>
             <a:endParaRPr lang="en-US" sz="900" b="0" i="0" dirty="0">
               <a:effectLst/>
               <a:latin typeface="Segoe UI" panose="020B0502040204020203" charset="0"/>
-              <a:ea typeface="微软雅黑" panose="020B0503020204020204" charset="-122"/>
+              <a:ea typeface="Microsoft YaHei" panose="020B0503020204020204" charset="-122"/>
               <a:cs typeface="Poppins" panose="00000500000000000000" pitchFamily="2" charset="0"/>
             </a:endParaRPr>
           </a:p>
@@ -7999,7 +7885,7 @@
                   <a:schemeClr val="tx2"/>
                 </a:solidFill>
                 <a:latin typeface="Segoe UI" panose="020B0502040204020203" charset="0"/>
-                <a:ea typeface="微软雅黑" panose="020B0503020204020204" charset="-122"/>
+                <a:ea typeface="Microsoft YaHei" panose="020B0503020204020204" charset="-122"/>
                 <a:cs typeface="Noto sans" panose="020B0502040504020204" pitchFamily="34" charset="0"/>
               </a:rPr>
               <a:t>Modern Presentation</a:t>
@@ -8009,7 +7895,7 @@
                 <a:schemeClr val="tx2"/>
               </a:solidFill>
               <a:latin typeface="Segoe UI" panose="020B0502040204020203" charset="0"/>
-              <a:ea typeface="微软雅黑" panose="020B0503020204020204" charset="-122"/>
+              <a:ea typeface="Microsoft YaHei" panose="020B0503020204020204" charset="-122"/>
               <a:cs typeface="Noto sans" panose="020B0502040504020204" pitchFamily="34" charset="0"/>
             </a:endParaRPr>
           </a:p>
@@ -8227,7 +8113,7 @@
                   <a:schemeClr val="tx2"/>
                 </a:solidFill>
                 <a:latin typeface="Segoe UI" panose="020B0502040204020203" charset="0"/>
-                <a:ea typeface="微软雅黑" panose="020B0503020204020204" charset="-122"/>
+                <a:ea typeface="Microsoft YaHei" panose="020B0503020204020204" charset="-122"/>
                 <a:cs typeface="Noto sans" panose="020B0502040504020204" pitchFamily="34" charset="0"/>
               </a:rPr>
               <a:t>Brand Name</a:t>
@@ -8237,7 +8123,7 @@
                 <a:schemeClr val="tx2"/>
               </a:solidFill>
               <a:latin typeface="Segoe UI" panose="020B0502040204020203" charset="0"/>
-              <a:ea typeface="微软雅黑" panose="020B0503020204020204" charset="-122"/>
+              <a:ea typeface="Microsoft YaHei" panose="020B0503020204020204" charset="-122"/>
               <a:cs typeface="Noto sans" panose="020B0502040504020204" pitchFamily="34" charset="0"/>
             </a:endParaRPr>
           </a:p>
@@ -8425,7 +8311,7 @@
                   <a:schemeClr val="tx2"/>
                 </a:solidFill>
                 <a:latin typeface="Segoe UI" panose="020B0502040204020203" charset="0"/>
-                <a:ea typeface="微软雅黑" panose="020B0503020204020204" charset="-122"/>
+                <a:ea typeface="Microsoft YaHei" panose="020B0503020204020204" charset="-122"/>
                 <a:cs typeface="Noto sans" panose="020B0502040504020204" pitchFamily="34" charset="0"/>
               </a:rPr>
               <a:t>Production Stages</a:t>
@@ -8435,7 +8321,7 @@
                 <a:schemeClr val="tx2"/>
               </a:solidFill>
               <a:latin typeface="Segoe UI" panose="020B0502040204020203" charset="0"/>
-              <a:ea typeface="微软雅黑" panose="020B0503020204020204" charset="-122"/>
+              <a:ea typeface="Microsoft YaHei" panose="020B0503020204020204" charset="-122"/>
               <a:cs typeface="Noto sans" panose="020B0502040504020204" pitchFamily="34" charset="0"/>
             </a:endParaRPr>
           </a:p>
@@ -8802,14 +8688,14 @@
               <a:rPr lang="en-US" sz="1000" b="0" i="0" dirty="0">
                 <a:effectLst/>
                 <a:latin typeface="Segoe UI" panose="020B0502040204020203" charset="0"/>
-                <a:ea typeface="微软雅黑" panose="020B0503020204020204" charset="-122"/>
+                <a:ea typeface="Microsoft YaHei" panose="020B0503020204020204" charset="-122"/>
               </a:rPr>
               <a:t>Lorem Ipsum is simply dummy text of the printing and typesetting industry. Lorem Ipsum has been the industry's standard dummy text ever since the 1500s, when an unknown printer took a galley of type and scrambled it to make a type specimen book.</a:t>
             </a:r>
             <a:endParaRPr lang="en-US" sz="1000" b="0" i="0" dirty="0">
               <a:effectLst/>
               <a:latin typeface="Segoe UI" panose="020B0502040204020203" charset="0"/>
-              <a:ea typeface="微软雅黑" panose="020B0503020204020204" charset="-122"/>
+              <a:ea typeface="Microsoft YaHei" panose="020B0503020204020204" charset="-122"/>
               <a:cs typeface="Poppins" panose="00000500000000000000" pitchFamily="2" charset="0"/>
             </a:endParaRPr>
           </a:p>
@@ -9068,14 +8954,14 @@
               <a:rPr lang="en-US" sz="1000" b="0" i="0" dirty="0">
                 <a:effectLst/>
                 <a:latin typeface="Segoe UI" panose="020B0502040204020203" charset="0"/>
-                <a:ea typeface="微软雅黑" panose="020B0503020204020204" charset="-122"/>
+                <a:ea typeface="Microsoft YaHei" panose="020B0503020204020204" charset="-122"/>
               </a:rPr>
               <a:t>Lorem Ipsum is simply dummy text of the printing and typesetting industry. Lorem Ipsum has been the industry's standard dummy text ever since the 1500s, when an unknown printer took a galley of type and scrambled it to make a type specimen book.</a:t>
             </a:r>
             <a:endParaRPr lang="en-US" sz="1000" b="0" i="0" dirty="0">
               <a:effectLst/>
               <a:latin typeface="Segoe UI" panose="020B0502040204020203" charset="0"/>
-              <a:ea typeface="微软雅黑" panose="020B0503020204020204" charset="-122"/>
+              <a:ea typeface="Microsoft YaHei" panose="020B0503020204020204" charset="-122"/>
               <a:cs typeface="Poppins" panose="00000500000000000000" pitchFamily="2" charset="0"/>
             </a:endParaRPr>
           </a:p>
@@ -9334,14 +9220,14 @@
               <a:rPr lang="en-US" sz="1000" b="0" i="0" dirty="0">
                 <a:effectLst/>
                 <a:latin typeface="Segoe UI" panose="020B0502040204020203" charset="0"/>
-                <a:ea typeface="微软雅黑" panose="020B0503020204020204" charset="-122"/>
+                <a:ea typeface="Microsoft YaHei" panose="020B0503020204020204" charset="-122"/>
               </a:rPr>
               <a:t>Lorem Ipsum is simply dummy text of the printing and typesetting industry. Lorem Ipsum has been the industry's standard dummy text ever since the 1500s, when an unknown printer took a galley of type and scrambled it to make a type specimen book.</a:t>
             </a:r>
             <a:endParaRPr lang="en-US" sz="1000" b="0" i="0" dirty="0">
               <a:effectLst/>
               <a:latin typeface="Segoe UI" panose="020B0502040204020203" charset="0"/>
-              <a:ea typeface="微软雅黑" panose="020B0503020204020204" charset="-122"/>
+              <a:ea typeface="Microsoft YaHei" panose="020B0503020204020204" charset="-122"/>
               <a:cs typeface="Poppins" panose="00000500000000000000" pitchFamily="2" charset="0"/>
             </a:endParaRPr>
           </a:p>
@@ -9600,14 +9486,14 @@
               <a:rPr lang="en-US" sz="1000" b="0" i="0" dirty="0">
                 <a:effectLst/>
                 <a:latin typeface="Segoe UI" panose="020B0502040204020203" charset="0"/>
-                <a:ea typeface="微软雅黑" panose="020B0503020204020204" charset="-122"/>
+                <a:ea typeface="Microsoft YaHei" panose="020B0503020204020204" charset="-122"/>
               </a:rPr>
               <a:t>Lorem Ipsum is simply dummy text of the printing and typesetting industry. Lorem Ipsum has been the industry's standard dummy text ever since the 1500s, when an unknown printer took a galley of type and scrambled it to make a type specimen book.</a:t>
             </a:r>
             <a:endParaRPr lang="en-US" sz="1000" b="0" i="0" dirty="0">
               <a:effectLst/>
               <a:latin typeface="Segoe UI" panose="020B0502040204020203" charset="0"/>
-              <a:ea typeface="微软雅黑" panose="020B0503020204020204" charset="-122"/>
+              <a:ea typeface="Microsoft YaHei" panose="020B0503020204020204" charset="-122"/>
               <a:cs typeface="Poppins" panose="00000500000000000000" pitchFamily="2" charset="0"/>
             </a:endParaRPr>
           </a:p>
@@ -9866,14 +9752,14 @@
               <a:rPr lang="en-US" sz="1000" b="0" i="0" dirty="0">
                 <a:effectLst/>
                 <a:latin typeface="Segoe UI" panose="020B0502040204020203" charset="0"/>
-                <a:ea typeface="微软雅黑" panose="020B0503020204020204" charset="-122"/>
+                <a:ea typeface="Microsoft YaHei" panose="020B0503020204020204" charset="-122"/>
               </a:rPr>
               <a:t>Lorem Ipsum is simply dummy text of the printing and typesetting industry. Lorem Ipsum has been the industry's standard dummy text ever since the 1500s, when an unknown printer took a galley of type and scrambled it to make a type specimen book.</a:t>
             </a:r>
             <a:endParaRPr lang="en-US" sz="1000" b="0" i="0" dirty="0">
               <a:effectLst/>
               <a:latin typeface="Segoe UI" panose="020B0502040204020203" charset="0"/>
-              <a:ea typeface="微软雅黑" panose="020B0503020204020204" charset="-122"/>
+              <a:ea typeface="Microsoft YaHei" panose="020B0503020204020204" charset="-122"/>
               <a:cs typeface="Poppins" panose="00000500000000000000" pitchFamily="2" charset="0"/>
             </a:endParaRPr>
           </a:p>
@@ -10132,14 +10018,14 @@
               <a:rPr lang="en-US" sz="1000" b="0" i="0" dirty="0">
                 <a:effectLst/>
                 <a:latin typeface="Segoe UI" panose="020B0502040204020203" charset="0"/>
-                <a:ea typeface="微软雅黑" panose="020B0503020204020204" charset="-122"/>
+                <a:ea typeface="Microsoft YaHei" panose="020B0503020204020204" charset="-122"/>
               </a:rPr>
               <a:t>Lorem Ipsum is simply dummy text of the printing and typesetting industry. Lorem Ipsum has been the industry's standard dummy text ever since the 1500s, when an unknown printer took a galley of type and scrambled it to make a type specimen book.</a:t>
             </a:r>
             <a:endParaRPr lang="en-US" sz="1000" b="0" i="0" dirty="0">
               <a:effectLst/>
               <a:latin typeface="Segoe UI" panose="020B0502040204020203" charset="0"/>
-              <a:ea typeface="微软雅黑" panose="020B0503020204020204" charset="-122"/>
+              <a:ea typeface="Microsoft YaHei" panose="020B0503020204020204" charset="-122"/>
               <a:cs typeface="Poppins" panose="00000500000000000000" pitchFamily="2" charset="0"/>
             </a:endParaRPr>
           </a:p>
@@ -10398,14 +10284,14 @@
               <a:rPr lang="en-US" sz="1000" b="0" i="0" dirty="0">
                 <a:effectLst/>
                 <a:latin typeface="Segoe UI" panose="020B0502040204020203" charset="0"/>
-                <a:ea typeface="微软雅黑" panose="020B0503020204020204" charset="-122"/>
+                <a:ea typeface="Microsoft YaHei" panose="020B0503020204020204" charset="-122"/>
               </a:rPr>
               <a:t>Lorem Ipsum is simply dummy text of the printing and typesetting industry. Lorem Ipsum has been the industry's standard dummy text ever since the 1500s, when an unknown printer took a galley of type and scrambled it to make a type specimen book.</a:t>
             </a:r>
             <a:endParaRPr lang="en-US" sz="1000" b="0" i="0" dirty="0">
               <a:effectLst/>
               <a:latin typeface="Segoe UI" panose="020B0502040204020203" charset="0"/>
-              <a:ea typeface="微软雅黑" panose="020B0503020204020204" charset="-122"/>
+              <a:ea typeface="Microsoft YaHei" panose="020B0503020204020204" charset="-122"/>
               <a:cs typeface="Poppins" panose="00000500000000000000" pitchFamily="2" charset="0"/>
             </a:endParaRPr>
           </a:p>
@@ -10664,14 +10550,14 @@
               <a:rPr lang="en-US" sz="1000" b="0" i="0" dirty="0">
                 <a:effectLst/>
                 <a:latin typeface="Segoe UI" panose="020B0502040204020203" charset="0"/>
-                <a:ea typeface="微软雅黑" panose="020B0503020204020204" charset="-122"/>
+                <a:ea typeface="Microsoft YaHei" panose="020B0503020204020204" charset="-122"/>
               </a:rPr>
               <a:t>Lorem Ipsum is simply dummy text of the printing and typesetting industry. Lorem Ipsum has been the industry's standard dummy text ever since the 1500s, when an unknown printer took a galley of type and scrambled it to make a type specimen book.</a:t>
             </a:r>
             <a:endParaRPr lang="en-US" sz="1000" b="0" i="0" dirty="0">
               <a:effectLst/>
               <a:latin typeface="Segoe UI" panose="020B0502040204020203" charset="0"/>
-              <a:ea typeface="微软雅黑" panose="020B0503020204020204" charset="-122"/>
+              <a:ea typeface="Microsoft YaHei" panose="020B0503020204020204" charset="-122"/>
               <a:cs typeface="Poppins" panose="00000500000000000000" pitchFamily="2" charset="0"/>
             </a:endParaRPr>
           </a:p>
@@ -11007,7 +10893,7 @@
                 </a:solidFill>
                 <a:effectLst/>
                 <a:latin typeface="Segoe UI" panose="020B0502040204020203" charset="0"/>
-                <a:ea typeface="微软雅黑" panose="020B0503020204020204" charset="-122"/>
+                <a:ea typeface="Microsoft YaHei" panose="020B0503020204020204" charset="-122"/>
                 <a:cs typeface="Poppins" panose="00000500000000000000" pitchFamily="2" charset="0"/>
               </a:rPr>
               <a:t>If I ever let my head down, it will be to admire my shoes</a:t>
@@ -11018,7 +10904,7 @@
               </a:solidFill>
               <a:effectLst/>
               <a:latin typeface="Segoe UI" panose="020B0502040204020203" charset="0"/>
-              <a:ea typeface="微软雅黑" panose="020B0503020204020204" charset="-122"/>
+              <a:ea typeface="Microsoft YaHei" panose="020B0503020204020204" charset="-122"/>
               <a:cs typeface="Poppins" panose="00000500000000000000" pitchFamily="2" charset="0"/>
             </a:endParaRPr>
           </a:p>
@@ -11196,7 +11082,7 @@
                 </a:solidFill>
                 <a:effectLst/>
                 <a:latin typeface="Segoe UI" panose="020B0502040204020203" charset="0"/>
-                <a:ea typeface="微软雅黑" panose="020B0503020204020204" charset="-122"/>
+                <a:ea typeface="Microsoft YaHei" panose="020B0503020204020204" charset="-122"/>
                 <a:cs typeface="Poppins" panose="00000500000000000000" pitchFamily="2" charset="0"/>
               </a:rPr>
               <a:t>First Image</a:t>
@@ -11207,7 +11093,7 @@
               </a:solidFill>
               <a:effectLst/>
               <a:latin typeface="Segoe UI" panose="020B0502040204020203" charset="0"/>
-              <a:ea typeface="微软雅黑" panose="020B0503020204020204" charset="-122"/>
+              <a:ea typeface="Microsoft YaHei" panose="020B0503020204020204" charset="-122"/>
               <a:cs typeface="Poppins" panose="00000500000000000000" pitchFamily="2" charset="0"/>
             </a:endParaRPr>
           </a:p>
@@ -11334,7 +11220,7 @@
                 </a:solidFill>
                 <a:effectLst/>
                 <a:latin typeface="Segoe UI" panose="020B0502040204020203" charset="0"/>
-                <a:ea typeface="微软雅黑" panose="020B0503020204020204" charset="-122"/>
+                <a:ea typeface="Microsoft YaHei" panose="020B0503020204020204" charset="-122"/>
                 <a:cs typeface="Poppins" panose="00000500000000000000" pitchFamily="2" charset="0"/>
               </a:rPr>
               <a:t>Second Image</a:t>
@@ -11345,7 +11231,7 @@
               </a:solidFill>
               <a:effectLst/>
               <a:latin typeface="Segoe UI" panose="020B0502040204020203" charset="0"/>
-              <a:ea typeface="微软雅黑" panose="020B0503020204020204" charset="-122"/>
+              <a:ea typeface="Microsoft YaHei" panose="020B0503020204020204" charset="-122"/>
               <a:cs typeface="Poppins" panose="00000500000000000000" pitchFamily="2" charset="0"/>
             </a:endParaRPr>
           </a:p>
@@ -11472,7 +11358,7 @@
                 </a:solidFill>
                 <a:effectLst/>
                 <a:latin typeface="Segoe UI" panose="020B0502040204020203" charset="0"/>
-                <a:ea typeface="微软雅黑" panose="020B0503020204020204" charset="-122"/>
+                <a:ea typeface="Microsoft YaHei" panose="020B0503020204020204" charset="-122"/>
                 <a:cs typeface="Poppins" panose="00000500000000000000" pitchFamily="2" charset="0"/>
               </a:rPr>
               <a:t>Third Image</a:t>
@@ -11483,7 +11369,7 @@
               </a:solidFill>
               <a:effectLst/>
               <a:latin typeface="Segoe UI" panose="020B0502040204020203" charset="0"/>
-              <a:ea typeface="微软雅黑" panose="020B0503020204020204" charset="-122"/>
+              <a:ea typeface="Microsoft YaHei" panose="020B0503020204020204" charset="-122"/>
               <a:cs typeface="Poppins" panose="00000500000000000000" pitchFamily="2" charset="0"/>
             </a:endParaRPr>
           </a:p>
@@ -11610,7 +11496,7 @@
                 </a:solidFill>
                 <a:effectLst/>
                 <a:latin typeface="Segoe UI" panose="020B0502040204020203" charset="0"/>
-                <a:ea typeface="微软雅黑" panose="020B0503020204020204" charset="-122"/>
+                <a:ea typeface="Microsoft YaHei" panose="020B0503020204020204" charset="-122"/>
               </a:rPr>
               <a:t>Lorem Ipsum is simply dummy text of the printing and typesetting industry. Lorem Ipsum has been the industry's standard dummy text ever since the 1500s, when an unknown printer took a galley of type and scrambled it to make a type specimen book.</a:t>
             </a:r>
@@ -11620,7 +11506,7 @@
               </a:solidFill>
               <a:effectLst/>
               <a:latin typeface="Segoe UI" panose="020B0502040204020203" charset="0"/>
-              <a:ea typeface="微软雅黑" panose="020B0503020204020204" charset="-122"/>
+              <a:ea typeface="Microsoft YaHei" panose="020B0503020204020204" charset="-122"/>
             </a:endParaRPr>
           </a:p>
         </p:txBody>
@@ -11654,7 +11540,7 @@
                   <a:schemeClr val="tx2"/>
                 </a:solidFill>
                 <a:latin typeface="Segoe UI" panose="020B0502040204020203" charset="0"/>
-                <a:ea typeface="微软雅黑" panose="020B0503020204020204" charset="-122"/>
+                <a:ea typeface="Microsoft YaHei" panose="020B0503020204020204" charset="-122"/>
                 <a:cs typeface="Noto sans" panose="020B0502040504020204" pitchFamily="34" charset="0"/>
               </a:rPr>
               <a:t>Result Concept Pick</a:t>
@@ -11664,7 +11550,7 @@
                 <a:schemeClr val="tx2"/>
               </a:solidFill>
               <a:latin typeface="Segoe UI" panose="020B0502040204020203" charset="0"/>
-              <a:ea typeface="微软雅黑" panose="020B0503020204020204" charset="-122"/>
+              <a:ea typeface="Microsoft YaHei" panose="020B0503020204020204" charset="-122"/>
               <a:cs typeface="Noto sans" panose="020B0502040504020204" pitchFamily="34" charset="0"/>
             </a:endParaRPr>
           </a:p>
@@ -11807,7 +11693,7 @@
                 </a:solidFill>
                 <a:effectLst/>
                 <a:latin typeface="Segoe UI" panose="020B0502040204020203" charset="0"/>
-                <a:ea typeface="微软雅黑" panose="020B0503020204020204" charset="-122"/>
+                <a:ea typeface="Microsoft YaHei" panose="020B0503020204020204" charset="-122"/>
                 <a:cs typeface="Poppins" panose="00000500000000000000" pitchFamily="2" charset="0"/>
               </a:rPr>
               <a:t>If I ever let my head down, it will be to admire my shoes</a:t>
@@ -11818,7 +11704,7 @@
               </a:solidFill>
               <a:effectLst/>
               <a:latin typeface="Segoe UI" panose="020B0502040204020203" charset="0"/>
-              <a:ea typeface="微软雅黑" panose="020B0503020204020204" charset="-122"/>
+              <a:ea typeface="Microsoft YaHei" panose="020B0503020204020204" charset="-122"/>
               <a:cs typeface="Poppins" panose="00000500000000000000" pitchFamily="2" charset="0"/>
             </a:endParaRPr>
           </a:p>
@@ -12005,7 +11891,7 @@
                   <a:schemeClr val="tx2"/>
                 </a:solidFill>
                 <a:latin typeface="Segoe UI" panose="020B0502040204020203" charset="0"/>
-                <a:ea typeface="微软雅黑" panose="020B0503020204020204" charset="-122"/>
+                <a:ea typeface="Microsoft YaHei" panose="020B0503020204020204" charset="-122"/>
                 <a:cs typeface="Noto sans" panose="020B0502040504020204" pitchFamily="34" charset="0"/>
               </a:rPr>
               <a:t>Modern Presentation</a:t>
@@ -12015,7 +11901,7 @@
                 <a:schemeClr val="tx2"/>
               </a:solidFill>
               <a:latin typeface="Segoe UI" panose="020B0502040204020203" charset="0"/>
-              <a:ea typeface="微软雅黑" panose="020B0503020204020204" charset="-122"/>
+              <a:ea typeface="Microsoft YaHei" panose="020B0503020204020204" charset="-122"/>
               <a:cs typeface="Noto sans" panose="020B0502040504020204" pitchFamily="34" charset="0"/>
             </a:endParaRPr>
           </a:p>
@@ -12233,7 +12119,7 @@
                   <a:schemeClr val="tx2"/>
                 </a:solidFill>
                 <a:latin typeface="Segoe UI" panose="020B0502040204020203" charset="0"/>
-                <a:ea typeface="微软雅黑" panose="020B0503020204020204" charset="-122"/>
+                <a:ea typeface="Microsoft YaHei" panose="020B0503020204020204" charset="-122"/>
                 <a:cs typeface="Noto sans" panose="020B0502040504020204" pitchFamily="34" charset="0"/>
               </a:rPr>
               <a:t>Brand Name</a:t>
@@ -12243,7 +12129,7 @@
                 <a:schemeClr val="tx2"/>
               </a:solidFill>
               <a:latin typeface="Segoe UI" panose="020B0502040204020203" charset="0"/>
-              <a:ea typeface="微软雅黑" panose="020B0503020204020204" charset="-122"/>
+              <a:ea typeface="Microsoft YaHei" panose="020B0503020204020204" charset="-122"/>
               <a:cs typeface="Noto sans" panose="020B0502040504020204" pitchFamily="34" charset="0"/>
             </a:endParaRPr>
           </a:p>
@@ -12614,7 +12500,7 @@
                   <a:schemeClr val="tx2"/>
                 </a:solidFill>
                 <a:latin typeface="Segoe UI" panose="020B0502040204020203" charset="0"/>
-                <a:ea typeface="微软雅黑" panose="020B0503020204020204" charset="-122"/>
+                <a:ea typeface="Microsoft YaHei" panose="020B0503020204020204" charset="-122"/>
                 <a:cs typeface="Noto sans" panose="020B0502040504020204" pitchFamily="34" charset="0"/>
               </a:rPr>
               <a:t>Modern Presentation</a:t>
@@ -12624,7 +12510,7 @@
                 <a:schemeClr val="tx2"/>
               </a:solidFill>
               <a:latin typeface="Segoe UI" panose="020B0502040204020203" charset="0"/>
-              <a:ea typeface="微软雅黑" panose="020B0503020204020204" charset="-122"/>
+              <a:ea typeface="Microsoft YaHei" panose="020B0503020204020204" charset="-122"/>
               <a:cs typeface="Noto sans" panose="020B0502040504020204" pitchFamily="34" charset="0"/>
             </a:endParaRPr>
           </a:p>
@@ -12842,7 +12728,7 @@
                   <a:schemeClr val="tx2"/>
                 </a:solidFill>
                 <a:latin typeface="Segoe UI" panose="020B0502040204020203" charset="0"/>
-                <a:ea typeface="微软雅黑" panose="020B0503020204020204" charset="-122"/>
+                <a:ea typeface="Microsoft YaHei" panose="020B0503020204020204" charset="-122"/>
                 <a:cs typeface="Noto sans" panose="020B0502040504020204" pitchFamily="34" charset="0"/>
               </a:rPr>
               <a:t>Brand Name</a:t>
@@ -12852,7 +12738,7 @@
                 <a:schemeClr val="tx2"/>
               </a:solidFill>
               <a:latin typeface="Segoe UI" panose="020B0502040204020203" charset="0"/>
-              <a:ea typeface="微软雅黑" panose="020B0503020204020204" charset="-122"/>
+              <a:ea typeface="Microsoft YaHei" panose="020B0503020204020204" charset="-122"/>
               <a:cs typeface="Noto sans" panose="020B0502040504020204" pitchFamily="34" charset="0"/>
             </a:endParaRPr>
           </a:p>
@@ -13040,7 +12926,7 @@
                   <a:schemeClr val="tx2"/>
                 </a:solidFill>
                 <a:latin typeface="Segoe UI" panose="020B0502040204020203" charset="0"/>
-                <a:ea typeface="微软雅黑" panose="020B0503020204020204" charset="-122"/>
+                <a:ea typeface="Microsoft YaHei" panose="020B0503020204020204" charset="-122"/>
                 <a:cs typeface="Noto sans" panose="020B0502040504020204" pitchFamily="34" charset="0"/>
               </a:rPr>
               <a:t>Three New Models</a:t>
@@ -13050,7 +12936,7 @@
                 <a:schemeClr val="tx2"/>
               </a:solidFill>
               <a:latin typeface="Segoe UI" panose="020B0502040204020203" charset="0"/>
-              <a:ea typeface="微软雅黑" panose="020B0503020204020204" charset="-122"/>
+              <a:ea typeface="Microsoft YaHei" panose="020B0503020204020204" charset="-122"/>
               <a:cs typeface="Noto sans" panose="020B0502040504020204" pitchFamily="34" charset="0"/>
             </a:endParaRPr>
           </a:p>
@@ -13193,7 +13079,7 @@
                 </a:solidFill>
                 <a:effectLst/>
                 <a:latin typeface="Segoe UI" panose="020B0502040204020203" charset="0"/>
-                <a:ea typeface="微软雅黑" panose="020B0503020204020204" charset="-122"/>
+                <a:ea typeface="Microsoft YaHei" panose="020B0503020204020204" charset="-122"/>
               </a:rPr>
               <a:t>If I ever let my head down, it will be to admire my shoes</a:t>
             </a:r>
@@ -13203,7 +13089,7 @@
               </a:solidFill>
               <a:effectLst/>
               <a:latin typeface="Segoe UI" panose="020B0502040204020203" charset="0"/>
-              <a:ea typeface="微软雅黑" panose="020B0503020204020204" charset="-122"/>
+              <a:ea typeface="Microsoft YaHei" panose="020B0503020204020204" charset="-122"/>
             </a:endParaRPr>
           </a:p>
         </p:txBody>
@@ -13389,14 +13275,14 @@
               <a:rPr lang="en-US" sz="1000" b="0" i="0" dirty="0">
                 <a:effectLst/>
                 <a:latin typeface="Segoe UI" panose="020B0502040204020203" charset="0"/>
-                <a:ea typeface="微软雅黑" panose="020B0503020204020204" charset="-122"/>
+                <a:ea typeface="Microsoft YaHei" panose="020B0503020204020204" charset="-122"/>
               </a:rPr>
               <a:t>Lorem Ipsum is simply dummy text of the printing and typesetting industry. Lorem Ipsum has been the industry's standard dummy text ever since the 1500s.</a:t>
             </a:r>
             <a:endParaRPr lang="en-US" sz="1000" b="0" i="0" dirty="0">
               <a:effectLst/>
               <a:latin typeface="Segoe UI" panose="020B0502040204020203" charset="0"/>
-              <a:ea typeface="微软雅黑" panose="020B0503020204020204" charset="-122"/>
+              <a:ea typeface="Microsoft YaHei" panose="020B0503020204020204" charset="-122"/>
               <a:cs typeface="Poppins" panose="00000500000000000000" pitchFamily="2" charset="0"/>
             </a:endParaRPr>
           </a:p>
@@ -13431,7 +13317,7 @@
                   <a:schemeClr val="accent5"/>
                 </a:solidFill>
                 <a:latin typeface="Segoe UI" panose="020B0502040204020203" charset="0"/>
-                <a:ea typeface="微软雅黑" panose="020B0503020204020204" charset="-122"/>
+                <a:ea typeface="Microsoft YaHei" panose="020B0503020204020204" charset="-122"/>
                 <a:cs typeface="Helvetica" panose="020B0604020202020204" pitchFamily="34" charset="0"/>
               </a:rPr>
               <a:t>Name Model</a:t>
@@ -13441,7 +13327,7 @@
                 <a:schemeClr val="accent5"/>
               </a:solidFill>
               <a:latin typeface="Segoe UI" panose="020B0502040204020203" charset="0"/>
-              <a:ea typeface="微软雅黑" panose="020B0503020204020204" charset="-122"/>
+              <a:ea typeface="Microsoft YaHei" panose="020B0503020204020204" charset="-122"/>
               <a:cs typeface="Helvetica" panose="020B0604020202020204" pitchFamily="34" charset="0"/>
             </a:endParaRPr>
           </a:p>
@@ -13568,14 +13454,14 @@
               <a:rPr lang="en-US" sz="1000" b="0" i="0" dirty="0">
                 <a:effectLst/>
                 <a:latin typeface="Segoe UI" panose="020B0502040204020203" charset="0"/>
-                <a:ea typeface="微软雅黑" panose="020B0503020204020204" charset="-122"/>
+                <a:ea typeface="Microsoft YaHei" panose="020B0503020204020204" charset="-122"/>
               </a:rPr>
               <a:t>Lorem Ipsum is simply dummy text of the printing and typesetting industry. Lorem Ipsum has been the industry's standard dummy text ever since the 1500s.</a:t>
             </a:r>
             <a:endParaRPr lang="en-US" sz="1000" b="0" i="0" dirty="0">
               <a:effectLst/>
               <a:latin typeface="Segoe UI" panose="020B0502040204020203" charset="0"/>
-              <a:ea typeface="微软雅黑" panose="020B0503020204020204" charset="-122"/>
+              <a:ea typeface="Microsoft YaHei" panose="020B0503020204020204" charset="-122"/>
               <a:cs typeface="Poppins" panose="00000500000000000000" pitchFamily="2" charset="0"/>
             </a:endParaRPr>
           </a:p>
@@ -13610,7 +13496,7 @@
                   <a:schemeClr val="accent5"/>
                 </a:solidFill>
                 <a:latin typeface="Segoe UI" panose="020B0502040204020203" charset="0"/>
-                <a:ea typeface="微软雅黑" panose="020B0503020204020204" charset="-122"/>
+                <a:ea typeface="Microsoft YaHei" panose="020B0503020204020204" charset="-122"/>
                 <a:cs typeface="Helvetica" panose="020B0604020202020204" pitchFamily="34" charset="0"/>
               </a:rPr>
               <a:t>Name Model</a:t>
@@ -13620,7 +13506,7 @@
                 <a:schemeClr val="accent5"/>
               </a:solidFill>
               <a:latin typeface="Segoe UI" panose="020B0502040204020203" charset="0"/>
-              <a:ea typeface="微软雅黑" panose="020B0503020204020204" charset="-122"/>
+              <a:ea typeface="Microsoft YaHei" panose="020B0503020204020204" charset="-122"/>
               <a:cs typeface="Helvetica" panose="020B0604020202020204" pitchFamily="34" charset="0"/>
             </a:endParaRPr>
           </a:p>
@@ -13747,14 +13633,14 @@
               <a:rPr lang="en-US" sz="1000" b="0" i="0" dirty="0">
                 <a:effectLst/>
                 <a:latin typeface="Segoe UI" panose="020B0502040204020203" charset="0"/>
-                <a:ea typeface="微软雅黑" panose="020B0503020204020204" charset="-122"/>
+                <a:ea typeface="Microsoft YaHei" panose="020B0503020204020204" charset="-122"/>
               </a:rPr>
               <a:t>Lorem Ipsum is simply dummy text of the printing and typesetting industry. Lorem Ipsum has been the industry's standard dummy text ever since the 1500s.</a:t>
             </a:r>
             <a:endParaRPr lang="en-US" sz="1000" b="0" i="0" dirty="0">
               <a:effectLst/>
               <a:latin typeface="Segoe UI" panose="020B0502040204020203" charset="0"/>
-              <a:ea typeface="微软雅黑" panose="020B0503020204020204" charset="-122"/>
+              <a:ea typeface="Microsoft YaHei" panose="020B0503020204020204" charset="-122"/>
               <a:cs typeface="Poppins" panose="00000500000000000000" pitchFamily="2" charset="0"/>
             </a:endParaRPr>
           </a:p>
@@ -13789,7 +13675,7 @@
                   <a:schemeClr val="accent5"/>
                 </a:solidFill>
                 <a:latin typeface="Segoe UI" panose="020B0502040204020203" charset="0"/>
-                <a:ea typeface="微软雅黑" panose="020B0503020204020204" charset="-122"/>
+                <a:ea typeface="Microsoft YaHei" panose="020B0503020204020204" charset="-122"/>
                 <a:cs typeface="Helvetica" panose="020B0604020202020204" pitchFamily="34" charset="0"/>
               </a:rPr>
               <a:t>Name Model</a:t>
@@ -13799,7 +13685,7 @@
                 <a:schemeClr val="accent5"/>
               </a:solidFill>
               <a:latin typeface="Segoe UI" panose="020B0502040204020203" charset="0"/>
-              <a:ea typeface="微软雅黑" panose="020B0503020204020204" charset="-122"/>
+              <a:ea typeface="Microsoft YaHei" panose="020B0503020204020204" charset="-122"/>
               <a:cs typeface="Helvetica" panose="020B0604020202020204" pitchFamily="34" charset="0"/>
             </a:endParaRPr>
           </a:p>
@@ -14023,7 +13909,7 @@
                   <a:schemeClr val="tx2"/>
                 </a:solidFill>
                 <a:latin typeface="Segoe UI" panose="020B0502040204020203" charset="0"/>
-                <a:ea typeface="微软雅黑" panose="020B0503020204020204" charset="-122"/>
+                <a:ea typeface="Microsoft YaHei" panose="020B0503020204020204" charset="-122"/>
                 <a:cs typeface="Noto sans" panose="020B0502040504020204" pitchFamily="34" charset="0"/>
               </a:rPr>
               <a:t>Modern Presentation</a:t>
@@ -14033,7 +13919,7 @@
                 <a:schemeClr val="tx2"/>
               </a:solidFill>
               <a:latin typeface="Segoe UI" panose="020B0502040204020203" charset="0"/>
-              <a:ea typeface="微软雅黑" panose="020B0503020204020204" charset="-122"/>
+              <a:ea typeface="Microsoft YaHei" panose="020B0503020204020204" charset="-122"/>
               <a:cs typeface="Noto sans" panose="020B0502040504020204" pitchFamily="34" charset="0"/>
             </a:endParaRPr>
           </a:p>
@@ -14251,7 +14137,7 @@
                   <a:schemeClr val="tx2"/>
                 </a:solidFill>
                 <a:latin typeface="Segoe UI" panose="020B0502040204020203" charset="0"/>
-                <a:ea typeface="微软雅黑" panose="020B0503020204020204" charset="-122"/>
+                <a:ea typeface="Microsoft YaHei" panose="020B0503020204020204" charset="-122"/>
                 <a:cs typeface="Noto sans" panose="020B0502040504020204" pitchFamily="34" charset="0"/>
               </a:rPr>
               <a:t>Brand Name</a:t>
@@ -14261,7 +14147,7 @@
                 <a:schemeClr val="tx2"/>
               </a:solidFill>
               <a:latin typeface="Segoe UI" panose="020B0502040204020203" charset="0"/>
-              <a:ea typeface="微软雅黑" panose="020B0503020204020204" charset="-122"/>
+              <a:ea typeface="Microsoft YaHei" panose="020B0503020204020204" charset="-122"/>
               <a:cs typeface="Noto sans" panose="020B0502040504020204" pitchFamily="34" charset="0"/>
             </a:endParaRPr>
           </a:p>
@@ -14449,7 +14335,7 @@
                   <a:schemeClr val="tx2"/>
                 </a:solidFill>
                 <a:latin typeface="Segoe UI" panose="020B0502040204020203" charset="0"/>
-                <a:ea typeface="微软雅黑" panose="020B0503020204020204" charset="-122"/>
+                <a:ea typeface="Microsoft YaHei" panose="020B0503020204020204" charset="-122"/>
                 <a:cs typeface="Noto sans" panose="020B0502040504020204" pitchFamily="34" charset="0"/>
               </a:rPr>
               <a:t>Best Concept</a:t>
@@ -14459,7 +14345,7 @@
                 <a:schemeClr val="tx2"/>
               </a:solidFill>
               <a:latin typeface="Segoe UI" panose="020B0502040204020203" charset="0"/>
-              <a:ea typeface="微软雅黑" panose="020B0503020204020204" charset="-122"/>
+              <a:ea typeface="Microsoft YaHei" panose="020B0503020204020204" charset="-122"/>
               <a:cs typeface="Noto sans" panose="020B0502040504020204" pitchFamily="34" charset="0"/>
             </a:endParaRPr>
           </a:p>
@@ -14707,7 +14593,7 @@
                 </a:solidFill>
                 <a:effectLst/>
                 <a:latin typeface="Segoe UI" panose="020B0502040204020203" charset="0"/>
-                <a:ea typeface="微软雅黑" panose="020B0503020204020204" charset="-122"/>
+                <a:ea typeface="Microsoft YaHei" panose="020B0503020204020204" charset="-122"/>
                 <a:cs typeface="Poppins" panose="00000500000000000000" pitchFamily="2" charset="0"/>
               </a:rPr>
               <a:t>Name Model</a:t>
@@ -14718,7 +14604,7 @@
               </a:solidFill>
               <a:effectLst/>
               <a:latin typeface="Segoe UI" panose="020B0502040204020203" charset="0"/>
-              <a:ea typeface="微软雅黑" panose="020B0503020204020204" charset="-122"/>
+              <a:ea typeface="Microsoft YaHei" panose="020B0503020204020204" charset="-122"/>
               <a:cs typeface="Poppins" panose="00000500000000000000" pitchFamily="2" charset="0"/>
             </a:endParaRPr>
           </a:p>
@@ -14799,7 +14685,7 @@
                 </a:solidFill>
                 <a:effectLst/>
                 <a:latin typeface="Segoe UI" panose="020B0502040204020203" charset="0"/>
-                <a:ea typeface="微软雅黑" panose="020B0503020204020204" charset="-122"/>
+                <a:ea typeface="Microsoft YaHei" panose="020B0503020204020204" charset="-122"/>
                 <a:cs typeface="Poppins" panose="00000500000000000000" pitchFamily="2" charset="0"/>
               </a:rPr>
               <a:t>Name Model</a:t>
@@ -14810,7 +14696,7 @@
               </a:solidFill>
               <a:effectLst/>
               <a:latin typeface="Segoe UI" panose="020B0502040204020203" charset="0"/>
-              <a:ea typeface="微软雅黑" panose="020B0503020204020204" charset="-122"/>
+              <a:ea typeface="Microsoft YaHei" panose="020B0503020204020204" charset="-122"/>
               <a:cs typeface="Poppins" panose="00000500000000000000" pitchFamily="2" charset="0"/>
             </a:endParaRPr>
           </a:p>
@@ -14891,7 +14777,7 @@
                 </a:solidFill>
                 <a:effectLst/>
                 <a:latin typeface="Segoe UI" panose="020B0502040204020203" charset="0"/>
-                <a:ea typeface="微软雅黑" panose="020B0503020204020204" charset="-122"/>
+                <a:ea typeface="Microsoft YaHei" panose="020B0503020204020204" charset="-122"/>
                 <a:cs typeface="Poppins" panose="00000500000000000000" pitchFamily="2" charset="0"/>
               </a:rPr>
               <a:t>Name Model</a:t>
@@ -14902,7 +14788,7 @@
               </a:solidFill>
               <a:effectLst/>
               <a:latin typeface="Segoe UI" panose="020B0502040204020203" charset="0"/>
-              <a:ea typeface="微软雅黑" panose="020B0503020204020204" charset="-122"/>
+              <a:ea typeface="Microsoft YaHei" panose="020B0503020204020204" charset="-122"/>
               <a:cs typeface="Poppins" panose="00000500000000000000" pitchFamily="2" charset="0"/>
             </a:endParaRPr>
           </a:p>
@@ -14970,7 +14856,7 @@
                 </a:solidFill>
                 <a:effectLst/>
                 <a:latin typeface="Segoe UI" panose="020B0502040204020203" charset="0"/>
-                <a:ea typeface="微软雅黑" panose="020B0503020204020204" charset="-122"/>
+                <a:ea typeface="Microsoft YaHei" panose="020B0503020204020204" charset="-122"/>
                 <a:cs typeface="Poppins" panose="00000500000000000000" pitchFamily="2" charset="0"/>
               </a:rPr>
               <a:t>100 People Favorite</a:t>
@@ -14981,7 +14867,7 @@
               </a:solidFill>
               <a:effectLst/>
               <a:latin typeface="Segoe UI" panose="020B0502040204020203" charset="0"/>
-              <a:ea typeface="微软雅黑" panose="020B0503020204020204" charset="-122"/>
+              <a:ea typeface="Microsoft YaHei" panose="020B0503020204020204" charset="-122"/>
               <a:cs typeface="Poppins" panose="00000500000000000000" pitchFamily="2" charset="0"/>
             </a:endParaRPr>
           </a:p>
@@ -15020,7 +14906,7 @@
                 </a:solidFill>
                 <a:effectLst/>
                 <a:latin typeface="Segoe UI" panose="020B0502040204020203" charset="0"/>
-                <a:ea typeface="微软雅黑" panose="020B0503020204020204" charset="-122"/>
+                <a:ea typeface="Microsoft YaHei" panose="020B0503020204020204" charset="-122"/>
               </a:rPr>
               <a:t>Lorem Ipsum is simply dummy text of the printing and typesetting industry. Lorem Ipsum has been the industry's standard dummy text ever since the 1500s.</a:t>
             </a:r>
@@ -15033,7 +14919,7 @@
               </a:solidFill>
               <a:effectLst/>
               <a:latin typeface="Segoe UI" panose="020B0502040204020203" charset="0"/>
-              <a:ea typeface="微软雅黑" panose="020B0503020204020204" charset="-122"/>
+              <a:ea typeface="Microsoft YaHei" panose="020B0503020204020204" charset="-122"/>
               <a:cs typeface="Poppins" panose="00000500000000000000" pitchFamily="2" charset="0"/>
             </a:endParaRPr>
           </a:p>
@@ -15101,7 +14987,7 @@
                 </a:solidFill>
                 <a:effectLst/>
                 <a:latin typeface="Segoe UI" panose="020B0502040204020203" charset="0"/>
-                <a:ea typeface="微软雅黑" panose="020B0503020204020204" charset="-122"/>
+                <a:ea typeface="Microsoft YaHei" panose="020B0503020204020204" charset="-122"/>
                 <a:cs typeface="Poppins" panose="00000500000000000000" pitchFamily="2" charset="0"/>
               </a:rPr>
               <a:t>100 People Favorite</a:t>
@@ -15112,7 +14998,7 @@
               </a:solidFill>
               <a:effectLst/>
               <a:latin typeface="Segoe UI" panose="020B0502040204020203" charset="0"/>
-              <a:ea typeface="微软雅黑" panose="020B0503020204020204" charset="-122"/>
+              <a:ea typeface="Microsoft YaHei" panose="020B0503020204020204" charset="-122"/>
               <a:cs typeface="Poppins" panose="00000500000000000000" pitchFamily="2" charset="0"/>
             </a:endParaRPr>
           </a:p>
@@ -15151,7 +15037,7 @@
                 </a:solidFill>
                 <a:effectLst/>
                 <a:latin typeface="Segoe UI" panose="020B0502040204020203" charset="0"/>
-                <a:ea typeface="微软雅黑" panose="020B0503020204020204" charset="-122"/>
+                <a:ea typeface="Microsoft YaHei" panose="020B0503020204020204" charset="-122"/>
               </a:rPr>
               <a:t>Lorem Ipsum is simply dummy text of the printing and typesetting industry. Lorem Ipsum has been the industry's standard dummy text ever since the 1500s.</a:t>
             </a:r>
@@ -15164,7 +15050,7 @@
               </a:solidFill>
               <a:effectLst/>
               <a:latin typeface="Segoe UI" panose="020B0502040204020203" charset="0"/>
-              <a:ea typeface="微软雅黑" panose="020B0503020204020204" charset="-122"/>
+              <a:ea typeface="Microsoft YaHei" panose="020B0503020204020204" charset="-122"/>
               <a:cs typeface="Poppins" panose="00000500000000000000" pitchFamily="2" charset="0"/>
             </a:endParaRPr>
           </a:p>
@@ -15232,7 +15118,7 @@
                 </a:solidFill>
                 <a:effectLst/>
                 <a:latin typeface="Segoe UI" panose="020B0502040204020203" charset="0"/>
-                <a:ea typeface="微软雅黑" panose="020B0503020204020204" charset="-122"/>
+                <a:ea typeface="Microsoft YaHei" panose="020B0503020204020204" charset="-122"/>
                 <a:cs typeface="Poppins" panose="00000500000000000000" pitchFamily="2" charset="0"/>
               </a:rPr>
               <a:t>100 People Favorite</a:t>
@@ -15243,7 +15129,7 @@
               </a:solidFill>
               <a:effectLst/>
               <a:latin typeface="Segoe UI" panose="020B0502040204020203" charset="0"/>
-              <a:ea typeface="微软雅黑" panose="020B0503020204020204" charset="-122"/>
+              <a:ea typeface="Microsoft YaHei" panose="020B0503020204020204" charset="-122"/>
               <a:cs typeface="Poppins" panose="00000500000000000000" pitchFamily="2" charset="0"/>
             </a:endParaRPr>
           </a:p>
@@ -15282,7 +15168,7 @@
                 </a:solidFill>
                 <a:effectLst/>
                 <a:latin typeface="Segoe UI" panose="020B0502040204020203" charset="0"/>
-                <a:ea typeface="微软雅黑" panose="020B0503020204020204" charset="-122"/>
+                <a:ea typeface="Microsoft YaHei" panose="020B0503020204020204" charset="-122"/>
               </a:rPr>
               <a:t>Lorem Ipsum is simply dummy text of the printing and typesetting industry. Lorem Ipsum has been the industry's standard dummy text ever since the 1500s.</a:t>
             </a:r>
@@ -15295,7 +15181,7 @@
               </a:solidFill>
               <a:effectLst/>
               <a:latin typeface="Segoe UI" panose="020B0502040204020203" charset="0"/>
-              <a:ea typeface="微软雅黑" panose="020B0503020204020204" charset="-122"/>
+              <a:ea typeface="Microsoft YaHei" panose="020B0503020204020204" charset="-122"/>
               <a:cs typeface="Poppins" panose="00000500000000000000" pitchFamily="2" charset="0"/>
             </a:endParaRPr>
           </a:p>
@@ -15795,7 +15681,7 @@
                   <a:schemeClr val="tx2"/>
                 </a:solidFill>
                 <a:latin typeface="Segoe UI" panose="020B0502040204020203" charset="0"/>
-                <a:ea typeface="微软雅黑" panose="020B0503020204020204" charset="-122"/>
+                <a:ea typeface="Microsoft YaHei" panose="020B0503020204020204" charset="-122"/>
                 <a:cs typeface="Noto sans" panose="020B0502040504020204" pitchFamily="34" charset="0"/>
               </a:rPr>
               <a:t>Modern Presentation</a:t>
@@ -15805,7 +15691,7 @@
                 <a:schemeClr val="tx2"/>
               </a:solidFill>
               <a:latin typeface="Segoe UI" panose="020B0502040204020203" charset="0"/>
-              <a:ea typeface="微软雅黑" panose="020B0503020204020204" charset="-122"/>
+              <a:ea typeface="Microsoft YaHei" panose="020B0503020204020204" charset="-122"/>
               <a:cs typeface="Noto sans" panose="020B0502040504020204" pitchFamily="34" charset="0"/>
             </a:endParaRPr>
           </a:p>
@@ -16023,7 +15909,7 @@
                   <a:schemeClr val="tx2"/>
                 </a:solidFill>
                 <a:latin typeface="Segoe UI" panose="020B0502040204020203" charset="0"/>
-                <a:ea typeface="微软雅黑" panose="020B0503020204020204" charset="-122"/>
+                <a:ea typeface="Microsoft YaHei" panose="020B0503020204020204" charset="-122"/>
                 <a:cs typeface="Noto sans" panose="020B0502040504020204" pitchFamily="34" charset="0"/>
               </a:rPr>
               <a:t>Brand Name</a:t>
@@ -16033,7 +15919,7 @@
                 <a:schemeClr val="tx2"/>
               </a:solidFill>
               <a:latin typeface="Segoe UI" panose="020B0502040204020203" charset="0"/>
-              <a:ea typeface="微软雅黑" panose="020B0503020204020204" charset="-122"/>
+              <a:ea typeface="Microsoft YaHei" panose="020B0503020204020204" charset="-122"/>
               <a:cs typeface="Noto sans" panose="020B0502040504020204" pitchFamily="34" charset="0"/>
             </a:endParaRPr>
           </a:p>
@@ -16280,7 +16166,7 @@
                   <a:schemeClr val="tx2"/>
                 </a:solidFill>
                 <a:latin typeface="Segoe UI" panose="020B0502040204020203" charset="0"/>
-                <a:ea typeface="微软雅黑" panose="020B0503020204020204" charset="-122"/>
+                <a:ea typeface="Microsoft YaHei" panose="020B0503020204020204" charset="-122"/>
                 <a:cs typeface="Noto sans" panose="020B0502040504020204" pitchFamily="34" charset="0"/>
               </a:rPr>
               <a:t>Interest</a:t>
@@ -16290,7 +16176,7 @@
                 <a:schemeClr val="tx2"/>
               </a:solidFill>
               <a:latin typeface="Segoe UI" panose="020B0502040204020203" charset="0"/>
-              <a:ea typeface="微软雅黑" panose="020B0503020204020204" charset="-122"/>
+              <a:ea typeface="Microsoft YaHei" panose="020B0503020204020204" charset="-122"/>
               <a:cs typeface="Noto sans" panose="020B0502040504020204" pitchFamily="34" charset="0"/>
             </a:endParaRPr>
           </a:p>
@@ -16371,7 +16257,7 @@
                 </a:solidFill>
                 <a:effectLst/>
                 <a:latin typeface="Segoe UI" panose="020B0502040204020203" charset="0"/>
-                <a:ea typeface="微软雅黑" panose="020B0503020204020204" charset="-122"/>
+                <a:ea typeface="Microsoft YaHei" panose="020B0503020204020204" charset="-122"/>
                 <a:cs typeface="Poppins" panose="00000500000000000000" pitchFamily="2" charset="0"/>
               </a:rPr>
               <a:t>If I ever let my head down, it will be to admire my shoes</a:t>
@@ -16382,7 +16268,7 @@
               </a:solidFill>
               <a:effectLst/>
               <a:latin typeface="Segoe UI" panose="020B0502040204020203" charset="0"/>
-              <a:ea typeface="微软雅黑" panose="020B0503020204020204" charset="-122"/>
+              <a:ea typeface="Microsoft YaHei" panose="020B0503020204020204" charset="-122"/>
               <a:cs typeface="Poppins" panose="00000500000000000000" pitchFamily="2" charset="0"/>
             </a:endParaRPr>
           </a:p>
@@ -16509,14 +16395,14 @@
               <a:rPr lang="en-US" sz="1000" b="0" i="0" dirty="0">
                 <a:effectLst/>
                 <a:latin typeface="Segoe UI" panose="020B0502040204020203" charset="0"/>
-                <a:ea typeface="微软雅黑" panose="020B0503020204020204" charset="-122"/>
+                <a:ea typeface="Microsoft YaHei" panose="020B0503020204020204" charset="-122"/>
               </a:rPr>
               <a:t>Lorem Ipsum is simply dummy text of the printing and typesetting industry. Lorem Ipsum has been the industry's standard dummy text ever since the 1500s.</a:t>
             </a:r>
             <a:endParaRPr lang="en-US" sz="1000" b="0" i="0" dirty="0">
               <a:effectLst/>
               <a:latin typeface="Segoe UI" panose="020B0502040204020203" charset="0"/>
-              <a:ea typeface="微软雅黑" panose="020B0503020204020204" charset="-122"/>
+              <a:ea typeface="Microsoft YaHei" panose="020B0503020204020204" charset="-122"/>
               <a:cs typeface="Poppins" panose="00000500000000000000" pitchFamily="2" charset="0"/>
             </a:endParaRPr>
           </a:p>
@@ -16551,7 +16437,7 @@
                   <a:schemeClr val="accent5"/>
                 </a:solidFill>
                 <a:latin typeface="Segoe UI" panose="020B0502040204020203" charset="0"/>
-                <a:ea typeface="微软雅黑" panose="020B0503020204020204" charset="-122"/>
+                <a:ea typeface="Microsoft YaHei" panose="020B0503020204020204" charset="-122"/>
                 <a:cs typeface="Poppins" panose="00000500000000000000" pitchFamily="2" charset="0"/>
               </a:rPr>
               <a:t>Name Model</a:t>
@@ -16561,7 +16447,7 @@
                 <a:schemeClr val="accent5"/>
               </a:solidFill>
               <a:latin typeface="Segoe UI" panose="020B0502040204020203" charset="0"/>
-              <a:ea typeface="微软雅黑" panose="020B0503020204020204" charset="-122"/>
+              <a:ea typeface="Microsoft YaHei" panose="020B0503020204020204" charset="-122"/>
               <a:cs typeface="Poppins" panose="00000500000000000000" pitchFamily="2" charset="0"/>
             </a:endParaRPr>
           </a:p>
@@ -16688,14 +16574,14 @@
               <a:rPr lang="en-US" sz="1000" b="0" i="0" dirty="0">
                 <a:effectLst/>
                 <a:latin typeface="Segoe UI" panose="020B0502040204020203" charset="0"/>
-                <a:ea typeface="微软雅黑" panose="020B0503020204020204" charset="-122"/>
+                <a:ea typeface="Microsoft YaHei" panose="020B0503020204020204" charset="-122"/>
               </a:rPr>
               <a:t>Lorem Ipsum is simply dummy text of the printing and typesetting industry. Lorem Ipsum has been the industry's standard dummy text ever since the 1500s.</a:t>
             </a:r>
             <a:endParaRPr lang="en-US" sz="1000" b="0" i="0" dirty="0">
               <a:effectLst/>
               <a:latin typeface="Segoe UI" panose="020B0502040204020203" charset="0"/>
-              <a:ea typeface="微软雅黑" panose="020B0503020204020204" charset="-122"/>
+              <a:ea typeface="Microsoft YaHei" panose="020B0503020204020204" charset="-122"/>
               <a:cs typeface="Poppins" panose="00000500000000000000" pitchFamily="2" charset="0"/>
             </a:endParaRPr>
           </a:p>
@@ -16730,7 +16616,7 @@
                   <a:schemeClr val="accent5"/>
                 </a:solidFill>
                 <a:latin typeface="Segoe UI" panose="020B0502040204020203" charset="0"/>
-                <a:ea typeface="微软雅黑" panose="020B0503020204020204" charset="-122"/>
+                <a:ea typeface="Microsoft YaHei" panose="020B0503020204020204" charset="-122"/>
                 <a:cs typeface="Poppins" panose="00000500000000000000" pitchFamily="2" charset="0"/>
               </a:rPr>
               <a:t>Name Model</a:t>
@@ -16740,7 +16626,7 @@
                 <a:schemeClr val="accent5"/>
               </a:solidFill>
               <a:latin typeface="Segoe UI" panose="020B0502040204020203" charset="0"/>
-              <a:ea typeface="微软雅黑" panose="020B0503020204020204" charset="-122"/>
+              <a:ea typeface="Microsoft YaHei" panose="020B0503020204020204" charset="-122"/>
               <a:cs typeface="Poppins" panose="00000500000000000000" pitchFamily="2" charset="0"/>
             </a:endParaRPr>
           </a:p>
@@ -16916,7 +16802,7 @@
                 </a:solidFill>
                 <a:effectLst/>
                 <a:latin typeface="Segoe UI" panose="020B0502040204020203" charset="0"/>
-                <a:ea typeface="微软雅黑" panose="020B0503020204020204" charset="-122"/>
+                <a:ea typeface="Microsoft YaHei" panose="020B0503020204020204" charset="-122"/>
               </a:rPr>
               <a:t>Lorem Ipsum is simply dummy text of the printing and typesetting industry. Lorem Ipsum has been the industry's standard dummy text ever since the 1500s.</a:t>
             </a:r>
@@ -16926,7 +16812,7 @@
               </a:solidFill>
               <a:effectLst/>
               <a:latin typeface="Segoe UI" panose="020B0502040204020203" charset="0"/>
-              <a:ea typeface="微软雅黑" panose="020B0503020204020204" charset="-122"/>
+              <a:ea typeface="Microsoft YaHei" panose="020B0503020204020204" charset="-122"/>
               <a:cs typeface="Poppins" panose="00000500000000000000" pitchFamily="2" charset="0"/>
             </a:endParaRPr>
           </a:p>
@@ -16961,7 +16847,7 @@
                   <a:schemeClr val="bg1"/>
                 </a:solidFill>
                 <a:latin typeface="Segoe UI" panose="020B0502040204020203" charset="0"/>
-                <a:ea typeface="微软雅黑" panose="020B0503020204020204" charset="-122"/>
+                <a:ea typeface="Microsoft YaHei" panose="020B0503020204020204" charset="-122"/>
                 <a:cs typeface="Poppins" panose="00000500000000000000" pitchFamily="2" charset="0"/>
               </a:rPr>
               <a:t>2021 Product</a:t>
@@ -16971,7 +16857,7 @@
                 <a:schemeClr val="bg1"/>
               </a:solidFill>
               <a:latin typeface="Segoe UI" panose="020B0502040204020203" charset="0"/>
-              <a:ea typeface="微软雅黑" panose="020B0503020204020204" charset="-122"/>
+              <a:ea typeface="Microsoft YaHei" panose="020B0503020204020204" charset="-122"/>
               <a:cs typeface="Poppins" panose="00000500000000000000" pitchFamily="2" charset="0"/>
             </a:endParaRPr>
           </a:p>
@@ -17147,7 +17033,7 @@
                 </a:solidFill>
                 <a:effectLst/>
                 <a:latin typeface="Segoe UI" panose="020B0502040204020203" charset="0"/>
-                <a:ea typeface="微软雅黑" panose="020B0503020204020204" charset="-122"/>
+                <a:ea typeface="Microsoft YaHei" panose="020B0503020204020204" charset="-122"/>
               </a:rPr>
               <a:t>Lorem Ipsum is simply dummy text of the printing and typesetting industry. Lorem Ipsum has been the industry's standard dummy text ever since the 1500s.</a:t>
             </a:r>
@@ -17157,7 +17043,7 @@
               </a:solidFill>
               <a:effectLst/>
               <a:latin typeface="Segoe UI" panose="020B0502040204020203" charset="0"/>
-              <a:ea typeface="微软雅黑" panose="020B0503020204020204" charset="-122"/>
+              <a:ea typeface="Microsoft YaHei" panose="020B0503020204020204" charset="-122"/>
               <a:cs typeface="Poppins" panose="00000500000000000000" pitchFamily="2" charset="0"/>
             </a:endParaRPr>
           </a:p>
@@ -17192,7 +17078,7 @@
                   <a:schemeClr val="bg1"/>
                 </a:solidFill>
                 <a:latin typeface="Segoe UI" panose="020B0502040204020203" charset="0"/>
-                <a:ea typeface="微软雅黑" panose="020B0503020204020204" charset="-122"/>
+                <a:ea typeface="Microsoft YaHei" panose="020B0503020204020204" charset="-122"/>
                 <a:cs typeface="Poppins" panose="00000500000000000000" pitchFamily="2" charset="0"/>
               </a:rPr>
               <a:t>2022 Product</a:t>
@@ -17202,7 +17088,7 @@
                 <a:schemeClr val="bg1"/>
               </a:solidFill>
               <a:latin typeface="Segoe UI" panose="020B0502040204020203" charset="0"/>
-              <a:ea typeface="微软雅黑" panose="020B0503020204020204" charset="-122"/>
+              <a:ea typeface="Microsoft YaHei" panose="020B0503020204020204" charset="-122"/>
               <a:cs typeface="Poppins" panose="00000500000000000000" pitchFamily="2" charset="0"/>
             </a:endParaRPr>
           </a:p>
@@ -17426,7 +17312,7 @@
                   <a:schemeClr val="tx2"/>
                 </a:solidFill>
                 <a:latin typeface="Segoe UI" panose="020B0502040204020203" charset="0"/>
-                <a:ea typeface="微软雅黑" panose="020B0503020204020204" charset="-122"/>
+                <a:ea typeface="Microsoft YaHei" panose="020B0503020204020204" charset="-122"/>
                 <a:cs typeface="Noto sans" panose="020B0502040504020204" pitchFamily="34" charset="0"/>
               </a:rPr>
               <a:t>Modern Presentation</a:t>
@@ -17436,7 +17322,7 @@
                 <a:schemeClr val="tx2"/>
               </a:solidFill>
               <a:latin typeface="Segoe UI" panose="020B0502040204020203" charset="0"/>
-              <a:ea typeface="微软雅黑" panose="020B0503020204020204" charset="-122"/>
+              <a:ea typeface="Microsoft YaHei" panose="020B0503020204020204" charset="-122"/>
               <a:cs typeface="Noto sans" panose="020B0502040504020204" pitchFamily="34" charset="0"/>
             </a:endParaRPr>
           </a:p>
@@ -17654,7 +17540,7 @@
                   <a:schemeClr val="tx2"/>
                 </a:solidFill>
                 <a:latin typeface="Segoe UI" panose="020B0502040204020203" charset="0"/>
-                <a:ea typeface="微软雅黑" panose="020B0503020204020204" charset="-122"/>
+                <a:ea typeface="Microsoft YaHei" panose="020B0503020204020204" charset="-122"/>
                 <a:cs typeface="Noto sans" panose="020B0502040504020204" pitchFamily="34" charset="0"/>
               </a:rPr>
               <a:t>Brand Name</a:t>
@@ -17664,7 +17550,7 @@
                 <a:schemeClr val="tx2"/>
               </a:solidFill>
               <a:latin typeface="Segoe UI" panose="020B0502040204020203" charset="0"/>
-              <a:ea typeface="微软雅黑" panose="020B0503020204020204" charset="-122"/>
+              <a:ea typeface="Microsoft YaHei" panose="020B0503020204020204" charset="-122"/>
               <a:cs typeface="Noto sans" panose="020B0502040504020204" pitchFamily="34" charset="0"/>
             </a:endParaRPr>
           </a:p>
@@ -17957,7 +17843,7 @@
                   <a:schemeClr val="bg1"/>
                 </a:solidFill>
                 <a:latin typeface="Segoe UI" panose="020B0502040204020203" charset="0"/>
-                <a:ea typeface="微软雅黑" panose="020B0503020204020204" charset="-122"/>
+                <a:ea typeface="Microsoft YaHei" panose="020B0503020204020204" charset="-122"/>
                 <a:cs typeface="Poppins" panose="00000500000000000000" pitchFamily="2" charset="0"/>
               </a:rPr>
               <a:t>Description</a:t>
@@ -17967,7 +17853,7 @@
                 <a:schemeClr val="bg1"/>
               </a:solidFill>
               <a:latin typeface="Segoe UI" panose="020B0502040204020203" charset="0"/>
-              <a:ea typeface="微软雅黑" panose="020B0503020204020204" charset="-122"/>
+              <a:ea typeface="Microsoft YaHei" panose="020B0503020204020204" charset="-122"/>
               <a:cs typeface="Poppins" panose="00000500000000000000" pitchFamily="2" charset="0"/>
             </a:endParaRPr>
           </a:p>
@@ -18003,7 +17889,7 @@
                 </a:solidFill>
                 <a:effectLst/>
                 <a:latin typeface="Segoe UI" panose="020B0502040204020203" charset="0"/>
-                <a:ea typeface="微软雅黑" panose="020B0503020204020204" charset="-122"/>
+                <a:ea typeface="Microsoft YaHei" panose="020B0503020204020204" charset="-122"/>
               </a:rPr>
               <a:t>Lorem Ipsum is simply dummy text of the printing and typesetting industry. Lorem Ipsum has been the industry's standard dummy text ever since the 1500s, when an unknown printer took a galley of type and scrambled it to make a type specimen book.</a:t>
             </a:r>
@@ -18013,7 +17899,7 @@
               </a:solidFill>
               <a:effectLst/>
               <a:latin typeface="Segoe UI" panose="020B0502040204020203" charset="0"/>
-              <a:ea typeface="微软雅黑" panose="020B0503020204020204" charset="-122"/>
+              <a:ea typeface="Microsoft YaHei" panose="020B0503020204020204" charset="-122"/>
             </a:endParaRPr>
           </a:p>
           <a:p>
@@ -18024,7 +17910,7 @@
               </a:solidFill>
               <a:effectLst/>
               <a:latin typeface="Segoe UI" panose="020B0502040204020203" charset="0"/>
-              <a:ea typeface="微软雅黑" panose="020B0503020204020204" charset="-122"/>
+              <a:ea typeface="Microsoft YaHei" panose="020B0503020204020204" charset="-122"/>
             </a:endParaRPr>
           </a:p>
           <a:p>
@@ -18036,7 +17922,7 @@
                 </a:solidFill>
                 <a:effectLst/>
                 <a:latin typeface="Segoe UI" panose="020B0502040204020203" charset="0"/>
-                <a:ea typeface="微软雅黑" panose="020B0503020204020204" charset="-122"/>
+                <a:ea typeface="Microsoft YaHei" panose="020B0503020204020204" charset="-122"/>
               </a:rPr>
               <a:t>Lorem Ipsum is simply dummy text of the printing and typesetting industry. Lorem Ipsum has been the industry's standard dummy text ever since the 1500s, when an unknown printer took a galley of type and scrambled it to make a type specimen book.</a:t>
             </a:r>
@@ -18045,7 +17931,7 @@
                 <a:schemeClr val="bg1"/>
               </a:solidFill>
               <a:latin typeface="Segoe UI" panose="020B0502040204020203" charset="0"/>
-              <a:ea typeface="微软雅黑" panose="020B0503020204020204" charset="-122"/>
+              <a:ea typeface="Microsoft YaHei" panose="020B0503020204020204" charset="-122"/>
               <a:cs typeface="Poppins" panose="00000500000000000000" pitchFamily="2" charset="0"/>
             </a:endParaRPr>
           </a:p>
@@ -18056,7 +17942,7 @@
                 <a:schemeClr val="bg1"/>
               </a:solidFill>
               <a:latin typeface="Segoe UI" panose="020B0502040204020203" charset="0"/>
-              <a:ea typeface="微软雅黑" panose="020B0503020204020204" charset="-122"/>
+              <a:ea typeface="Microsoft YaHei" panose="020B0503020204020204" charset="-122"/>
               <a:cs typeface="Poppins" panose="00000500000000000000" pitchFamily="2" charset="0"/>
             </a:endParaRPr>
           </a:p>
@@ -18183,14 +18069,14 @@
               <a:rPr lang="en-US" sz="1000" b="0" i="0" dirty="0">
                 <a:effectLst/>
                 <a:latin typeface="Segoe UI" panose="020B0502040204020203" charset="0"/>
-                <a:ea typeface="微软雅黑" panose="020B0503020204020204" charset="-122"/>
+                <a:ea typeface="Microsoft YaHei" panose="020B0503020204020204" charset="-122"/>
               </a:rPr>
               <a:t>Lorem Ipsum is simply dummy text of the printing and typesetting industry. Lorem Ipsum has been the industry's standard dummy text ever since the 1500s.</a:t>
             </a:r>
             <a:endParaRPr lang="en-US" sz="1000" b="0" i="0" dirty="0">
               <a:effectLst/>
               <a:latin typeface="Segoe UI" panose="020B0502040204020203" charset="0"/>
-              <a:ea typeface="微软雅黑" panose="020B0503020204020204" charset="-122"/>
+              <a:ea typeface="Microsoft YaHei" panose="020B0503020204020204" charset="-122"/>
               <a:cs typeface="Poppins" panose="00000500000000000000" pitchFamily="2" charset="0"/>
             </a:endParaRPr>
           </a:p>
@@ -18224,7 +18110,7 @@
                   <a:schemeClr val="accent5"/>
                 </a:solidFill>
                 <a:latin typeface="Segoe UI" panose="020B0502040204020203" charset="0"/>
-                <a:ea typeface="微软雅黑" panose="020B0503020204020204" charset="-122"/>
+                <a:ea typeface="Microsoft YaHei" panose="020B0503020204020204" charset="-122"/>
                 <a:cs typeface="Poppins" panose="00000500000000000000" pitchFamily="2" charset="0"/>
               </a:rPr>
               <a:t>Description</a:t>
@@ -18234,7 +18120,7 @@
                 <a:schemeClr val="accent5"/>
               </a:solidFill>
               <a:latin typeface="Segoe UI" panose="020B0502040204020203" charset="0"/>
-              <a:ea typeface="微软雅黑" panose="020B0503020204020204" charset="-122"/>
+              <a:ea typeface="Microsoft YaHei" panose="020B0503020204020204" charset="-122"/>
               <a:cs typeface="Poppins" panose="00000500000000000000" pitchFamily="2" charset="0"/>
             </a:endParaRPr>
           </a:p>
@@ -18361,14 +18247,14 @@
               <a:rPr lang="en-US" sz="1000" b="0" i="0" dirty="0">
                 <a:effectLst/>
                 <a:latin typeface="Segoe UI" panose="020B0502040204020203" charset="0"/>
-                <a:ea typeface="微软雅黑" panose="020B0503020204020204" charset="-122"/>
+                <a:ea typeface="Microsoft YaHei" panose="020B0503020204020204" charset="-122"/>
               </a:rPr>
               <a:t>Lorem Ipsum is simply dummy text of the printing and typesetting industry. Lorem Ipsum has been the industry's standard dummy text ever since the 1500s.</a:t>
             </a:r>
             <a:endParaRPr lang="en-US" sz="1000" b="0" i="0" dirty="0">
               <a:effectLst/>
               <a:latin typeface="Segoe UI" panose="020B0502040204020203" charset="0"/>
-              <a:ea typeface="微软雅黑" panose="020B0503020204020204" charset="-122"/>
+              <a:ea typeface="Microsoft YaHei" panose="020B0503020204020204" charset="-122"/>
               <a:cs typeface="Poppins" panose="00000500000000000000" pitchFamily="2" charset="0"/>
             </a:endParaRPr>
           </a:p>
@@ -18592,7 +18478,7 @@
                   <a:schemeClr val="tx2"/>
                 </a:solidFill>
                 <a:latin typeface="Segoe UI" panose="020B0502040204020203" charset="0"/>
-                <a:ea typeface="微软雅黑" panose="020B0503020204020204" charset="-122"/>
+                <a:ea typeface="Microsoft YaHei" panose="020B0503020204020204" charset="-122"/>
                 <a:cs typeface="Noto sans" panose="020B0502040504020204" pitchFamily="34" charset="0"/>
               </a:rPr>
               <a:t>Modern Presentation</a:t>
@@ -18602,7 +18488,7 @@
                 <a:schemeClr val="tx2"/>
               </a:solidFill>
               <a:latin typeface="Segoe UI" panose="020B0502040204020203" charset="0"/>
-              <a:ea typeface="微软雅黑" panose="020B0503020204020204" charset="-122"/>
+              <a:ea typeface="Microsoft YaHei" panose="020B0503020204020204" charset="-122"/>
               <a:cs typeface="Noto sans" panose="020B0502040504020204" pitchFamily="34" charset="0"/>
             </a:endParaRPr>
           </a:p>
@@ -18820,7 +18706,7 @@
                   <a:schemeClr val="tx2"/>
                 </a:solidFill>
                 <a:latin typeface="Segoe UI" panose="020B0502040204020203" charset="0"/>
-                <a:ea typeface="微软雅黑" panose="020B0503020204020204" charset="-122"/>
+                <a:ea typeface="Microsoft YaHei" panose="020B0503020204020204" charset="-122"/>
                 <a:cs typeface="Noto sans" panose="020B0502040504020204" pitchFamily="34" charset="0"/>
               </a:rPr>
               <a:t>Brand Name</a:t>
@@ -18830,7 +18716,7 @@
                 <a:schemeClr val="tx2"/>
               </a:solidFill>
               <a:latin typeface="Segoe UI" panose="020B0502040204020203" charset="0"/>
-              <a:ea typeface="微软雅黑" panose="020B0503020204020204" charset="-122"/>
+              <a:ea typeface="Microsoft YaHei" panose="020B0503020204020204" charset="-122"/>
               <a:cs typeface="Noto sans" panose="020B0502040504020204" pitchFamily="34" charset="0"/>
             </a:endParaRPr>
           </a:p>
@@ -19193,14 +19079,14 @@
             <a:r>
               <a:rPr lang="en-US" sz="1600" b="1" dirty="0">
                 <a:latin typeface="Segoe UI" panose="020B0502040204020203" charset="0"/>
-                <a:ea typeface="微软雅黑" panose="020B0503020204020204" charset="-122"/>
+                <a:ea typeface="Microsoft YaHei" panose="020B0503020204020204" charset="-122"/>
                 <a:cs typeface="Poppins" panose="00000500000000000000" pitchFamily="2" charset="0"/>
               </a:rPr>
               <a:t>Description</a:t>
             </a:r>
             <a:endParaRPr lang="en-US" sz="1600" b="1" dirty="0">
               <a:latin typeface="Segoe UI" panose="020B0502040204020203" charset="0"/>
-              <a:ea typeface="微软雅黑" panose="020B0503020204020204" charset="-122"/>
+              <a:ea typeface="Microsoft YaHei" panose="020B0503020204020204" charset="-122"/>
               <a:cs typeface="Poppins" panose="00000500000000000000" pitchFamily="2" charset="0"/>
             </a:endParaRPr>
           </a:p>
@@ -19233,14 +19119,14 @@
               <a:rPr lang="en-US" sz="1000" b="0" i="0" dirty="0">
                 <a:effectLst/>
                 <a:latin typeface="Segoe UI" panose="020B0502040204020203" charset="0"/>
-                <a:ea typeface="微软雅黑" panose="020B0503020204020204" charset="-122"/>
+                <a:ea typeface="Microsoft YaHei" panose="020B0503020204020204" charset="-122"/>
               </a:rPr>
               <a:t>Lorem Ipsum is simply dummy text of the printing and typesetting industry. Lorem Ipsum has been the industry's standard dummy text ever since the 1500s, when an unknown printer took a galley of type and scrambled it to make a type specimen book.</a:t>
             </a:r>
             <a:endParaRPr lang="en-US" sz="1000" b="0" i="0" dirty="0">
               <a:effectLst/>
               <a:latin typeface="Segoe UI" panose="020B0502040204020203" charset="0"/>
-              <a:ea typeface="微软雅黑" panose="020B0503020204020204" charset="-122"/>
+              <a:ea typeface="Microsoft YaHei" panose="020B0503020204020204" charset="-122"/>
             </a:endParaRPr>
           </a:p>
           <a:p>
@@ -19248,7 +19134,7 @@
             <a:endParaRPr lang="en-US" sz="1000" b="0" i="0" dirty="0">
               <a:effectLst/>
               <a:latin typeface="Segoe UI" panose="020B0502040204020203" charset="0"/>
-              <a:ea typeface="微软雅黑" panose="020B0503020204020204" charset="-122"/>
+              <a:ea typeface="Microsoft YaHei" panose="020B0503020204020204" charset="-122"/>
             </a:endParaRPr>
           </a:p>
           <a:p>
@@ -19257,13 +19143,13 @@
               <a:rPr lang="en-US" sz="1000" b="0" i="0" dirty="0">
                 <a:effectLst/>
                 <a:latin typeface="Segoe UI" panose="020B0502040204020203" charset="0"/>
-                <a:ea typeface="微软雅黑" panose="020B0503020204020204" charset="-122"/>
+                <a:ea typeface="Microsoft YaHei" panose="020B0503020204020204" charset="-122"/>
               </a:rPr>
               <a:t>Lorem Ipsum is simply dummy text of the printing and typesetting industry. Lorem Ipsum has been the industry's standard dummy text ever since the 1500s, when an unknown printer took a galley of type and scrambled it to make a type specimen book.</a:t>
             </a:r>
             <a:endParaRPr lang="en-ID" sz="1000" dirty="0">
               <a:latin typeface="Segoe UI" panose="020B0502040204020203" charset="0"/>
-              <a:ea typeface="微软雅黑" panose="020B0503020204020204" charset="-122"/>
+              <a:ea typeface="Microsoft YaHei" panose="020B0503020204020204" charset="-122"/>
               <a:cs typeface="Poppins" panose="00000500000000000000" pitchFamily="2" charset="0"/>
             </a:endParaRPr>
           </a:p>
@@ -19271,7 +19157,7 @@
             <a:pPr algn="just"/>
             <a:endParaRPr lang="en-US" sz="1000" dirty="0">
               <a:latin typeface="Segoe UI" panose="020B0502040204020203" charset="0"/>
-              <a:ea typeface="微软雅黑" panose="020B0503020204020204" charset="-122"/>
+              <a:ea typeface="Microsoft YaHei" panose="020B0503020204020204" charset="-122"/>
               <a:cs typeface="Poppins" panose="00000500000000000000" pitchFamily="2" charset="0"/>
             </a:endParaRPr>
           </a:p>
@@ -19349,14 +19235,14 @@
             <a:r>
               <a:rPr lang="en-US" sz="1600" b="1" dirty="0">
                 <a:latin typeface="Segoe UI" panose="020B0502040204020203" charset="0"/>
-                <a:ea typeface="微软雅黑" panose="020B0503020204020204" charset="-122"/>
+                <a:ea typeface="Microsoft YaHei" panose="020B0503020204020204" charset="-122"/>
                 <a:cs typeface="Poppins" panose="00000500000000000000" pitchFamily="2" charset="0"/>
               </a:rPr>
               <a:t>Description</a:t>
             </a:r>
             <a:endParaRPr lang="en-US" sz="1600" b="1" dirty="0">
               <a:latin typeface="Segoe UI" panose="020B0502040204020203" charset="0"/>
-              <a:ea typeface="微软雅黑" panose="020B0503020204020204" charset="-122"/>
+              <a:ea typeface="Microsoft YaHei" panose="020B0503020204020204" charset="-122"/>
               <a:cs typeface="Poppins" panose="00000500000000000000" pitchFamily="2" charset="0"/>
             </a:endParaRPr>
           </a:p>
@@ -19389,14 +19275,14 @@
               <a:rPr lang="en-US" sz="1000" b="0" i="0" dirty="0">
                 <a:effectLst/>
                 <a:latin typeface="Segoe UI" panose="020B0502040204020203" charset="0"/>
-                <a:ea typeface="微软雅黑" panose="020B0503020204020204" charset="-122"/>
+                <a:ea typeface="Microsoft YaHei" panose="020B0503020204020204" charset="-122"/>
               </a:rPr>
               <a:t>Lorem Ipsum is simply dummy text of the printing and typesetting industry. Lorem Ipsum has been the industry's standard dummy text ever since the 1500s, when an unknown printer took a galley of type and scrambled it to make a type specimen book.</a:t>
             </a:r>
             <a:endParaRPr lang="en-US" sz="1000" b="0" i="0" dirty="0">
               <a:effectLst/>
               <a:latin typeface="Segoe UI" panose="020B0502040204020203" charset="0"/>
-              <a:ea typeface="微软雅黑" panose="020B0503020204020204" charset="-122"/>
+              <a:ea typeface="Microsoft YaHei" panose="020B0503020204020204" charset="-122"/>
             </a:endParaRPr>
           </a:p>
           <a:p>
@@ -19404,7 +19290,7 @@
             <a:endParaRPr lang="en-US" sz="1000" b="0" i="0" dirty="0">
               <a:effectLst/>
               <a:latin typeface="Segoe UI" panose="020B0502040204020203" charset="0"/>
-              <a:ea typeface="微软雅黑" panose="020B0503020204020204" charset="-122"/>
+              <a:ea typeface="Microsoft YaHei" panose="020B0503020204020204" charset="-122"/>
             </a:endParaRPr>
           </a:p>
           <a:p>
@@ -19413,13 +19299,13 @@
               <a:rPr lang="en-US" sz="1000" b="0" i="0" dirty="0">
                 <a:effectLst/>
                 <a:latin typeface="Segoe UI" panose="020B0502040204020203" charset="0"/>
-                <a:ea typeface="微软雅黑" panose="020B0503020204020204" charset="-122"/>
+                <a:ea typeface="Microsoft YaHei" panose="020B0503020204020204" charset="-122"/>
               </a:rPr>
               <a:t>Lorem Ipsum is simply dummy text of the printing and typesetting industry. Lorem Ipsum has been the industry's standard dummy text ever since the 1500s, when an unknown printer took a galley of type and scrambled it to make a type specimen book.</a:t>
             </a:r>
             <a:endParaRPr lang="en-ID" sz="1000" dirty="0">
               <a:latin typeface="Segoe UI" panose="020B0502040204020203" charset="0"/>
-              <a:ea typeface="微软雅黑" panose="020B0503020204020204" charset="-122"/>
+              <a:ea typeface="Microsoft YaHei" panose="020B0503020204020204" charset="-122"/>
               <a:cs typeface="Poppins" panose="00000500000000000000" pitchFamily="2" charset="0"/>
             </a:endParaRPr>
           </a:p>
@@ -19427,7 +19313,7 @@
             <a:pPr algn="just"/>
             <a:endParaRPr lang="en-US" sz="1000" dirty="0">
               <a:latin typeface="Segoe UI" panose="020B0502040204020203" charset="0"/>
-              <a:ea typeface="微软雅黑" panose="020B0503020204020204" charset="-122"/>
+              <a:ea typeface="Microsoft YaHei" panose="020B0503020204020204" charset="-122"/>
               <a:cs typeface="Poppins" panose="00000500000000000000" pitchFamily="2" charset="0"/>
             </a:endParaRPr>
           </a:p>
@@ -19651,7 +19537,7 @@
                   <a:schemeClr val="tx2"/>
                 </a:solidFill>
                 <a:latin typeface="Segoe UI" panose="020B0502040204020203" charset="0"/>
-                <a:ea typeface="微软雅黑" panose="020B0503020204020204" charset="-122"/>
+                <a:ea typeface="Microsoft YaHei" panose="020B0503020204020204" charset="-122"/>
                 <a:cs typeface="Noto sans" panose="020B0502040504020204" pitchFamily="34" charset="0"/>
               </a:rPr>
               <a:t>Modern Presentation</a:t>
@@ -19661,7 +19547,7 @@
                 <a:schemeClr val="tx2"/>
               </a:solidFill>
               <a:latin typeface="Segoe UI" panose="020B0502040204020203" charset="0"/>
-              <a:ea typeface="微软雅黑" panose="020B0503020204020204" charset="-122"/>
+              <a:ea typeface="Microsoft YaHei" panose="020B0503020204020204" charset="-122"/>
               <a:cs typeface="Noto sans" panose="020B0502040504020204" pitchFamily="34" charset="0"/>
             </a:endParaRPr>
           </a:p>
@@ -19879,7 +19765,7 @@
                   <a:schemeClr val="tx2"/>
                 </a:solidFill>
                 <a:latin typeface="Segoe UI" panose="020B0502040204020203" charset="0"/>
-                <a:ea typeface="微软雅黑" panose="020B0503020204020204" charset="-122"/>
+                <a:ea typeface="Microsoft YaHei" panose="020B0503020204020204" charset="-122"/>
                 <a:cs typeface="Noto sans" panose="020B0502040504020204" pitchFamily="34" charset="0"/>
               </a:rPr>
               <a:t>Brand Name</a:t>
@@ -19889,7 +19775,7 @@
                 <a:schemeClr val="tx2"/>
               </a:solidFill>
               <a:latin typeface="Segoe UI" panose="020B0502040204020203" charset="0"/>
-              <a:ea typeface="微软雅黑" panose="020B0503020204020204" charset="-122"/>
+              <a:ea typeface="Microsoft YaHei" panose="020B0503020204020204" charset="-122"/>
               <a:cs typeface="Noto sans" panose="020B0502040504020204" pitchFamily="34" charset="0"/>
             </a:endParaRPr>
           </a:p>
@@ -19923,7 +19809,7 @@
                   <a:schemeClr val="tx2"/>
                 </a:solidFill>
                 <a:latin typeface="Segoe UI" panose="020B0502040204020203" charset="0"/>
-                <a:ea typeface="微软雅黑" panose="020B0503020204020204" charset="-122"/>
+                <a:ea typeface="Microsoft YaHei" panose="020B0503020204020204" charset="-122"/>
                 <a:cs typeface="Noto sans" panose="020B0502040504020204" pitchFamily="34" charset="0"/>
               </a:rPr>
               <a:t>Outfit Of Day</a:t>
@@ -19933,7 +19819,7 @@
                 <a:schemeClr val="tx2"/>
               </a:solidFill>
               <a:latin typeface="Segoe UI" panose="020B0502040204020203" charset="0"/>
-              <a:ea typeface="微软雅黑" panose="020B0503020204020204" charset="-122"/>
+              <a:ea typeface="Microsoft YaHei" panose="020B0503020204020204" charset="-122"/>
               <a:cs typeface="Noto sans" panose="020B0502040504020204" pitchFamily="34" charset="0"/>
             </a:endParaRPr>
           </a:p>
@@ -20014,7 +19900,7 @@
                 </a:solidFill>
                 <a:effectLst/>
                 <a:latin typeface="Segoe UI" panose="020B0502040204020203" charset="0"/>
-                <a:ea typeface="微软雅黑" panose="020B0503020204020204" charset="-122"/>
+                <a:ea typeface="Microsoft YaHei" panose="020B0503020204020204" charset="-122"/>
                 <a:cs typeface="Poppins" panose="00000500000000000000" pitchFamily="2" charset="0"/>
               </a:rPr>
               <a:t>If I ever let my head down, it will be to admire my shoes</a:t>
@@ -20025,7 +19911,7 @@
               </a:solidFill>
               <a:effectLst/>
               <a:latin typeface="Segoe UI" panose="020B0502040204020203" charset="0"/>
-              <a:ea typeface="微软雅黑" panose="020B0503020204020204" charset="-122"/>
+              <a:ea typeface="Microsoft YaHei" panose="020B0503020204020204" charset="-122"/>
               <a:cs typeface="Poppins" panose="00000500000000000000" pitchFamily="2" charset="0"/>
             </a:endParaRPr>
           </a:p>
@@ -20127,7 +20013,7 @@
                 </a:solidFill>
                 <a:effectLst/>
                 <a:latin typeface="Segoe UI" panose="020B0502040204020203" charset="0"/>
-                <a:ea typeface="微软雅黑" panose="020B0503020204020204" charset="-122"/>
+                <a:ea typeface="Microsoft YaHei" panose="020B0503020204020204" charset="-122"/>
               </a:rPr>
               <a:t>Lorem Ipsum is simply dummy text of the printing and typesetting industry. Lorem Ipsum has been the industry's standard dummy text ever since the 1500s, when an unknown printer took a galley of type and scrambled it to make a type specimen book.</a:t>
             </a:r>
@@ -20137,7 +20023,7 @@
               </a:solidFill>
               <a:effectLst/>
               <a:latin typeface="Segoe UI" panose="020B0502040204020203" charset="0"/>
-              <a:ea typeface="微软雅黑" panose="020B0503020204020204" charset="-122"/>
+              <a:ea typeface="Microsoft YaHei" panose="020B0503020204020204" charset="-122"/>
               <a:cs typeface="Poppins" panose="00000500000000000000" pitchFamily="2" charset="0"/>
             </a:endParaRPr>
           </a:p>
@@ -20173,7 +20059,7 @@
                 </a:solidFill>
                 <a:effectLst/>
                 <a:latin typeface="Segoe UI" panose="020B0502040204020203" charset="0"/>
-                <a:ea typeface="微软雅黑" panose="020B0503020204020204" charset="-122"/>
+                <a:ea typeface="Microsoft YaHei" panose="020B0503020204020204" charset="-122"/>
                 <a:cs typeface="Poppins" panose="00000500000000000000" pitchFamily="2" charset="0"/>
               </a:rPr>
               <a:t>If I ever let my head down, it will be to admire my shoes</a:t>
@@ -20184,7 +20070,7 @@
               </a:solidFill>
               <a:effectLst/>
               <a:latin typeface="Segoe UI" panose="020B0502040204020203" charset="0"/>
-              <a:ea typeface="微软雅黑" panose="020B0503020204020204" charset="-122"/>
+              <a:ea typeface="Microsoft YaHei" panose="020B0503020204020204" charset="-122"/>
               <a:cs typeface="Poppins" panose="00000500000000000000" pitchFamily="2" charset="0"/>
             </a:endParaRPr>
           </a:p>
@@ -20471,7 +20357,7 @@
                     <a:schemeClr val="bg1"/>
                   </a:solidFill>
                   <a:latin typeface="Segoe UI" panose="020B0502040204020203" charset="0"/>
-                  <a:ea typeface="微软雅黑" panose="020B0503020204020204" charset="-122"/>
+                  <a:ea typeface="Microsoft YaHei" panose="020B0503020204020204" charset="-122"/>
                   <a:cs typeface="Open Sans" panose="020B0606030504020204" pitchFamily="2" charset="0"/>
                 </a:rPr>
                 <a:t>Read More</a:t>
@@ -20481,7 +20367,7 @@
                   <a:schemeClr val="bg1"/>
                 </a:solidFill>
                 <a:latin typeface="Segoe UI" panose="020B0502040204020203" charset="0"/>
-                <a:ea typeface="微软雅黑" panose="020B0503020204020204" charset="-122"/>
+                <a:ea typeface="Microsoft YaHei" panose="020B0503020204020204" charset="-122"/>
                 <a:cs typeface="Open Sans" panose="020B0606030504020204" pitchFamily="2" charset="0"/>
               </a:endParaRPr>
             </a:p>
@@ -20786,7 +20672,7 @@
                   <a:schemeClr val="tx2"/>
                 </a:solidFill>
                 <a:latin typeface="Segoe UI" panose="020B0502040204020203" charset="0"/>
-                <a:ea typeface="微软雅黑" panose="020B0503020204020204" charset="-122"/>
+                <a:ea typeface="Microsoft YaHei" panose="020B0503020204020204" charset="-122"/>
                 <a:cs typeface="Noto sans" panose="020B0502040504020204" pitchFamily="34" charset="0"/>
               </a:rPr>
               <a:t>Modern Presentation</a:t>
@@ -20796,7 +20682,7 @@
                 <a:schemeClr val="tx2"/>
               </a:solidFill>
               <a:latin typeface="Segoe UI" panose="020B0502040204020203" charset="0"/>
-              <a:ea typeface="微软雅黑" panose="020B0503020204020204" charset="-122"/>
+              <a:ea typeface="Microsoft YaHei" panose="020B0503020204020204" charset="-122"/>
               <a:cs typeface="Noto sans" panose="020B0502040504020204" pitchFamily="34" charset="0"/>
             </a:endParaRPr>
           </a:p>
@@ -21014,7 +20900,7 @@
                   <a:schemeClr val="tx2"/>
                 </a:solidFill>
                 <a:latin typeface="Segoe UI" panose="020B0502040204020203" charset="0"/>
-                <a:ea typeface="微软雅黑" panose="020B0503020204020204" charset="-122"/>
+                <a:ea typeface="Microsoft YaHei" panose="020B0503020204020204" charset="-122"/>
                 <a:cs typeface="Noto sans" panose="020B0502040504020204" pitchFamily="34" charset="0"/>
               </a:rPr>
               <a:t>Brand Name</a:t>
@@ -21024,7 +20910,7 @@
                 <a:schemeClr val="tx2"/>
               </a:solidFill>
               <a:latin typeface="Segoe UI" panose="020B0502040204020203" charset="0"/>
-              <a:ea typeface="微软雅黑" panose="020B0503020204020204" charset="-122"/>
+              <a:ea typeface="Microsoft YaHei" panose="020B0503020204020204" charset="-122"/>
               <a:cs typeface="Noto sans" panose="020B0502040504020204" pitchFamily="34" charset="0"/>
             </a:endParaRPr>
           </a:p>
@@ -21151,14 +21037,14 @@
               <a:rPr lang="en-US" sz="1000" b="0" i="0" dirty="0">
                 <a:effectLst/>
                 <a:latin typeface="Segoe UI" panose="020B0502040204020203" charset="0"/>
-                <a:ea typeface="微软雅黑" panose="020B0503020204020204" charset="-122"/>
+                <a:ea typeface="Microsoft YaHei" panose="020B0503020204020204" charset="-122"/>
               </a:rPr>
               <a:t>Lorem Ipsum is simply dummy text of the printing and typesetting industry. Lorem Ipsum has been the industry's standard dummy text ever since the 1500s.</a:t>
             </a:r>
             <a:endParaRPr lang="en-US" sz="1000" b="0" i="0" dirty="0">
               <a:effectLst/>
               <a:latin typeface="Segoe UI" panose="020B0502040204020203" charset="0"/>
-              <a:ea typeface="微软雅黑" panose="020B0503020204020204" charset="-122"/>
+              <a:ea typeface="Microsoft YaHei" panose="020B0503020204020204" charset="-122"/>
               <a:cs typeface="Poppins" panose="00000500000000000000" pitchFamily="2" charset="0"/>
             </a:endParaRPr>
           </a:p>
@@ -21192,7 +21078,7 @@
                   <a:schemeClr val="accent5"/>
                 </a:solidFill>
                 <a:latin typeface="Segoe UI" panose="020B0502040204020203" charset="0"/>
-                <a:ea typeface="微软雅黑" panose="020B0503020204020204" charset="-122"/>
+                <a:ea typeface="Microsoft YaHei" panose="020B0503020204020204" charset="-122"/>
                 <a:cs typeface="Poppins" panose="00000500000000000000" pitchFamily="2" charset="0"/>
               </a:rPr>
               <a:t>Influencer 1</a:t>
@@ -21202,7 +21088,7 @@
                 <a:schemeClr val="accent5"/>
               </a:solidFill>
               <a:latin typeface="Segoe UI" panose="020B0502040204020203" charset="0"/>
-              <a:ea typeface="微软雅黑" panose="020B0503020204020204" charset="-122"/>
+              <a:ea typeface="Microsoft YaHei" panose="020B0503020204020204" charset="-122"/>
               <a:cs typeface="Poppins" panose="00000500000000000000" pitchFamily="2" charset="0"/>
             </a:endParaRPr>
           </a:p>
@@ -21329,14 +21215,14 @@
               <a:rPr lang="en-US" sz="1000" b="0" i="0" dirty="0">
                 <a:effectLst/>
                 <a:latin typeface="Segoe UI" panose="020B0502040204020203" charset="0"/>
-                <a:ea typeface="微软雅黑" panose="020B0503020204020204" charset="-122"/>
+                <a:ea typeface="Microsoft YaHei" panose="020B0503020204020204" charset="-122"/>
               </a:rPr>
               <a:t>Lorem Ipsum is simply dummy text of the printing and typesetting industry. Lorem Ipsum has been the industry's standard dummy text ever since the 1500s.</a:t>
             </a:r>
             <a:endParaRPr lang="en-US" sz="1000" b="0" i="0" dirty="0">
               <a:effectLst/>
               <a:latin typeface="Segoe UI" panose="020B0502040204020203" charset="0"/>
-              <a:ea typeface="微软雅黑" panose="020B0503020204020204" charset="-122"/>
+              <a:ea typeface="Microsoft YaHei" panose="020B0503020204020204" charset="-122"/>
               <a:cs typeface="Poppins" panose="00000500000000000000" pitchFamily="2" charset="0"/>
             </a:endParaRPr>
           </a:p>
@@ -21370,7 +21256,7 @@
                   <a:schemeClr val="accent4"/>
                 </a:solidFill>
                 <a:latin typeface="Segoe UI" panose="020B0502040204020203" charset="0"/>
-                <a:ea typeface="微软雅黑" panose="020B0503020204020204" charset="-122"/>
+                <a:ea typeface="Microsoft YaHei" panose="020B0503020204020204" charset="-122"/>
                 <a:cs typeface="Poppins" panose="00000500000000000000" pitchFamily="2" charset="0"/>
               </a:rPr>
               <a:t>Influencer 2</a:t>
@@ -21380,7 +21266,7 @@
                 <a:schemeClr val="accent4"/>
               </a:solidFill>
               <a:latin typeface="Segoe UI" panose="020B0502040204020203" charset="0"/>
-              <a:ea typeface="微软雅黑" panose="020B0503020204020204" charset="-122"/>
+              <a:ea typeface="Microsoft YaHei" panose="020B0503020204020204" charset="-122"/>
               <a:cs typeface="Poppins" panose="00000500000000000000" pitchFamily="2" charset="0"/>
             </a:endParaRPr>
           </a:p>
@@ -21507,14 +21393,14 @@
               <a:rPr lang="en-US" sz="1000" b="0" i="0" dirty="0">
                 <a:effectLst/>
                 <a:latin typeface="Segoe UI" panose="020B0502040204020203" charset="0"/>
-                <a:ea typeface="微软雅黑" panose="020B0503020204020204" charset="-122"/>
+                <a:ea typeface="Microsoft YaHei" panose="020B0503020204020204" charset="-122"/>
               </a:rPr>
               <a:t>Lorem Ipsum is simply dummy text of the printing and typesetting industry. Lorem Ipsum has been the industry's standard dummy text ever since the 1500s.</a:t>
             </a:r>
             <a:endParaRPr lang="en-US" sz="1000" b="0" i="0" dirty="0">
               <a:effectLst/>
               <a:latin typeface="Segoe UI" panose="020B0502040204020203" charset="0"/>
-              <a:ea typeface="微软雅黑" panose="020B0503020204020204" charset="-122"/>
+              <a:ea typeface="Microsoft YaHei" panose="020B0503020204020204" charset="-122"/>
               <a:cs typeface="Poppins" panose="00000500000000000000" pitchFamily="2" charset="0"/>
             </a:endParaRPr>
           </a:p>
@@ -21548,7 +21434,7 @@
                   <a:schemeClr val="accent3"/>
                 </a:solidFill>
                 <a:latin typeface="Segoe UI" panose="020B0502040204020203" charset="0"/>
-                <a:ea typeface="微软雅黑" panose="020B0503020204020204" charset="-122"/>
+                <a:ea typeface="Microsoft YaHei" panose="020B0503020204020204" charset="-122"/>
                 <a:cs typeface="Poppins" panose="00000500000000000000" pitchFamily="2" charset="0"/>
               </a:rPr>
               <a:t>Influencer 3</a:t>
@@ -21558,7 +21444,7 @@
                 <a:schemeClr val="accent3"/>
               </a:solidFill>
               <a:latin typeface="Segoe UI" panose="020B0502040204020203" charset="0"/>
-              <a:ea typeface="微软雅黑" panose="020B0503020204020204" charset="-122"/>
+              <a:ea typeface="Microsoft YaHei" panose="020B0503020204020204" charset="-122"/>
               <a:cs typeface="Poppins" panose="00000500000000000000" pitchFamily="2" charset="0"/>
             </a:endParaRPr>
           </a:p>
@@ -21685,14 +21571,14 @@
               <a:rPr lang="en-US" sz="1000" b="0" i="0" dirty="0">
                 <a:effectLst/>
                 <a:latin typeface="Segoe UI" panose="020B0502040204020203" charset="0"/>
-                <a:ea typeface="微软雅黑" panose="020B0503020204020204" charset="-122"/>
+                <a:ea typeface="Microsoft YaHei" panose="020B0503020204020204" charset="-122"/>
               </a:rPr>
               <a:t>Lorem Ipsum is simply dummy text of the printing and typesetting industry. Lorem Ipsum has been the industry's standard dummy text ever since the 1500s.</a:t>
             </a:r>
             <a:endParaRPr lang="en-US" sz="1000" b="0" i="0" dirty="0">
               <a:effectLst/>
               <a:latin typeface="Segoe UI" panose="020B0502040204020203" charset="0"/>
-              <a:ea typeface="微软雅黑" panose="020B0503020204020204" charset="-122"/>
+              <a:ea typeface="Microsoft YaHei" panose="020B0503020204020204" charset="-122"/>
               <a:cs typeface="Poppins" panose="00000500000000000000" pitchFamily="2" charset="0"/>
             </a:endParaRPr>
           </a:p>
@@ -21726,7 +21612,7 @@
                   <a:schemeClr val="accent4"/>
                 </a:solidFill>
                 <a:latin typeface="Segoe UI" panose="020B0502040204020203" charset="0"/>
-                <a:ea typeface="微软雅黑" panose="020B0503020204020204" charset="-122"/>
+                <a:ea typeface="Microsoft YaHei" panose="020B0503020204020204" charset="-122"/>
                 <a:cs typeface="Poppins" panose="00000500000000000000" pitchFamily="2" charset="0"/>
               </a:rPr>
               <a:t>Influencer 4</a:t>
@@ -21736,7 +21622,7 @@
                 <a:schemeClr val="accent4"/>
               </a:solidFill>
               <a:latin typeface="Segoe UI" panose="020B0502040204020203" charset="0"/>
-              <a:ea typeface="微软雅黑" panose="020B0503020204020204" charset="-122"/>
+              <a:ea typeface="Microsoft YaHei" panose="020B0503020204020204" charset="-122"/>
               <a:cs typeface="Poppins" panose="00000500000000000000" pitchFamily="2" charset="0"/>
             </a:endParaRPr>
           </a:p>
@@ -21960,7 +21846,7 @@
                   <a:schemeClr val="tx2"/>
                 </a:solidFill>
                 <a:latin typeface="Segoe UI" panose="020B0502040204020203" charset="0"/>
-                <a:ea typeface="微软雅黑" panose="020B0503020204020204" charset="-122"/>
+                <a:ea typeface="Microsoft YaHei" panose="020B0503020204020204" charset="-122"/>
                 <a:cs typeface="Noto sans" panose="020B0502040504020204" pitchFamily="34" charset="0"/>
               </a:rPr>
               <a:t>Modern Presentation</a:t>
@@ -21970,7 +21856,7 @@
                 <a:schemeClr val="tx2"/>
               </a:solidFill>
               <a:latin typeface="Segoe UI" panose="020B0502040204020203" charset="0"/>
-              <a:ea typeface="微软雅黑" panose="020B0503020204020204" charset="-122"/>
+              <a:ea typeface="Microsoft YaHei" panose="020B0503020204020204" charset="-122"/>
               <a:cs typeface="Noto sans" panose="020B0502040504020204" pitchFamily="34" charset="0"/>
             </a:endParaRPr>
           </a:p>
@@ -22188,17 +22074,17 @@
                   <a:schemeClr val="tx2"/>
                 </a:solidFill>
                 <a:latin typeface="Segoe UI" panose="020B0502040204020203" charset="0"/>
-                <a:ea typeface="微软雅黑" panose="020B0503020204020204" charset="-122"/>
+                <a:ea typeface="Microsoft YaHei" panose="020B0503020204020204" charset="-122"/>
                 <a:cs typeface="Noto sans" panose="020B0502040504020204" pitchFamily="34" charset="0"/>
               </a:rPr>
-              <a:t>Brand Name</a:t>
+              <a:t>Overview</a:t>
             </a:r>
             <a:endParaRPr lang="en-US" sz="1600" b="1" dirty="0">
               <a:solidFill>
                 <a:schemeClr val="tx2"/>
               </a:solidFill>
               <a:latin typeface="Segoe UI" panose="020B0502040204020203" charset="0"/>
-              <a:ea typeface="微软雅黑" panose="020B0503020204020204" charset="-122"/>
+              <a:ea typeface="Microsoft YaHei" panose="020B0503020204020204" charset="-122"/>
               <a:cs typeface="Noto sans" panose="020B0502040504020204" pitchFamily="34" charset="0"/>
             </a:endParaRPr>
           </a:p>
@@ -22206,20 +22092,420 @@
       </p:sp>
       <p:sp>
         <p:nvSpPr>
-          <p:cNvPr id="2" name="Oval 1"/>
+          <p:cNvPr id="13" name="TextBox 12"/>
+          <p:cNvSpPr txBox="1"/>
+          <p:nvPr/>
+        </p:nvSpPr>
+        <p:spPr>
+          <a:xfrm>
+            <a:off x="951136" y="5136672"/>
+            <a:ext cx="4339652" cy="768350"/>
+          </a:xfrm>
+          <a:prstGeom prst="rect">
+            <a:avLst/>
+          </a:prstGeom>
+          <a:noFill/>
+        </p:spPr>
+        <p:txBody>
+          <a:bodyPr wrap="square" rtlCol="0">
+            <a:spAutoFit/>
+          </a:bodyPr>
+          <a:lstStyle>
+            <a:defPPr>
+              <a:defRPr lang="en-US"/>
+            </a:defPPr>
+            <a:lvl1pPr marL="0" algn="l" defTabSz="914400" rtl="0" eaLnBrk="1" latinLnBrk="0" hangingPunct="1">
+              <a:defRPr sz="1800" kern="1200">
+                <a:solidFill>
+                  <a:schemeClr val="tx1"/>
+                </a:solidFill>
+                <a:latin typeface="+mn-lt"/>
+                <a:ea typeface="+mn-ea"/>
+                <a:cs typeface="+mn-cs"/>
+              </a:defRPr>
+            </a:lvl1pPr>
+            <a:lvl2pPr marL="457200" algn="l" defTabSz="914400" rtl="0" eaLnBrk="1" latinLnBrk="0" hangingPunct="1">
+              <a:defRPr sz="1800" kern="1200">
+                <a:solidFill>
+                  <a:schemeClr val="tx1"/>
+                </a:solidFill>
+                <a:latin typeface="+mn-lt"/>
+                <a:ea typeface="+mn-ea"/>
+                <a:cs typeface="+mn-cs"/>
+              </a:defRPr>
+            </a:lvl2pPr>
+            <a:lvl3pPr marL="914400" algn="l" defTabSz="914400" rtl="0" eaLnBrk="1" latinLnBrk="0" hangingPunct="1">
+              <a:defRPr sz="1800" kern="1200">
+                <a:solidFill>
+                  <a:schemeClr val="tx1"/>
+                </a:solidFill>
+                <a:latin typeface="+mn-lt"/>
+                <a:ea typeface="+mn-ea"/>
+                <a:cs typeface="+mn-cs"/>
+              </a:defRPr>
+            </a:lvl3pPr>
+            <a:lvl4pPr marL="1371600" algn="l" defTabSz="914400" rtl="0" eaLnBrk="1" latinLnBrk="0" hangingPunct="1">
+              <a:defRPr sz="1800" kern="1200">
+                <a:solidFill>
+                  <a:schemeClr val="tx1"/>
+                </a:solidFill>
+                <a:latin typeface="+mn-lt"/>
+                <a:ea typeface="+mn-ea"/>
+                <a:cs typeface="+mn-cs"/>
+              </a:defRPr>
+            </a:lvl4pPr>
+            <a:lvl5pPr marL="1828800" algn="l" defTabSz="914400" rtl="0" eaLnBrk="1" latinLnBrk="0" hangingPunct="1">
+              <a:defRPr sz="1800" kern="1200">
+                <a:solidFill>
+                  <a:schemeClr val="tx1"/>
+                </a:solidFill>
+                <a:latin typeface="+mn-lt"/>
+                <a:ea typeface="+mn-ea"/>
+                <a:cs typeface="+mn-cs"/>
+              </a:defRPr>
+            </a:lvl5pPr>
+            <a:lvl6pPr marL="2286000" algn="l" defTabSz="914400" rtl="0" eaLnBrk="1" latinLnBrk="0" hangingPunct="1">
+              <a:defRPr sz="1800" kern="1200">
+                <a:solidFill>
+                  <a:schemeClr val="tx1"/>
+                </a:solidFill>
+                <a:latin typeface="+mn-lt"/>
+                <a:ea typeface="+mn-ea"/>
+                <a:cs typeface="+mn-cs"/>
+              </a:defRPr>
+            </a:lvl6pPr>
+            <a:lvl7pPr marL="2743200" algn="l" defTabSz="914400" rtl="0" eaLnBrk="1" latinLnBrk="0" hangingPunct="1">
+              <a:defRPr sz="1800" kern="1200">
+                <a:solidFill>
+                  <a:schemeClr val="tx1"/>
+                </a:solidFill>
+                <a:latin typeface="+mn-lt"/>
+                <a:ea typeface="+mn-ea"/>
+                <a:cs typeface="+mn-cs"/>
+              </a:defRPr>
+            </a:lvl7pPr>
+            <a:lvl8pPr marL="3200400" algn="l" defTabSz="914400" rtl="0" eaLnBrk="1" latinLnBrk="0" hangingPunct="1">
+              <a:defRPr sz="1800" kern="1200">
+                <a:solidFill>
+                  <a:schemeClr val="tx1"/>
+                </a:solidFill>
+                <a:latin typeface="+mn-lt"/>
+                <a:ea typeface="+mn-ea"/>
+                <a:cs typeface="+mn-cs"/>
+              </a:defRPr>
+            </a:lvl8pPr>
+            <a:lvl9pPr marL="3657600" algn="l" defTabSz="914400" rtl="0" eaLnBrk="1" latinLnBrk="0" hangingPunct="1">
+              <a:defRPr sz="1800" kern="1200">
+                <a:solidFill>
+                  <a:schemeClr val="tx1"/>
+                </a:solidFill>
+                <a:latin typeface="+mn-lt"/>
+                <a:ea typeface="+mn-ea"/>
+                <a:cs typeface="+mn-cs"/>
+              </a:defRPr>
+            </a:lvl9pPr>
+          </a:lstStyle>
+          <a:p>
+            <a:pPr algn="just"/>
+            <a:r>
+              <a:rPr lang="en-US" sz="1100" b="0" i="0" dirty="0">
+                <a:effectLst/>
+                <a:latin typeface="Segoe UI" panose="020B0502040204020203" charset="0"/>
+                <a:ea typeface="Microsoft YaHei" panose="020B0503020204020204" charset="-122"/>
+              </a:rPr>
+              <a:t>Lorem Ipsum is simply dummy text of the printing and typesetting industry. Lorem Ipsum has been the industry's standard dummy text ever since the 1500s, when an unknown printer took a galley of type and scrambled it to make a type specimen book.</a:t>
+            </a:r>
+            <a:endParaRPr lang="en-US" sz="1100" b="0" i="0" dirty="0">
+              <a:effectLst/>
+              <a:latin typeface="Segoe UI" panose="020B0502040204020203" charset="0"/>
+              <a:ea typeface="Microsoft YaHei" panose="020B0503020204020204" charset="-122"/>
+              <a:cs typeface="Poppins" panose="00000500000000000000" pitchFamily="2" charset="0"/>
+            </a:endParaRPr>
+          </a:p>
+        </p:txBody>
+      </p:sp>
+      <p:sp>
+        <p:nvSpPr>
+          <p:cNvPr id="15" name="TextBox 14"/>
+          <p:cNvSpPr txBox="1"/>
+          <p:nvPr/>
+        </p:nvSpPr>
+        <p:spPr>
+          <a:xfrm>
+            <a:off x="951136" y="4718359"/>
+            <a:ext cx="1450277" cy="337185"/>
+          </a:xfrm>
+          <a:prstGeom prst="rect">
+            <a:avLst/>
+          </a:prstGeom>
+          <a:noFill/>
+        </p:spPr>
+        <p:txBody>
+          <a:bodyPr wrap="square" rtlCol="0">
+            <a:spAutoFit/>
+          </a:bodyPr>
+          <a:lstStyle/>
+          <a:p>
+            <a:r>
+              <a:rPr lang="en-US" sz="1600" b="1" dirty="0">
+                <a:solidFill>
+                  <a:schemeClr val="accent3"/>
+                </a:solidFill>
+                <a:latin typeface="Segoe UI" panose="020B0502040204020203" charset="0"/>
+                <a:ea typeface="Microsoft YaHei" panose="020B0503020204020204" charset="-122"/>
+                <a:cs typeface="Poppins" panose="00000500000000000000" pitchFamily="2" charset="0"/>
+              </a:rPr>
+              <a:t>Description</a:t>
+            </a:r>
+            <a:endParaRPr lang="en-US" sz="1600" b="1" dirty="0">
+              <a:solidFill>
+                <a:schemeClr val="accent3"/>
+              </a:solidFill>
+              <a:latin typeface="Segoe UI" panose="020B0502040204020203" charset="0"/>
+              <a:ea typeface="Microsoft YaHei" panose="020B0503020204020204" charset="-122"/>
+              <a:cs typeface="Poppins" panose="00000500000000000000" pitchFamily="2" charset="0"/>
+            </a:endParaRPr>
+          </a:p>
+        </p:txBody>
+      </p:sp>
+      <p:sp>
+        <p:nvSpPr>
+          <p:cNvPr id="16" name="TextBox 15"/>
+          <p:cNvSpPr txBox="1"/>
+          <p:nvPr/>
+        </p:nvSpPr>
+        <p:spPr>
+          <a:xfrm>
+            <a:off x="6358719" y="5136672"/>
+            <a:ext cx="4339652" cy="768350"/>
+          </a:xfrm>
+          <a:prstGeom prst="rect">
+            <a:avLst/>
+          </a:prstGeom>
+          <a:noFill/>
+        </p:spPr>
+        <p:txBody>
+          <a:bodyPr wrap="square" rtlCol="0">
+            <a:spAutoFit/>
+          </a:bodyPr>
+          <a:lstStyle>
+            <a:defPPr>
+              <a:defRPr lang="en-US"/>
+            </a:defPPr>
+            <a:lvl1pPr marL="0" algn="l" defTabSz="914400" rtl="0" eaLnBrk="1" latinLnBrk="0" hangingPunct="1">
+              <a:defRPr sz="1800" kern="1200">
+                <a:solidFill>
+                  <a:schemeClr val="tx1"/>
+                </a:solidFill>
+                <a:latin typeface="+mn-lt"/>
+                <a:ea typeface="+mn-ea"/>
+                <a:cs typeface="+mn-cs"/>
+              </a:defRPr>
+            </a:lvl1pPr>
+            <a:lvl2pPr marL="457200" algn="l" defTabSz="914400" rtl="0" eaLnBrk="1" latinLnBrk="0" hangingPunct="1">
+              <a:defRPr sz="1800" kern="1200">
+                <a:solidFill>
+                  <a:schemeClr val="tx1"/>
+                </a:solidFill>
+                <a:latin typeface="+mn-lt"/>
+                <a:ea typeface="+mn-ea"/>
+                <a:cs typeface="+mn-cs"/>
+              </a:defRPr>
+            </a:lvl2pPr>
+            <a:lvl3pPr marL="914400" algn="l" defTabSz="914400" rtl="0" eaLnBrk="1" latinLnBrk="0" hangingPunct="1">
+              <a:defRPr sz="1800" kern="1200">
+                <a:solidFill>
+                  <a:schemeClr val="tx1"/>
+                </a:solidFill>
+                <a:latin typeface="+mn-lt"/>
+                <a:ea typeface="+mn-ea"/>
+                <a:cs typeface="+mn-cs"/>
+              </a:defRPr>
+            </a:lvl3pPr>
+            <a:lvl4pPr marL="1371600" algn="l" defTabSz="914400" rtl="0" eaLnBrk="1" latinLnBrk="0" hangingPunct="1">
+              <a:defRPr sz="1800" kern="1200">
+                <a:solidFill>
+                  <a:schemeClr val="tx1"/>
+                </a:solidFill>
+                <a:latin typeface="+mn-lt"/>
+                <a:ea typeface="+mn-ea"/>
+                <a:cs typeface="+mn-cs"/>
+              </a:defRPr>
+            </a:lvl4pPr>
+            <a:lvl5pPr marL="1828800" algn="l" defTabSz="914400" rtl="0" eaLnBrk="1" latinLnBrk="0" hangingPunct="1">
+              <a:defRPr sz="1800" kern="1200">
+                <a:solidFill>
+                  <a:schemeClr val="tx1"/>
+                </a:solidFill>
+                <a:latin typeface="+mn-lt"/>
+                <a:ea typeface="+mn-ea"/>
+                <a:cs typeface="+mn-cs"/>
+              </a:defRPr>
+            </a:lvl5pPr>
+            <a:lvl6pPr marL="2286000" algn="l" defTabSz="914400" rtl="0" eaLnBrk="1" latinLnBrk="0" hangingPunct="1">
+              <a:defRPr sz="1800" kern="1200">
+                <a:solidFill>
+                  <a:schemeClr val="tx1"/>
+                </a:solidFill>
+                <a:latin typeface="+mn-lt"/>
+                <a:ea typeface="+mn-ea"/>
+                <a:cs typeface="+mn-cs"/>
+              </a:defRPr>
+            </a:lvl6pPr>
+            <a:lvl7pPr marL="2743200" algn="l" defTabSz="914400" rtl="0" eaLnBrk="1" latinLnBrk="0" hangingPunct="1">
+              <a:defRPr sz="1800" kern="1200">
+                <a:solidFill>
+                  <a:schemeClr val="tx1"/>
+                </a:solidFill>
+                <a:latin typeface="+mn-lt"/>
+                <a:ea typeface="+mn-ea"/>
+                <a:cs typeface="+mn-cs"/>
+              </a:defRPr>
+            </a:lvl7pPr>
+            <a:lvl8pPr marL="3200400" algn="l" defTabSz="914400" rtl="0" eaLnBrk="1" latinLnBrk="0" hangingPunct="1">
+              <a:defRPr sz="1800" kern="1200">
+                <a:solidFill>
+                  <a:schemeClr val="tx1"/>
+                </a:solidFill>
+                <a:latin typeface="+mn-lt"/>
+                <a:ea typeface="+mn-ea"/>
+                <a:cs typeface="+mn-cs"/>
+              </a:defRPr>
+            </a:lvl8pPr>
+            <a:lvl9pPr marL="3657600" algn="l" defTabSz="914400" rtl="0" eaLnBrk="1" latinLnBrk="0" hangingPunct="1">
+              <a:defRPr sz="1800" kern="1200">
+                <a:solidFill>
+                  <a:schemeClr val="tx1"/>
+                </a:solidFill>
+                <a:latin typeface="+mn-lt"/>
+                <a:ea typeface="+mn-ea"/>
+                <a:cs typeface="+mn-cs"/>
+              </a:defRPr>
+            </a:lvl9pPr>
+          </a:lstStyle>
+          <a:p>
+            <a:pPr algn="just"/>
+            <a:r>
+              <a:rPr lang="en-US" sz="1100" b="0" i="0" dirty="0">
+                <a:effectLst/>
+                <a:latin typeface="Segoe UI" panose="020B0502040204020203" charset="0"/>
+                <a:ea typeface="Microsoft YaHei" panose="020B0503020204020204" charset="-122"/>
+              </a:rPr>
+              <a:t>Lorem Ipsum is simply dummy text of the printing and typesetting industry. Lorem Ipsum has been the industry's standard dummy text ever since the 1500s, when an unknown printer took a galley of type and scrambled it to make a type specimen book.</a:t>
+            </a:r>
+            <a:endParaRPr lang="en-US" sz="1100" b="0" i="0" dirty="0">
+              <a:effectLst/>
+              <a:latin typeface="Segoe UI" panose="020B0502040204020203" charset="0"/>
+              <a:ea typeface="Microsoft YaHei" panose="020B0503020204020204" charset="-122"/>
+              <a:cs typeface="Poppins" panose="00000500000000000000" pitchFamily="2" charset="0"/>
+            </a:endParaRPr>
+          </a:p>
+        </p:txBody>
+      </p:sp>
+      <p:sp>
+        <p:nvSpPr>
+          <p:cNvPr id="17" name="TextBox 16"/>
+          <p:cNvSpPr txBox="1"/>
+          <p:nvPr/>
+        </p:nvSpPr>
+        <p:spPr>
+          <a:xfrm>
+            <a:off x="6358719" y="4718359"/>
+            <a:ext cx="1450277" cy="337185"/>
+          </a:xfrm>
+          <a:prstGeom prst="rect">
+            <a:avLst/>
+          </a:prstGeom>
+          <a:noFill/>
+        </p:spPr>
+        <p:txBody>
+          <a:bodyPr wrap="square" rtlCol="0">
+            <a:spAutoFit/>
+          </a:bodyPr>
+          <a:lstStyle/>
+          <a:p>
+            <a:r>
+              <a:rPr lang="en-US" sz="1600" b="1" dirty="0">
+                <a:solidFill>
+                  <a:schemeClr val="accent3"/>
+                </a:solidFill>
+                <a:latin typeface="Segoe UI" panose="020B0502040204020203" charset="0"/>
+                <a:ea typeface="Microsoft YaHei" panose="020B0503020204020204" charset="-122"/>
+                <a:cs typeface="Poppins" panose="00000500000000000000" pitchFamily="2" charset="0"/>
+              </a:rPr>
+              <a:t>Description</a:t>
+            </a:r>
+            <a:endParaRPr lang="en-US" sz="1600" b="1" dirty="0">
+              <a:solidFill>
+                <a:schemeClr val="accent3"/>
+              </a:solidFill>
+              <a:latin typeface="Segoe UI" panose="020B0502040204020203" charset="0"/>
+              <a:ea typeface="Microsoft YaHei" panose="020B0503020204020204" charset="-122"/>
+              <a:cs typeface="Poppins" panose="00000500000000000000" pitchFamily="2" charset="0"/>
+            </a:endParaRPr>
+          </a:p>
+        </p:txBody>
+      </p:sp>
+      <p:sp>
+        <p:nvSpPr>
+          <p:cNvPr id="18" name="TextBox 17"/>
+          <p:cNvSpPr txBox="1"/>
+          <p:nvPr/>
+        </p:nvSpPr>
+        <p:spPr>
+          <a:xfrm>
+            <a:off x="1155545" y="854796"/>
+            <a:ext cx="4660992" cy="922020"/>
+          </a:xfrm>
+          <a:prstGeom prst="rect">
+            <a:avLst/>
+          </a:prstGeom>
+          <a:noFill/>
+        </p:spPr>
+        <p:txBody>
+          <a:bodyPr wrap="square" rtlCol="0">
+            <a:spAutoFit/>
+          </a:bodyPr>
+          <a:lstStyle/>
+          <a:p>
+            <a:r>
+              <a:rPr lang="en-US" sz="5400" b="1" dirty="0">
+                <a:solidFill>
+                  <a:schemeClr val="tx2"/>
+                </a:solidFill>
+                <a:latin typeface="Segoe UI" panose="020B0502040204020203" charset="0"/>
+                <a:ea typeface="Microsoft YaHei" panose="020B0503020204020204" charset="-122"/>
+                <a:cs typeface="Noto sans" panose="020B0502040504020204" pitchFamily="34" charset="0"/>
+              </a:rPr>
+              <a:t>All Variants</a:t>
+            </a:r>
+            <a:endParaRPr lang="en-US" sz="5400" b="1" dirty="0">
+              <a:solidFill>
+                <a:schemeClr val="tx2"/>
+              </a:solidFill>
+              <a:latin typeface="Segoe UI" panose="020B0502040204020203" charset="0"/>
+              <a:ea typeface="Microsoft YaHei" panose="020B0503020204020204" charset="-122"/>
+              <a:cs typeface="Noto sans" panose="020B0502040504020204" pitchFamily="34" charset="0"/>
+            </a:endParaRPr>
+          </a:p>
+        </p:txBody>
+      </p:sp>
+      <p:sp>
+        <p:nvSpPr>
+          <p:cNvPr id="25" name="Rectangle 24"/>
           <p:cNvSpPr/>
           <p:nvPr/>
         </p:nvSpPr>
         <p:spPr>
           <a:xfrm>
-            <a:off x="-2111188" y="983155"/>
-            <a:ext cx="5331511" cy="4984124"/>
-          </a:xfrm>
-          <a:prstGeom prst="ellipse">
+            <a:off x="787998" y="1208885"/>
+            <a:ext cx="147918" cy="215152"/>
+          </a:xfrm>
+          <a:prstGeom prst="rect">
             <a:avLst/>
           </a:prstGeom>
           <a:solidFill>
-            <a:schemeClr val="accent3"/>
+            <a:schemeClr val="accent5"/>
           </a:solidFill>
           <a:ln>
             <a:noFill/>
@@ -22252,7 +22538,7 @@
       </p:sp>
       <p:sp>
         <p:nvSpPr>
-          <p:cNvPr id="11" name="Picture Placeholder 10"/>
+          <p:cNvPr id="3" name="Picture Placeholder 2"/>
           <p:cNvSpPr>
             <a:spLocks noGrp="1"/>
           </p:cNvSpPr>
@@ -22262,103 +22548,9 @@
         </p:nvSpPr>
         <p:spPr>
           <a:xfrm>
-            <a:off x="939153" y="1612799"/>
-            <a:ext cx="5156847" cy="3724835"/>
-          </a:xfrm>
-          <a:custGeom>
-            <a:avLst/>
-            <a:gdLst>
-              <a:gd name="connsiteX0" fmla="*/ 620818 w 5156847"/>
-              <a:gd name="connsiteY0" fmla="*/ 0 h 3724835"/>
-              <a:gd name="connsiteX1" fmla="*/ 4536029 w 5156847"/>
-              <a:gd name="connsiteY1" fmla="*/ 0 h 3724835"/>
-              <a:gd name="connsiteX2" fmla="*/ 5156847 w 5156847"/>
-              <a:gd name="connsiteY2" fmla="*/ 620818 h 3724835"/>
-              <a:gd name="connsiteX3" fmla="*/ 5156847 w 5156847"/>
-              <a:gd name="connsiteY3" fmla="*/ 3104017 h 3724835"/>
-              <a:gd name="connsiteX4" fmla="*/ 4536029 w 5156847"/>
-              <a:gd name="connsiteY4" fmla="*/ 3724835 h 3724835"/>
-              <a:gd name="connsiteX5" fmla="*/ 620818 w 5156847"/>
-              <a:gd name="connsiteY5" fmla="*/ 3724835 h 3724835"/>
-              <a:gd name="connsiteX6" fmla="*/ 0 w 5156847"/>
-              <a:gd name="connsiteY6" fmla="*/ 3104017 h 3724835"/>
-              <a:gd name="connsiteX7" fmla="*/ 0 w 5156847"/>
-              <a:gd name="connsiteY7" fmla="*/ 620818 h 3724835"/>
-              <a:gd name="connsiteX8" fmla="*/ 620818 w 5156847"/>
-              <a:gd name="connsiteY8" fmla="*/ 0 h 3724835"/>
-            </a:gdLst>
-            <a:ahLst/>
-            <a:cxnLst>
-              <a:cxn ang="0">
-                <a:pos x="connsiteX0" y="connsiteY0"/>
-              </a:cxn>
-              <a:cxn ang="0">
-                <a:pos x="connsiteX1" y="connsiteY1"/>
-              </a:cxn>
-              <a:cxn ang="0">
-                <a:pos x="connsiteX2" y="connsiteY2"/>
-              </a:cxn>
-              <a:cxn ang="0">
-                <a:pos x="connsiteX3" y="connsiteY3"/>
-              </a:cxn>
-              <a:cxn ang="0">
-                <a:pos x="connsiteX4" y="connsiteY4"/>
-              </a:cxn>
-              <a:cxn ang="0">
-                <a:pos x="connsiteX5" y="connsiteY5"/>
-              </a:cxn>
-              <a:cxn ang="0">
-                <a:pos x="connsiteX6" y="connsiteY6"/>
-              </a:cxn>
-              <a:cxn ang="0">
-                <a:pos x="connsiteX7" y="connsiteY7"/>
-              </a:cxn>
-              <a:cxn ang="0">
-                <a:pos x="connsiteX8" y="connsiteY8"/>
-              </a:cxn>
-            </a:cxnLst>
-            <a:rect l="l" t="t" r="r" b="b"/>
-            <a:pathLst>
-              <a:path w="5156847" h="3724835">
-                <a:moveTo>
-                  <a:pt x="620818" y="0"/>
-                </a:moveTo>
-                <a:lnTo>
-                  <a:pt x="4536029" y="0"/>
-                </a:lnTo>
-                <a:cubicBezTo>
-                  <a:pt x="4878897" y="0"/>
-                  <a:pt x="5156847" y="277950"/>
-                  <a:pt x="5156847" y="620818"/>
-                </a:cubicBezTo>
-                <a:lnTo>
-                  <a:pt x="5156847" y="3104017"/>
-                </a:lnTo>
-                <a:cubicBezTo>
-                  <a:pt x="5156847" y="3446885"/>
-                  <a:pt x="4878897" y="3724835"/>
-                  <a:pt x="4536029" y="3724835"/>
-                </a:cubicBezTo>
-                <a:lnTo>
-                  <a:pt x="620818" y="3724835"/>
-                </a:lnTo>
-                <a:cubicBezTo>
-                  <a:pt x="277950" y="3724835"/>
-                  <a:pt x="0" y="3446885"/>
-                  <a:pt x="0" y="3104017"/>
-                </a:cubicBezTo>
-                <a:lnTo>
-                  <a:pt x="0" y="620818"/>
-                </a:lnTo>
-                <a:cubicBezTo>
-                  <a:pt x="0" y="277950"/>
-                  <a:pt x="277950" y="0"/>
-                  <a:pt x="620818" y="0"/>
-                </a:cubicBezTo>
-                <a:close/>
-              </a:path>
-            </a:pathLst>
-          </a:custGeom>
+            <a:off x="967569" y="2060520"/>
+            <a:ext cx="2153393" cy="2478938"/>
+          </a:xfrm>
           <a:solidFill>
             <a:schemeClr val="tx1">
               <a:lumMod val="85000"/>
@@ -22368,451 +22560,73 @@
       </p:sp>
       <p:sp>
         <p:nvSpPr>
-          <p:cNvPr id="13" name="TextBox 12"/>
-          <p:cNvSpPr txBox="1"/>
-          <p:nvPr/>
-        </p:nvSpPr>
-        <p:spPr>
-          <a:xfrm>
-            <a:off x="7124087" y="3088206"/>
-            <a:ext cx="4339652" cy="768350"/>
-          </a:xfrm>
-          <a:prstGeom prst="rect">
-            <a:avLst/>
-          </a:prstGeom>
-          <a:noFill/>
-        </p:spPr>
-        <p:txBody>
-          <a:bodyPr wrap="square" rtlCol="0">
-            <a:spAutoFit/>
-          </a:bodyPr>
-          <a:lstStyle>
-            <a:defPPr>
-              <a:defRPr lang="en-US"/>
-            </a:defPPr>
-            <a:lvl1pPr marL="0" algn="l" defTabSz="914400" rtl="0" eaLnBrk="1" latinLnBrk="0" hangingPunct="1">
-              <a:defRPr sz="1800" kern="1200">
-                <a:solidFill>
-                  <a:schemeClr val="tx1"/>
-                </a:solidFill>
-                <a:latin typeface="+mn-lt"/>
-                <a:ea typeface="+mn-ea"/>
-                <a:cs typeface="+mn-cs"/>
-              </a:defRPr>
-            </a:lvl1pPr>
-            <a:lvl2pPr marL="457200" algn="l" defTabSz="914400" rtl="0" eaLnBrk="1" latinLnBrk="0" hangingPunct="1">
-              <a:defRPr sz="1800" kern="1200">
-                <a:solidFill>
-                  <a:schemeClr val="tx1"/>
-                </a:solidFill>
-                <a:latin typeface="+mn-lt"/>
-                <a:ea typeface="+mn-ea"/>
-                <a:cs typeface="+mn-cs"/>
-              </a:defRPr>
-            </a:lvl2pPr>
-            <a:lvl3pPr marL="914400" algn="l" defTabSz="914400" rtl="0" eaLnBrk="1" latinLnBrk="0" hangingPunct="1">
-              <a:defRPr sz="1800" kern="1200">
-                <a:solidFill>
-                  <a:schemeClr val="tx1"/>
-                </a:solidFill>
-                <a:latin typeface="+mn-lt"/>
-                <a:ea typeface="+mn-ea"/>
-                <a:cs typeface="+mn-cs"/>
-              </a:defRPr>
-            </a:lvl3pPr>
-            <a:lvl4pPr marL="1371600" algn="l" defTabSz="914400" rtl="0" eaLnBrk="1" latinLnBrk="0" hangingPunct="1">
-              <a:defRPr sz="1800" kern="1200">
-                <a:solidFill>
-                  <a:schemeClr val="tx1"/>
-                </a:solidFill>
-                <a:latin typeface="+mn-lt"/>
-                <a:ea typeface="+mn-ea"/>
-                <a:cs typeface="+mn-cs"/>
-              </a:defRPr>
-            </a:lvl4pPr>
-            <a:lvl5pPr marL="1828800" algn="l" defTabSz="914400" rtl="0" eaLnBrk="1" latinLnBrk="0" hangingPunct="1">
-              <a:defRPr sz="1800" kern="1200">
-                <a:solidFill>
-                  <a:schemeClr val="tx1"/>
-                </a:solidFill>
-                <a:latin typeface="+mn-lt"/>
-                <a:ea typeface="+mn-ea"/>
-                <a:cs typeface="+mn-cs"/>
-              </a:defRPr>
-            </a:lvl5pPr>
-            <a:lvl6pPr marL="2286000" algn="l" defTabSz="914400" rtl="0" eaLnBrk="1" latinLnBrk="0" hangingPunct="1">
-              <a:defRPr sz="1800" kern="1200">
-                <a:solidFill>
-                  <a:schemeClr val="tx1"/>
-                </a:solidFill>
-                <a:latin typeface="+mn-lt"/>
-                <a:ea typeface="+mn-ea"/>
-                <a:cs typeface="+mn-cs"/>
-              </a:defRPr>
-            </a:lvl6pPr>
-            <a:lvl7pPr marL="2743200" algn="l" defTabSz="914400" rtl="0" eaLnBrk="1" latinLnBrk="0" hangingPunct="1">
-              <a:defRPr sz="1800" kern="1200">
-                <a:solidFill>
-                  <a:schemeClr val="tx1"/>
-                </a:solidFill>
-                <a:latin typeface="+mn-lt"/>
-                <a:ea typeface="+mn-ea"/>
-                <a:cs typeface="+mn-cs"/>
-              </a:defRPr>
-            </a:lvl7pPr>
-            <a:lvl8pPr marL="3200400" algn="l" defTabSz="914400" rtl="0" eaLnBrk="1" latinLnBrk="0" hangingPunct="1">
-              <a:defRPr sz="1800" kern="1200">
-                <a:solidFill>
-                  <a:schemeClr val="tx1"/>
-                </a:solidFill>
-                <a:latin typeface="+mn-lt"/>
-                <a:ea typeface="+mn-ea"/>
-                <a:cs typeface="+mn-cs"/>
-              </a:defRPr>
-            </a:lvl8pPr>
-            <a:lvl9pPr marL="3657600" algn="l" defTabSz="914400" rtl="0" eaLnBrk="1" latinLnBrk="0" hangingPunct="1">
-              <a:defRPr sz="1800" kern="1200">
-                <a:solidFill>
-                  <a:schemeClr val="tx1"/>
-                </a:solidFill>
-                <a:latin typeface="+mn-lt"/>
-                <a:ea typeface="+mn-ea"/>
-                <a:cs typeface="+mn-cs"/>
-              </a:defRPr>
-            </a:lvl9pPr>
-          </a:lstStyle>
-          <a:p>
-            <a:r>
-              <a:rPr lang="en-US" sz="1100" b="0" i="0" dirty="0">
-                <a:effectLst/>
-                <a:latin typeface="Segoe UI" panose="020B0502040204020203" charset="0"/>
-                <a:ea typeface="微软雅黑" panose="020B0503020204020204" charset="-122"/>
-              </a:rPr>
-              <a:t>Lorem Ipsum is simply dummy text of the printing and typesetting industry. Lorem Ipsum has been the industry's standard dummy text ever since the 1500s, when an unknown printer took a galley of type and scrambled it to make a type specimen book.</a:t>
-            </a:r>
-            <a:endParaRPr lang="en-US" sz="1100" b="0" i="0" dirty="0">
-              <a:effectLst/>
-              <a:latin typeface="Segoe UI" panose="020B0502040204020203" charset="0"/>
-              <a:ea typeface="微软雅黑" panose="020B0503020204020204" charset="-122"/>
-              <a:cs typeface="Poppins" panose="00000500000000000000" pitchFamily="2" charset="0"/>
-            </a:endParaRPr>
-          </a:p>
-        </p:txBody>
-      </p:sp>
-      <p:sp>
-        <p:nvSpPr>
-          <p:cNvPr id="15" name="TextBox 14"/>
-          <p:cNvSpPr txBox="1"/>
-          <p:nvPr/>
-        </p:nvSpPr>
-        <p:spPr>
-          <a:xfrm>
-            <a:off x="7124087" y="2669893"/>
-            <a:ext cx="1450277" cy="337185"/>
-          </a:xfrm>
-          <a:prstGeom prst="rect">
-            <a:avLst/>
-          </a:prstGeom>
-          <a:noFill/>
-        </p:spPr>
-        <p:txBody>
-          <a:bodyPr wrap="square" rtlCol="0">
-            <a:spAutoFit/>
-          </a:bodyPr>
-          <a:lstStyle/>
-          <a:p>
-            <a:r>
-              <a:rPr lang="en-US" sz="1600" b="1" dirty="0">
-                <a:solidFill>
-                  <a:schemeClr val="accent3"/>
-                </a:solidFill>
-                <a:latin typeface="Segoe UI" panose="020B0502040204020203" charset="0"/>
-                <a:ea typeface="微软雅黑" panose="020B0503020204020204" charset="-122"/>
-                <a:cs typeface="Poppins" panose="00000500000000000000" pitchFamily="2" charset="0"/>
-              </a:rPr>
-              <a:t>Description</a:t>
-            </a:r>
-            <a:endParaRPr lang="en-US" sz="1600" b="1" dirty="0">
-              <a:solidFill>
-                <a:schemeClr val="accent3"/>
-              </a:solidFill>
-              <a:latin typeface="Segoe UI" panose="020B0502040204020203" charset="0"/>
-              <a:ea typeface="微软雅黑" panose="020B0503020204020204" charset="-122"/>
-              <a:cs typeface="Poppins" panose="00000500000000000000" pitchFamily="2" charset="0"/>
-            </a:endParaRPr>
-          </a:p>
-        </p:txBody>
-      </p:sp>
-      <p:sp>
-        <p:nvSpPr>
-          <p:cNvPr id="16" name="TextBox 15"/>
-          <p:cNvSpPr txBox="1"/>
-          <p:nvPr/>
-        </p:nvSpPr>
-        <p:spPr>
-          <a:xfrm>
-            <a:off x="7124087" y="4524997"/>
-            <a:ext cx="4339652" cy="768350"/>
-          </a:xfrm>
-          <a:prstGeom prst="rect">
-            <a:avLst/>
-          </a:prstGeom>
-          <a:noFill/>
-        </p:spPr>
-        <p:txBody>
-          <a:bodyPr wrap="square" rtlCol="0">
-            <a:spAutoFit/>
-          </a:bodyPr>
-          <a:lstStyle>
-            <a:defPPr>
-              <a:defRPr lang="en-US"/>
-            </a:defPPr>
-            <a:lvl1pPr marL="0" algn="l" defTabSz="914400" rtl="0" eaLnBrk="1" latinLnBrk="0" hangingPunct="1">
-              <a:defRPr sz="1800" kern="1200">
-                <a:solidFill>
-                  <a:schemeClr val="tx1"/>
-                </a:solidFill>
-                <a:latin typeface="+mn-lt"/>
-                <a:ea typeface="+mn-ea"/>
-                <a:cs typeface="+mn-cs"/>
-              </a:defRPr>
-            </a:lvl1pPr>
-            <a:lvl2pPr marL="457200" algn="l" defTabSz="914400" rtl="0" eaLnBrk="1" latinLnBrk="0" hangingPunct="1">
-              <a:defRPr sz="1800" kern="1200">
-                <a:solidFill>
-                  <a:schemeClr val="tx1"/>
-                </a:solidFill>
-                <a:latin typeface="+mn-lt"/>
-                <a:ea typeface="+mn-ea"/>
-                <a:cs typeface="+mn-cs"/>
-              </a:defRPr>
-            </a:lvl2pPr>
-            <a:lvl3pPr marL="914400" algn="l" defTabSz="914400" rtl="0" eaLnBrk="1" latinLnBrk="0" hangingPunct="1">
-              <a:defRPr sz="1800" kern="1200">
-                <a:solidFill>
-                  <a:schemeClr val="tx1"/>
-                </a:solidFill>
-                <a:latin typeface="+mn-lt"/>
-                <a:ea typeface="+mn-ea"/>
-                <a:cs typeface="+mn-cs"/>
-              </a:defRPr>
-            </a:lvl3pPr>
-            <a:lvl4pPr marL="1371600" algn="l" defTabSz="914400" rtl="0" eaLnBrk="1" latinLnBrk="0" hangingPunct="1">
-              <a:defRPr sz="1800" kern="1200">
-                <a:solidFill>
-                  <a:schemeClr val="tx1"/>
-                </a:solidFill>
-                <a:latin typeface="+mn-lt"/>
-                <a:ea typeface="+mn-ea"/>
-                <a:cs typeface="+mn-cs"/>
-              </a:defRPr>
-            </a:lvl4pPr>
-            <a:lvl5pPr marL="1828800" algn="l" defTabSz="914400" rtl="0" eaLnBrk="1" latinLnBrk="0" hangingPunct="1">
-              <a:defRPr sz="1800" kern="1200">
-                <a:solidFill>
-                  <a:schemeClr val="tx1"/>
-                </a:solidFill>
-                <a:latin typeface="+mn-lt"/>
-                <a:ea typeface="+mn-ea"/>
-                <a:cs typeface="+mn-cs"/>
-              </a:defRPr>
-            </a:lvl5pPr>
-            <a:lvl6pPr marL="2286000" algn="l" defTabSz="914400" rtl="0" eaLnBrk="1" latinLnBrk="0" hangingPunct="1">
-              <a:defRPr sz="1800" kern="1200">
-                <a:solidFill>
-                  <a:schemeClr val="tx1"/>
-                </a:solidFill>
-                <a:latin typeface="+mn-lt"/>
-                <a:ea typeface="+mn-ea"/>
-                <a:cs typeface="+mn-cs"/>
-              </a:defRPr>
-            </a:lvl6pPr>
-            <a:lvl7pPr marL="2743200" algn="l" defTabSz="914400" rtl="0" eaLnBrk="1" latinLnBrk="0" hangingPunct="1">
-              <a:defRPr sz="1800" kern="1200">
-                <a:solidFill>
-                  <a:schemeClr val="tx1"/>
-                </a:solidFill>
-                <a:latin typeface="+mn-lt"/>
-                <a:ea typeface="+mn-ea"/>
-                <a:cs typeface="+mn-cs"/>
-              </a:defRPr>
-            </a:lvl7pPr>
-            <a:lvl8pPr marL="3200400" algn="l" defTabSz="914400" rtl="0" eaLnBrk="1" latinLnBrk="0" hangingPunct="1">
-              <a:defRPr sz="1800" kern="1200">
-                <a:solidFill>
-                  <a:schemeClr val="tx1"/>
-                </a:solidFill>
-                <a:latin typeface="+mn-lt"/>
-                <a:ea typeface="+mn-ea"/>
-                <a:cs typeface="+mn-cs"/>
-              </a:defRPr>
-            </a:lvl8pPr>
-            <a:lvl9pPr marL="3657600" algn="l" defTabSz="914400" rtl="0" eaLnBrk="1" latinLnBrk="0" hangingPunct="1">
-              <a:defRPr sz="1800" kern="1200">
-                <a:solidFill>
-                  <a:schemeClr val="tx1"/>
-                </a:solidFill>
-                <a:latin typeface="+mn-lt"/>
-                <a:ea typeface="+mn-ea"/>
-                <a:cs typeface="+mn-cs"/>
-              </a:defRPr>
-            </a:lvl9pPr>
-          </a:lstStyle>
-          <a:p>
-            <a:r>
-              <a:rPr lang="en-US" sz="1100" b="0" i="0" dirty="0">
-                <a:effectLst/>
-                <a:latin typeface="Segoe UI" panose="020B0502040204020203" charset="0"/>
-                <a:ea typeface="微软雅黑" panose="020B0503020204020204" charset="-122"/>
-              </a:rPr>
-              <a:t>Lorem Ipsum is simply dummy text of the printing and typesetting industry. Lorem Ipsum has been the industry's standard dummy text ever since the 1500s, when an unknown printer took a galley of type and scrambled it to make a type specimen book.</a:t>
-            </a:r>
-            <a:endParaRPr lang="en-US" sz="1100" b="0" i="0" dirty="0">
-              <a:effectLst/>
-              <a:latin typeface="Segoe UI" panose="020B0502040204020203" charset="0"/>
-              <a:ea typeface="微软雅黑" panose="020B0503020204020204" charset="-122"/>
-              <a:cs typeface="Poppins" panose="00000500000000000000" pitchFamily="2" charset="0"/>
-            </a:endParaRPr>
-          </a:p>
-        </p:txBody>
-      </p:sp>
-      <p:sp>
-        <p:nvSpPr>
-          <p:cNvPr id="17" name="TextBox 16"/>
-          <p:cNvSpPr txBox="1"/>
-          <p:nvPr/>
-        </p:nvSpPr>
-        <p:spPr>
-          <a:xfrm>
-            <a:off x="7124087" y="4106684"/>
-            <a:ext cx="1450277" cy="337185"/>
-          </a:xfrm>
-          <a:prstGeom prst="rect">
-            <a:avLst/>
-          </a:prstGeom>
-          <a:noFill/>
-        </p:spPr>
-        <p:txBody>
-          <a:bodyPr wrap="square" rtlCol="0">
-            <a:spAutoFit/>
-          </a:bodyPr>
-          <a:lstStyle/>
-          <a:p>
-            <a:r>
-              <a:rPr lang="en-US" sz="1600" b="1" dirty="0">
-                <a:solidFill>
-                  <a:schemeClr val="accent3"/>
-                </a:solidFill>
-                <a:latin typeface="Segoe UI" panose="020B0502040204020203" charset="0"/>
-                <a:ea typeface="微软雅黑" panose="020B0503020204020204" charset="-122"/>
-                <a:cs typeface="Poppins" panose="00000500000000000000" pitchFamily="2" charset="0"/>
-              </a:rPr>
-              <a:t>Description</a:t>
-            </a:r>
-            <a:endParaRPr lang="en-US" sz="1600" b="1" dirty="0">
-              <a:solidFill>
-                <a:schemeClr val="accent3"/>
-              </a:solidFill>
-              <a:latin typeface="Segoe UI" panose="020B0502040204020203" charset="0"/>
-              <a:ea typeface="微软雅黑" panose="020B0503020204020204" charset="-122"/>
-              <a:cs typeface="Poppins" panose="00000500000000000000" pitchFamily="2" charset="0"/>
-            </a:endParaRPr>
-          </a:p>
-        </p:txBody>
-      </p:sp>
-      <p:sp>
-        <p:nvSpPr>
-          <p:cNvPr id="18" name="TextBox 17"/>
-          <p:cNvSpPr txBox="1"/>
-          <p:nvPr/>
-        </p:nvSpPr>
-        <p:spPr>
-          <a:xfrm>
-            <a:off x="7097800" y="1409673"/>
-            <a:ext cx="4365939" cy="922020"/>
-          </a:xfrm>
-          <a:prstGeom prst="rect">
-            <a:avLst/>
-          </a:prstGeom>
-          <a:noFill/>
-        </p:spPr>
-        <p:txBody>
-          <a:bodyPr wrap="square" rtlCol="0">
-            <a:spAutoFit/>
-          </a:bodyPr>
-          <a:lstStyle/>
-          <a:p>
-            <a:r>
-              <a:rPr lang="en-US" sz="5400" b="1" dirty="0">
-                <a:solidFill>
-                  <a:schemeClr val="tx2"/>
-                </a:solidFill>
-                <a:latin typeface="Segoe UI" panose="020B0502040204020203" charset="0"/>
-                <a:ea typeface="微软雅黑" panose="020B0503020204020204" charset="-122"/>
-                <a:cs typeface="Noto sans" panose="020B0502040504020204" pitchFamily="34" charset="0"/>
-              </a:rPr>
-              <a:t>New Model</a:t>
-            </a:r>
-            <a:endParaRPr lang="en-US" sz="5400" b="1" dirty="0">
-              <a:solidFill>
-                <a:schemeClr val="tx2"/>
-              </a:solidFill>
-              <a:latin typeface="Segoe UI" panose="020B0502040204020203" charset="0"/>
-              <a:ea typeface="微软雅黑" panose="020B0503020204020204" charset="-122"/>
-              <a:cs typeface="Noto sans" panose="020B0502040504020204" pitchFamily="34" charset="0"/>
-            </a:endParaRPr>
-          </a:p>
-        </p:txBody>
-      </p:sp>
-      <p:sp>
-        <p:nvSpPr>
-          <p:cNvPr id="25" name="Rectangle 24"/>
-          <p:cNvSpPr/>
-          <p:nvPr/>
-        </p:nvSpPr>
-        <p:spPr>
-          <a:xfrm>
-            <a:off x="6730253" y="1763762"/>
-            <a:ext cx="147918" cy="215152"/>
-          </a:xfrm>
-          <a:prstGeom prst="rect">
-            <a:avLst/>
-          </a:prstGeom>
+          <p:cNvPr id="4" name="Picture Placeholder 3"/>
+          <p:cNvSpPr>
+            <a:spLocks noGrp="1"/>
+          </p:cNvSpPr>
+          <p:nvPr>
+            <p:ph type="pic" sz="quarter" idx="11"/>
+          </p:nvPr>
+        </p:nvSpPr>
+        <p:spPr>
+          <a:xfrm>
+            <a:off x="3663144" y="2060520"/>
+            <a:ext cx="2153393" cy="2478938"/>
+          </a:xfrm>
           <a:solidFill>
-            <a:schemeClr val="accent5"/>
+            <a:schemeClr val="tx1">
+              <a:lumMod val="85000"/>
+            </a:schemeClr>
           </a:solidFill>
-          <a:ln>
-            <a:noFill/>
-          </a:ln>
-        </p:spPr>
-        <p:style>
-          <a:lnRef idx="2">
-            <a:schemeClr val="accent1">
-              <a:shade val="50000"/>
+        </p:spPr>
+      </p:sp>
+      <p:sp>
+        <p:nvSpPr>
+          <p:cNvPr id="5" name="Picture Placeholder 4"/>
+          <p:cNvSpPr>
+            <a:spLocks noGrp="1"/>
+          </p:cNvSpPr>
+          <p:nvPr>
+            <p:ph type="pic" sz="quarter" idx="12"/>
+          </p:nvPr>
+        </p:nvSpPr>
+        <p:spPr>
+          <a:xfrm>
+            <a:off x="6358719" y="2060520"/>
+            <a:ext cx="2153393" cy="2478938"/>
+          </a:xfrm>
+          <a:solidFill>
+            <a:schemeClr val="tx1">
+              <a:lumMod val="85000"/>
             </a:schemeClr>
-          </a:lnRef>
-          <a:fillRef idx="1">
-            <a:schemeClr val="accent1"/>
-          </a:fillRef>
-          <a:effectRef idx="0">
-            <a:schemeClr val="accent1"/>
-          </a:effectRef>
-          <a:fontRef idx="minor">
-            <a:schemeClr val="lt1"/>
-          </a:fontRef>
-        </p:style>
-        <p:txBody>
-          <a:bodyPr rtlCol="0" anchor="ctr"/>
-          <a:lstStyle/>
-          <a:p>
-            <a:pPr algn="ctr"/>
-            <a:endParaRPr lang="en-ID"/>
-          </a:p>
-        </p:txBody>
+          </a:solidFill>
+        </p:spPr>
+      </p:sp>
+      <p:sp>
+        <p:nvSpPr>
+          <p:cNvPr id="7" name="Picture Placeholder 6"/>
+          <p:cNvSpPr>
+            <a:spLocks noGrp="1"/>
+          </p:cNvSpPr>
+          <p:nvPr>
+            <p:ph type="pic" sz="quarter" idx="13"/>
+          </p:nvPr>
+        </p:nvSpPr>
+        <p:spPr>
+          <a:xfrm>
+            <a:off x="9054294" y="2060520"/>
+            <a:ext cx="2153393" cy="2478938"/>
+          </a:xfrm>
+          <a:solidFill>
+            <a:schemeClr val="tx1">
+              <a:lumMod val="85000"/>
+            </a:schemeClr>
+          </a:solidFill>
+        </p:spPr>
       </p:sp>
       <p:grpSp>
         <p:nvGrpSpPr>
-          <p:cNvPr id="26" name="Group 25"/>
+          <p:cNvPr id="12" name="Group 11"/>
           <p:cNvGrpSpPr/>
           <p:nvPr/>
         </p:nvGrpSpPr>
@@ -22826,7 +22640,7 @@
         </p:grpSpPr>
         <p:sp>
           <p:nvSpPr>
-            <p:cNvPr id="27" name="Rectangle 26"/>
+            <p:cNvPr id="14" name="Rectangle 13"/>
             <p:cNvSpPr/>
             <p:nvPr/>
           </p:nvSpPr>
@@ -22872,7 +22686,7 @@
         </p:sp>
         <p:sp>
           <p:nvSpPr>
-            <p:cNvPr id="28" name="Rectangle 27"/>
+            <p:cNvPr id="19" name="Rectangle 18"/>
             <p:cNvSpPr/>
             <p:nvPr/>
           </p:nvSpPr>
@@ -22918,7 +22732,7 @@
         </p:sp>
         <p:sp>
           <p:nvSpPr>
-            <p:cNvPr id="29" name="Rectangle 28"/>
+            <p:cNvPr id="20" name="Rectangle 19"/>
             <p:cNvSpPr/>
             <p:nvPr/>
           </p:nvSpPr>
@@ -22963,52 +22777,6 @@
           </p:txBody>
         </p:sp>
       </p:grpSp>
-      <p:sp>
-        <p:nvSpPr>
-          <p:cNvPr id="31" name="TextBox 30"/>
-          <p:cNvSpPr txBox="1"/>
-          <p:nvPr/>
-        </p:nvSpPr>
-        <p:spPr>
-          <a:xfrm>
-            <a:off x="7097800" y="2234112"/>
-            <a:ext cx="4365939" cy="275590"/>
-          </a:xfrm>
-          <a:prstGeom prst="rect">
-            <a:avLst/>
-          </a:prstGeom>
-          <a:noFill/>
-        </p:spPr>
-        <p:txBody>
-          <a:bodyPr wrap="square" rtlCol="0">
-            <a:spAutoFit/>
-          </a:bodyPr>
-          <a:lstStyle/>
-          <a:p>
-            <a:r>
-              <a:rPr lang="en-US" sz="1200" b="1" i="0" dirty="0">
-                <a:solidFill>
-                  <a:schemeClr val="tx2"/>
-                </a:solidFill>
-                <a:effectLst/>
-                <a:latin typeface="Segoe UI" panose="020B0502040204020203" charset="0"/>
-                <a:ea typeface="微软雅黑" panose="020B0503020204020204" charset="-122"/>
-                <a:cs typeface="Poppins" panose="00000500000000000000" pitchFamily="2" charset="0"/>
-              </a:rPr>
-              <a:t>If I ever let my head down, it will be to admire my shoes</a:t>
-            </a:r>
-            <a:endParaRPr lang="en-US" sz="1200" b="1" i="0" dirty="0">
-              <a:solidFill>
-                <a:schemeClr val="tx2"/>
-              </a:solidFill>
-              <a:effectLst/>
-              <a:latin typeface="Segoe UI" panose="020B0502040204020203" charset="0"/>
-              <a:ea typeface="微软雅黑" panose="020B0503020204020204" charset="-122"/>
-              <a:cs typeface="Poppins" panose="00000500000000000000" pitchFamily="2" charset="0"/>
-            </a:endParaRPr>
-          </a:p>
-        </p:txBody>
-      </p:sp>
     </p:spTree>
   </p:cSld>
   <p:clrMapOvr>
@@ -23227,7 +22995,7 @@
                   <a:schemeClr val="tx2"/>
                 </a:solidFill>
                 <a:latin typeface="Segoe UI" panose="020B0502040204020203" charset="0"/>
-                <a:ea typeface="微软雅黑" panose="020B0503020204020204" charset="-122"/>
+                <a:ea typeface="Microsoft YaHei" panose="020B0503020204020204" charset="-122"/>
                 <a:cs typeface="Noto sans" panose="020B0502040504020204" pitchFamily="34" charset="0"/>
               </a:rPr>
               <a:t>Modern Presentation</a:t>
@@ -23237,7 +23005,7 @@
                 <a:schemeClr val="tx2"/>
               </a:solidFill>
               <a:latin typeface="Segoe UI" panose="020B0502040204020203" charset="0"/>
-              <a:ea typeface="微软雅黑" panose="020B0503020204020204" charset="-122"/>
+              <a:ea typeface="Microsoft YaHei" panose="020B0503020204020204" charset="-122"/>
               <a:cs typeface="Noto sans" panose="020B0502040504020204" pitchFamily="34" charset="0"/>
             </a:endParaRPr>
           </a:p>
@@ -23455,7 +23223,7 @@
                   <a:schemeClr val="tx2"/>
                 </a:solidFill>
                 <a:latin typeface="Segoe UI" panose="020B0502040204020203" charset="0"/>
-                <a:ea typeface="微软雅黑" panose="020B0503020204020204" charset="-122"/>
+                <a:ea typeface="Microsoft YaHei" panose="020B0503020204020204" charset="-122"/>
                 <a:cs typeface="Noto sans" panose="020B0502040504020204" pitchFamily="34" charset="0"/>
               </a:rPr>
               <a:t>Brand Name</a:t>
@@ -23465,7 +23233,7 @@
                 <a:schemeClr val="tx2"/>
               </a:solidFill>
               <a:latin typeface="Segoe UI" panose="020B0502040204020203" charset="0"/>
-              <a:ea typeface="微软雅黑" panose="020B0503020204020204" charset="-122"/>
+              <a:ea typeface="Microsoft YaHei" panose="020B0503020204020204" charset="-122"/>
               <a:cs typeface="Noto sans" panose="020B0502040504020204" pitchFamily="34" charset="0"/>
             </a:endParaRPr>
           </a:p>
@@ -23585,7 +23353,7 @@
                   <a:schemeClr val="tx2"/>
                 </a:solidFill>
                 <a:latin typeface="Segoe UI" panose="020B0502040204020203" charset="0"/>
-                <a:ea typeface="微软雅黑" panose="020B0503020204020204" charset="-122"/>
+                <a:ea typeface="Microsoft YaHei" panose="020B0503020204020204" charset="-122"/>
                 <a:cs typeface="Noto sans" panose="020B0502040504020204" pitchFamily="34" charset="0"/>
               </a:rPr>
               <a:t>Product Know</a:t>
@@ -23595,7 +23363,7 @@
                 <a:schemeClr val="tx2"/>
               </a:solidFill>
               <a:latin typeface="Segoe UI" panose="020B0502040204020203" charset="0"/>
-              <a:ea typeface="微软雅黑" panose="020B0503020204020204" charset="-122"/>
+              <a:ea typeface="Microsoft YaHei" panose="020B0503020204020204" charset="-122"/>
               <a:cs typeface="Noto sans" panose="020B0502040504020204" pitchFamily="34" charset="0"/>
             </a:endParaRPr>
           </a:p>
@@ -23676,7 +23444,7 @@
                 </a:solidFill>
                 <a:effectLst/>
                 <a:latin typeface="Segoe UI" panose="020B0502040204020203" charset="0"/>
-                <a:ea typeface="微软雅黑" panose="020B0503020204020204" charset="-122"/>
+                <a:ea typeface="Microsoft YaHei" panose="020B0503020204020204" charset="-122"/>
                 <a:cs typeface="Poppins" panose="00000500000000000000" pitchFamily="2" charset="0"/>
               </a:rPr>
               <a:t>If I ever let my head down, it will be to admire my shoes</a:t>
@@ -23687,7 +23455,7 @@
               </a:solidFill>
               <a:effectLst/>
               <a:latin typeface="Segoe UI" panose="020B0502040204020203" charset="0"/>
-              <a:ea typeface="微软雅黑" panose="020B0503020204020204" charset="-122"/>
+              <a:ea typeface="Microsoft YaHei" panose="020B0503020204020204" charset="-122"/>
               <a:cs typeface="Poppins" panose="00000500000000000000" pitchFamily="2" charset="0"/>
             </a:endParaRPr>
           </a:p>
@@ -23863,7 +23631,7 @@
                 </a:solidFill>
                 <a:effectLst/>
                 <a:latin typeface="Segoe UI" panose="020B0502040204020203" charset="0"/>
-                <a:ea typeface="微软雅黑" panose="020B0503020204020204" charset="-122"/>
+                <a:ea typeface="Microsoft YaHei" panose="020B0503020204020204" charset="-122"/>
               </a:rPr>
               <a:t>Lorem Ipsum is simply dummy text of the printing and typesetting industry. Lorem Ipsum has been the industry's standard dummy text ever since the 1500s.</a:t>
             </a:r>
@@ -23873,7 +23641,7 @@
               </a:solidFill>
               <a:effectLst/>
               <a:latin typeface="Segoe UI" panose="020B0502040204020203" charset="0"/>
-              <a:ea typeface="微软雅黑" panose="020B0503020204020204" charset="-122"/>
+              <a:ea typeface="Microsoft YaHei" panose="020B0503020204020204" charset="-122"/>
               <a:cs typeface="Poppins" panose="00000500000000000000" pitchFamily="2" charset="0"/>
             </a:endParaRPr>
           </a:p>
@@ -23907,7 +23675,7 @@
                   <a:schemeClr val="bg1"/>
                 </a:solidFill>
                 <a:latin typeface="Segoe UI" panose="020B0502040204020203" charset="0"/>
-                <a:ea typeface="微软雅黑" panose="020B0503020204020204" charset="-122"/>
+                <a:ea typeface="Microsoft YaHei" panose="020B0503020204020204" charset="-122"/>
                 <a:cs typeface="Poppins" panose="00000500000000000000" pitchFamily="2" charset="0"/>
               </a:rPr>
               <a:t>Product Knowledge</a:t>
@@ -23917,7 +23685,7 @@
                 <a:schemeClr val="bg1"/>
               </a:solidFill>
               <a:latin typeface="Segoe UI" panose="020B0502040204020203" charset="0"/>
-              <a:ea typeface="微软雅黑" panose="020B0503020204020204" charset="-122"/>
+              <a:ea typeface="Microsoft YaHei" panose="020B0503020204020204" charset="-122"/>
               <a:cs typeface="Poppins" panose="00000500000000000000" pitchFamily="2" charset="0"/>
             </a:endParaRPr>
           </a:p>
@@ -24093,7 +23861,7 @@
                 </a:solidFill>
                 <a:effectLst/>
                 <a:latin typeface="Segoe UI" panose="020B0502040204020203" charset="0"/>
-                <a:ea typeface="微软雅黑" panose="020B0503020204020204" charset="-122"/>
+                <a:ea typeface="Microsoft YaHei" panose="020B0503020204020204" charset="-122"/>
               </a:rPr>
               <a:t>Lorem Ipsum is simply dummy text of the printing and typesetting industry. Lorem Ipsum has been the industry's standard dummy text ever since the 1500s.</a:t>
             </a:r>
@@ -24103,7 +23871,7 @@
               </a:solidFill>
               <a:effectLst/>
               <a:latin typeface="Segoe UI" panose="020B0502040204020203" charset="0"/>
-              <a:ea typeface="微软雅黑" panose="020B0503020204020204" charset="-122"/>
+              <a:ea typeface="Microsoft YaHei" panose="020B0503020204020204" charset="-122"/>
               <a:cs typeface="Poppins" panose="00000500000000000000" pitchFamily="2" charset="0"/>
             </a:endParaRPr>
           </a:p>
@@ -24137,7 +23905,7 @@
                   <a:schemeClr val="bg1"/>
                 </a:solidFill>
                 <a:latin typeface="Segoe UI" panose="020B0502040204020203" charset="0"/>
-                <a:ea typeface="微软雅黑" panose="020B0503020204020204" charset="-122"/>
+                <a:ea typeface="Microsoft YaHei" panose="020B0503020204020204" charset="-122"/>
                 <a:cs typeface="Poppins" panose="00000500000000000000" pitchFamily="2" charset="0"/>
               </a:rPr>
               <a:t>Product Knowledge</a:t>
@@ -24147,7 +23915,7 @@
                 <a:schemeClr val="bg1"/>
               </a:solidFill>
               <a:latin typeface="Segoe UI" panose="020B0502040204020203" charset="0"/>
-              <a:ea typeface="微软雅黑" panose="020B0503020204020204" charset="-122"/>
+              <a:ea typeface="Microsoft YaHei" panose="020B0503020204020204" charset="-122"/>
               <a:cs typeface="Poppins" panose="00000500000000000000" pitchFamily="2" charset="0"/>
             </a:endParaRPr>
           </a:p>
@@ -24274,14 +24042,14 @@
               <a:rPr lang="en-US" sz="1000" b="0" i="0" dirty="0">
                 <a:effectLst/>
                 <a:latin typeface="Segoe UI" panose="020B0502040204020203" charset="0"/>
-                <a:ea typeface="微软雅黑" panose="020B0503020204020204" charset="-122"/>
+                <a:ea typeface="Microsoft YaHei" panose="020B0503020204020204" charset="-122"/>
               </a:rPr>
               <a:t>Lorem Ipsum is simply dummy text of the printing and typesetting industry. Lorem Ipsum has been the industry's standard dummy text ever since the 1500s.</a:t>
             </a:r>
             <a:endParaRPr lang="en-US" sz="1000" b="0" i="0" dirty="0">
               <a:effectLst/>
               <a:latin typeface="Segoe UI" panose="020B0502040204020203" charset="0"/>
-              <a:ea typeface="微软雅黑" panose="020B0503020204020204" charset="-122"/>
+              <a:ea typeface="Microsoft YaHei" panose="020B0503020204020204" charset="-122"/>
               <a:cs typeface="Poppins" panose="00000500000000000000" pitchFamily="2" charset="0"/>
             </a:endParaRPr>
           </a:p>
@@ -24505,7 +24273,7 @@
                   <a:schemeClr val="tx2"/>
                 </a:solidFill>
                 <a:latin typeface="Segoe UI" panose="020B0502040204020203" charset="0"/>
-                <a:ea typeface="微软雅黑" panose="020B0503020204020204" charset="-122"/>
+                <a:ea typeface="Microsoft YaHei" panose="020B0503020204020204" charset="-122"/>
                 <a:cs typeface="Noto sans" panose="020B0502040504020204" pitchFamily="34" charset="0"/>
               </a:rPr>
               <a:t>Modern Presentation</a:t>
@@ -24515,7 +24283,7 @@
                 <a:schemeClr val="tx2"/>
               </a:solidFill>
               <a:latin typeface="Segoe UI" panose="020B0502040204020203" charset="0"/>
-              <a:ea typeface="微软雅黑" panose="020B0503020204020204" charset="-122"/>
+              <a:ea typeface="Microsoft YaHei" panose="020B0503020204020204" charset="-122"/>
               <a:cs typeface="Noto sans" panose="020B0502040504020204" pitchFamily="34" charset="0"/>
             </a:endParaRPr>
           </a:p>
@@ -24733,7 +24501,7 @@
                   <a:schemeClr val="tx2"/>
                 </a:solidFill>
                 <a:latin typeface="Segoe UI" panose="020B0502040204020203" charset="0"/>
-                <a:ea typeface="微软雅黑" panose="020B0503020204020204" charset="-122"/>
+                <a:ea typeface="Microsoft YaHei" panose="020B0503020204020204" charset="-122"/>
                 <a:cs typeface="Noto sans" panose="020B0502040504020204" pitchFamily="34" charset="0"/>
               </a:rPr>
               <a:t>Brand Name</a:t>
@@ -24743,7 +24511,7 @@
                 <a:schemeClr val="tx2"/>
               </a:solidFill>
               <a:latin typeface="Segoe UI" panose="020B0502040204020203" charset="0"/>
-              <a:ea typeface="微软雅黑" panose="020B0503020204020204" charset="-122"/>
+              <a:ea typeface="Microsoft YaHei" panose="020B0503020204020204" charset="-122"/>
               <a:cs typeface="Noto sans" panose="020B0502040504020204" pitchFamily="34" charset="0"/>
             </a:endParaRPr>
           </a:p>
@@ -24837,7 +24605,7 @@
                   <a:schemeClr val="tx2"/>
                 </a:solidFill>
                 <a:latin typeface="Segoe UI" panose="020B0502040204020203" charset="0"/>
-                <a:ea typeface="微软雅黑" panose="020B0503020204020204" charset="-122"/>
+                <a:ea typeface="Microsoft YaHei" panose="020B0503020204020204" charset="-122"/>
                 <a:cs typeface="Noto sans" panose="020B0502040504020204" pitchFamily="34" charset="0"/>
               </a:rPr>
               <a:t>Sale Offer</a:t>
@@ -24847,7 +24615,7 @@
                 <a:schemeClr val="tx2"/>
               </a:solidFill>
               <a:latin typeface="Segoe UI" panose="020B0502040204020203" charset="0"/>
-              <a:ea typeface="微软雅黑" panose="020B0503020204020204" charset="-122"/>
+              <a:ea typeface="Microsoft YaHei" panose="020B0503020204020204" charset="-122"/>
               <a:cs typeface="Noto sans" panose="020B0502040504020204" pitchFamily="34" charset="0"/>
             </a:endParaRPr>
           </a:p>
@@ -24928,7 +24696,7 @@
                 </a:solidFill>
                 <a:effectLst/>
                 <a:latin typeface="Segoe UI" panose="020B0502040204020203" charset="0"/>
-                <a:ea typeface="微软雅黑" panose="020B0503020204020204" charset="-122"/>
+                <a:ea typeface="Microsoft YaHei" panose="020B0503020204020204" charset="-122"/>
                 <a:cs typeface="Poppins" panose="00000500000000000000" pitchFamily="2" charset="0"/>
               </a:rPr>
               <a:t>If I ever let my head down, it will be to admire my shoes</a:t>
@@ -24939,7 +24707,7 @@
               </a:solidFill>
               <a:effectLst/>
               <a:latin typeface="Segoe UI" panose="020B0502040204020203" charset="0"/>
-              <a:ea typeface="微软雅黑" panose="020B0503020204020204" charset="-122"/>
+              <a:ea typeface="Microsoft YaHei" panose="020B0503020204020204" charset="-122"/>
               <a:cs typeface="Poppins" panose="00000500000000000000" pitchFamily="2" charset="0"/>
             </a:endParaRPr>
           </a:p>
@@ -25021,7 +24789,7 @@
                 </a:solidFill>
                 <a:effectLst/>
                 <a:latin typeface="Segoe UI" panose="020B0502040204020203" charset="0"/>
-                <a:ea typeface="微软雅黑" panose="020B0503020204020204" charset="-122"/>
+                <a:ea typeface="Microsoft YaHei" panose="020B0503020204020204" charset="-122"/>
               </a:rPr>
               <a:t>Lorem Ipsum is simply dummy text of the printing and typesetting industry. Lorem Ipsum has been the industry's standard dummy text ever since the 1500s, when an unknown printer took a galley of type and scrambled it to make a type specimen book.</a:t>
             </a:r>
@@ -25031,7 +24799,7 @@
               </a:solidFill>
               <a:effectLst/>
               <a:latin typeface="Segoe UI" panose="020B0502040204020203" charset="0"/>
-              <a:ea typeface="微软雅黑" panose="020B0503020204020204" charset="-122"/>
+              <a:ea typeface="Microsoft YaHei" panose="020B0503020204020204" charset="-122"/>
               <a:cs typeface="Poppins" panose="00000500000000000000" pitchFamily="2" charset="0"/>
             </a:endParaRPr>
           </a:p>
@@ -25065,7 +24833,7 @@
                   <a:schemeClr val="bg1"/>
                 </a:solidFill>
                 <a:latin typeface="Segoe UI" panose="020B0502040204020203" charset="0"/>
-                <a:ea typeface="微软雅黑" panose="020B0503020204020204" charset="-122"/>
+                <a:ea typeface="Microsoft YaHei" panose="020B0503020204020204" charset="-122"/>
                 <a:cs typeface="Poppins" panose="00000500000000000000" pitchFamily="2" charset="0"/>
               </a:rPr>
               <a:t>Sales Discount</a:t>
@@ -25075,7 +24843,7 @@
                 <a:schemeClr val="bg1"/>
               </a:solidFill>
               <a:latin typeface="Segoe UI" panose="020B0502040204020203" charset="0"/>
-              <a:ea typeface="微软雅黑" panose="020B0503020204020204" charset="-122"/>
+              <a:ea typeface="Microsoft YaHei" panose="020B0503020204020204" charset="-122"/>
               <a:cs typeface="Poppins" panose="00000500000000000000" pitchFamily="2" charset="0"/>
             </a:endParaRPr>
           </a:p>
@@ -25109,7 +24877,7 @@
                   <a:schemeClr val="bg1"/>
                 </a:solidFill>
                 <a:latin typeface="Segoe UI" panose="020B0502040204020203" charset="0"/>
-                <a:ea typeface="微软雅黑" panose="020B0503020204020204" charset="-122"/>
+                <a:ea typeface="Microsoft YaHei" panose="020B0503020204020204" charset="-122"/>
                 <a:cs typeface="Poppins" panose="00000500000000000000" pitchFamily="2" charset="0"/>
               </a:rPr>
               <a:t>35%</a:t>
@@ -25119,7 +24887,7 @@
                 <a:schemeClr val="bg1"/>
               </a:solidFill>
               <a:latin typeface="Segoe UI" panose="020B0502040204020203" charset="0"/>
-              <a:ea typeface="微软雅黑" panose="020B0503020204020204" charset="-122"/>
+              <a:ea typeface="Microsoft YaHei" panose="020B0503020204020204" charset="-122"/>
               <a:cs typeface="Poppins" panose="00000500000000000000" pitchFamily="2" charset="0"/>
             </a:endParaRPr>
           </a:p>
@@ -25153,7 +24921,7 @@
                   <a:schemeClr val="bg1"/>
                 </a:solidFill>
                 <a:latin typeface="Segoe UI" panose="020B0502040204020203" charset="0"/>
-                <a:ea typeface="微软雅黑" panose="020B0503020204020204" charset="-122"/>
+                <a:ea typeface="Microsoft YaHei" panose="020B0503020204020204" charset="-122"/>
                 <a:cs typeface="Poppins" panose="00000500000000000000" pitchFamily="2" charset="0"/>
               </a:rPr>
               <a:t>$75</a:t>
@@ -25163,7 +24931,7 @@
                 <a:schemeClr val="bg1"/>
               </a:solidFill>
               <a:latin typeface="Segoe UI" panose="020B0502040204020203" charset="0"/>
-              <a:ea typeface="微软雅黑" panose="020B0503020204020204" charset="-122"/>
+              <a:ea typeface="Microsoft YaHei" panose="020B0503020204020204" charset="-122"/>
               <a:cs typeface="Poppins" panose="00000500000000000000" pitchFamily="2" charset="0"/>
             </a:endParaRPr>
           </a:p>
@@ -25234,7 +25002,7 @@
                   <a:schemeClr val="bg1"/>
                 </a:solidFill>
                 <a:latin typeface="Segoe UI" panose="020B0502040204020203" charset="0"/>
-                <a:ea typeface="微软雅黑" panose="020B0503020204020204" charset="-122"/>
+                <a:ea typeface="Microsoft YaHei" panose="020B0503020204020204" charset="-122"/>
                 <a:cs typeface="Poppins" panose="00000500000000000000" pitchFamily="2" charset="0"/>
               </a:rPr>
               <a:t>$48</a:t>
@@ -25244,7 +25012,7 @@
                 <a:schemeClr val="bg1"/>
               </a:solidFill>
               <a:latin typeface="Segoe UI" panose="020B0502040204020203" charset="0"/>
-              <a:ea typeface="微软雅黑" panose="020B0503020204020204" charset="-122"/>
+              <a:ea typeface="Microsoft YaHei" panose="020B0503020204020204" charset="-122"/>
               <a:cs typeface="Poppins" panose="00000500000000000000" pitchFamily="2" charset="0"/>
             </a:endParaRPr>
           </a:p>
@@ -25376,7 +25144,7 @@
                 </a:solidFill>
                 <a:effectLst/>
                 <a:latin typeface="Segoe UI" panose="020B0502040204020203" charset="0"/>
-                <a:ea typeface="微软雅黑" panose="020B0503020204020204" charset="-122"/>
+                <a:ea typeface="Microsoft YaHei" panose="020B0503020204020204" charset="-122"/>
               </a:rPr>
               <a:t>Lorem Ipsum is simply dummy text of the printing and typesetting industry. Lorem Ipsum has been the industry's standard dummy text ever since the 1500s, when an unknown printer took a galley of type and scrambled it to make a type specimen book.</a:t>
             </a:r>
@@ -25386,7 +25154,7 @@
               </a:solidFill>
               <a:effectLst/>
               <a:latin typeface="Segoe UI" panose="020B0502040204020203" charset="0"/>
-              <a:ea typeface="微软雅黑" panose="020B0503020204020204" charset="-122"/>
+              <a:ea typeface="Microsoft YaHei" panose="020B0503020204020204" charset="-122"/>
               <a:cs typeface="Poppins" panose="00000500000000000000" pitchFamily="2" charset="0"/>
             </a:endParaRPr>
           </a:p>
@@ -25420,7 +25188,7 @@
                   <a:schemeClr val="bg1"/>
                 </a:solidFill>
                 <a:latin typeface="Segoe UI" panose="020B0502040204020203" charset="0"/>
-                <a:ea typeface="微软雅黑" panose="020B0503020204020204" charset="-122"/>
+                <a:ea typeface="Microsoft YaHei" panose="020B0503020204020204" charset="-122"/>
                 <a:cs typeface="Poppins" panose="00000500000000000000" pitchFamily="2" charset="0"/>
               </a:rPr>
               <a:t>Sales Discount</a:t>
@@ -25430,7 +25198,7 @@
                 <a:schemeClr val="bg1"/>
               </a:solidFill>
               <a:latin typeface="Segoe UI" panose="020B0502040204020203" charset="0"/>
-              <a:ea typeface="微软雅黑" panose="020B0503020204020204" charset="-122"/>
+              <a:ea typeface="Microsoft YaHei" panose="020B0503020204020204" charset="-122"/>
               <a:cs typeface="Poppins" panose="00000500000000000000" pitchFamily="2" charset="0"/>
             </a:endParaRPr>
           </a:p>
@@ -25464,7 +25232,7 @@
                   <a:schemeClr val="bg1"/>
                 </a:solidFill>
                 <a:latin typeface="Segoe UI" panose="020B0502040204020203" charset="0"/>
-                <a:ea typeface="微软雅黑" panose="020B0503020204020204" charset="-122"/>
+                <a:ea typeface="Microsoft YaHei" panose="020B0503020204020204" charset="-122"/>
                 <a:cs typeface="Poppins" panose="00000500000000000000" pitchFamily="2" charset="0"/>
               </a:rPr>
               <a:t>35%</a:t>
@@ -25474,7 +25242,7 @@
                 <a:schemeClr val="bg1"/>
               </a:solidFill>
               <a:latin typeface="Segoe UI" panose="020B0502040204020203" charset="0"/>
-              <a:ea typeface="微软雅黑" panose="020B0503020204020204" charset="-122"/>
+              <a:ea typeface="Microsoft YaHei" panose="020B0503020204020204" charset="-122"/>
               <a:cs typeface="Poppins" panose="00000500000000000000" pitchFamily="2" charset="0"/>
             </a:endParaRPr>
           </a:p>
@@ -25508,7 +25276,7 @@
                   <a:schemeClr val="bg1"/>
                 </a:solidFill>
                 <a:latin typeface="Segoe UI" panose="020B0502040204020203" charset="0"/>
-                <a:ea typeface="微软雅黑" panose="020B0503020204020204" charset="-122"/>
+                <a:ea typeface="Microsoft YaHei" panose="020B0503020204020204" charset="-122"/>
                 <a:cs typeface="Poppins" panose="00000500000000000000" pitchFamily="2" charset="0"/>
               </a:rPr>
               <a:t>$75</a:t>
@@ -25518,7 +25286,7 @@
                 <a:schemeClr val="bg1"/>
               </a:solidFill>
               <a:latin typeface="Segoe UI" panose="020B0502040204020203" charset="0"/>
-              <a:ea typeface="微软雅黑" panose="020B0503020204020204" charset="-122"/>
+              <a:ea typeface="Microsoft YaHei" panose="020B0503020204020204" charset="-122"/>
               <a:cs typeface="Poppins" panose="00000500000000000000" pitchFamily="2" charset="0"/>
             </a:endParaRPr>
           </a:p>
@@ -25589,7 +25357,7 @@
                   <a:schemeClr val="bg1"/>
                 </a:solidFill>
                 <a:latin typeface="Segoe UI" panose="020B0502040204020203" charset="0"/>
-                <a:ea typeface="微软雅黑" panose="020B0503020204020204" charset="-122"/>
+                <a:ea typeface="Microsoft YaHei" panose="020B0503020204020204" charset="-122"/>
                 <a:cs typeface="Poppins" panose="00000500000000000000" pitchFamily="2" charset="0"/>
               </a:rPr>
               <a:t>$48</a:t>
@@ -25599,7 +25367,7 @@
                 <a:schemeClr val="bg1"/>
               </a:solidFill>
               <a:latin typeface="Segoe UI" panose="020B0502040204020203" charset="0"/>
-              <a:ea typeface="微软雅黑" panose="020B0503020204020204" charset="-122"/>
+              <a:ea typeface="Microsoft YaHei" panose="020B0503020204020204" charset="-122"/>
               <a:cs typeface="Poppins" panose="00000500000000000000" pitchFamily="2" charset="0"/>
             </a:endParaRPr>
           </a:p>
@@ -25682,14 +25450,14 @@
               <a:rPr lang="en-US" sz="1050" b="0" i="0" dirty="0">
                 <a:effectLst/>
                 <a:latin typeface="Segoe UI" panose="020B0502040204020203" charset="0"/>
-                <a:ea typeface="微软雅黑" panose="020B0503020204020204" charset="-122"/>
+                <a:ea typeface="Microsoft YaHei" panose="020B0503020204020204" charset="-122"/>
               </a:rPr>
               <a:t>Lorem Ipsum is simply dummy text of the printing and typesetting industry. Lorem Ipsum has been the industry's standard dummy text ever since the 1500s, when an unknown printer took a galley of type and scrambled it to make a type specimen book.</a:t>
             </a:r>
             <a:endParaRPr lang="en-US" sz="1050" b="0" i="0" dirty="0">
               <a:effectLst/>
               <a:latin typeface="Segoe UI" panose="020B0502040204020203" charset="0"/>
-              <a:ea typeface="微软雅黑" panose="020B0503020204020204" charset="-122"/>
+              <a:ea typeface="Microsoft YaHei" panose="020B0503020204020204" charset="-122"/>
               <a:cs typeface="Poppins" panose="00000500000000000000" pitchFamily="2" charset="0"/>
             </a:endParaRPr>
           </a:p>
@@ -26005,7 +25773,7 @@
                   <a:schemeClr val="tx2"/>
                 </a:solidFill>
                 <a:latin typeface="Segoe UI" panose="020B0502040204020203" charset="0"/>
-                <a:ea typeface="微软雅黑" panose="020B0503020204020204" charset="-122"/>
+                <a:ea typeface="Microsoft YaHei" panose="020B0503020204020204" charset="-122"/>
                 <a:cs typeface="Noto sans" panose="020B0502040504020204" pitchFamily="34" charset="0"/>
               </a:rPr>
               <a:t>Modern Presentation</a:t>
@@ -26015,7 +25783,7 @@
                 <a:schemeClr val="tx2"/>
               </a:solidFill>
               <a:latin typeface="Segoe UI" panose="020B0502040204020203" charset="0"/>
-              <a:ea typeface="微软雅黑" panose="020B0503020204020204" charset="-122"/>
+              <a:ea typeface="Microsoft YaHei" panose="020B0503020204020204" charset="-122"/>
               <a:cs typeface="Noto sans" panose="020B0502040504020204" pitchFamily="34" charset="0"/>
             </a:endParaRPr>
           </a:p>
@@ -26233,7 +26001,7 @@
                   <a:schemeClr val="tx2"/>
                 </a:solidFill>
                 <a:latin typeface="Segoe UI" panose="020B0502040204020203" charset="0"/>
-                <a:ea typeface="微软雅黑" panose="020B0503020204020204" charset="-122"/>
+                <a:ea typeface="Microsoft YaHei" panose="020B0503020204020204" charset="-122"/>
                 <a:cs typeface="Noto sans" panose="020B0502040504020204" pitchFamily="34" charset="0"/>
               </a:rPr>
               <a:t>Brand Name</a:t>
@@ -26243,7 +26011,7 @@
                 <a:schemeClr val="tx2"/>
               </a:solidFill>
               <a:latin typeface="Segoe UI" panose="020B0502040204020203" charset="0"/>
-              <a:ea typeface="微软雅黑" panose="020B0503020204020204" charset="-122"/>
+              <a:ea typeface="Microsoft YaHei" panose="020B0503020204020204" charset="-122"/>
               <a:cs typeface="Noto sans" panose="020B0502040504020204" pitchFamily="34" charset="0"/>
             </a:endParaRPr>
           </a:p>
@@ -26360,7 +26128,7 @@
                 </a:solidFill>
                 <a:effectLst/>
                 <a:latin typeface="Segoe UI" panose="020B0502040204020203" charset="0"/>
-                <a:ea typeface="微软雅黑" panose="020B0503020204020204" charset="-122"/>
+                <a:ea typeface="Microsoft YaHei" panose="020B0503020204020204" charset="-122"/>
               </a:rPr>
               <a:t>Lorem Ipsum is simply dummy text of the printing and typesetting industry. </a:t>
             </a:r>
@@ -26370,7 +26138,7 @@
               </a:solidFill>
               <a:effectLst/>
               <a:latin typeface="Segoe UI" panose="020B0502040204020203" charset="0"/>
-              <a:ea typeface="微软雅黑" panose="020B0503020204020204" charset="-122"/>
+              <a:ea typeface="Microsoft YaHei" panose="020B0503020204020204" charset="-122"/>
               <a:cs typeface="Poppins" panose="00000500000000000000" pitchFamily="2" charset="0"/>
             </a:endParaRPr>
           </a:p>
@@ -26406,7 +26174,7 @@
                 </a:solidFill>
                 <a:effectLst/>
                 <a:latin typeface="Segoe UI" panose="020B0502040204020203" charset="0"/>
-                <a:ea typeface="微软雅黑" panose="020B0503020204020204" charset="-122"/>
+                <a:ea typeface="Microsoft YaHei" panose="020B0503020204020204" charset="-122"/>
               </a:rPr>
               <a:t>Lorem Ipsum is simply dummy text of the printing and typesetting industry. </a:t>
             </a:r>
@@ -26416,7 +26184,7 @@
               </a:solidFill>
               <a:effectLst/>
               <a:latin typeface="Segoe UI" panose="020B0502040204020203" charset="0"/>
-              <a:ea typeface="微软雅黑" panose="020B0503020204020204" charset="-122"/>
+              <a:ea typeface="Microsoft YaHei" panose="020B0503020204020204" charset="-122"/>
               <a:cs typeface="Poppins" panose="00000500000000000000" pitchFamily="2" charset="0"/>
             </a:endParaRPr>
           </a:p>
@@ -26537,7 +26305,7 @@
                 </a:solidFill>
                 <a:effectLst/>
                 <a:latin typeface="Segoe UI" panose="020B0502040204020203" charset="0"/>
-                <a:ea typeface="微软雅黑" panose="020B0503020204020204" charset="-122"/>
+                <a:ea typeface="Microsoft YaHei" panose="020B0503020204020204" charset="-122"/>
                 <a:cs typeface="Poppins" panose="00000500000000000000" pitchFamily="2" charset="0"/>
               </a:rPr>
               <a:t>Image 1</a:t>
@@ -26548,7 +26316,7 @@
               </a:solidFill>
               <a:effectLst/>
               <a:latin typeface="Segoe UI" panose="020B0502040204020203" charset="0"/>
-              <a:ea typeface="微软雅黑" panose="020B0503020204020204" charset="-122"/>
+              <a:ea typeface="Microsoft YaHei" panose="020B0503020204020204" charset="-122"/>
               <a:cs typeface="Poppins" panose="00000500000000000000" pitchFamily="2" charset="0"/>
             </a:endParaRPr>
           </a:p>
@@ -26583,7 +26351,7 @@
                 </a:solidFill>
                 <a:effectLst/>
                 <a:latin typeface="Segoe UI" panose="020B0502040204020203" charset="0"/>
-                <a:ea typeface="微软雅黑" panose="020B0503020204020204" charset="-122"/>
+                <a:ea typeface="Microsoft YaHei" panose="020B0503020204020204" charset="-122"/>
                 <a:cs typeface="Poppins" panose="00000500000000000000" pitchFamily="2" charset="0"/>
               </a:rPr>
               <a:t>Image 2</a:t>
@@ -26594,7 +26362,7 @@
               </a:solidFill>
               <a:effectLst/>
               <a:latin typeface="Segoe UI" panose="020B0502040204020203" charset="0"/>
-              <a:ea typeface="微软雅黑" panose="020B0503020204020204" charset="-122"/>
+              <a:ea typeface="Microsoft YaHei" panose="020B0503020204020204" charset="-122"/>
               <a:cs typeface="Poppins" panose="00000500000000000000" pitchFamily="2" charset="0"/>
             </a:endParaRPr>
           </a:p>
@@ -26752,7 +26520,7 @@
                 </a:solidFill>
                 <a:effectLst/>
                 <a:latin typeface="Segoe UI" panose="020B0502040204020203" charset="0"/>
-                <a:ea typeface="微软雅黑" panose="020B0503020204020204" charset="-122"/>
+                <a:ea typeface="Microsoft YaHei" panose="020B0503020204020204" charset="-122"/>
               </a:rPr>
               <a:t>Lorem Ipsum is simply dummy text of the printing and typesetting industry. Lorem Ipsum has been the industry's standard dummy text ever since the 1500s, when an unknown printer took a galley of type and scrambled it to make a type specimen book.</a:t>
             </a:r>
@@ -26762,7 +26530,7 @@
               </a:solidFill>
               <a:effectLst/>
               <a:latin typeface="Segoe UI" panose="020B0502040204020203" charset="0"/>
-              <a:ea typeface="微软雅黑" panose="020B0503020204020204" charset="-122"/>
+              <a:ea typeface="Microsoft YaHei" panose="020B0503020204020204" charset="-122"/>
               <a:cs typeface="Poppins" panose="00000500000000000000" pitchFamily="2" charset="0"/>
             </a:endParaRPr>
           </a:p>
@@ -26920,7 +26688,7 @@
                 </a:solidFill>
                 <a:effectLst/>
                 <a:latin typeface="Segoe UI" panose="020B0502040204020203" charset="0"/>
-                <a:ea typeface="微软雅黑" panose="020B0503020204020204" charset="-122"/>
+                <a:ea typeface="Microsoft YaHei" panose="020B0503020204020204" charset="-122"/>
               </a:rPr>
               <a:t>Lorem Ipsum is simply dummy text of the printing and typesetting industry. Lorem Ipsum has been the industry's standard dummy text ever since the 1500s, when an unknown printer took a galley of type and scrambled it to make a type specimen book.</a:t>
             </a:r>
@@ -26930,7 +26698,7 @@
               </a:solidFill>
               <a:effectLst/>
               <a:latin typeface="Segoe UI" panose="020B0502040204020203" charset="0"/>
-              <a:ea typeface="微软雅黑" panose="020B0503020204020204" charset="-122"/>
+              <a:ea typeface="Microsoft YaHei" panose="020B0503020204020204" charset="-122"/>
               <a:cs typeface="Poppins" panose="00000500000000000000" pitchFamily="2" charset="0"/>
             </a:endParaRPr>
           </a:p>
@@ -26964,7 +26732,7 @@
                   <a:schemeClr val="tx2"/>
                 </a:solidFill>
                 <a:latin typeface="Segoe UI" panose="020B0502040204020203" charset="0"/>
-                <a:ea typeface="微软雅黑" panose="020B0503020204020204" charset="-122"/>
+                <a:ea typeface="Microsoft YaHei" panose="020B0503020204020204" charset="-122"/>
                 <a:cs typeface="Noto sans" panose="020B0502040504020204" pitchFamily="34" charset="0"/>
               </a:rPr>
               <a:t>Exhibition</a:t>
@@ -26974,7 +26742,7 @@
                 <a:schemeClr val="tx2"/>
               </a:solidFill>
               <a:latin typeface="Segoe UI" panose="020B0502040204020203" charset="0"/>
-              <a:ea typeface="微软雅黑" panose="020B0503020204020204" charset="-122"/>
+              <a:ea typeface="Microsoft YaHei" panose="020B0503020204020204" charset="-122"/>
               <a:cs typeface="Noto sans" panose="020B0502040504020204" pitchFamily="34" charset="0"/>
             </a:endParaRPr>
           </a:p>
@@ -27055,7 +26823,7 @@
                 </a:solidFill>
                 <a:effectLst/>
                 <a:latin typeface="Segoe UI" panose="020B0502040204020203" charset="0"/>
-                <a:ea typeface="微软雅黑" panose="020B0503020204020204" charset="-122"/>
+                <a:ea typeface="Microsoft YaHei" panose="020B0503020204020204" charset="-122"/>
                 <a:cs typeface="Poppins" panose="00000500000000000000" pitchFamily="2" charset="0"/>
               </a:rPr>
               <a:t>If I ever let my head down, it will be to admire my shoes</a:t>
@@ -27066,7 +26834,7 @@
               </a:solidFill>
               <a:effectLst/>
               <a:latin typeface="Segoe UI" panose="020B0502040204020203" charset="0"/>
-              <a:ea typeface="微软雅黑" panose="020B0503020204020204" charset="-122"/>
+              <a:ea typeface="Microsoft YaHei" panose="020B0503020204020204" charset="-122"/>
               <a:cs typeface="Poppins" panose="00000500000000000000" pitchFamily="2" charset="0"/>
             </a:endParaRPr>
           </a:p>
@@ -27290,7 +27058,7 @@
                   <a:schemeClr val="tx2"/>
                 </a:solidFill>
                 <a:latin typeface="Segoe UI" panose="020B0502040204020203" charset="0"/>
-                <a:ea typeface="微软雅黑" panose="020B0503020204020204" charset="-122"/>
+                <a:ea typeface="Microsoft YaHei" panose="020B0503020204020204" charset="-122"/>
                 <a:cs typeface="Noto sans" panose="020B0502040504020204" pitchFamily="34" charset="0"/>
               </a:rPr>
               <a:t>Modern Presentation</a:t>
@@ -27300,7 +27068,7 @@
                 <a:schemeClr val="tx2"/>
               </a:solidFill>
               <a:latin typeface="Segoe UI" panose="020B0502040204020203" charset="0"/>
-              <a:ea typeface="微软雅黑" panose="020B0503020204020204" charset="-122"/>
+              <a:ea typeface="Microsoft YaHei" panose="020B0503020204020204" charset="-122"/>
               <a:cs typeface="Noto sans" panose="020B0502040504020204" pitchFamily="34" charset="0"/>
             </a:endParaRPr>
           </a:p>
@@ -27518,7 +27286,7 @@
                   <a:schemeClr val="tx2"/>
                 </a:solidFill>
                 <a:latin typeface="Segoe UI" panose="020B0502040204020203" charset="0"/>
-                <a:ea typeface="微软雅黑" panose="020B0503020204020204" charset="-122"/>
+                <a:ea typeface="Microsoft YaHei" panose="020B0503020204020204" charset="-122"/>
                 <a:cs typeface="Noto sans" panose="020B0502040504020204" pitchFamily="34" charset="0"/>
               </a:rPr>
               <a:t>Brand Name</a:t>
@@ -27528,7 +27296,7 @@
                 <a:schemeClr val="tx2"/>
               </a:solidFill>
               <a:latin typeface="Segoe UI" panose="020B0502040204020203" charset="0"/>
-              <a:ea typeface="微软雅黑" panose="020B0503020204020204" charset="-122"/>
+              <a:ea typeface="Microsoft YaHei" panose="020B0503020204020204" charset="-122"/>
               <a:cs typeface="Noto sans" panose="020B0502040504020204" pitchFamily="34" charset="0"/>
             </a:endParaRPr>
           </a:p>
@@ -28368,7 +28136,7 @@
                 </a:solidFill>
                 <a:effectLst/>
                 <a:latin typeface="Segoe UI" panose="020B0502040204020203" charset="0"/>
-                <a:ea typeface="微软雅黑" panose="020B0503020204020204" charset="-122"/>
+                <a:ea typeface="Microsoft YaHei" panose="020B0503020204020204" charset="-122"/>
               </a:rPr>
               <a:t>Lorem Ipsum is simply dummy text of the printing and typesetting industry. Lorem Ipsum has been the industry's standard dummy text ever since the 1500s, when an unknown printer took a galley of type and scrambled it to make a type specimen book.</a:t>
             </a:r>
@@ -28378,7 +28146,7 @@
               </a:solidFill>
               <a:effectLst/>
               <a:latin typeface="Segoe UI" panose="020B0502040204020203" charset="0"/>
-              <a:ea typeface="微软雅黑" panose="020B0503020204020204" charset="-122"/>
+              <a:ea typeface="Microsoft YaHei" panose="020B0503020204020204" charset="-122"/>
               <a:cs typeface="Poppins" panose="00000500000000000000" pitchFamily="2" charset="0"/>
             </a:endParaRPr>
           </a:p>
@@ -28627,7 +28395,7 @@
                 </a:solidFill>
                 <a:effectLst/>
                 <a:latin typeface="Segoe UI" panose="020B0502040204020203" charset="0"/>
-                <a:ea typeface="微软雅黑" panose="020B0503020204020204" charset="-122"/>
+                <a:ea typeface="Microsoft YaHei" panose="020B0503020204020204" charset="-122"/>
               </a:rPr>
               <a:t>Lorem Ipsum is simply dummy text of the printing and typesetting industry. Lorem Ipsum has been the industry's standard dummy text ever since the 1500s, when an unknown printer took a galley of type and scrambled it to make a type specimen book.</a:t>
             </a:r>
@@ -28637,7 +28405,7 @@
               </a:solidFill>
               <a:effectLst/>
               <a:latin typeface="Segoe UI" panose="020B0502040204020203" charset="0"/>
-              <a:ea typeface="微软雅黑" panose="020B0503020204020204" charset="-122"/>
+              <a:ea typeface="Microsoft YaHei" panose="020B0503020204020204" charset="-122"/>
               <a:cs typeface="Poppins" panose="00000500000000000000" pitchFamily="2" charset="0"/>
             </a:endParaRPr>
           </a:p>
@@ -28886,7 +28654,7 @@
                 </a:solidFill>
                 <a:effectLst/>
                 <a:latin typeface="Segoe UI" panose="020B0502040204020203" charset="0"/>
-                <a:ea typeface="微软雅黑" panose="020B0503020204020204" charset="-122"/>
+                <a:ea typeface="Microsoft YaHei" panose="020B0503020204020204" charset="-122"/>
               </a:rPr>
               <a:t>Lorem Ipsum is simply dummy text of the printing and typesetting industry. Lorem Ipsum has been the industry's standard dummy text ever since the 1500s, when an unknown printer took a galley of type and scrambled it to make a type specimen book.</a:t>
             </a:r>
@@ -28896,7 +28664,7 @@
               </a:solidFill>
               <a:effectLst/>
               <a:latin typeface="Segoe UI" panose="020B0502040204020203" charset="0"/>
-              <a:ea typeface="微软雅黑" panose="020B0503020204020204" charset="-122"/>
+              <a:ea typeface="Microsoft YaHei" panose="020B0503020204020204" charset="-122"/>
               <a:cs typeface="Poppins" panose="00000500000000000000" pitchFamily="2" charset="0"/>
             </a:endParaRPr>
           </a:p>
@@ -29145,7 +28913,7 @@
                 </a:solidFill>
                 <a:effectLst/>
                 <a:latin typeface="Segoe UI" panose="020B0502040204020203" charset="0"/>
-                <a:ea typeface="微软雅黑" panose="020B0503020204020204" charset="-122"/>
+                <a:ea typeface="Microsoft YaHei" panose="020B0503020204020204" charset="-122"/>
               </a:rPr>
               <a:t>Lorem Ipsum is simply dummy text of the printing and typesetting industry. Lorem Ipsum has been the industry's standard dummy text ever since the 1500s, when an unknown printer took a galley of type and scrambled it to make a type specimen book.</a:t>
             </a:r>
@@ -29155,7 +28923,7 @@
               </a:solidFill>
               <a:effectLst/>
               <a:latin typeface="Segoe UI" panose="020B0502040204020203" charset="0"/>
-              <a:ea typeface="微软雅黑" panose="020B0503020204020204" charset="-122"/>
+              <a:ea typeface="Microsoft YaHei" panose="020B0503020204020204" charset="-122"/>
               <a:cs typeface="Poppins" panose="00000500000000000000" pitchFamily="2" charset="0"/>
             </a:endParaRPr>
           </a:p>
@@ -29190,7 +28958,7 @@
                 </a:solidFill>
                 <a:effectLst/>
                 <a:latin typeface="Segoe UI" panose="020B0502040204020203" charset="0"/>
-                <a:ea typeface="微软雅黑" panose="020B0503020204020204" charset="-122"/>
+                <a:ea typeface="Microsoft YaHei" panose="020B0503020204020204" charset="-122"/>
                 <a:cs typeface="Poppins" panose="00000500000000000000" pitchFamily="2" charset="0"/>
               </a:rPr>
               <a:t>Description</a:t>
@@ -29201,7 +28969,7 @@
               </a:solidFill>
               <a:effectLst/>
               <a:latin typeface="Segoe UI" panose="020B0502040204020203" charset="0"/>
-              <a:ea typeface="微软雅黑" panose="020B0503020204020204" charset="-122"/>
+              <a:ea typeface="Microsoft YaHei" panose="020B0503020204020204" charset="-122"/>
               <a:cs typeface="Poppins" panose="00000500000000000000" pitchFamily="2" charset="0"/>
             </a:endParaRPr>
           </a:p>
@@ -29368,7 +29136,7 @@
                   <a:schemeClr val="tx2"/>
                 </a:solidFill>
                 <a:latin typeface="Segoe UI" panose="020B0502040204020203" charset="0"/>
-                <a:ea typeface="微软雅黑" panose="020B0503020204020204" charset="-122"/>
+                <a:ea typeface="Microsoft YaHei" panose="020B0503020204020204" charset="-122"/>
                 <a:cs typeface="Noto sans" panose="020B0502040504020204" pitchFamily="34" charset="0"/>
               </a:rPr>
               <a:t>Main Graphic Info</a:t>
@@ -29378,7 +29146,7 @@
                 <a:schemeClr val="tx2"/>
               </a:solidFill>
               <a:latin typeface="Segoe UI" panose="020B0502040204020203" charset="0"/>
-              <a:ea typeface="微软雅黑" panose="020B0503020204020204" charset="-122"/>
+              <a:ea typeface="Microsoft YaHei" panose="020B0503020204020204" charset="-122"/>
               <a:cs typeface="Noto sans" panose="020B0502040504020204" pitchFamily="34" charset="0"/>
             </a:endParaRPr>
           </a:p>
@@ -29521,7 +29289,7 @@
                 </a:solidFill>
                 <a:effectLst/>
                 <a:latin typeface="Segoe UI" panose="020B0502040204020203" charset="0"/>
-                <a:ea typeface="微软雅黑" panose="020B0503020204020204" charset="-122"/>
+                <a:ea typeface="Microsoft YaHei" panose="020B0503020204020204" charset="-122"/>
                 <a:cs typeface="Poppins" panose="00000500000000000000" pitchFamily="2" charset="0"/>
               </a:rPr>
               <a:t>If I ever let my head down, it will be to admire my shoes</a:t>
@@ -29532,7 +29300,7 @@
               </a:solidFill>
               <a:effectLst/>
               <a:latin typeface="Segoe UI" panose="020B0502040204020203" charset="0"/>
-              <a:ea typeface="微软雅黑" panose="020B0503020204020204" charset="-122"/>
+              <a:ea typeface="Microsoft YaHei" panose="020B0503020204020204" charset="-122"/>
               <a:cs typeface="Poppins" panose="00000500000000000000" pitchFamily="2" charset="0"/>
             </a:endParaRPr>
           </a:p>
@@ -29756,7 +29524,7 @@
                   <a:schemeClr val="tx2"/>
                 </a:solidFill>
                 <a:latin typeface="Segoe UI" panose="020B0502040204020203" charset="0"/>
-                <a:ea typeface="微软雅黑" panose="020B0503020204020204" charset="-122"/>
+                <a:ea typeface="Microsoft YaHei" panose="020B0503020204020204" charset="-122"/>
                 <a:cs typeface="Noto sans" panose="020B0502040504020204" pitchFamily="34" charset="0"/>
               </a:rPr>
               <a:t>Modern Presentation</a:t>
@@ -29766,7 +29534,7 @@
                 <a:schemeClr val="tx2"/>
               </a:solidFill>
               <a:latin typeface="Segoe UI" panose="020B0502040204020203" charset="0"/>
-              <a:ea typeface="微软雅黑" panose="020B0503020204020204" charset="-122"/>
+              <a:ea typeface="Microsoft YaHei" panose="020B0503020204020204" charset="-122"/>
               <a:cs typeface="Noto sans" panose="020B0502040504020204" pitchFamily="34" charset="0"/>
             </a:endParaRPr>
           </a:p>
@@ -29984,7 +29752,7 @@
                   <a:schemeClr val="tx2"/>
                 </a:solidFill>
                 <a:latin typeface="Segoe UI" panose="020B0502040204020203" charset="0"/>
-                <a:ea typeface="微软雅黑" panose="020B0503020204020204" charset="-122"/>
+                <a:ea typeface="Microsoft YaHei" panose="020B0503020204020204" charset="-122"/>
                 <a:cs typeface="Noto sans" panose="020B0502040504020204" pitchFamily="34" charset="0"/>
               </a:rPr>
               <a:t>Brand Name</a:t>
@@ -29994,7 +29762,7 @@
                 <a:schemeClr val="tx2"/>
               </a:solidFill>
               <a:latin typeface="Segoe UI" panose="020B0502040204020203" charset="0"/>
-              <a:ea typeface="微软雅黑" panose="020B0503020204020204" charset="-122"/>
+              <a:ea typeface="Microsoft YaHei" panose="020B0503020204020204" charset="-122"/>
               <a:cs typeface="Noto sans" panose="020B0502040504020204" pitchFamily="34" charset="0"/>
             </a:endParaRPr>
           </a:p>
@@ -30029,7 +29797,7 @@
                   <a:schemeClr val="tx2"/>
                 </a:solidFill>
                 <a:latin typeface="Segoe UI" panose="020B0502040204020203" charset="0"/>
-                <a:ea typeface="微软雅黑" panose="020B0503020204020204" charset="-122"/>
+                <a:ea typeface="Microsoft YaHei" panose="020B0503020204020204" charset="-122"/>
                 <a:cs typeface="Noto sans" panose="020B0502040504020204" pitchFamily="34" charset="0"/>
               </a:rPr>
               <a:t>Main Graphic Info</a:t>
@@ -30039,7 +29807,7 @@
                 <a:schemeClr val="tx2"/>
               </a:solidFill>
               <a:latin typeface="Segoe UI" panose="020B0502040204020203" charset="0"/>
-              <a:ea typeface="微软雅黑" panose="020B0503020204020204" charset="-122"/>
+              <a:ea typeface="Microsoft YaHei" panose="020B0503020204020204" charset="-122"/>
               <a:cs typeface="Noto sans" panose="020B0502040504020204" pitchFamily="34" charset="0"/>
             </a:endParaRPr>
           </a:p>
@@ -30182,7 +29950,7 @@
                 </a:solidFill>
                 <a:effectLst/>
                 <a:latin typeface="Segoe UI" panose="020B0502040204020203" charset="0"/>
-                <a:ea typeface="微软雅黑" panose="020B0503020204020204" charset="-122"/>
+                <a:ea typeface="Microsoft YaHei" panose="020B0503020204020204" charset="-122"/>
                 <a:cs typeface="Poppins" panose="00000500000000000000" pitchFamily="2" charset="0"/>
               </a:rPr>
               <a:t>If I ever let my head down, it will be to admire my shoes</a:t>
@@ -30193,7 +29961,7 @@
               </a:solidFill>
               <a:effectLst/>
               <a:latin typeface="Segoe UI" panose="020B0502040204020203" charset="0"/>
-              <a:ea typeface="微软雅黑" panose="020B0503020204020204" charset="-122"/>
+              <a:ea typeface="Microsoft YaHei" panose="020B0503020204020204" charset="-122"/>
               <a:cs typeface="Poppins" panose="00000500000000000000" pitchFamily="2" charset="0"/>
             </a:endParaRPr>
           </a:p>
@@ -31074,7 +30842,7 @@
                 </a:solidFill>
                 <a:effectLst/>
                 <a:latin typeface="Segoe UI" panose="020B0502040204020203" charset="0"/>
-                <a:ea typeface="微软雅黑" panose="020B0503020204020204" charset="-122"/>
+                <a:ea typeface="Microsoft YaHei" panose="020B0503020204020204" charset="-122"/>
               </a:rPr>
               <a:t>Lorem Ipsum is simply dummy text of the printing and typesetting industry. Lorem Ipsum has been the industry's standard dummy text ever since the 1500s, when an unknown printer took a galley of type and scrambled it to make a type specimen book.</a:t>
             </a:r>
@@ -31084,7 +30852,7 @@
               </a:solidFill>
               <a:effectLst/>
               <a:latin typeface="Segoe UI" panose="020B0502040204020203" charset="0"/>
-              <a:ea typeface="微软雅黑" panose="020B0503020204020204" charset="-122"/>
+              <a:ea typeface="Microsoft YaHei" panose="020B0503020204020204" charset="-122"/>
               <a:cs typeface="Poppins" panose="00000500000000000000" pitchFamily="2" charset="0"/>
             </a:endParaRPr>
           </a:p>
@@ -31333,7 +31101,7 @@
                 </a:solidFill>
                 <a:effectLst/>
                 <a:latin typeface="Segoe UI" panose="020B0502040204020203" charset="0"/>
-                <a:ea typeface="微软雅黑" panose="020B0503020204020204" charset="-122"/>
+                <a:ea typeface="Microsoft YaHei" panose="020B0503020204020204" charset="-122"/>
               </a:rPr>
               <a:t>Lorem Ipsum is simply dummy text of the printing and typesetting industry. Lorem Ipsum has been the industry's standard dummy text ever since the 1500s, when an unknown printer took a galley of type and scrambled it to make a type specimen book.</a:t>
             </a:r>
@@ -31343,7 +31111,7 @@
               </a:solidFill>
               <a:effectLst/>
               <a:latin typeface="Segoe UI" panose="020B0502040204020203" charset="0"/>
-              <a:ea typeface="微软雅黑" panose="020B0503020204020204" charset="-122"/>
+              <a:ea typeface="Microsoft YaHei" panose="020B0503020204020204" charset="-122"/>
               <a:cs typeface="Poppins" panose="00000500000000000000" pitchFamily="2" charset="0"/>
             </a:endParaRPr>
           </a:p>
@@ -31592,7 +31360,7 @@
                 </a:solidFill>
                 <a:effectLst/>
                 <a:latin typeface="Segoe UI" panose="020B0502040204020203" charset="0"/>
-                <a:ea typeface="微软雅黑" panose="020B0503020204020204" charset="-122"/>
+                <a:ea typeface="Microsoft YaHei" panose="020B0503020204020204" charset="-122"/>
               </a:rPr>
               <a:t>Lorem Ipsum is simply dummy text of the printing and typesetting industry. Lorem Ipsum has been the industry's standard dummy text ever since the 1500s, when an unknown printer took a galley of type and scrambled it to make a type specimen book.</a:t>
             </a:r>
@@ -31602,7 +31370,7 @@
               </a:solidFill>
               <a:effectLst/>
               <a:latin typeface="Segoe UI" panose="020B0502040204020203" charset="0"/>
-              <a:ea typeface="微软雅黑" panose="020B0503020204020204" charset="-122"/>
+              <a:ea typeface="Microsoft YaHei" panose="020B0503020204020204" charset="-122"/>
               <a:cs typeface="Poppins" panose="00000500000000000000" pitchFamily="2" charset="0"/>
             </a:endParaRPr>
           </a:p>
@@ -31851,7 +31619,7 @@
                 </a:solidFill>
                 <a:effectLst/>
                 <a:latin typeface="Segoe UI" panose="020B0502040204020203" charset="0"/>
-                <a:ea typeface="微软雅黑" panose="020B0503020204020204" charset="-122"/>
+                <a:ea typeface="Microsoft YaHei" panose="020B0503020204020204" charset="-122"/>
               </a:rPr>
               <a:t>Lorem Ipsum is simply dummy text of the printing and typesetting industry. Lorem Ipsum has been the industry's standard dummy text ever since the 1500s, when an unknown printer took a galley of type and scrambled it to make a type specimen book.</a:t>
             </a:r>
@@ -31861,7 +31629,7 @@
               </a:solidFill>
               <a:effectLst/>
               <a:latin typeface="Segoe UI" panose="020B0502040204020203" charset="0"/>
-              <a:ea typeface="微软雅黑" panose="020B0503020204020204" charset="-122"/>
+              <a:ea typeface="Microsoft YaHei" panose="020B0503020204020204" charset="-122"/>
               <a:cs typeface="Poppins" panose="00000500000000000000" pitchFamily="2" charset="0"/>
             </a:endParaRPr>
           </a:p>
@@ -31896,7 +31664,7 @@
                 </a:solidFill>
                 <a:effectLst/>
                 <a:latin typeface="Segoe UI" panose="020B0502040204020203" charset="0"/>
-                <a:ea typeface="微软雅黑" panose="020B0503020204020204" charset="-122"/>
+                <a:ea typeface="Microsoft YaHei" panose="020B0503020204020204" charset="-122"/>
                 <a:cs typeface="Poppins" panose="00000500000000000000" pitchFamily="2" charset="0"/>
               </a:rPr>
               <a:t>Description</a:t>
@@ -31907,7 +31675,7 @@
               </a:solidFill>
               <a:effectLst/>
               <a:latin typeface="Segoe UI" panose="020B0502040204020203" charset="0"/>
-              <a:ea typeface="微软雅黑" panose="020B0503020204020204" charset="-122"/>
+              <a:ea typeface="Microsoft YaHei" panose="020B0503020204020204" charset="-122"/>
               <a:cs typeface="Poppins" panose="00000500000000000000" pitchFamily="2" charset="0"/>
             </a:endParaRPr>
           </a:p>
@@ -32263,7 +32031,7 @@
                   <a:schemeClr val="tx2"/>
                 </a:solidFill>
                 <a:latin typeface="Segoe UI" panose="020B0502040204020203" charset="0"/>
-                <a:ea typeface="微软雅黑" panose="020B0503020204020204" charset="-122"/>
+                <a:ea typeface="Microsoft YaHei" panose="020B0503020204020204" charset="-122"/>
                 <a:cs typeface="Noto sans" panose="020B0502040504020204" pitchFamily="34" charset="0"/>
               </a:rPr>
               <a:t>Modern Presentation</a:t>
@@ -32273,7 +32041,7 @@
                 <a:schemeClr val="tx2"/>
               </a:solidFill>
               <a:latin typeface="Segoe UI" panose="020B0502040204020203" charset="0"/>
-              <a:ea typeface="微软雅黑" panose="020B0503020204020204" charset="-122"/>
+              <a:ea typeface="Microsoft YaHei" panose="020B0503020204020204" charset="-122"/>
               <a:cs typeface="Noto sans" panose="020B0502040504020204" pitchFamily="34" charset="0"/>
             </a:endParaRPr>
           </a:p>
@@ -32491,7 +32259,7 @@
                   <a:schemeClr val="tx2"/>
                 </a:solidFill>
                 <a:latin typeface="Segoe UI" panose="020B0502040204020203" charset="0"/>
-                <a:ea typeface="微软雅黑" panose="020B0503020204020204" charset="-122"/>
+                <a:ea typeface="Microsoft YaHei" panose="020B0503020204020204" charset="-122"/>
                 <a:cs typeface="Noto sans" panose="020B0502040504020204" pitchFamily="34" charset="0"/>
               </a:rPr>
               <a:t>Brand Name</a:t>
@@ -32501,7 +32269,7 @@
                 <a:schemeClr val="tx2"/>
               </a:solidFill>
               <a:latin typeface="Segoe UI" panose="020B0502040204020203" charset="0"/>
-              <a:ea typeface="微软雅黑" panose="020B0503020204020204" charset="-122"/>
+              <a:ea typeface="Microsoft YaHei" panose="020B0503020204020204" charset="-122"/>
               <a:cs typeface="Noto sans" panose="020B0502040504020204" pitchFamily="34" charset="0"/>
             </a:endParaRPr>
           </a:p>
@@ -32536,7 +32304,7 @@
                   <a:schemeClr val="tx2"/>
                 </a:solidFill>
                 <a:latin typeface="Segoe UI" panose="020B0502040204020203" charset="0"/>
-                <a:ea typeface="微软雅黑" panose="020B0503020204020204" charset="-122"/>
+                <a:ea typeface="Microsoft YaHei" panose="020B0503020204020204" charset="-122"/>
                 <a:cs typeface="Noto sans" panose="020B0502040504020204" pitchFamily="34" charset="0"/>
               </a:rPr>
               <a:t>Main Graphic Info</a:t>
@@ -32546,7 +32314,7 @@
                 <a:schemeClr val="tx2"/>
               </a:solidFill>
               <a:latin typeface="Segoe UI" panose="020B0502040204020203" charset="0"/>
-              <a:ea typeface="微软雅黑" panose="020B0503020204020204" charset="-122"/>
+              <a:ea typeface="Microsoft YaHei" panose="020B0503020204020204" charset="-122"/>
               <a:cs typeface="Noto sans" panose="020B0502040504020204" pitchFamily="34" charset="0"/>
             </a:endParaRPr>
           </a:p>
@@ -32689,7 +32457,7 @@
                 </a:solidFill>
                 <a:effectLst/>
                 <a:latin typeface="Segoe UI" panose="020B0502040204020203" charset="0"/>
-                <a:ea typeface="微软雅黑" panose="020B0503020204020204" charset="-122"/>
+                <a:ea typeface="Microsoft YaHei" panose="020B0503020204020204" charset="-122"/>
                 <a:cs typeface="Poppins" panose="00000500000000000000" pitchFamily="2" charset="0"/>
               </a:rPr>
               <a:t>If I ever let my head down, it will be to admire my shoes</a:t>
@@ -32700,7 +32468,7 @@
               </a:solidFill>
               <a:effectLst/>
               <a:latin typeface="Segoe UI" panose="020B0502040204020203" charset="0"/>
-              <a:ea typeface="微软雅黑" panose="020B0503020204020204" charset="-122"/>
+              <a:ea typeface="Microsoft YaHei" panose="020B0503020204020204" charset="-122"/>
               <a:cs typeface="Poppins" panose="00000500000000000000" pitchFamily="2" charset="0"/>
             </a:endParaRPr>
           </a:p>
@@ -32749,14 +32517,14 @@
               <a:rPr lang="en-US" sz="900" b="0" i="0" dirty="0">
                 <a:effectLst/>
                 <a:latin typeface="Segoe UI" panose="020B0502040204020203" charset="0"/>
-                <a:ea typeface="微软雅黑" panose="020B0503020204020204" charset="-122"/>
+                <a:ea typeface="Microsoft YaHei" panose="020B0503020204020204" charset="-122"/>
               </a:rPr>
               <a:t>Lorem Ipsum is simply dummy text of the printing and typesetting industry. Lorem Ipsum has been the industry's standard dummy text ever since the 1500s, when an unknown printer took a galley of type and scrambled it to make a type specimen book.</a:t>
             </a:r>
             <a:endParaRPr lang="en-US" sz="900" b="0" i="0" dirty="0">
               <a:effectLst/>
               <a:latin typeface="Segoe UI" panose="020B0502040204020203" charset="0"/>
-              <a:ea typeface="微软雅黑" panose="020B0503020204020204" charset="-122"/>
+              <a:ea typeface="Microsoft YaHei" panose="020B0503020204020204" charset="-122"/>
               <a:cs typeface="Poppins" panose="00000500000000000000" pitchFamily="2" charset="0"/>
             </a:endParaRPr>
           </a:p>
@@ -32789,14 +32557,14 @@
               <a:rPr lang="en-US" sz="900" b="0" i="0" dirty="0">
                 <a:effectLst/>
                 <a:latin typeface="Segoe UI" panose="020B0502040204020203" charset="0"/>
-                <a:ea typeface="微软雅黑" panose="020B0503020204020204" charset="-122"/>
+                <a:ea typeface="Microsoft YaHei" panose="020B0503020204020204" charset="-122"/>
               </a:rPr>
               <a:t>Lorem Ipsum is simply dummy text of the printing and typesetting industry. Lorem Ipsum has been the industry's standard dummy text ever since the 1500s, when an unknown printer took a galley of type and scrambled it to make a type specimen book.</a:t>
             </a:r>
             <a:endParaRPr lang="en-US" sz="900" b="0" i="0" dirty="0">
               <a:effectLst/>
               <a:latin typeface="Segoe UI" panose="020B0502040204020203" charset="0"/>
-              <a:ea typeface="微软雅黑" panose="020B0503020204020204" charset="-122"/>
+              <a:ea typeface="Microsoft YaHei" panose="020B0503020204020204" charset="-122"/>
               <a:cs typeface="Poppins" panose="00000500000000000000" pitchFamily="2" charset="0"/>
             </a:endParaRPr>
           </a:p>
@@ -32829,14 +32597,14 @@
               <a:rPr lang="en-US" sz="900" b="0" i="0" dirty="0">
                 <a:effectLst/>
                 <a:latin typeface="Segoe UI" panose="020B0502040204020203" charset="0"/>
-                <a:ea typeface="微软雅黑" panose="020B0503020204020204" charset="-122"/>
+                <a:ea typeface="Microsoft YaHei" panose="020B0503020204020204" charset="-122"/>
               </a:rPr>
               <a:t>Lorem Ipsum is simply dummy text of the printing and typesetting industry. Lorem Ipsum has been the industry's standard dummy text ever since the 1500s, when an unknown printer took a galley of type and scrambled it to make a type specimen book.</a:t>
             </a:r>
             <a:endParaRPr lang="en-US" sz="900" b="0" i="0" dirty="0">
               <a:effectLst/>
               <a:latin typeface="Segoe UI" panose="020B0502040204020203" charset="0"/>
-              <a:ea typeface="微软雅黑" panose="020B0503020204020204" charset="-122"/>
+              <a:ea typeface="Microsoft YaHei" panose="020B0503020204020204" charset="-122"/>
               <a:cs typeface="Poppins" panose="00000500000000000000" pitchFamily="2" charset="0"/>
             </a:endParaRPr>
           </a:p>
@@ -33021,7 +32789,7 @@
                 </a:solidFill>
                 <a:effectLst/>
                 <a:latin typeface="Segoe UI" panose="020B0502040204020203" charset="0"/>
-                <a:ea typeface="微软雅黑" panose="020B0503020204020204" charset="-122"/>
+                <a:ea typeface="Microsoft YaHei" panose="020B0503020204020204" charset="-122"/>
                 <a:cs typeface="Poppins" panose="00000500000000000000" pitchFamily="2" charset="0"/>
               </a:rPr>
               <a:t>Description</a:t>
@@ -33032,7 +32800,7 @@
               </a:solidFill>
               <a:effectLst/>
               <a:latin typeface="Segoe UI" panose="020B0502040204020203" charset="0"/>
-              <a:ea typeface="微软雅黑" panose="020B0503020204020204" charset="-122"/>
+              <a:ea typeface="Microsoft YaHei" panose="020B0503020204020204" charset="-122"/>
               <a:cs typeface="Poppins" panose="00000500000000000000" pitchFamily="2" charset="0"/>
             </a:endParaRPr>
           </a:p>
@@ -33256,7 +33024,7 @@
                   <a:schemeClr val="tx2"/>
                 </a:solidFill>
                 <a:latin typeface="Segoe UI" panose="020B0502040204020203" charset="0"/>
-                <a:ea typeface="微软雅黑" panose="020B0503020204020204" charset="-122"/>
+                <a:ea typeface="Microsoft YaHei" panose="020B0503020204020204" charset="-122"/>
                 <a:cs typeface="Noto sans" panose="020B0502040504020204" pitchFamily="34" charset="0"/>
               </a:rPr>
               <a:t>Modern Presentation</a:t>
@@ -33266,7 +33034,7 @@
                 <a:schemeClr val="tx2"/>
               </a:solidFill>
               <a:latin typeface="Segoe UI" panose="020B0502040204020203" charset="0"/>
-              <a:ea typeface="微软雅黑" panose="020B0503020204020204" charset="-122"/>
+              <a:ea typeface="Microsoft YaHei" panose="020B0503020204020204" charset="-122"/>
               <a:cs typeface="Noto sans" panose="020B0502040504020204" pitchFamily="34" charset="0"/>
             </a:endParaRPr>
           </a:p>
@@ -33484,7 +33252,7 @@
                   <a:schemeClr val="tx2"/>
                 </a:solidFill>
                 <a:latin typeface="Segoe UI" panose="020B0502040204020203" charset="0"/>
-                <a:ea typeface="微软雅黑" panose="020B0503020204020204" charset="-122"/>
+                <a:ea typeface="Microsoft YaHei" panose="020B0503020204020204" charset="-122"/>
                 <a:cs typeface="Noto sans" panose="020B0502040504020204" pitchFamily="34" charset="0"/>
               </a:rPr>
               <a:t>Brand Name</a:t>
@@ -33494,7 +33262,7 @@
                 <a:schemeClr val="tx2"/>
               </a:solidFill>
               <a:latin typeface="Segoe UI" panose="020B0502040204020203" charset="0"/>
-              <a:ea typeface="微软雅黑" panose="020B0503020204020204" charset="-122"/>
+              <a:ea typeface="Microsoft YaHei" panose="020B0503020204020204" charset="-122"/>
               <a:cs typeface="Noto sans" panose="020B0502040504020204" pitchFamily="34" charset="0"/>
             </a:endParaRPr>
           </a:p>
@@ -33529,7 +33297,7 @@
                   <a:schemeClr val="tx2"/>
                 </a:solidFill>
                 <a:latin typeface="Segoe UI" panose="020B0502040204020203" charset="0"/>
-                <a:ea typeface="微软雅黑" panose="020B0503020204020204" charset="-122"/>
+                <a:ea typeface="Microsoft YaHei" panose="020B0503020204020204" charset="-122"/>
                 <a:cs typeface="Noto sans" panose="020B0502040504020204" pitchFamily="34" charset="0"/>
               </a:rPr>
               <a:t>Main Graphic Info</a:t>
@@ -33539,7 +33307,7 @@
                 <a:schemeClr val="tx2"/>
               </a:solidFill>
               <a:latin typeface="Segoe UI" panose="020B0502040204020203" charset="0"/>
-              <a:ea typeface="微软雅黑" panose="020B0503020204020204" charset="-122"/>
+              <a:ea typeface="Microsoft YaHei" panose="020B0503020204020204" charset="-122"/>
               <a:cs typeface="Noto sans" panose="020B0502040504020204" pitchFamily="34" charset="0"/>
             </a:endParaRPr>
           </a:p>
@@ -33682,7 +33450,7 @@
                 </a:solidFill>
                 <a:effectLst/>
                 <a:latin typeface="Segoe UI" panose="020B0502040204020203" charset="0"/>
-                <a:ea typeface="微软雅黑" panose="020B0503020204020204" charset="-122"/>
+                <a:ea typeface="Microsoft YaHei" panose="020B0503020204020204" charset="-122"/>
                 <a:cs typeface="Poppins" panose="00000500000000000000" pitchFamily="2" charset="0"/>
               </a:rPr>
               <a:t>If I ever let my head down, it will be to admire my shoes</a:t>
@@ -33693,7 +33461,7 @@
               </a:solidFill>
               <a:effectLst/>
               <a:latin typeface="Segoe UI" panose="020B0502040204020203" charset="0"/>
-              <a:ea typeface="微软雅黑" panose="020B0503020204020204" charset="-122"/>
+              <a:ea typeface="Microsoft YaHei" panose="020B0503020204020204" charset="-122"/>
               <a:cs typeface="Poppins" panose="00000500000000000000" pitchFamily="2" charset="0"/>
             </a:endParaRPr>
           </a:p>
@@ -33875,7 +33643,7 @@
                   <a:schemeClr val="bg1"/>
                 </a:solidFill>
                 <a:latin typeface="Segoe UI" panose="020B0502040204020203" charset="0"/>
-                <a:ea typeface="微软雅黑" panose="020B0503020204020204" charset="-122"/>
+                <a:ea typeface="Microsoft YaHei" panose="020B0503020204020204" charset="-122"/>
                 <a:cs typeface="Poppins" panose="00000500000000000000" pitchFamily="2" charset="0"/>
               </a:rPr>
               <a:t>Sales in</a:t>
@@ -33885,7 +33653,7 @@
                 <a:schemeClr val="bg1"/>
               </a:solidFill>
               <a:latin typeface="Segoe UI" panose="020B0502040204020203" charset="0"/>
-              <a:ea typeface="微软雅黑" panose="020B0503020204020204" charset="-122"/>
+              <a:ea typeface="Microsoft YaHei" panose="020B0503020204020204" charset="-122"/>
               <a:cs typeface="Poppins" panose="00000500000000000000" pitchFamily="2" charset="0"/>
             </a:endParaRPr>
           </a:p>
@@ -33897,7 +33665,7 @@
                   <a:schemeClr val="bg1"/>
                 </a:solidFill>
                 <a:latin typeface="Segoe UI" panose="020B0502040204020203" charset="0"/>
-                <a:ea typeface="微软雅黑" panose="020B0503020204020204" charset="-122"/>
+                <a:ea typeface="Microsoft YaHei" panose="020B0503020204020204" charset="-122"/>
                 <a:cs typeface="Poppins" panose="00000500000000000000" pitchFamily="2" charset="0"/>
               </a:rPr>
               <a:t>2020</a:t>
@@ -33907,7 +33675,7 @@
                 <a:schemeClr val="bg1"/>
               </a:solidFill>
               <a:latin typeface="Segoe UI" panose="020B0502040204020203" charset="0"/>
-              <a:ea typeface="微软雅黑" panose="020B0503020204020204" charset="-122"/>
+              <a:ea typeface="Microsoft YaHei" panose="020B0503020204020204" charset="-122"/>
               <a:cs typeface="Poppins" panose="00000500000000000000" pitchFamily="2" charset="0"/>
             </a:endParaRPr>
           </a:p>
@@ -33942,7 +33710,7 @@
                   <a:schemeClr val="bg1"/>
                 </a:solidFill>
                 <a:latin typeface="Segoe UI" panose="020B0502040204020203" charset="0"/>
-                <a:ea typeface="微软雅黑" panose="020B0503020204020204" charset="-122"/>
+                <a:ea typeface="Microsoft YaHei" panose="020B0503020204020204" charset="-122"/>
                 <a:cs typeface="Poppins" panose="00000500000000000000" pitchFamily="2" charset="0"/>
               </a:rPr>
               <a:t>Sales in</a:t>
@@ -33952,7 +33720,7 @@
                 <a:schemeClr val="bg1"/>
               </a:solidFill>
               <a:latin typeface="Segoe UI" panose="020B0502040204020203" charset="0"/>
-              <a:ea typeface="微软雅黑" panose="020B0503020204020204" charset="-122"/>
+              <a:ea typeface="Microsoft YaHei" panose="020B0503020204020204" charset="-122"/>
               <a:cs typeface="Poppins" panose="00000500000000000000" pitchFamily="2" charset="0"/>
             </a:endParaRPr>
           </a:p>
@@ -33964,7 +33732,7 @@
                   <a:schemeClr val="bg1"/>
                 </a:solidFill>
                 <a:latin typeface="Segoe UI" panose="020B0502040204020203" charset="0"/>
-                <a:ea typeface="微软雅黑" panose="020B0503020204020204" charset="-122"/>
+                <a:ea typeface="Microsoft YaHei" panose="020B0503020204020204" charset="-122"/>
                 <a:cs typeface="Poppins" panose="00000500000000000000" pitchFamily="2" charset="0"/>
               </a:rPr>
               <a:t>2021</a:t>
@@ -33974,7 +33742,7 @@
                 <a:schemeClr val="bg1"/>
               </a:solidFill>
               <a:latin typeface="Segoe UI" panose="020B0502040204020203" charset="0"/>
-              <a:ea typeface="微软雅黑" panose="020B0503020204020204" charset="-122"/>
+              <a:ea typeface="Microsoft YaHei" panose="020B0503020204020204" charset="-122"/>
               <a:cs typeface="Poppins" panose="00000500000000000000" pitchFamily="2" charset="0"/>
             </a:endParaRPr>
           </a:p>
@@ -34009,7 +33777,7 @@
                   <a:schemeClr val="bg1"/>
                 </a:solidFill>
                 <a:latin typeface="Segoe UI" panose="020B0502040204020203" charset="0"/>
-                <a:ea typeface="微软雅黑" panose="020B0503020204020204" charset="-122"/>
+                <a:ea typeface="Microsoft YaHei" panose="020B0503020204020204" charset="-122"/>
                 <a:cs typeface="Poppins" panose="00000500000000000000" pitchFamily="2" charset="0"/>
               </a:rPr>
               <a:t>Sales in</a:t>
@@ -34019,7 +33787,7 @@
                 <a:schemeClr val="bg1"/>
               </a:solidFill>
               <a:latin typeface="Segoe UI" panose="020B0502040204020203" charset="0"/>
-              <a:ea typeface="微软雅黑" panose="020B0503020204020204" charset="-122"/>
+              <a:ea typeface="Microsoft YaHei" panose="020B0503020204020204" charset="-122"/>
               <a:cs typeface="Poppins" panose="00000500000000000000" pitchFamily="2" charset="0"/>
             </a:endParaRPr>
           </a:p>
@@ -34031,7 +33799,7 @@
                   <a:schemeClr val="bg1"/>
                 </a:solidFill>
                 <a:latin typeface="Segoe UI" panose="020B0502040204020203" charset="0"/>
-                <a:ea typeface="微软雅黑" panose="020B0503020204020204" charset="-122"/>
+                <a:ea typeface="Microsoft YaHei" panose="020B0503020204020204" charset="-122"/>
                 <a:cs typeface="Poppins" panose="00000500000000000000" pitchFamily="2" charset="0"/>
               </a:rPr>
               <a:t>2022</a:t>
@@ -34041,7 +33809,7 @@
                 <a:schemeClr val="bg1"/>
               </a:solidFill>
               <a:latin typeface="Segoe UI" panose="020B0502040204020203" charset="0"/>
-              <a:ea typeface="微软雅黑" panose="020B0503020204020204" charset="-122"/>
+              <a:ea typeface="Microsoft YaHei" panose="020B0503020204020204" charset="-122"/>
               <a:cs typeface="Poppins" panose="00000500000000000000" pitchFamily="2" charset="0"/>
             </a:endParaRPr>
           </a:p>
@@ -34324,7 +34092,7 @@
                 </a:solidFill>
                 <a:effectLst/>
                 <a:latin typeface="Segoe UI" panose="020B0502040204020203" charset="0"/>
-                <a:ea typeface="微软雅黑" panose="020B0503020204020204" charset="-122"/>
+                <a:ea typeface="Microsoft YaHei" panose="020B0503020204020204" charset="-122"/>
               </a:rPr>
               <a:t>Lorem Ipsum is simply dummy text of the printing and typesetting industry. Lorem Ipsum has been the industry's standard dummy text ever since the 1500s.</a:t>
             </a:r>
@@ -34334,7 +34102,7 @@
               </a:solidFill>
               <a:effectLst/>
               <a:latin typeface="Segoe UI" panose="020B0502040204020203" charset="0"/>
-              <a:ea typeface="微软雅黑" panose="020B0503020204020204" charset="-122"/>
+              <a:ea typeface="Microsoft YaHei" panose="020B0503020204020204" charset="-122"/>
               <a:cs typeface="Poppins" panose="00000500000000000000" pitchFamily="2" charset="0"/>
             </a:endParaRPr>
           </a:p>
@@ -34369,7 +34137,7 @@
                   <a:schemeClr val="bg1"/>
                 </a:solidFill>
                 <a:latin typeface="Segoe UI" panose="020B0502040204020203" charset="0"/>
-                <a:ea typeface="微软雅黑" panose="020B0503020204020204" charset="-122"/>
+                <a:ea typeface="Microsoft YaHei" panose="020B0503020204020204" charset="-122"/>
                 <a:cs typeface="Poppins" panose="00000500000000000000" pitchFamily="2" charset="0"/>
               </a:rPr>
               <a:t>2020 Product</a:t>
@@ -34379,7 +34147,7 @@
                 <a:schemeClr val="bg1"/>
               </a:solidFill>
               <a:latin typeface="Segoe UI" panose="020B0502040204020203" charset="0"/>
-              <a:ea typeface="微软雅黑" panose="020B0503020204020204" charset="-122"/>
+              <a:ea typeface="Microsoft YaHei" panose="020B0503020204020204" charset="-122"/>
               <a:cs typeface="Poppins" panose="00000500000000000000" pitchFamily="2" charset="0"/>
             </a:endParaRPr>
           </a:p>
@@ -34562,7 +34330,7 @@
                 </a:solidFill>
                 <a:effectLst/>
                 <a:latin typeface="Segoe UI" panose="020B0502040204020203" charset="0"/>
-                <a:ea typeface="微软雅黑" panose="020B0503020204020204" charset="-122"/>
+                <a:ea typeface="Microsoft YaHei" panose="020B0503020204020204" charset="-122"/>
               </a:rPr>
               <a:t>Lorem Ipsum is simply dummy text of the printing and typesetting industry. Lorem Ipsum has been the industry's standard dummy text ever since the 1500s.</a:t>
             </a:r>
@@ -34572,7 +34340,7 @@
               </a:solidFill>
               <a:effectLst/>
               <a:latin typeface="Segoe UI" panose="020B0502040204020203" charset="0"/>
-              <a:ea typeface="微软雅黑" panose="020B0503020204020204" charset="-122"/>
+              <a:ea typeface="Microsoft YaHei" panose="020B0503020204020204" charset="-122"/>
               <a:cs typeface="Poppins" panose="00000500000000000000" pitchFamily="2" charset="0"/>
             </a:endParaRPr>
           </a:p>
@@ -34607,7 +34375,7 @@
                   <a:schemeClr val="bg1"/>
                 </a:solidFill>
                 <a:latin typeface="Segoe UI" panose="020B0502040204020203" charset="0"/>
-                <a:ea typeface="微软雅黑" panose="020B0503020204020204" charset="-122"/>
+                <a:ea typeface="Microsoft YaHei" panose="020B0503020204020204" charset="-122"/>
                 <a:cs typeface="Poppins" panose="00000500000000000000" pitchFamily="2" charset="0"/>
               </a:rPr>
               <a:t>2021 Product</a:t>
@@ -34617,7 +34385,7 @@
                 <a:schemeClr val="bg1"/>
               </a:solidFill>
               <a:latin typeface="Segoe UI" panose="020B0502040204020203" charset="0"/>
-              <a:ea typeface="微软雅黑" panose="020B0503020204020204" charset="-122"/>
+              <a:ea typeface="Microsoft YaHei" panose="020B0503020204020204" charset="-122"/>
               <a:cs typeface="Poppins" panose="00000500000000000000" pitchFamily="2" charset="0"/>
             </a:endParaRPr>
           </a:p>
@@ -34800,7 +34568,7 @@
                 </a:solidFill>
                 <a:effectLst/>
                 <a:latin typeface="Segoe UI" panose="020B0502040204020203" charset="0"/>
-                <a:ea typeface="微软雅黑" panose="020B0503020204020204" charset="-122"/>
+                <a:ea typeface="Microsoft YaHei" panose="020B0503020204020204" charset="-122"/>
               </a:rPr>
               <a:t>Lorem Ipsum is simply dummy text of the printing and typesetting industry. Lorem Ipsum has been the industry's standard dummy text ever since the 1500s.</a:t>
             </a:r>
@@ -34810,7 +34578,7 @@
               </a:solidFill>
               <a:effectLst/>
               <a:latin typeface="Segoe UI" panose="020B0502040204020203" charset="0"/>
-              <a:ea typeface="微软雅黑" panose="020B0503020204020204" charset="-122"/>
+              <a:ea typeface="Microsoft YaHei" panose="020B0503020204020204" charset="-122"/>
               <a:cs typeface="Poppins" panose="00000500000000000000" pitchFamily="2" charset="0"/>
             </a:endParaRPr>
           </a:p>
@@ -34845,7 +34613,7 @@
                   <a:schemeClr val="bg1"/>
                 </a:solidFill>
                 <a:latin typeface="Segoe UI" panose="020B0502040204020203" charset="0"/>
-                <a:ea typeface="微软雅黑" panose="020B0503020204020204" charset="-122"/>
+                <a:ea typeface="Microsoft YaHei" panose="020B0503020204020204" charset="-122"/>
                 <a:cs typeface="Poppins" panose="00000500000000000000" pitchFamily="2" charset="0"/>
               </a:rPr>
               <a:t>2022 Product</a:t>
@@ -34855,7 +34623,7 @@
                 <a:schemeClr val="bg1"/>
               </a:solidFill>
               <a:latin typeface="Segoe UI" panose="020B0502040204020203" charset="0"/>
-              <a:ea typeface="微软雅黑" panose="020B0503020204020204" charset="-122"/>
+              <a:ea typeface="Microsoft YaHei" panose="020B0503020204020204" charset="-122"/>
               <a:cs typeface="Poppins" panose="00000500000000000000" pitchFamily="2" charset="0"/>
             </a:endParaRPr>
           </a:p>
@@ -35079,7 +34847,7 @@
                   <a:schemeClr val="tx2"/>
                 </a:solidFill>
                 <a:latin typeface="Segoe UI" panose="020B0502040204020203" charset="0"/>
-                <a:ea typeface="微软雅黑" panose="020B0503020204020204" charset="-122"/>
+                <a:ea typeface="Microsoft YaHei" panose="020B0503020204020204" charset="-122"/>
                 <a:cs typeface="Noto sans" panose="020B0502040504020204" pitchFamily="34" charset="0"/>
               </a:rPr>
               <a:t>Modern Presentation</a:t>
@@ -35089,7 +34857,7 @@
                 <a:schemeClr val="tx2"/>
               </a:solidFill>
               <a:latin typeface="Segoe UI" panose="020B0502040204020203" charset="0"/>
-              <a:ea typeface="微软雅黑" panose="020B0503020204020204" charset="-122"/>
+              <a:ea typeface="Microsoft YaHei" panose="020B0503020204020204" charset="-122"/>
               <a:cs typeface="Noto sans" panose="020B0502040504020204" pitchFamily="34" charset="0"/>
             </a:endParaRPr>
           </a:p>
@@ -35307,7 +35075,7 @@
                   <a:schemeClr val="tx2"/>
                 </a:solidFill>
                 <a:latin typeface="Segoe UI" panose="020B0502040204020203" charset="0"/>
-                <a:ea typeface="微软雅黑" panose="020B0503020204020204" charset="-122"/>
+                <a:ea typeface="Microsoft YaHei" panose="020B0503020204020204" charset="-122"/>
                 <a:cs typeface="Noto sans" panose="020B0502040504020204" pitchFamily="34" charset="0"/>
               </a:rPr>
               <a:t>Brand Name</a:t>
@@ -35317,7 +35085,7 @@
                 <a:schemeClr val="tx2"/>
               </a:solidFill>
               <a:latin typeface="Segoe UI" panose="020B0502040204020203" charset="0"/>
-              <a:ea typeface="微软雅黑" panose="020B0503020204020204" charset="-122"/>
+              <a:ea typeface="Microsoft YaHei" panose="020B0503020204020204" charset="-122"/>
               <a:cs typeface="Noto sans" panose="020B0502040504020204" pitchFamily="34" charset="0"/>
             </a:endParaRPr>
           </a:p>
@@ -35352,7 +35120,7 @@
                   <a:schemeClr val="tx2"/>
                 </a:solidFill>
                 <a:latin typeface="Segoe UI" panose="020B0502040204020203" charset="0"/>
-                <a:ea typeface="微软雅黑" panose="020B0503020204020204" charset="-122"/>
+                <a:ea typeface="Microsoft YaHei" panose="020B0503020204020204" charset="-122"/>
                 <a:cs typeface="Noto sans" panose="020B0502040504020204" pitchFamily="34" charset="0"/>
               </a:rPr>
               <a:t>Main Graphic Info</a:t>
@@ -35362,7 +35130,7 @@
                 <a:schemeClr val="tx2"/>
               </a:solidFill>
               <a:latin typeface="Segoe UI" panose="020B0502040204020203" charset="0"/>
-              <a:ea typeface="微软雅黑" panose="020B0503020204020204" charset="-122"/>
+              <a:ea typeface="Microsoft YaHei" panose="020B0503020204020204" charset="-122"/>
               <a:cs typeface="Noto sans" panose="020B0502040504020204" pitchFamily="34" charset="0"/>
             </a:endParaRPr>
           </a:p>
@@ -35505,7 +35273,7 @@
                 </a:solidFill>
                 <a:effectLst/>
                 <a:latin typeface="Segoe UI" panose="020B0502040204020203" charset="0"/>
-                <a:ea typeface="微软雅黑" panose="020B0503020204020204" charset="-122"/>
+                <a:ea typeface="Microsoft YaHei" panose="020B0503020204020204" charset="-122"/>
                 <a:cs typeface="Poppins" panose="00000500000000000000" pitchFamily="2" charset="0"/>
               </a:rPr>
               <a:t>If I ever let my head down, it will be to admire my shoes</a:t>
@@ -35516,7 +35284,7 @@
               </a:solidFill>
               <a:effectLst/>
               <a:latin typeface="Segoe UI" panose="020B0502040204020203" charset="0"/>
-              <a:ea typeface="微软雅黑" panose="020B0503020204020204" charset="-122"/>
+              <a:ea typeface="Microsoft YaHei" panose="020B0503020204020204" charset="-122"/>
               <a:cs typeface="Poppins" panose="00000500000000000000" pitchFamily="2" charset="0"/>
             </a:endParaRPr>
           </a:p>
@@ -35936,7 +35704,7 @@
                   <a:schemeClr val="bg1"/>
                 </a:solidFill>
                 <a:latin typeface="Segoe UI" panose="020B0502040204020203" charset="0"/>
-                <a:ea typeface="微软雅黑" panose="020B0503020204020204" charset="-122"/>
+                <a:ea typeface="Microsoft YaHei" panose="020B0503020204020204" charset="-122"/>
                 <a:cs typeface="Poppins" panose="00000500000000000000" pitchFamily="2" charset="0"/>
               </a:rPr>
               <a:t>13%</a:t>
@@ -35946,7 +35714,7 @@
                 <a:schemeClr val="bg1"/>
               </a:solidFill>
               <a:latin typeface="Segoe UI" panose="020B0502040204020203" charset="0"/>
-              <a:ea typeface="微软雅黑" panose="020B0503020204020204" charset="-122"/>
+              <a:ea typeface="Microsoft YaHei" panose="020B0503020204020204" charset="-122"/>
               <a:cs typeface="Poppins" panose="00000500000000000000" pitchFamily="2" charset="0"/>
             </a:endParaRPr>
           </a:p>
@@ -35957,7 +35725,7 @@
                   <a:schemeClr val="bg1"/>
                 </a:solidFill>
                 <a:latin typeface="Segoe UI" panose="020B0502040204020203" charset="0"/>
-                <a:ea typeface="微软雅黑" panose="020B0503020204020204" charset="-122"/>
+                <a:ea typeface="Microsoft YaHei" panose="020B0503020204020204" charset="-122"/>
                 <a:cs typeface="Poppins" panose="00000500000000000000" pitchFamily="2" charset="0"/>
               </a:rPr>
               <a:t>Customer Buy</a:t>
@@ -35967,7 +35735,7 @@
                 <a:schemeClr val="bg1"/>
               </a:solidFill>
               <a:latin typeface="Segoe UI" panose="020B0502040204020203" charset="0"/>
-              <a:ea typeface="微软雅黑" panose="020B0503020204020204" charset="-122"/>
+              <a:ea typeface="Microsoft YaHei" panose="020B0503020204020204" charset="-122"/>
               <a:cs typeface="Poppins" panose="00000500000000000000" pitchFamily="2" charset="0"/>
             </a:endParaRPr>
           </a:p>
@@ -36095,7 +35863,7 @@
                   <a:schemeClr val="bg1"/>
                 </a:solidFill>
                 <a:latin typeface="Segoe UI" panose="020B0502040204020203" charset="0"/>
-                <a:ea typeface="微软雅黑" panose="020B0503020204020204" charset="-122"/>
+                <a:ea typeface="Microsoft YaHei" panose="020B0503020204020204" charset="-122"/>
                 <a:cs typeface="Poppins" panose="00000500000000000000" pitchFamily="2" charset="0"/>
               </a:rPr>
               <a:t>24%</a:t>
@@ -36105,7 +35873,7 @@
                 <a:schemeClr val="bg1"/>
               </a:solidFill>
               <a:latin typeface="Segoe UI" panose="020B0502040204020203" charset="0"/>
-              <a:ea typeface="微软雅黑" panose="020B0503020204020204" charset="-122"/>
+              <a:ea typeface="Microsoft YaHei" panose="020B0503020204020204" charset="-122"/>
               <a:cs typeface="Poppins" panose="00000500000000000000" pitchFamily="2" charset="0"/>
             </a:endParaRPr>
           </a:p>
@@ -36116,7 +35884,7 @@
                   <a:schemeClr val="bg1"/>
                 </a:solidFill>
                 <a:latin typeface="Segoe UI" panose="020B0502040204020203" charset="0"/>
-                <a:ea typeface="微软雅黑" panose="020B0503020204020204" charset="-122"/>
+                <a:ea typeface="Microsoft YaHei" panose="020B0503020204020204" charset="-122"/>
                 <a:cs typeface="Poppins" panose="00000500000000000000" pitchFamily="2" charset="0"/>
               </a:rPr>
               <a:t>Customer Buy</a:t>
@@ -36126,7 +35894,7 @@
                 <a:schemeClr val="bg1"/>
               </a:solidFill>
               <a:latin typeface="Segoe UI" panose="020B0502040204020203" charset="0"/>
-              <a:ea typeface="微软雅黑" panose="020B0503020204020204" charset="-122"/>
+              <a:ea typeface="Microsoft YaHei" panose="020B0503020204020204" charset="-122"/>
               <a:cs typeface="Poppins" panose="00000500000000000000" pitchFamily="2" charset="0"/>
             </a:endParaRPr>
           </a:p>
@@ -36546,7 +36314,7 @@
                   <a:schemeClr val="bg1"/>
                 </a:solidFill>
                 <a:latin typeface="Segoe UI" panose="020B0502040204020203" charset="0"/>
-                <a:ea typeface="微软雅黑" panose="020B0503020204020204" charset="-122"/>
+                <a:ea typeface="Microsoft YaHei" panose="020B0503020204020204" charset="-122"/>
                 <a:cs typeface="Poppins" panose="00000500000000000000" pitchFamily="2" charset="0"/>
               </a:rPr>
               <a:t>15%</a:t>
@@ -36556,7 +36324,7 @@
                 <a:schemeClr val="bg1"/>
               </a:solidFill>
               <a:latin typeface="Segoe UI" panose="020B0502040204020203" charset="0"/>
-              <a:ea typeface="微软雅黑" panose="020B0503020204020204" charset="-122"/>
+              <a:ea typeface="Microsoft YaHei" panose="020B0503020204020204" charset="-122"/>
               <a:cs typeface="Poppins" panose="00000500000000000000" pitchFamily="2" charset="0"/>
             </a:endParaRPr>
           </a:p>
@@ -36567,7 +36335,7 @@
                   <a:schemeClr val="bg1"/>
                 </a:solidFill>
                 <a:latin typeface="Segoe UI" panose="020B0502040204020203" charset="0"/>
-                <a:ea typeface="微软雅黑" panose="020B0503020204020204" charset="-122"/>
+                <a:ea typeface="Microsoft YaHei" panose="020B0503020204020204" charset="-122"/>
                 <a:cs typeface="Poppins" panose="00000500000000000000" pitchFamily="2" charset="0"/>
               </a:rPr>
               <a:t>Customer Buy</a:t>
@@ -36577,7 +36345,7 @@
                 <a:schemeClr val="bg1"/>
               </a:solidFill>
               <a:latin typeface="Segoe UI" panose="020B0502040204020203" charset="0"/>
-              <a:ea typeface="微软雅黑" panose="020B0503020204020204" charset="-122"/>
+              <a:ea typeface="Microsoft YaHei" panose="020B0503020204020204" charset="-122"/>
               <a:cs typeface="Poppins" panose="00000500000000000000" pitchFamily="2" charset="0"/>
             </a:endParaRPr>
           </a:p>
@@ -36705,7 +36473,7 @@
                   <a:schemeClr val="bg1"/>
                 </a:solidFill>
                 <a:latin typeface="Segoe UI" panose="020B0502040204020203" charset="0"/>
-                <a:ea typeface="微软雅黑" panose="020B0503020204020204" charset="-122"/>
+                <a:ea typeface="Microsoft YaHei" panose="020B0503020204020204" charset="-122"/>
                 <a:cs typeface="Poppins" panose="00000500000000000000" pitchFamily="2" charset="0"/>
               </a:rPr>
               <a:t>48%</a:t>
@@ -36715,7 +36483,7 @@
                 <a:schemeClr val="bg1"/>
               </a:solidFill>
               <a:latin typeface="Segoe UI" panose="020B0502040204020203" charset="0"/>
-              <a:ea typeface="微软雅黑" panose="020B0503020204020204" charset="-122"/>
+              <a:ea typeface="Microsoft YaHei" panose="020B0503020204020204" charset="-122"/>
               <a:cs typeface="Poppins" panose="00000500000000000000" pitchFamily="2" charset="0"/>
             </a:endParaRPr>
           </a:p>
@@ -36726,7 +36494,7 @@
                   <a:schemeClr val="bg1"/>
                 </a:solidFill>
                 <a:latin typeface="Segoe UI" panose="020B0502040204020203" charset="0"/>
-                <a:ea typeface="微软雅黑" panose="020B0503020204020204" charset="-122"/>
+                <a:ea typeface="Microsoft YaHei" panose="020B0503020204020204" charset="-122"/>
                 <a:cs typeface="Poppins" panose="00000500000000000000" pitchFamily="2" charset="0"/>
               </a:rPr>
               <a:t>Customer Buy</a:t>
@@ -36736,7 +36504,7 @@
                 <a:schemeClr val="bg1"/>
               </a:solidFill>
               <a:latin typeface="Segoe UI" panose="020B0502040204020203" charset="0"/>
-              <a:ea typeface="微软雅黑" panose="020B0503020204020204" charset="-122"/>
+              <a:ea typeface="Microsoft YaHei" panose="020B0503020204020204" charset="-122"/>
               <a:cs typeface="Poppins" panose="00000500000000000000" pitchFamily="2" charset="0"/>
             </a:endParaRPr>
           </a:p>
@@ -36996,14 +36764,14 @@
               <a:rPr lang="en-US" sz="900" b="0" i="0" dirty="0">
                 <a:effectLst/>
                 <a:latin typeface="Segoe UI" panose="020B0502040204020203" charset="0"/>
-                <a:ea typeface="微软雅黑" panose="020B0503020204020204" charset="-122"/>
+                <a:ea typeface="Microsoft YaHei" panose="020B0503020204020204" charset="-122"/>
               </a:rPr>
               <a:t>Lorem Ipsum is simply dummy text of the printing and typesetting industry. Lorem Ipsum has been the industry's standard dummy text ever since the 1500s, when an unknown printer took a galley of type and scrambled it to make a type specimen book.</a:t>
             </a:r>
             <a:endParaRPr lang="en-US" sz="900" b="0" i="0" dirty="0">
               <a:effectLst/>
               <a:latin typeface="Segoe UI" panose="020B0502040204020203" charset="0"/>
-              <a:ea typeface="微软雅黑" panose="020B0503020204020204" charset="-122"/>
+              <a:ea typeface="Microsoft YaHei" panose="020B0503020204020204" charset="-122"/>
               <a:cs typeface="Poppins" panose="00000500000000000000" pitchFamily="2" charset="0"/>
             </a:endParaRPr>
           </a:p>
@@ -37262,14 +37030,14 @@
               <a:rPr lang="en-US" sz="900" b="0" i="0" dirty="0">
                 <a:effectLst/>
                 <a:latin typeface="Segoe UI" panose="020B0502040204020203" charset="0"/>
-                <a:ea typeface="微软雅黑" panose="020B0503020204020204" charset="-122"/>
+                <a:ea typeface="Microsoft YaHei" panose="020B0503020204020204" charset="-122"/>
               </a:rPr>
               <a:t>Lorem Ipsum is simply dummy text of the printing and typesetting industry. Lorem Ipsum has been the industry's standard dummy text ever since the 1500s, when an unknown printer took a galley of type and scrambled it to make a type specimen book.</a:t>
             </a:r>
             <a:endParaRPr lang="en-US" sz="900" b="0" i="0" dirty="0">
               <a:effectLst/>
               <a:latin typeface="Segoe UI" panose="020B0502040204020203" charset="0"/>
-              <a:ea typeface="微软雅黑" panose="020B0503020204020204" charset="-122"/>
+              <a:ea typeface="Microsoft YaHei" panose="020B0503020204020204" charset="-122"/>
               <a:cs typeface="Poppins" panose="00000500000000000000" pitchFamily="2" charset="0"/>
             </a:endParaRPr>
           </a:p>
@@ -37528,14 +37296,14 @@
               <a:rPr lang="en-US" sz="900" b="0" i="0" dirty="0">
                 <a:effectLst/>
                 <a:latin typeface="Segoe UI" panose="020B0502040204020203" charset="0"/>
-                <a:ea typeface="微软雅黑" panose="020B0503020204020204" charset="-122"/>
+                <a:ea typeface="Microsoft YaHei" panose="020B0503020204020204" charset="-122"/>
               </a:rPr>
               <a:t>Lorem Ipsum is simply dummy text of the printing and typesetting industry. Lorem Ipsum has been the industry's standard dummy text ever since the 1500s, when an unknown printer took a galley of type and scrambled it to make a type specimen book.</a:t>
             </a:r>
             <a:endParaRPr lang="en-US" sz="900" b="0" i="0" dirty="0">
               <a:effectLst/>
               <a:latin typeface="Segoe UI" panose="020B0502040204020203" charset="0"/>
-              <a:ea typeface="微软雅黑" panose="020B0503020204020204" charset="-122"/>
+              <a:ea typeface="Microsoft YaHei" panose="020B0503020204020204" charset="-122"/>
               <a:cs typeface="Poppins" panose="00000500000000000000" pitchFamily="2" charset="0"/>
             </a:endParaRPr>
           </a:p>
@@ -37794,14 +37562,14 @@
               <a:rPr lang="en-US" sz="900" b="0" i="0" dirty="0">
                 <a:effectLst/>
                 <a:latin typeface="Segoe UI" panose="020B0502040204020203" charset="0"/>
-                <a:ea typeface="微软雅黑" panose="020B0503020204020204" charset="-122"/>
+                <a:ea typeface="Microsoft YaHei" panose="020B0503020204020204" charset="-122"/>
               </a:rPr>
               <a:t>Lorem Ipsum is simply dummy text of the printing and typesetting industry. Lorem Ipsum has been the industry's standard dummy text ever since the 1500s, when an unknown printer took a galley of type and scrambled it to make a type specimen book.</a:t>
             </a:r>
             <a:endParaRPr lang="en-US" sz="900" b="0" i="0" dirty="0">
               <a:effectLst/>
               <a:latin typeface="Segoe UI" panose="020B0502040204020203" charset="0"/>
-              <a:ea typeface="微软雅黑" panose="020B0503020204020204" charset="-122"/>
+              <a:ea typeface="Microsoft YaHei" panose="020B0503020204020204" charset="-122"/>
               <a:cs typeface="Poppins" panose="00000500000000000000" pitchFamily="2" charset="0"/>
             </a:endParaRPr>
           </a:p>
@@ -37836,7 +37604,7 @@
                 </a:solidFill>
                 <a:effectLst/>
                 <a:latin typeface="Segoe UI" panose="020B0502040204020203" charset="0"/>
-                <a:ea typeface="微软雅黑" panose="020B0503020204020204" charset="-122"/>
+                <a:ea typeface="Microsoft YaHei" panose="020B0503020204020204" charset="-122"/>
                 <a:cs typeface="Poppins" panose="00000500000000000000" pitchFamily="2" charset="0"/>
               </a:rPr>
               <a:t>Description</a:t>
@@ -37847,7 +37615,7 @@
               </a:solidFill>
               <a:effectLst/>
               <a:latin typeface="Segoe UI" panose="020B0502040204020203" charset="0"/>
-              <a:ea typeface="微软雅黑" panose="020B0503020204020204" charset="-122"/>
+              <a:ea typeface="Microsoft YaHei" panose="020B0503020204020204" charset="-122"/>
               <a:cs typeface="Poppins" panose="00000500000000000000" pitchFamily="2" charset="0"/>
             </a:endParaRPr>
           </a:p>
@@ -37882,7 +37650,7 @@
                 </a:solidFill>
                 <a:effectLst/>
                 <a:latin typeface="Segoe UI" panose="020B0502040204020203" charset="0"/>
-                <a:ea typeface="微软雅黑" panose="020B0503020204020204" charset="-122"/>
+                <a:ea typeface="Microsoft YaHei" panose="020B0503020204020204" charset="-122"/>
                 <a:cs typeface="Poppins" panose="00000500000000000000" pitchFamily="2" charset="0"/>
               </a:rPr>
               <a:t>Description</a:t>
@@ -37893,7 +37661,7 @@
               </a:solidFill>
               <a:effectLst/>
               <a:latin typeface="Segoe UI" panose="020B0502040204020203" charset="0"/>
-              <a:ea typeface="微软雅黑" panose="020B0503020204020204" charset="-122"/>
+              <a:ea typeface="Microsoft YaHei" panose="020B0503020204020204" charset="-122"/>
               <a:cs typeface="Poppins" panose="00000500000000000000" pitchFamily="2" charset="0"/>
             </a:endParaRPr>
           </a:p>
@@ -37928,7 +37696,7 @@
                 </a:solidFill>
                 <a:effectLst/>
                 <a:latin typeface="Segoe UI" panose="020B0502040204020203" charset="0"/>
-                <a:ea typeface="微软雅黑" panose="020B0503020204020204" charset="-122"/>
+                <a:ea typeface="Microsoft YaHei" panose="020B0503020204020204" charset="-122"/>
                 <a:cs typeface="Poppins" panose="00000500000000000000" pitchFamily="2" charset="0"/>
               </a:rPr>
               <a:t>Description</a:t>
@@ -37939,7 +37707,7 @@
               </a:solidFill>
               <a:effectLst/>
               <a:latin typeface="Segoe UI" panose="020B0502040204020203" charset="0"/>
-              <a:ea typeface="微软雅黑" panose="020B0503020204020204" charset="-122"/>
+              <a:ea typeface="Microsoft YaHei" panose="020B0503020204020204" charset="-122"/>
               <a:cs typeface="Poppins" panose="00000500000000000000" pitchFamily="2" charset="0"/>
             </a:endParaRPr>
           </a:p>
@@ -37974,7 +37742,7 @@
                 </a:solidFill>
                 <a:effectLst/>
                 <a:latin typeface="Segoe UI" panose="020B0502040204020203" charset="0"/>
-                <a:ea typeface="微软雅黑" panose="020B0503020204020204" charset="-122"/>
+                <a:ea typeface="Microsoft YaHei" panose="020B0503020204020204" charset="-122"/>
                 <a:cs typeface="Poppins" panose="00000500000000000000" pitchFamily="2" charset="0"/>
               </a:rPr>
               <a:t>Description</a:t>
@@ -37985,7 +37753,7 @@
               </a:solidFill>
               <a:effectLst/>
               <a:latin typeface="Segoe UI" panose="020B0502040204020203" charset="0"/>
-              <a:ea typeface="微软雅黑" panose="020B0503020204020204" charset="-122"/>
+              <a:ea typeface="Microsoft YaHei" panose="020B0503020204020204" charset="-122"/>
               <a:cs typeface="Poppins" panose="00000500000000000000" pitchFamily="2" charset="0"/>
             </a:endParaRPr>
           </a:p>
@@ -38209,7 +37977,7 @@
                   <a:schemeClr val="tx2"/>
                 </a:solidFill>
                 <a:latin typeface="Segoe UI" panose="020B0502040204020203" charset="0"/>
-                <a:ea typeface="微软雅黑" panose="020B0503020204020204" charset="-122"/>
+                <a:ea typeface="Microsoft YaHei" panose="020B0503020204020204" charset="-122"/>
                 <a:cs typeface="Noto sans" panose="020B0502040504020204" pitchFamily="34" charset="0"/>
               </a:rPr>
               <a:t>Modern Presentation</a:t>
@@ -38219,7 +37987,7 @@
                 <a:schemeClr val="tx2"/>
               </a:solidFill>
               <a:latin typeface="Segoe UI" panose="020B0502040204020203" charset="0"/>
-              <a:ea typeface="微软雅黑" panose="020B0503020204020204" charset="-122"/>
+              <a:ea typeface="Microsoft YaHei" panose="020B0503020204020204" charset="-122"/>
               <a:cs typeface="Noto sans" panose="020B0502040504020204" pitchFamily="34" charset="0"/>
             </a:endParaRPr>
           </a:p>
@@ -38437,7 +38205,7 @@
                   <a:schemeClr val="tx2"/>
                 </a:solidFill>
                 <a:latin typeface="Segoe UI" panose="020B0502040204020203" charset="0"/>
-                <a:ea typeface="微软雅黑" panose="020B0503020204020204" charset="-122"/>
+                <a:ea typeface="Microsoft YaHei" panose="020B0503020204020204" charset="-122"/>
                 <a:cs typeface="Noto sans" panose="020B0502040504020204" pitchFamily="34" charset="0"/>
               </a:rPr>
               <a:t>Brand Name</a:t>
@@ -38447,7 +38215,7 @@
                 <a:schemeClr val="tx2"/>
               </a:solidFill>
               <a:latin typeface="Segoe UI" panose="020B0502040204020203" charset="0"/>
-              <a:ea typeface="微软雅黑" panose="020B0503020204020204" charset="-122"/>
+              <a:ea typeface="Microsoft YaHei" panose="020B0503020204020204" charset="-122"/>
               <a:cs typeface="Noto sans" panose="020B0502040504020204" pitchFamily="34" charset="0"/>
             </a:endParaRPr>
           </a:p>
@@ -38482,7 +38250,7 @@
                   <a:schemeClr val="tx2"/>
                 </a:solidFill>
                 <a:latin typeface="Segoe UI" panose="020B0502040204020203" charset="0"/>
-                <a:ea typeface="微软雅黑" panose="020B0503020204020204" charset="-122"/>
+                <a:ea typeface="Microsoft YaHei" panose="020B0503020204020204" charset="-122"/>
                 <a:cs typeface="Noto sans" panose="020B0502040504020204" pitchFamily="34" charset="0"/>
               </a:rPr>
               <a:t>Main Graphic Info</a:t>
@@ -38492,7 +38260,7 @@
                 <a:schemeClr val="tx2"/>
               </a:solidFill>
               <a:latin typeface="Segoe UI" panose="020B0502040204020203" charset="0"/>
-              <a:ea typeface="微软雅黑" panose="020B0503020204020204" charset="-122"/>
+              <a:ea typeface="Microsoft YaHei" panose="020B0503020204020204" charset="-122"/>
               <a:cs typeface="Noto sans" panose="020B0502040504020204" pitchFamily="34" charset="0"/>
             </a:endParaRPr>
           </a:p>
@@ -38635,7 +38403,7 @@
                 </a:solidFill>
                 <a:effectLst/>
                 <a:latin typeface="Segoe UI" panose="020B0502040204020203" charset="0"/>
-                <a:ea typeface="微软雅黑" panose="020B0503020204020204" charset="-122"/>
+                <a:ea typeface="Microsoft YaHei" panose="020B0503020204020204" charset="-122"/>
               </a:rPr>
               <a:t>If I ever let my head down, it will be to admire my shoes</a:t>
             </a:r>
@@ -38645,7 +38413,7 @@
               </a:solidFill>
               <a:effectLst/>
               <a:latin typeface="Segoe UI" panose="020B0502040204020203" charset="0"/>
-              <a:ea typeface="微软雅黑" panose="020B0503020204020204" charset="-122"/>
+              <a:ea typeface="Microsoft YaHei" panose="020B0503020204020204" charset="-122"/>
             </a:endParaRPr>
           </a:p>
         </p:txBody>
@@ -38840,14 +38608,14 @@
               <a:rPr lang="en-US" sz="1100" b="0" i="0" dirty="0">
                 <a:effectLst/>
                 <a:latin typeface="Segoe UI" panose="020B0502040204020203" charset="0"/>
-                <a:ea typeface="微软雅黑" panose="020B0503020204020204" charset="-122"/>
+                <a:ea typeface="Microsoft YaHei" panose="020B0503020204020204" charset="-122"/>
               </a:rPr>
               <a:t>Lorem Ipsum is simply dummy text of the printing and typesetting industry. Lorem Ipsum has been the industry's standard dummy text ever since the 1500s, when an unknown printer took a galley of type and scrambled it to make a type specimen book.</a:t>
             </a:r>
             <a:endParaRPr lang="en-US" sz="1100" b="0" i="0" dirty="0">
               <a:effectLst/>
               <a:latin typeface="Segoe UI" panose="020B0502040204020203" charset="0"/>
-              <a:ea typeface="微软雅黑" panose="020B0503020204020204" charset="-122"/>
+              <a:ea typeface="Microsoft YaHei" panose="020B0503020204020204" charset="-122"/>
               <a:cs typeface="Poppins" panose="00000500000000000000" pitchFamily="2" charset="0"/>
             </a:endParaRPr>
           </a:p>
@@ -38929,14 +38697,14 @@
               <a:rPr lang="en-US" sz="1100" b="0" i="0" dirty="0">
                 <a:effectLst/>
                 <a:latin typeface="Segoe UI" panose="020B0502040204020203" charset="0"/>
-                <a:ea typeface="微软雅黑" panose="020B0503020204020204" charset="-122"/>
+                <a:ea typeface="Microsoft YaHei" panose="020B0503020204020204" charset="-122"/>
               </a:rPr>
               <a:t>Lorem Ipsum is simply dummy text of the printing and typesetting industry. Lorem Ipsum has been the industry's standard dummy text ever since the 1500s, when an unknown printer took a galley of type and scrambled it to make a type specimen book.</a:t>
             </a:r>
             <a:endParaRPr lang="en-US" sz="1100" b="0" i="0" dirty="0">
               <a:effectLst/>
               <a:latin typeface="Segoe UI" panose="020B0502040204020203" charset="0"/>
-              <a:ea typeface="微软雅黑" panose="020B0503020204020204" charset="-122"/>
+              <a:ea typeface="Microsoft YaHei" panose="020B0503020204020204" charset="-122"/>
               <a:cs typeface="Poppins" panose="00000500000000000000" pitchFamily="2" charset="0"/>
             </a:endParaRPr>
           </a:p>
@@ -39018,14 +38786,14 @@
               <a:rPr lang="en-US" sz="1100" b="0" i="0" dirty="0">
                 <a:effectLst/>
                 <a:latin typeface="Segoe UI" panose="020B0502040204020203" charset="0"/>
-                <a:ea typeface="微软雅黑" panose="020B0503020204020204" charset="-122"/>
+                <a:ea typeface="Microsoft YaHei" panose="020B0503020204020204" charset="-122"/>
               </a:rPr>
               <a:t>Lorem Ipsum is simply dummy text of the printing and typesetting industry. Lorem Ipsum has been the industry's standard dummy text ever since the 1500s, when an unknown printer took a galley of type and scrambled it to make a type specimen book.</a:t>
             </a:r>
             <a:endParaRPr lang="en-US" sz="1100" b="0" i="0" dirty="0">
               <a:effectLst/>
               <a:latin typeface="Segoe UI" panose="020B0502040204020203" charset="0"/>
-              <a:ea typeface="微软雅黑" panose="020B0503020204020204" charset="-122"/>
+              <a:ea typeface="Microsoft YaHei" panose="020B0503020204020204" charset="-122"/>
               <a:cs typeface="Poppins" panose="00000500000000000000" pitchFamily="2" charset="0"/>
             </a:endParaRPr>
           </a:p>
@@ -39111,7 +38879,7 @@
                 </a:solidFill>
                 <a:effectLst/>
                 <a:latin typeface="Segoe UI" panose="020B0502040204020203" charset="0"/>
-                <a:ea typeface="微软雅黑" panose="020B0503020204020204" charset="-122"/>
+                <a:ea typeface="Microsoft YaHei" panose="020B0503020204020204" charset="-122"/>
                 <a:cs typeface="Poppins" panose="00000500000000000000" pitchFamily="2" charset="0"/>
               </a:rPr>
               <a:t>Every 2 weeks system meeting</a:t>
@@ -39122,7 +38890,7 @@
               </a:solidFill>
               <a:effectLst/>
               <a:latin typeface="Segoe UI" panose="020B0502040204020203" charset="0"/>
-              <a:ea typeface="微软雅黑" panose="020B0503020204020204" charset="-122"/>
+              <a:ea typeface="Microsoft YaHei" panose="020B0503020204020204" charset="-122"/>
               <a:cs typeface="Poppins" panose="00000500000000000000" pitchFamily="2" charset="0"/>
             </a:endParaRPr>
           </a:p>
@@ -39346,7 +39114,7 @@
                   <a:schemeClr val="tx2"/>
                 </a:solidFill>
                 <a:latin typeface="Segoe UI" panose="020B0502040204020203" charset="0"/>
-                <a:ea typeface="微软雅黑" panose="020B0503020204020204" charset="-122"/>
+                <a:ea typeface="Microsoft YaHei" panose="020B0503020204020204" charset="-122"/>
                 <a:cs typeface="Noto sans" panose="020B0502040504020204" pitchFamily="34" charset="0"/>
               </a:rPr>
               <a:t>Modern Presentation</a:t>
@@ -39356,7 +39124,7 @@
                 <a:schemeClr val="tx2"/>
               </a:solidFill>
               <a:latin typeface="Segoe UI" panose="020B0502040204020203" charset="0"/>
-              <a:ea typeface="微软雅黑" panose="020B0503020204020204" charset="-122"/>
+              <a:ea typeface="Microsoft YaHei" panose="020B0503020204020204" charset="-122"/>
               <a:cs typeface="Noto sans" panose="020B0502040504020204" pitchFamily="34" charset="0"/>
             </a:endParaRPr>
           </a:p>
@@ -39574,7 +39342,7 @@
                   <a:schemeClr val="tx2"/>
                 </a:solidFill>
                 <a:latin typeface="Segoe UI" panose="020B0502040204020203" charset="0"/>
-                <a:ea typeface="微软雅黑" panose="020B0503020204020204" charset="-122"/>
+                <a:ea typeface="Microsoft YaHei" panose="020B0503020204020204" charset="-122"/>
                 <a:cs typeface="Noto sans" panose="020B0502040504020204" pitchFamily="34" charset="0"/>
               </a:rPr>
               <a:t>Brand Name</a:t>
@@ -39584,7 +39352,7 @@
                 <a:schemeClr val="tx2"/>
               </a:solidFill>
               <a:latin typeface="Segoe UI" panose="020B0502040204020203" charset="0"/>
-              <a:ea typeface="微软雅黑" panose="020B0503020204020204" charset="-122"/>
+              <a:ea typeface="Microsoft YaHei" panose="020B0503020204020204" charset="-122"/>
               <a:cs typeface="Noto sans" panose="020B0502040504020204" pitchFamily="34" charset="0"/>
             </a:endParaRPr>
           </a:p>
@@ -39619,7 +39387,7 @@
                   <a:schemeClr val="tx2"/>
                 </a:solidFill>
                 <a:latin typeface="Segoe UI" panose="020B0502040204020203" charset="0"/>
-                <a:ea typeface="微软雅黑" panose="020B0503020204020204" charset="-122"/>
+                <a:ea typeface="Microsoft YaHei" panose="020B0503020204020204" charset="-122"/>
                 <a:cs typeface="Noto sans" panose="020B0502040504020204" pitchFamily="34" charset="0"/>
               </a:rPr>
               <a:t>Main Graphic Info</a:t>
@@ -39629,7 +39397,7 @@
                 <a:schemeClr val="tx2"/>
               </a:solidFill>
               <a:latin typeface="Segoe UI" panose="020B0502040204020203" charset="0"/>
-              <a:ea typeface="微软雅黑" panose="020B0503020204020204" charset="-122"/>
+              <a:ea typeface="Microsoft YaHei" panose="020B0503020204020204" charset="-122"/>
               <a:cs typeface="Noto sans" panose="020B0502040504020204" pitchFamily="34" charset="0"/>
             </a:endParaRPr>
           </a:p>
@@ -39772,7 +39540,7 @@
                 </a:solidFill>
                 <a:effectLst/>
                 <a:latin typeface="Segoe UI" panose="020B0502040204020203" charset="0"/>
-                <a:ea typeface="微软雅黑" panose="020B0503020204020204" charset="-122"/>
+                <a:ea typeface="Microsoft YaHei" panose="020B0503020204020204" charset="-122"/>
               </a:rPr>
               <a:t>If I ever let my head down, it will be to admire my shoes</a:t>
             </a:r>
@@ -39782,7 +39550,7 @@
               </a:solidFill>
               <a:effectLst/>
               <a:latin typeface="Segoe UI" panose="020B0502040204020203" charset="0"/>
-              <a:ea typeface="微软雅黑" panose="020B0503020204020204" charset="-122"/>
+              <a:ea typeface="Microsoft YaHei" panose="020B0503020204020204" charset="-122"/>
             </a:endParaRPr>
           </a:p>
         </p:txBody>
@@ -39863,14 +39631,14 @@
               <a:rPr lang="en-US" sz="1100" b="0" i="0" dirty="0">
                 <a:effectLst/>
                 <a:latin typeface="Segoe UI" panose="020B0502040204020203" charset="0"/>
-                <a:ea typeface="微软雅黑" panose="020B0503020204020204" charset="-122"/>
+                <a:ea typeface="Microsoft YaHei" panose="020B0503020204020204" charset="-122"/>
               </a:rPr>
               <a:t>Lorem Ipsum is simply dummy text of the printing and typesetting industry. Lorem Ipsum has been the industry's standard dummy text ever since the 1500s, when an unknown printer took a galley of type and scrambled it to make a type specimen book.</a:t>
             </a:r>
             <a:endParaRPr lang="en-US" sz="1100" b="0" i="0" dirty="0">
               <a:effectLst/>
               <a:latin typeface="Segoe UI" panose="020B0502040204020203" charset="0"/>
-              <a:ea typeface="微软雅黑" panose="020B0503020204020204" charset="-122"/>
+              <a:ea typeface="Microsoft YaHei" panose="020B0503020204020204" charset="-122"/>
               <a:cs typeface="Poppins" panose="00000500000000000000" pitchFamily="2" charset="0"/>
             </a:endParaRPr>
           </a:p>
@@ -39952,14 +39720,14 @@
               <a:rPr lang="en-US" sz="1100" b="0" i="0" dirty="0">
                 <a:effectLst/>
                 <a:latin typeface="Segoe UI" panose="020B0502040204020203" charset="0"/>
-                <a:ea typeface="微软雅黑" panose="020B0503020204020204" charset="-122"/>
+                <a:ea typeface="Microsoft YaHei" panose="020B0503020204020204" charset="-122"/>
               </a:rPr>
               <a:t>Lorem Ipsum is simply dummy text of the printing and typesetting industry. Lorem Ipsum has been the industry's standard dummy text ever since the 1500s, when an unknown printer took a galley of type and scrambled it to make a type specimen book.</a:t>
             </a:r>
             <a:endParaRPr lang="en-US" sz="1100" b="0" i="0" dirty="0">
               <a:effectLst/>
               <a:latin typeface="Segoe UI" panose="020B0502040204020203" charset="0"/>
-              <a:ea typeface="微软雅黑" panose="020B0503020204020204" charset="-122"/>
+              <a:ea typeface="Microsoft YaHei" panose="020B0503020204020204" charset="-122"/>
               <a:cs typeface="Poppins" panose="00000500000000000000" pitchFamily="2" charset="0"/>
             </a:endParaRPr>
           </a:p>
@@ -40041,14 +39809,14 @@
               <a:rPr lang="en-US" sz="1100" b="0" i="0" dirty="0">
                 <a:effectLst/>
                 <a:latin typeface="Segoe UI" panose="020B0502040204020203" charset="0"/>
-                <a:ea typeface="微软雅黑" panose="020B0503020204020204" charset="-122"/>
+                <a:ea typeface="Microsoft YaHei" panose="020B0503020204020204" charset="-122"/>
               </a:rPr>
               <a:t>Lorem Ipsum is simply dummy text of the printing and typesetting industry. Lorem Ipsum has been the industry's standard dummy text ever since the 1500s, when an unknown printer took a galley of type and scrambled it to make a type specimen book.</a:t>
             </a:r>
             <a:endParaRPr lang="en-US" sz="1100" b="0" i="0" dirty="0">
               <a:effectLst/>
               <a:latin typeface="Segoe UI" panose="020B0502040204020203" charset="0"/>
-              <a:ea typeface="微软雅黑" panose="020B0503020204020204" charset="-122"/>
+              <a:ea typeface="Microsoft YaHei" panose="020B0503020204020204" charset="-122"/>
               <a:cs typeface="Poppins" panose="00000500000000000000" pitchFamily="2" charset="0"/>
             </a:endParaRPr>
           </a:p>
@@ -40134,7 +39902,7 @@
                 </a:solidFill>
                 <a:effectLst/>
                 <a:latin typeface="Segoe UI" panose="020B0502040204020203" charset="0"/>
-                <a:ea typeface="微软雅黑" panose="020B0503020204020204" charset="-122"/>
+                <a:ea typeface="Microsoft YaHei" panose="020B0503020204020204" charset="-122"/>
                 <a:cs typeface="Poppins" panose="00000500000000000000" pitchFamily="2" charset="0"/>
               </a:rPr>
               <a:t>Report Every 2 week</a:t>
@@ -40145,7 +39913,7 @@
               </a:solidFill>
               <a:effectLst/>
               <a:latin typeface="Segoe UI" panose="020B0502040204020203" charset="0"/>
-              <a:ea typeface="微软雅黑" panose="020B0503020204020204" charset="-122"/>
+              <a:ea typeface="Microsoft YaHei" panose="020B0503020204020204" charset="-122"/>
               <a:cs typeface="Poppins" panose="00000500000000000000" pitchFamily="2" charset="0"/>
             </a:endParaRPr>
           </a:p>
@@ -40402,7 +40170,7 @@
                   <a:schemeClr val="tx2"/>
                 </a:solidFill>
                 <a:latin typeface="Segoe UI" panose="020B0502040204020203" charset="0"/>
-                <a:ea typeface="微软雅黑" panose="020B0503020204020204" charset="-122"/>
+                <a:ea typeface="Microsoft YaHei" panose="020B0503020204020204" charset="-122"/>
                 <a:cs typeface="Noto sans" panose="020B0502040504020204" pitchFamily="34" charset="0"/>
               </a:rPr>
               <a:t>Modern Presentation</a:t>
@@ -40412,7 +40180,7 @@
                 <a:schemeClr val="tx2"/>
               </a:solidFill>
               <a:latin typeface="Segoe UI" panose="020B0502040204020203" charset="0"/>
-              <a:ea typeface="微软雅黑" panose="020B0503020204020204" charset="-122"/>
+              <a:ea typeface="Microsoft YaHei" panose="020B0503020204020204" charset="-122"/>
               <a:cs typeface="Noto sans" panose="020B0502040504020204" pitchFamily="34" charset="0"/>
             </a:endParaRPr>
           </a:p>
@@ -40630,7 +40398,7 @@
                   <a:schemeClr val="tx2"/>
                 </a:solidFill>
                 <a:latin typeface="Segoe UI" panose="020B0502040204020203" charset="0"/>
-                <a:ea typeface="微软雅黑" panose="020B0503020204020204" charset="-122"/>
+                <a:ea typeface="Microsoft YaHei" panose="020B0503020204020204" charset="-122"/>
                 <a:cs typeface="Noto sans" panose="020B0502040504020204" pitchFamily="34" charset="0"/>
               </a:rPr>
               <a:t>Brand Name</a:t>
@@ -40640,7 +40408,7 @@
                 <a:schemeClr val="tx2"/>
               </a:solidFill>
               <a:latin typeface="Segoe UI" panose="020B0502040204020203" charset="0"/>
-              <a:ea typeface="微软雅黑" panose="020B0503020204020204" charset="-122"/>
+              <a:ea typeface="Microsoft YaHei" panose="020B0503020204020204" charset="-122"/>
               <a:cs typeface="Noto sans" panose="020B0502040504020204" pitchFamily="34" charset="0"/>
             </a:endParaRPr>
           </a:p>
@@ -40648,420 +40416,20 @@
       </p:sp>
       <p:sp>
         <p:nvSpPr>
-          <p:cNvPr id="13" name="TextBox 12"/>
-          <p:cNvSpPr txBox="1"/>
-          <p:nvPr/>
-        </p:nvSpPr>
-        <p:spPr>
-          <a:xfrm>
-            <a:off x="951136" y="5136672"/>
-            <a:ext cx="4339652" cy="768350"/>
-          </a:xfrm>
-          <a:prstGeom prst="rect">
-            <a:avLst/>
-          </a:prstGeom>
-          <a:noFill/>
-        </p:spPr>
-        <p:txBody>
-          <a:bodyPr wrap="square" rtlCol="0">
-            <a:spAutoFit/>
-          </a:bodyPr>
-          <a:lstStyle>
-            <a:defPPr>
-              <a:defRPr lang="en-US"/>
-            </a:defPPr>
-            <a:lvl1pPr marL="0" algn="l" defTabSz="914400" rtl="0" eaLnBrk="1" latinLnBrk="0" hangingPunct="1">
-              <a:defRPr sz="1800" kern="1200">
-                <a:solidFill>
-                  <a:schemeClr val="tx1"/>
-                </a:solidFill>
-                <a:latin typeface="+mn-lt"/>
-                <a:ea typeface="+mn-ea"/>
-                <a:cs typeface="+mn-cs"/>
-              </a:defRPr>
-            </a:lvl1pPr>
-            <a:lvl2pPr marL="457200" algn="l" defTabSz="914400" rtl="0" eaLnBrk="1" latinLnBrk="0" hangingPunct="1">
-              <a:defRPr sz="1800" kern="1200">
-                <a:solidFill>
-                  <a:schemeClr val="tx1"/>
-                </a:solidFill>
-                <a:latin typeface="+mn-lt"/>
-                <a:ea typeface="+mn-ea"/>
-                <a:cs typeface="+mn-cs"/>
-              </a:defRPr>
-            </a:lvl2pPr>
-            <a:lvl3pPr marL="914400" algn="l" defTabSz="914400" rtl="0" eaLnBrk="1" latinLnBrk="0" hangingPunct="1">
-              <a:defRPr sz="1800" kern="1200">
-                <a:solidFill>
-                  <a:schemeClr val="tx1"/>
-                </a:solidFill>
-                <a:latin typeface="+mn-lt"/>
-                <a:ea typeface="+mn-ea"/>
-                <a:cs typeface="+mn-cs"/>
-              </a:defRPr>
-            </a:lvl3pPr>
-            <a:lvl4pPr marL="1371600" algn="l" defTabSz="914400" rtl="0" eaLnBrk="1" latinLnBrk="0" hangingPunct="1">
-              <a:defRPr sz="1800" kern="1200">
-                <a:solidFill>
-                  <a:schemeClr val="tx1"/>
-                </a:solidFill>
-                <a:latin typeface="+mn-lt"/>
-                <a:ea typeface="+mn-ea"/>
-                <a:cs typeface="+mn-cs"/>
-              </a:defRPr>
-            </a:lvl4pPr>
-            <a:lvl5pPr marL="1828800" algn="l" defTabSz="914400" rtl="0" eaLnBrk="1" latinLnBrk="0" hangingPunct="1">
-              <a:defRPr sz="1800" kern="1200">
-                <a:solidFill>
-                  <a:schemeClr val="tx1"/>
-                </a:solidFill>
-                <a:latin typeface="+mn-lt"/>
-                <a:ea typeface="+mn-ea"/>
-                <a:cs typeface="+mn-cs"/>
-              </a:defRPr>
-            </a:lvl5pPr>
-            <a:lvl6pPr marL="2286000" algn="l" defTabSz="914400" rtl="0" eaLnBrk="1" latinLnBrk="0" hangingPunct="1">
-              <a:defRPr sz="1800" kern="1200">
-                <a:solidFill>
-                  <a:schemeClr val="tx1"/>
-                </a:solidFill>
-                <a:latin typeface="+mn-lt"/>
-                <a:ea typeface="+mn-ea"/>
-                <a:cs typeface="+mn-cs"/>
-              </a:defRPr>
-            </a:lvl6pPr>
-            <a:lvl7pPr marL="2743200" algn="l" defTabSz="914400" rtl="0" eaLnBrk="1" latinLnBrk="0" hangingPunct="1">
-              <a:defRPr sz="1800" kern="1200">
-                <a:solidFill>
-                  <a:schemeClr val="tx1"/>
-                </a:solidFill>
-                <a:latin typeface="+mn-lt"/>
-                <a:ea typeface="+mn-ea"/>
-                <a:cs typeface="+mn-cs"/>
-              </a:defRPr>
-            </a:lvl7pPr>
-            <a:lvl8pPr marL="3200400" algn="l" defTabSz="914400" rtl="0" eaLnBrk="1" latinLnBrk="0" hangingPunct="1">
-              <a:defRPr sz="1800" kern="1200">
-                <a:solidFill>
-                  <a:schemeClr val="tx1"/>
-                </a:solidFill>
-                <a:latin typeface="+mn-lt"/>
-                <a:ea typeface="+mn-ea"/>
-                <a:cs typeface="+mn-cs"/>
-              </a:defRPr>
-            </a:lvl8pPr>
-            <a:lvl9pPr marL="3657600" algn="l" defTabSz="914400" rtl="0" eaLnBrk="1" latinLnBrk="0" hangingPunct="1">
-              <a:defRPr sz="1800" kern="1200">
-                <a:solidFill>
-                  <a:schemeClr val="tx1"/>
-                </a:solidFill>
-                <a:latin typeface="+mn-lt"/>
-                <a:ea typeface="+mn-ea"/>
-                <a:cs typeface="+mn-cs"/>
-              </a:defRPr>
-            </a:lvl9pPr>
-          </a:lstStyle>
-          <a:p>
-            <a:pPr algn="just"/>
-            <a:r>
-              <a:rPr lang="en-US" sz="1100" b="0" i="0" dirty="0">
-                <a:effectLst/>
-                <a:latin typeface="Segoe UI" panose="020B0502040204020203" charset="0"/>
-                <a:ea typeface="微软雅黑" panose="020B0503020204020204" charset="-122"/>
-              </a:rPr>
-              <a:t>Lorem Ipsum is simply dummy text of the printing and typesetting industry. Lorem Ipsum has been the industry's standard dummy text ever since the 1500s, when an unknown printer took a galley of type and scrambled it to make a type specimen book.</a:t>
-            </a:r>
-            <a:endParaRPr lang="en-US" sz="1100" b="0" i="0" dirty="0">
-              <a:effectLst/>
-              <a:latin typeface="Segoe UI" panose="020B0502040204020203" charset="0"/>
-              <a:ea typeface="微软雅黑" panose="020B0503020204020204" charset="-122"/>
-              <a:cs typeface="Poppins" panose="00000500000000000000" pitchFamily="2" charset="0"/>
-            </a:endParaRPr>
-          </a:p>
-        </p:txBody>
-      </p:sp>
-      <p:sp>
-        <p:nvSpPr>
-          <p:cNvPr id="15" name="TextBox 14"/>
-          <p:cNvSpPr txBox="1"/>
-          <p:nvPr/>
-        </p:nvSpPr>
-        <p:spPr>
-          <a:xfrm>
-            <a:off x="951136" y="4718359"/>
-            <a:ext cx="1450277" cy="337185"/>
-          </a:xfrm>
-          <a:prstGeom prst="rect">
-            <a:avLst/>
-          </a:prstGeom>
-          <a:noFill/>
-        </p:spPr>
-        <p:txBody>
-          <a:bodyPr wrap="square" rtlCol="0">
-            <a:spAutoFit/>
-          </a:bodyPr>
-          <a:lstStyle/>
-          <a:p>
-            <a:r>
-              <a:rPr lang="en-US" sz="1600" b="1" dirty="0">
-                <a:solidFill>
-                  <a:schemeClr val="accent3"/>
-                </a:solidFill>
-                <a:latin typeface="Segoe UI" panose="020B0502040204020203" charset="0"/>
-                <a:ea typeface="微软雅黑" panose="020B0503020204020204" charset="-122"/>
-                <a:cs typeface="Poppins" panose="00000500000000000000" pitchFamily="2" charset="0"/>
-              </a:rPr>
-              <a:t>Description</a:t>
-            </a:r>
-            <a:endParaRPr lang="en-US" sz="1600" b="1" dirty="0">
-              <a:solidFill>
-                <a:schemeClr val="accent3"/>
-              </a:solidFill>
-              <a:latin typeface="Segoe UI" panose="020B0502040204020203" charset="0"/>
-              <a:ea typeface="微软雅黑" panose="020B0503020204020204" charset="-122"/>
-              <a:cs typeface="Poppins" panose="00000500000000000000" pitchFamily="2" charset="0"/>
-            </a:endParaRPr>
-          </a:p>
-        </p:txBody>
-      </p:sp>
-      <p:sp>
-        <p:nvSpPr>
-          <p:cNvPr id="16" name="TextBox 15"/>
-          <p:cNvSpPr txBox="1"/>
-          <p:nvPr/>
-        </p:nvSpPr>
-        <p:spPr>
-          <a:xfrm>
-            <a:off x="6358719" y="5136672"/>
-            <a:ext cx="4339652" cy="768350"/>
-          </a:xfrm>
-          <a:prstGeom prst="rect">
-            <a:avLst/>
-          </a:prstGeom>
-          <a:noFill/>
-        </p:spPr>
-        <p:txBody>
-          <a:bodyPr wrap="square" rtlCol="0">
-            <a:spAutoFit/>
-          </a:bodyPr>
-          <a:lstStyle>
-            <a:defPPr>
-              <a:defRPr lang="en-US"/>
-            </a:defPPr>
-            <a:lvl1pPr marL="0" algn="l" defTabSz="914400" rtl="0" eaLnBrk="1" latinLnBrk="0" hangingPunct="1">
-              <a:defRPr sz="1800" kern="1200">
-                <a:solidFill>
-                  <a:schemeClr val="tx1"/>
-                </a:solidFill>
-                <a:latin typeface="+mn-lt"/>
-                <a:ea typeface="+mn-ea"/>
-                <a:cs typeface="+mn-cs"/>
-              </a:defRPr>
-            </a:lvl1pPr>
-            <a:lvl2pPr marL="457200" algn="l" defTabSz="914400" rtl="0" eaLnBrk="1" latinLnBrk="0" hangingPunct="1">
-              <a:defRPr sz="1800" kern="1200">
-                <a:solidFill>
-                  <a:schemeClr val="tx1"/>
-                </a:solidFill>
-                <a:latin typeface="+mn-lt"/>
-                <a:ea typeface="+mn-ea"/>
-                <a:cs typeface="+mn-cs"/>
-              </a:defRPr>
-            </a:lvl2pPr>
-            <a:lvl3pPr marL="914400" algn="l" defTabSz="914400" rtl="0" eaLnBrk="1" latinLnBrk="0" hangingPunct="1">
-              <a:defRPr sz="1800" kern="1200">
-                <a:solidFill>
-                  <a:schemeClr val="tx1"/>
-                </a:solidFill>
-                <a:latin typeface="+mn-lt"/>
-                <a:ea typeface="+mn-ea"/>
-                <a:cs typeface="+mn-cs"/>
-              </a:defRPr>
-            </a:lvl3pPr>
-            <a:lvl4pPr marL="1371600" algn="l" defTabSz="914400" rtl="0" eaLnBrk="1" latinLnBrk="0" hangingPunct="1">
-              <a:defRPr sz="1800" kern="1200">
-                <a:solidFill>
-                  <a:schemeClr val="tx1"/>
-                </a:solidFill>
-                <a:latin typeface="+mn-lt"/>
-                <a:ea typeface="+mn-ea"/>
-                <a:cs typeface="+mn-cs"/>
-              </a:defRPr>
-            </a:lvl4pPr>
-            <a:lvl5pPr marL="1828800" algn="l" defTabSz="914400" rtl="0" eaLnBrk="1" latinLnBrk="0" hangingPunct="1">
-              <a:defRPr sz="1800" kern="1200">
-                <a:solidFill>
-                  <a:schemeClr val="tx1"/>
-                </a:solidFill>
-                <a:latin typeface="+mn-lt"/>
-                <a:ea typeface="+mn-ea"/>
-                <a:cs typeface="+mn-cs"/>
-              </a:defRPr>
-            </a:lvl5pPr>
-            <a:lvl6pPr marL="2286000" algn="l" defTabSz="914400" rtl="0" eaLnBrk="1" latinLnBrk="0" hangingPunct="1">
-              <a:defRPr sz="1800" kern="1200">
-                <a:solidFill>
-                  <a:schemeClr val="tx1"/>
-                </a:solidFill>
-                <a:latin typeface="+mn-lt"/>
-                <a:ea typeface="+mn-ea"/>
-                <a:cs typeface="+mn-cs"/>
-              </a:defRPr>
-            </a:lvl6pPr>
-            <a:lvl7pPr marL="2743200" algn="l" defTabSz="914400" rtl="0" eaLnBrk="1" latinLnBrk="0" hangingPunct="1">
-              <a:defRPr sz="1800" kern="1200">
-                <a:solidFill>
-                  <a:schemeClr val="tx1"/>
-                </a:solidFill>
-                <a:latin typeface="+mn-lt"/>
-                <a:ea typeface="+mn-ea"/>
-                <a:cs typeface="+mn-cs"/>
-              </a:defRPr>
-            </a:lvl7pPr>
-            <a:lvl8pPr marL="3200400" algn="l" defTabSz="914400" rtl="0" eaLnBrk="1" latinLnBrk="0" hangingPunct="1">
-              <a:defRPr sz="1800" kern="1200">
-                <a:solidFill>
-                  <a:schemeClr val="tx1"/>
-                </a:solidFill>
-                <a:latin typeface="+mn-lt"/>
-                <a:ea typeface="+mn-ea"/>
-                <a:cs typeface="+mn-cs"/>
-              </a:defRPr>
-            </a:lvl8pPr>
-            <a:lvl9pPr marL="3657600" algn="l" defTabSz="914400" rtl="0" eaLnBrk="1" latinLnBrk="0" hangingPunct="1">
-              <a:defRPr sz="1800" kern="1200">
-                <a:solidFill>
-                  <a:schemeClr val="tx1"/>
-                </a:solidFill>
-                <a:latin typeface="+mn-lt"/>
-                <a:ea typeface="+mn-ea"/>
-                <a:cs typeface="+mn-cs"/>
-              </a:defRPr>
-            </a:lvl9pPr>
-          </a:lstStyle>
-          <a:p>
-            <a:pPr algn="just"/>
-            <a:r>
-              <a:rPr lang="en-US" sz="1100" b="0" i="0" dirty="0">
-                <a:effectLst/>
-                <a:latin typeface="Segoe UI" panose="020B0502040204020203" charset="0"/>
-                <a:ea typeface="微软雅黑" panose="020B0503020204020204" charset="-122"/>
-              </a:rPr>
-              <a:t>Lorem Ipsum is simply dummy text of the printing and typesetting industry. Lorem Ipsum has been the industry's standard dummy text ever since the 1500s, when an unknown printer took a galley of type and scrambled it to make a type specimen book.</a:t>
-            </a:r>
-            <a:endParaRPr lang="en-US" sz="1100" b="0" i="0" dirty="0">
-              <a:effectLst/>
-              <a:latin typeface="Segoe UI" panose="020B0502040204020203" charset="0"/>
-              <a:ea typeface="微软雅黑" panose="020B0503020204020204" charset="-122"/>
-              <a:cs typeface="Poppins" panose="00000500000000000000" pitchFamily="2" charset="0"/>
-            </a:endParaRPr>
-          </a:p>
-        </p:txBody>
-      </p:sp>
-      <p:sp>
-        <p:nvSpPr>
-          <p:cNvPr id="17" name="TextBox 16"/>
-          <p:cNvSpPr txBox="1"/>
-          <p:nvPr/>
-        </p:nvSpPr>
-        <p:spPr>
-          <a:xfrm>
-            <a:off x="6358719" y="4718359"/>
-            <a:ext cx="1450277" cy="337185"/>
-          </a:xfrm>
-          <a:prstGeom prst="rect">
-            <a:avLst/>
-          </a:prstGeom>
-          <a:noFill/>
-        </p:spPr>
-        <p:txBody>
-          <a:bodyPr wrap="square" rtlCol="0">
-            <a:spAutoFit/>
-          </a:bodyPr>
-          <a:lstStyle/>
-          <a:p>
-            <a:r>
-              <a:rPr lang="en-US" sz="1600" b="1" dirty="0">
-                <a:solidFill>
-                  <a:schemeClr val="accent3"/>
-                </a:solidFill>
-                <a:latin typeface="Segoe UI" panose="020B0502040204020203" charset="0"/>
-                <a:ea typeface="微软雅黑" panose="020B0503020204020204" charset="-122"/>
-                <a:cs typeface="Poppins" panose="00000500000000000000" pitchFamily="2" charset="0"/>
-              </a:rPr>
-              <a:t>Description</a:t>
-            </a:r>
-            <a:endParaRPr lang="en-US" sz="1600" b="1" dirty="0">
-              <a:solidFill>
-                <a:schemeClr val="accent3"/>
-              </a:solidFill>
-              <a:latin typeface="Segoe UI" panose="020B0502040204020203" charset="0"/>
-              <a:ea typeface="微软雅黑" panose="020B0503020204020204" charset="-122"/>
-              <a:cs typeface="Poppins" panose="00000500000000000000" pitchFamily="2" charset="0"/>
-            </a:endParaRPr>
-          </a:p>
-        </p:txBody>
-      </p:sp>
-      <p:sp>
-        <p:nvSpPr>
-          <p:cNvPr id="18" name="TextBox 17"/>
-          <p:cNvSpPr txBox="1"/>
-          <p:nvPr/>
-        </p:nvSpPr>
-        <p:spPr>
-          <a:xfrm>
-            <a:off x="1155545" y="854796"/>
-            <a:ext cx="4660992" cy="922020"/>
-          </a:xfrm>
-          <a:prstGeom prst="rect">
-            <a:avLst/>
-          </a:prstGeom>
-          <a:noFill/>
-        </p:spPr>
-        <p:txBody>
-          <a:bodyPr wrap="square" rtlCol="0">
-            <a:spAutoFit/>
-          </a:bodyPr>
-          <a:lstStyle/>
-          <a:p>
-            <a:r>
-              <a:rPr lang="en-US" sz="5400" b="1" dirty="0">
-                <a:solidFill>
-                  <a:schemeClr val="tx2"/>
-                </a:solidFill>
-                <a:latin typeface="Segoe UI" panose="020B0502040204020203" charset="0"/>
-                <a:ea typeface="微软雅黑" panose="020B0503020204020204" charset="-122"/>
-                <a:cs typeface="Noto sans" panose="020B0502040504020204" pitchFamily="34" charset="0"/>
-              </a:rPr>
-              <a:t>All Variants</a:t>
-            </a:r>
-            <a:endParaRPr lang="en-US" sz="5400" b="1" dirty="0">
-              <a:solidFill>
-                <a:schemeClr val="tx2"/>
-              </a:solidFill>
-              <a:latin typeface="Segoe UI" panose="020B0502040204020203" charset="0"/>
-              <a:ea typeface="微软雅黑" panose="020B0503020204020204" charset="-122"/>
-              <a:cs typeface="Noto sans" panose="020B0502040504020204" pitchFamily="34" charset="0"/>
-            </a:endParaRPr>
-          </a:p>
-        </p:txBody>
-      </p:sp>
-      <p:sp>
-        <p:nvSpPr>
-          <p:cNvPr id="25" name="Rectangle 24"/>
+          <p:cNvPr id="2" name="Oval 1"/>
           <p:cNvSpPr/>
           <p:nvPr/>
         </p:nvSpPr>
         <p:spPr>
           <a:xfrm>
-            <a:off x="787998" y="1208885"/>
-            <a:ext cx="147918" cy="215152"/>
-          </a:xfrm>
-          <a:prstGeom prst="rect">
+            <a:off x="-2111188" y="983155"/>
+            <a:ext cx="5331511" cy="4984124"/>
+          </a:xfrm>
+          <a:prstGeom prst="ellipse">
             <a:avLst/>
           </a:prstGeom>
           <a:solidFill>
-            <a:schemeClr val="accent5"/>
+            <a:schemeClr val="accent3"/>
           </a:solidFill>
           <a:ln>
             <a:noFill/>
@@ -41094,7 +40462,7 @@
       </p:sp>
       <p:sp>
         <p:nvSpPr>
-          <p:cNvPr id="3" name="Picture Placeholder 2"/>
+          <p:cNvPr id="11" name="Picture Placeholder 10"/>
           <p:cNvSpPr>
             <a:spLocks noGrp="1"/>
           </p:cNvSpPr>
@@ -41104,9 +40472,103 @@
         </p:nvSpPr>
         <p:spPr>
           <a:xfrm>
-            <a:off x="967569" y="2060520"/>
-            <a:ext cx="2153393" cy="2478938"/>
-          </a:xfrm>
+            <a:off x="408928" y="1612799"/>
+            <a:ext cx="5156847" cy="3724835"/>
+          </a:xfrm>
+          <a:custGeom>
+            <a:avLst/>
+            <a:gdLst>
+              <a:gd name="connsiteX0" fmla="*/ 620818 w 5156847"/>
+              <a:gd name="connsiteY0" fmla="*/ 0 h 3724835"/>
+              <a:gd name="connsiteX1" fmla="*/ 4536029 w 5156847"/>
+              <a:gd name="connsiteY1" fmla="*/ 0 h 3724835"/>
+              <a:gd name="connsiteX2" fmla="*/ 5156847 w 5156847"/>
+              <a:gd name="connsiteY2" fmla="*/ 620818 h 3724835"/>
+              <a:gd name="connsiteX3" fmla="*/ 5156847 w 5156847"/>
+              <a:gd name="connsiteY3" fmla="*/ 3104017 h 3724835"/>
+              <a:gd name="connsiteX4" fmla="*/ 4536029 w 5156847"/>
+              <a:gd name="connsiteY4" fmla="*/ 3724835 h 3724835"/>
+              <a:gd name="connsiteX5" fmla="*/ 620818 w 5156847"/>
+              <a:gd name="connsiteY5" fmla="*/ 3724835 h 3724835"/>
+              <a:gd name="connsiteX6" fmla="*/ 0 w 5156847"/>
+              <a:gd name="connsiteY6" fmla="*/ 3104017 h 3724835"/>
+              <a:gd name="connsiteX7" fmla="*/ 0 w 5156847"/>
+              <a:gd name="connsiteY7" fmla="*/ 620818 h 3724835"/>
+              <a:gd name="connsiteX8" fmla="*/ 620818 w 5156847"/>
+              <a:gd name="connsiteY8" fmla="*/ 0 h 3724835"/>
+            </a:gdLst>
+            <a:ahLst/>
+            <a:cxnLst>
+              <a:cxn ang="0">
+                <a:pos x="connsiteX0" y="connsiteY0"/>
+              </a:cxn>
+              <a:cxn ang="0">
+                <a:pos x="connsiteX1" y="connsiteY1"/>
+              </a:cxn>
+              <a:cxn ang="0">
+                <a:pos x="connsiteX2" y="connsiteY2"/>
+              </a:cxn>
+              <a:cxn ang="0">
+                <a:pos x="connsiteX3" y="connsiteY3"/>
+              </a:cxn>
+              <a:cxn ang="0">
+                <a:pos x="connsiteX4" y="connsiteY4"/>
+              </a:cxn>
+              <a:cxn ang="0">
+                <a:pos x="connsiteX5" y="connsiteY5"/>
+              </a:cxn>
+              <a:cxn ang="0">
+                <a:pos x="connsiteX6" y="connsiteY6"/>
+              </a:cxn>
+              <a:cxn ang="0">
+                <a:pos x="connsiteX7" y="connsiteY7"/>
+              </a:cxn>
+              <a:cxn ang="0">
+                <a:pos x="connsiteX8" y="connsiteY8"/>
+              </a:cxn>
+            </a:cxnLst>
+            <a:rect l="l" t="t" r="r" b="b"/>
+            <a:pathLst>
+              <a:path w="5156847" h="3724835">
+                <a:moveTo>
+                  <a:pt x="620818" y="0"/>
+                </a:moveTo>
+                <a:lnTo>
+                  <a:pt x="4536029" y="0"/>
+                </a:lnTo>
+                <a:cubicBezTo>
+                  <a:pt x="4878897" y="0"/>
+                  <a:pt x="5156847" y="277950"/>
+                  <a:pt x="5156847" y="620818"/>
+                </a:cubicBezTo>
+                <a:lnTo>
+                  <a:pt x="5156847" y="3104017"/>
+                </a:lnTo>
+                <a:cubicBezTo>
+                  <a:pt x="5156847" y="3446885"/>
+                  <a:pt x="4878897" y="3724835"/>
+                  <a:pt x="4536029" y="3724835"/>
+                </a:cubicBezTo>
+                <a:lnTo>
+                  <a:pt x="620818" y="3724835"/>
+                </a:lnTo>
+                <a:cubicBezTo>
+                  <a:pt x="277950" y="3724835"/>
+                  <a:pt x="0" y="3446885"/>
+                  <a:pt x="0" y="3104017"/>
+                </a:cubicBezTo>
+                <a:lnTo>
+                  <a:pt x="0" y="620818"/>
+                </a:lnTo>
+                <a:cubicBezTo>
+                  <a:pt x="0" y="277950"/>
+                  <a:pt x="277950" y="0"/>
+                  <a:pt x="620818" y="0"/>
+                </a:cubicBezTo>
+                <a:close/>
+              </a:path>
+            </a:pathLst>
+          </a:custGeom>
           <a:solidFill>
             <a:schemeClr val="tx1">
               <a:lumMod val="85000"/>
@@ -41116,73 +40578,451 @@
       </p:sp>
       <p:sp>
         <p:nvSpPr>
-          <p:cNvPr id="4" name="Picture Placeholder 3"/>
-          <p:cNvSpPr>
-            <a:spLocks noGrp="1"/>
-          </p:cNvSpPr>
-          <p:nvPr>
-            <p:ph type="pic" sz="quarter" idx="11"/>
-          </p:nvPr>
-        </p:nvSpPr>
-        <p:spPr>
-          <a:xfrm>
-            <a:off x="3663144" y="2060520"/>
-            <a:ext cx="2153393" cy="2478938"/>
-          </a:xfrm>
+          <p:cNvPr id="13" name="TextBox 12"/>
+          <p:cNvSpPr txBox="1"/>
+          <p:nvPr/>
+        </p:nvSpPr>
+        <p:spPr>
+          <a:xfrm>
+            <a:off x="7124087" y="3088206"/>
+            <a:ext cx="4339652" cy="768350"/>
+          </a:xfrm>
+          <a:prstGeom prst="rect">
+            <a:avLst/>
+          </a:prstGeom>
+          <a:noFill/>
+        </p:spPr>
+        <p:txBody>
+          <a:bodyPr wrap="square" rtlCol="0">
+            <a:spAutoFit/>
+          </a:bodyPr>
+          <a:lstStyle>
+            <a:defPPr>
+              <a:defRPr lang="en-US"/>
+            </a:defPPr>
+            <a:lvl1pPr marL="0" algn="l" defTabSz="914400" rtl="0" eaLnBrk="1" latinLnBrk="0" hangingPunct="1">
+              <a:defRPr sz="1800" kern="1200">
+                <a:solidFill>
+                  <a:schemeClr val="tx1"/>
+                </a:solidFill>
+                <a:latin typeface="+mn-lt"/>
+                <a:ea typeface="+mn-ea"/>
+                <a:cs typeface="+mn-cs"/>
+              </a:defRPr>
+            </a:lvl1pPr>
+            <a:lvl2pPr marL="457200" algn="l" defTabSz="914400" rtl="0" eaLnBrk="1" latinLnBrk="0" hangingPunct="1">
+              <a:defRPr sz="1800" kern="1200">
+                <a:solidFill>
+                  <a:schemeClr val="tx1"/>
+                </a:solidFill>
+                <a:latin typeface="+mn-lt"/>
+                <a:ea typeface="+mn-ea"/>
+                <a:cs typeface="+mn-cs"/>
+              </a:defRPr>
+            </a:lvl2pPr>
+            <a:lvl3pPr marL="914400" algn="l" defTabSz="914400" rtl="0" eaLnBrk="1" latinLnBrk="0" hangingPunct="1">
+              <a:defRPr sz="1800" kern="1200">
+                <a:solidFill>
+                  <a:schemeClr val="tx1"/>
+                </a:solidFill>
+                <a:latin typeface="+mn-lt"/>
+                <a:ea typeface="+mn-ea"/>
+                <a:cs typeface="+mn-cs"/>
+              </a:defRPr>
+            </a:lvl3pPr>
+            <a:lvl4pPr marL="1371600" algn="l" defTabSz="914400" rtl="0" eaLnBrk="1" latinLnBrk="0" hangingPunct="1">
+              <a:defRPr sz="1800" kern="1200">
+                <a:solidFill>
+                  <a:schemeClr val="tx1"/>
+                </a:solidFill>
+                <a:latin typeface="+mn-lt"/>
+                <a:ea typeface="+mn-ea"/>
+                <a:cs typeface="+mn-cs"/>
+              </a:defRPr>
+            </a:lvl4pPr>
+            <a:lvl5pPr marL="1828800" algn="l" defTabSz="914400" rtl="0" eaLnBrk="1" latinLnBrk="0" hangingPunct="1">
+              <a:defRPr sz="1800" kern="1200">
+                <a:solidFill>
+                  <a:schemeClr val="tx1"/>
+                </a:solidFill>
+                <a:latin typeface="+mn-lt"/>
+                <a:ea typeface="+mn-ea"/>
+                <a:cs typeface="+mn-cs"/>
+              </a:defRPr>
+            </a:lvl5pPr>
+            <a:lvl6pPr marL="2286000" algn="l" defTabSz="914400" rtl="0" eaLnBrk="1" latinLnBrk="0" hangingPunct="1">
+              <a:defRPr sz="1800" kern="1200">
+                <a:solidFill>
+                  <a:schemeClr val="tx1"/>
+                </a:solidFill>
+                <a:latin typeface="+mn-lt"/>
+                <a:ea typeface="+mn-ea"/>
+                <a:cs typeface="+mn-cs"/>
+              </a:defRPr>
+            </a:lvl6pPr>
+            <a:lvl7pPr marL="2743200" algn="l" defTabSz="914400" rtl="0" eaLnBrk="1" latinLnBrk="0" hangingPunct="1">
+              <a:defRPr sz="1800" kern="1200">
+                <a:solidFill>
+                  <a:schemeClr val="tx1"/>
+                </a:solidFill>
+                <a:latin typeface="+mn-lt"/>
+                <a:ea typeface="+mn-ea"/>
+                <a:cs typeface="+mn-cs"/>
+              </a:defRPr>
+            </a:lvl7pPr>
+            <a:lvl8pPr marL="3200400" algn="l" defTabSz="914400" rtl="0" eaLnBrk="1" latinLnBrk="0" hangingPunct="1">
+              <a:defRPr sz="1800" kern="1200">
+                <a:solidFill>
+                  <a:schemeClr val="tx1"/>
+                </a:solidFill>
+                <a:latin typeface="+mn-lt"/>
+                <a:ea typeface="+mn-ea"/>
+                <a:cs typeface="+mn-cs"/>
+              </a:defRPr>
+            </a:lvl8pPr>
+            <a:lvl9pPr marL="3657600" algn="l" defTabSz="914400" rtl="0" eaLnBrk="1" latinLnBrk="0" hangingPunct="1">
+              <a:defRPr sz="1800" kern="1200">
+                <a:solidFill>
+                  <a:schemeClr val="tx1"/>
+                </a:solidFill>
+                <a:latin typeface="+mn-lt"/>
+                <a:ea typeface="+mn-ea"/>
+                <a:cs typeface="+mn-cs"/>
+              </a:defRPr>
+            </a:lvl9pPr>
+          </a:lstStyle>
+          <a:p>
+            <a:r>
+              <a:rPr lang="en-US" sz="1100" b="0" i="0" dirty="0">
+                <a:effectLst/>
+                <a:latin typeface="Segoe UI" panose="020B0502040204020203" charset="0"/>
+                <a:ea typeface="Microsoft YaHei" panose="020B0503020204020204" charset="-122"/>
+              </a:rPr>
+              <a:t>Lorem Ipsum is simply dummy text of the printing and typesetting industry. Lorem Ipsum has been the industry's standard dummy text ever since the 1500s, when an unknown printer took a galley of type and scrambled it to make a type specimen book.</a:t>
+            </a:r>
+            <a:endParaRPr lang="en-US" sz="1100" b="0" i="0" dirty="0">
+              <a:effectLst/>
+              <a:latin typeface="Segoe UI" panose="020B0502040204020203" charset="0"/>
+              <a:ea typeface="Microsoft YaHei" panose="020B0503020204020204" charset="-122"/>
+              <a:cs typeface="Poppins" panose="00000500000000000000" pitchFamily="2" charset="0"/>
+            </a:endParaRPr>
+          </a:p>
+        </p:txBody>
+      </p:sp>
+      <p:sp>
+        <p:nvSpPr>
+          <p:cNvPr id="15" name="TextBox 14"/>
+          <p:cNvSpPr txBox="1"/>
+          <p:nvPr/>
+        </p:nvSpPr>
+        <p:spPr>
+          <a:xfrm>
+            <a:off x="7124087" y="2669893"/>
+            <a:ext cx="1450277" cy="337185"/>
+          </a:xfrm>
+          <a:prstGeom prst="rect">
+            <a:avLst/>
+          </a:prstGeom>
+          <a:noFill/>
+        </p:spPr>
+        <p:txBody>
+          <a:bodyPr wrap="square" rtlCol="0">
+            <a:spAutoFit/>
+          </a:bodyPr>
+          <a:lstStyle/>
+          <a:p>
+            <a:r>
+              <a:rPr lang="en-US" sz="1600" b="1" dirty="0">
+                <a:solidFill>
+                  <a:schemeClr val="accent3"/>
+                </a:solidFill>
+                <a:latin typeface="Segoe UI" panose="020B0502040204020203" charset="0"/>
+                <a:ea typeface="Microsoft YaHei" panose="020B0503020204020204" charset="-122"/>
+                <a:cs typeface="Poppins" panose="00000500000000000000" pitchFamily="2" charset="0"/>
+              </a:rPr>
+              <a:t>Description</a:t>
+            </a:r>
+            <a:endParaRPr lang="en-US" sz="1600" b="1" dirty="0">
+              <a:solidFill>
+                <a:schemeClr val="accent3"/>
+              </a:solidFill>
+              <a:latin typeface="Segoe UI" panose="020B0502040204020203" charset="0"/>
+              <a:ea typeface="Microsoft YaHei" panose="020B0503020204020204" charset="-122"/>
+              <a:cs typeface="Poppins" panose="00000500000000000000" pitchFamily="2" charset="0"/>
+            </a:endParaRPr>
+          </a:p>
+        </p:txBody>
+      </p:sp>
+      <p:sp>
+        <p:nvSpPr>
+          <p:cNvPr id="16" name="TextBox 15"/>
+          <p:cNvSpPr txBox="1"/>
+          <p:nvPr/>
+        </p:nvSpPr>
+        <p:spPr>
+          <a:xfrm>
+            <a:off x="7124087" y="4524997"/>
+            <a:ext cx="4339652" cy="768350"/>
+          </a:xfrm>
+          <a:prstGeom prst="rect">
+            <a:avLst/>
+          </a:prstGeom>
+          <a:noFill/>
+        </p:spPr>
+        <p:txBody>
+          <a:bodyPr wrap="square" rtlCol="0">
+            <a:spAutoFit/>
+          </a:bodyPr>
+          <a:lstStyle>
+            <a:defPPr>
+              <a:defRPr lang="en-US"/>
+            </a:defPPr>
+            <a:lvl1pPr marL="0" algn="l" defTabSz="914400" rtl="0" eaLnBrk="1" latinLnBrk="0" hangingPunct="1">
+              <a:defRPr sz="1800" kern="1200">
+                <a:solidFill>
+                  <a:schemeClr val="tx1"/>
+                </a:solidFill>
+                <a:latin typeface="+mn-lt"/>
+                <a:ea typeface="+mn-ea"/>
+                <a:cs typeface="+mn-cs"/>
+              </a:defRPr>
+            </a:lvl1pPr>
+            <a:lvl2pPr marL="457200" algn="l" defTabSz="914400" rtl="0" eaLnBrk="1" latinLnBrk="0" hangingPunct="1">
+              <a:defRPr sz="1800" kern="1200">
+                <a:solidFill>
+                  <a:schemeClr val="tx1"/>
+                </a:solidFill>
+                <a:latin typeface="+mn-lt"/>
+                <a:ea typeface="+mn-ea"/>
+                <a:cs typeface="+mn-cs"/>
+              </a:defRPr>
+            </a:lvl2pPr>
+            <a:lvl3pPr marL="914400" algn="l" defTabSz="914400" rtl="0" eaLnBrk="1" latinLnBrk="0" hangingPunct="1">
+              <a:defRPr sz="1800" kern="1200">
+                <a:solidFill>
+                  <a:schemeClr val="tx1"/>
+                </a:solidFill>
+                <a:latin typeface="+mn-lt"/>
+                <a:ea typeface="+mn-ea"/>
+                <a:cs typeface="+mn-cs"/>
+              </a:defRPr>
+            </a:lvl3pPr>
+            <a:lvl4pPr marL="1371600" algn="l" defTabSz="914400" rtl="0" eaLnBrk="1" latinLnBrk="0" hangingPunct="1">
+              <a:defRPr sz="1800" kern="1200">
+                <a:solidFill>
+                  <a:schemeClr val="tx1"/>
+                </a:solidFill>
+                <a:latin typeface="+mn-lt"/>
+                <a:ea typeface="+mn-ea"/>
+                <a:cs typeface="+mn-cs"/>
+              </a:defRPr>
+            </a:lvl4pPr>
+            <a:lvl5pPr marL="1828800" algn="l" defTabSz="914400" rtl="0" eaLnBrk="1" latinLnBrk="0" hangingPunct="1">
+              <a:defRPr sz="1800" kern="1200">
+                <a:solidFill>
+                  <a:schemeClr val="tx1"/>
+                </a:solidFill>
+                <a:latin typeface="+mn-lt"/>
+                <a:ea typeface="+mn-ea"/>
+                <a:cs typeface="+mn-cs"/>
+              </a:defRPr>
+            </a:lvl5pPr>
+            <a:lvl6pPr marL="2286000" algn="l" defTabSz="914400" rtl="0" eaLnBrk="1" latinLnBrk="0" hangingPunct="1">
+              <a:defRPr sz="1800" kern="1200">
+                <a:solidFill>
+                  <a:schemeClr val="tx1"/>
+                </a:solidFill>
+                <a:latin typeface="+mn-lt"/>
+                <a:ea typeface="+mn-ea"/>
+                <a:cs typeface="+mn-cs"/>
+              </a:defRPr>
+            </a:lvl6pPr>
+            <a:lvl7pPr marL="2743200" algn="l" defTabSz="914400" rtl="0" eaLnBrk="1" latinLnBrk="0" hangingPunct="1">
+              <a:defRPr sz="1800" kern="1200">
+                <a:solidFill>
+                  <a:schemeClr val="tx1"/>
+                </a:solidFill>
+                <a:latin typeface="+mn-lt"/>
+                <a:ea typeface="+mn-ea"/>
+                <a:cs typeface="+mn-cs"/>
+              </a:defRPr>
+            </a:lvl7pPr>
+            <a:lvl8pPr marL="3200400" algn="l" defTabSz="914400" rtl="0" eaLnBrk="1" latinLnBrk="0" hangingPunct="1">
+              <a:defRPr sz="1800" kern="1200">
+                <a:solidFill>
+                  <a:schemeClr val="tx1"/>
+                </a:solidFill>
+                <a:latin typeface="+mn-lt"/>
+                <a:ea typeface="+mn-ea"/>
+                <a:cs typeface="+mn-cs"/>
+              </a:defRPr>
+            </a:lvl8pPr>
+            <a:lvl9pPr marL="3657600" algn="l" defTabSz="914400" rtl="0" eaLnBrk="1" latinLnBrk="0" hangingPunct="1">
+              <a:defRPr sz="1800" kern="1200">
+                <a:solidFill>
+                  <a:schemeClr val="tx1"/>
+                </a:solidFill>
+                <a:latin typeface="+mn-lt"/>
+                <a:ea typeface="+mn-ea"/>
+                <a:cs typeface="+mn-cs"/>
+              </a:defRPr>
+            </a:lvl9pPr>
+          </a:lstStyle>
+          <a:p>
+            <a:r>
+              <a:rPr lang="en-US" sz="1100" b="0" i="0" dirty="0">
+                <a:effectLst/>
+                <a:latin typeface="Segoe UI" panose="020B0502040204020203" charset="0"/>
+                <a:ea typeface="Microsoft YaHei" panose="020B0503020204020204" charset="-122"/>
+              </a:rPr>
+              <a:t>Lorem Ipsum is simply dummy text of the printing and typesetting industry. Lorem Ipsum has been the industry's standard dummy text ever since the 1500s, when an unknown printer took a galley of type and scrambled it to make a type specimen book.</a:t>
+            </a:r>
+            <a:endParaRPr lang="en-US" sz="1100" b="0" i="0" dirty="0">
+              <a:effectLst/>
+              <a:latin typeface="Segoe UI" panose="020B0502040204020203" charset="0"/>
+              <a:ea typeface="Microsoft YaHei" panose="020B0503020204020204" charset="-122"/>
+              <a:cs typeface="Poppins" panose="00000500000000000000" pitchFamily="2" charset="0"/>
+            </a:endParaRPr>
+          </a:p>
+        </p:txBody>
+      </p:sp>
+      <p:sp>
+        <p:nvSpPr>
+          <p:cNvPr id="17" name="TextBox 16"/>
+          <p:cNvSpPr txBox="1"/>
+          <p:nvPr/>
+        </p:nvSpPr>
+        <p:spPr>
+          <a:xfrm>
+            <a:off x="7124087" y="4106684"/>
+            <a:ext cx="1450277" cy="337185"/>
+          </a:xfrm>
+          <a:prstGeom prst="rect">
+            <a:avLst/>
+          </a:prstGeom>
+          <a:noFill/>
+        </p:spPr>
+        <p:txBody>
+          <a:bodyPr wrap="square" rtlCol="0">
+            <a:spAutoFit/>
+          </a:bodyPr>
+          <a:lstStyle/>
+          <a:p>
+            <a:r>
+              <a:rPr lang="en-US" sz="1600" b="1" dirty="0">
+                <a:solidFill>
+                  <a:schemeClr val="accent3"/>
+                </a:solidFill>
+                <a:latin typeface="Segoe UI" panose="020B0502040204020203" charset="0"/>
+                <a:ea typeface="Microsoft YaHei" panose="020B0503020204020204" charset="-122"/>
+                <a:cs typeface="Poppins" panose="00000500000000000000" pitchFamily="2" charset="0"/>
+              </a:rPr>
+              <a:t>Description</a:t>
+            </a:r>
+            <a:endParaRPr lang="en-US" sz="1600" b="1" dirty="0">
+              <a:solidFill>
+                <a:schemeClr val="accent3"/>
+              </a:solidFill>
+              <a:latin typeface="Segoe UI" panose="020B0502040204020203" charset="0"/>
+              <a:ea typeface="Microsoft YaHei" panose="020B0503020204020204" charset="-122"/>
+              <a:cs typeface="Poppins" panose="00000500000000000000" pitchFamily="2" charset="0"/>
+            </a:endParaRPr>
+          </a:p>
+        </p:txBody>
+      </p:sp>
+      <p:sp>
+        <p:nvSpPr>
+          <p:cNvPr id="18" name="TextBox 17"/>
+          <p:cNvSpPr txBox="1"/>
+          <p:nvPr/>
+        </p:nvSpPr>
+        <p:spPr>
+          <a:xfrm>
+            <a:off x="7097800" y="1409673"/>
+            <a:ext cx="4365939" cy="922020"/>
+          </a:xfrm>
+          <a:prstGeom prst="rect">
+            <a:avLst/>
+          </a:prstGeom>
+          <a:noFill/>
+        </p:spPr>
+        <p:txBody>
+          <a:bodyPr wrap="square" rtlCol="0">
+            <a:spAutoFit/>
+          </a:bodyPr>
+          <a:lstStyle/>
+          <a:p>
+            <a:r>
+              <a:rPr lang="en-US" sz="5400" b="1" dirty="0">
+                <a:solidFill>
+                  <a:schemeClr val="tx2"/>
+                </a:solidFill>
+                <a:latin typeface="Segoe UI" panose="020B0502040204020203" charset="0"/>
+                <a:ea typeface="Microsoft YaHei" panose="020B0503020204020204" charset="-122"/>
+                <a:cs typeface="Noto sans" panose="020B0502040504020204" pitchFamily="34" charset="0"/>
+              </a:rPr>
+              <a:t>New Model</a:t>
+            </a:r>
+            <a:endParaRPr lang="en-US" sz="5400" b="1" dirty="0">
+              <a:solidFill>
+                <a:schemeClr val="tx2"/>
+              </a:solidFill>
+              <a:latin typeface="Segoe UI" panose="020B0502040204020203" charset="0"/>
+              <a:ea typeface="Microsoft YaHei" panose="020B0503020204020204" charset="-122"/>
+              <a:cs typeface="Noto sans" panose="020B0502040504020204" pitchFamily="34" charset="0"/>
+            </a:endParaRPr>
+          </a:p>
+        </p:txBody>
+      </p:sp>
+      <p:sp>
+        <p:nvSpPr>
+          <p:cNvPr id="25" name="Rectangle 24"/>
+          <p:cNvSpPr/>
+          <p:nvPr/>
+        </p:nvSpPr>
+        <p:spPr>
+          <a:xfrm>
+            <a:off x="6730253" y="1763762"/>
+            <a:ext cx="147918" cy="215152"/>
+          </a:xfrm>
+          <a:prstGeom prst="rect">
+            <a:avLst/>
+          </a:prstGeom>
           <a:solidFill>
-            <a:schemeClr val="tx1">
-              <a:lumMod val="85000"/>
+            <a:schemeClr val="accent5"/>
+          </a:solidFill>
+          <a:ln>
+            <a:noFill/>
+          </a:ln>
+        </p:spPr>
+        <p:style>
+          <a:lnRef idx="2">
+            <a:schemeClr val="accent1">
+              <a:shade val="50000"/>
             </a:schemeClr>
-          </a:solidFill>
-        </p:spPr>
-      </p:sp>
-      <p:sp>
-        <p:nvSpPr>
-          <p:cNvPr id="5" name="Picture Placeholder 4"/>
-          <p:cNvSpPr>
-            <a:spLocks noGrp="1"/>
-          </p:cNvSpPr>
-          <p:nvPr>
-            <p:ph type="pic" sz="quarter" idx="12"/>
-          </p:nvPr>
-        </p:nvSpPr>
-        <p:spPr>
-          <a:xfrm>
-            <a:off x="6358719" y="2060520"/>
-            <a:ext cx="2153393" cy="2478938"/>
-          </a:xfrm>
-          <a:solidFill>
-            <a:schemeClr val="tx1">
-              <a:lumMod val="85000"/>
-            </a:schemeClr>
-          </a:solidFill>
-        </p:spPr>
-      </p:sp>
-      <p:sp>
-        <p:nvSpPr>
-          <p:cNvPr id="7" name="Picture Placeholder 6"/>
-          <p:cNvSpPr>
-            <a:spLocks noGrp="1"/>
-          </p:cNvSpPr>
-          <p:nvPr>
-            <p:ph type="pic" sz="quarter" idx="13"/>
-          </p:nvPr>
-        </p:nvSpPr>
-        <p:spPr>
-          <a:xfrm>
-            <a:off x="9054294" y="2060520"/>
-            <a:ext cx="2153393" cy="2478938"/>
-          </a:xfrm>
-          <a:solidFill>
-            <a:schemeClr val="tx1">
-              <a:lumMod val="85000"/>
-            </a:schemeClr>
-          </a:solidFill>
-        </p:spPr>
+          </a:lnRef>
+          <a:fillRef idx="1">
+            <a:schemeClr val="accent1"/>
+          </a:fillRef>
+          <a:effectRef idx="0">
+            <a:schemeClr val="accent1"/>
+          </a:effectRef>
+          <a:fontRef idx="minor">
+            <a:schemeClr val="lt1"/>
+          </a:fontRef>
+        </p:style>
+        <p:txBody>
+          <a:bodyPr rtlCol="0" anchor="ctr"/>
+          <a:lstStyle/>
+          <a:p>
+            <a:pPr algn="ctr"/>
+            <a:endParaRPr lang="en-ID"/>
+          </a:p>
+        </p:txBody>
       </p:sp>
       <p:grpSp>
         <p:nvGrpSpPr>
-          <p:cNvPr id="12" name="Group 11"/>
+          <p:cNvPr id="26" name="Group 25"/>
           <p:cNvGrpSpPr/>
           <p:nvPr/>
         </p:nvGrpSpPr>
@@ -41196,7 +41036,7 @@
         </p:grpSpPr>
         <p:sp>
           <p:nvSpPr>
-            <p:cNvPr id="14" name="Rectangle 13"/>
+            <p:cNvPr id="27" name="Rectangle 26"/>
             <p:cNvSpPr/>
             <p:nvPr/>
           </p:nvSpPr>
@@ -41242,7 +41082,7 @@
         </p:sp>
         <p:sp>
           <p:nvSpPr>
-            <p:cNvPr id="19" name="Rectangle 18"/>
+            <p:cNvPr id="28" name="Rectangle 27"/>
             <p:cNvSpPr/>
             <p:nvPr/>
           </p:nvSpPr>
@@ -41288,7 +41128,7 @@
         </p:sp>
         <p:sp>
           <p:nvSpPr>
-            <p:cNvPr id="20" name="Rectangle 19"/>
+            <p:cNvPr id="29" name="Rectangle 28"/>
             <p:cNvSpPr/>
             <p:nvPr/>
           </p:nvSpPr>
@@ -41333,6 +41173,52 @@
           </p:txBody>
         </p:sp>
       </p:grpSp>
+      <p:sp>
+        <p:nvSpPr>
+          <p:cNvPr id="31" name="TextBox 30"/>
+          <p:cNvSpPr txBox="1"/>
+          <p:nvPr/>
+        </p:nvSpPr>
+        <p:spPr>
+          <a:xfrm>
+            <a:off x="7097800" y="2234112"/>
+            <a:ext cx="4365939" cy="275590"/>
+          </a:xfrm>
+          <a:prstGeom prst="rect">
+            <a:avLst/>
+          </a:prstGeom>
+          <a:noFill/>
+        </p:spPr>
+        <p:txBody>
+          <a:bodyPr wrap="square" rtlCol="0">
+            <a:spAutoFit/>
+          </a:bodyPr>
+          <a:lstStyle/>
+          <a:p>
+            <a:r>
+              <a:rPr lang="en-US" sz="1200" b="1" i="0" dirty="0">
+                <a:solidFill>
+                  <a:schemeClr val="tx2"/>
+                </a:solidFill>
+                <a:effectLst/>
+                <a:latin typeface="Segoe UI" panose="020B0502040204020203" charset="0"/>
+                <a:ea typeface="Microsoft YaHei" panose="020B0503020204020204" charset="-122"/>
+                <a:cs typeface="Poppins" panose="00000500000000000000" pitchFamily="2" charset="0"/>
+              </a:rPr>
+              <a:t>If I ever let my head down, it will be to admire my shoes</a:t>
+            </a:r>
+            <a:endParaRPr lang="en-US" sz="1200" b="1" i="0" dirty="0">
+              <a:solidFill>
+                <a:schemeClr val="tx2"/>
+              </a:solidFill>
+              <a:effectLst/>
+              <a:latin typeface="Segoe UI" panose="020B0502040204020203" charset="0"/>
+              <a:ea typeface="Microsoft YaHei" panose="020B0503020204020204" charset="-122"/>
+              <a:cs typeface="Poppins" panose="00000500000000000000" pitchFamily="2" charset="0"/>
+            </a:endParaRPr>
+          </a:p>
+        </p:txBody>
+      </p:sp>
     </p:spTree>
   </p:cSld>
   <p:clrMapOvr>
@@ -41627,7 +41513,7 @@
                   <a:schemeClr val="tx2"/>
                 </a:solidFill>
                 <a:latin typeface="Segoe UI" panose="020B0502040204020203" charset="0"/>
-                <a:ea typeface="微软雅黑" panose="020B0503020204020204" charset="-122"/>
+                <a:ea typeface="Microsoft YaHei" panose="020B0503020204020204" charset="-122"/>
                 <a:cs typeface="Noto sans" panose="020B0502040504020204" pitchFamily="34" charset="0"/>
               </a:rPr>
               <a:t>Thank</a:t>
@@ -41637,7 +41523,7 @@
                 <a:schemeClr val="tx2"/>
               </a:solidFill>
               <a:latin typeface="Segoe UI" panose="020B0502040204020203" charset="0"/>
-              <a:ea typeface="微软雅黑" panose="020B0503020204020204" charset="-122"/>
+              <a:ea typeface="Microsoft YaHei" panose="020B0503020204020204" charset="-122"/>
               <a:cs typeface="Noto sans" panose="020B0502040504020204" pitchFamily="34" charset="0"/>
             </a:endParaRPr>
           </a:p>
@@ -41648,7 +41534,7 @@
                   <a:schemeClr val="tx2"/>
                 </a:solidFill>
                 <a:latin typeface="Segoe UI" panose="020B0502040204020203" charset="0"/>
-                <a:ea typeface="微软雅黑" panose="020B0503020204020204" charset="-122"/>
+                <a:ea typeface="Microsoft YaHei" panose="020B0503020204020204" charset="-122"/>
                 <a:cs typeface="Noto sans" panose="020B0502040504020204" pitchFamily="34" charset="0"/>
               </a:rPr>
               <a:t>You</a:t>
@@ -41658,7 +41544,7 @@
                 <a:schemeClr val="tx2"/>
               </a:solidFill>
               <a:latin typeface="Segoe UI" panose="020B0502040204020203" charset="0"/>
-              <a:ea typeface="微软雅黑" panose="020B0503020204020204" charset="-122"/>
+              <a:ea typeface="Microsoft YaHei" panose="020B0503020204020204" charset="-122"/>
               <a:cs typeface="Noto sans" panose="020B0502040504020204" pitchFamily="34" charset="0"/>
             </a:endParaRPr>
           </a:p>
@@ -41740,7 +41626,7 @@
                 </a:solidFill>
                 <a:effectLst/>
                 <a:latin typeface="Segoe UI" panose="020B0502040204020203" charset="0"/>
-                <a:ea typeface="微软雅黑" panose="020B0503020204020204" charset="-122"/>
+                <a:ea typeface="Microsoft YaHei" panose="020B0503020204020204" charset="-122"/>
                 <a:cs typeface="Poppins" panose="00000500000000000000" pitchFamily="2" charset="0"/>
               </a:rPr>
               <a:t>This Is The End Of My Presentation</a:t>
@@ -41751,7 +41637,7 @@
               </a:solidFill>
               <a:effectLst/>
               <a:latin typeface="Segoe UI" panose="020B0502040204020203" charset="0"/>
-              <a:ea typeface="微软雅黑" panose="020B0503020204020204" charset="-122"/>
+              <a:ea typeface="Microsoft YaHei" panose="020B0503020204020204" charset="-122"/>
               <a:cs typeface="Poppins" panose="00000500000000000000" pitchFamily="2" charset="0"/>
             </a:endParaRPr>
           </a:p>
@@ -41881,7 +41767,7 @@
                 </a:solidFill>
                 <a:effectLst/>
                 <a:latin typeface="Segoe UI" panose="020B0502040204020203" charset="0"/>
-                <a:ea typeface="微软雅黑" panose="020B0503020204020204" charset="-122"/>
+                <a:ea typeface="Microsoft YaHei" panose="020B0503020204020204" charset="-122"/>
               </a:rPr>
               <a:t>Lorem Ipsum is simply dummy text of the printing and typesetting industry. Lorem Ipsum has been the industry's standard dummy text ever since the 1500s, when an unknown printer took a galley of type and scrambled it to make a type specimen book.</a:t>
             </a:r>
@@ -41891,7 +41777,7 @@
               </a:solidFill>
               <a:effectLst/>
               <a:latin typeface="Segoe UI" panose="020B0502040204020203" charset="0"/>
-              <a:ea typeface="微软雅黑" panose="020B0503020204020204" charset="-122"/>
+              <a:ea typeface="Microsoft YaHei" panose="020B0503020204020204" charset="-122"/>
               <a:cs typeface="Poppins" panose="00000500000000000000" pitchFamily="2" charset="0"/>
             </a:endParaRPr>
           </a:p>
@@ -41925,7 +41811,7 @@
                   <a:schemeClr val="tx2"/>
                 </a:solidFill>
                 <a:latin typeface="Segoe UI" panose="020B0502040204020203" charset="0"/>
-                <a:ea typeface="微软雅黑" panose="020B0503020204020204" charset="-122"/>
+                <a:ea typeface="Microsoft YaHei" panose="020B0503020204020204" charset="-122"/>
                 <a:cs typeface="Noto sans" panose="020B0502040504020204" pitchFamily="34" charset="0"/>
               </a:rPr>
               <a:t>Modern Presentation</a:t>
@@ -41935,7 +41821,7 @@
                 <a:schemeClr val="tx2"/>
               </a:solidFill>
               <a:latin typeface="Segoe UI" panose="020B0502040204020203" charset="0"/>
-              <a:ea typeface="微软雅黑" panose="020B0503020204020204" charset="-122"/>
+              <a:ea typeface="Microsoft YaHei" panose="020B0503020204020204" charset="-122"/>
               <a:cs typeface="Noto sans" panose="020B0502040504020204" pitchFamily="34" charset="0"/>
             </a:endParaRPr>
           </a:p>
@@ -42153,7 +42039,7 @@
                   <a:schemeClr val="tx2"/>
                 </a:solidFill>
                 <a:latin typeface="Segoe UI" panose="020B0502040204020203" charset="0"/>
-                <a:ea typeface="微软雅黑" panose="020B0503020204020204" charset="-122"/>
+                <a:ea typeface="Microsoft YaHei" panose="020B0503020204020204" charset="-122"/>
                 <a:cs typeface="Noto sans" panose="020B0502040504020204" pitchFamily="34" charset="0"/>
               </a:rPr>
               <a:t>Brand Name</a:t>
@@ -42163,7 +42049,7 @@
                 <a:schemeClr val="tx2"/>
               </a:solidFill>
               <a:latin typeface="Segoe UI" panose="020B0502040204020203" charset="0"/>
-              <a:ea typeface="微软雅黑" panose="020B0503020204020204" charset="-122"/>
+              <a:ea typeface="Microsoft YaHei" panose="020B0503020204020204" charset="-122"/>
               <a:cs typeface="Noto sans" panose="020B0502040504020204" pitchFamily="34" charset="0"/>
             </a:endParaRPr>
           </a:p>
@@ -42290,14 +42176,14 @@
               <a:rPr lang="en-US" sz="1050" b="0" i="0" dirty="0">
                 <a:effectLst/>
                 <a:latin typeface="Segoe UI" panose="020B0502040204020203" charset="0"/>
-                <a:ea typeface="微软雅黑" panose="020B0503020204020204" charset="-122"/>
+                <a:ea typeface="Microsoft YaHei" panose="020B0503020204020204" charset="-122"/>
               </a:rPr>
               <a:t>Lorem Ipsum is simply dummy text of the printing and typesetting industry. Lorem Ipsum has been the industry's standard dummy text ever since the 1500s, when an unknown printer took a galley of type and scrambled it to make a type specimen book.</a:t>
             </a:r>
             <a:endParaRPr lang="en-US" sz="1050" b="0" i="0" dirty="0">
               <a:effectLst/>
               <a:latin typeface="Segoe UI" panose="020B0502040204020203" charset="0"/>
-              <a:ea typeface="微软雅黑" panose="020B0503020204020204" charset="-122"/>
+              <a:ea typeface="Microsoft YaHei" panose="020B0503020204020204" charset="-122"/>
               <a:cs typeface="Poppins" panose="00000500000000000000" pitchFamily="2" charset="0"/>
             </a:endParaRPr>
           </a:p>
@@ -42766,7 +42652,7 @@
                   <a:schemeClr val="tx2"/>
                 </a:solidFill>
                 <a:latin typeface="Segoe UI" panose="020B0502040204020203" charset="0"/>
-                <a:ea typeface="微软雅黑" panose="020B0503020204020204" charset="-122"/>
+                <a:ea typeface="Microsoft YaHei" panose="020B0503020204020204" charset="-122"/>
                 <a:cs typeface="Noto sans" panose="020B0502040504020204" pitchFamily="34" charset="0"/>
               </a:rPr>
               <a:t>Modern Presentation</a:t>
@@ -42776,7 +42662,7 @@
                 <a:schemeClr val="tx2"/>
               </a:solidFill>
               <a:latin typeface="Segoe UI" panose="020B0502040204020203" charset="0"/>
-              <a:ea typeface="微软雅黑" panose="020B0503020204020204" charset="-122"/>
+              <a:ea typeface="Microsoft YaHei" panose="020B0503020204020204" charset="-122"/>
               <a:cs typeface="Noto sans" panose="020B0502040504020204" pitchFamily="34" charset="0"/>
             </a:endParaRPr>
           </a:p>
@@ -42994,7 +42880,7 @@
                   <a:schemeClr val="tx2"/>
                 </a:solidFill>
                 <a:latin typeface="Segoe UI" panose="020B0502040204020203" charset="0"/>
-                <a:ea typeface="微软雅黑" panose="020B0503020204020204" charset="-122"/>
+                <a:ea typeface="Microsoft YaHei" panose="020B0503020204020204" charset="-122"/>
                 <a:cs typeface="Noto sans" panose="020B0502040504020204" pitchFamily="34" charset="0"/>
               </a:rPr>
               <a:t>Brand Name</a:t>
@@ -43004,7 +42890,7 @@
                 <a:schemeClr val="tx2"/>
               </a:solidFill>
               <a:latin typeface="Segoe UI" panose="020B0502040204020203" charset="0"/>
-              <a:ea typeface="微软雅黑" panose="020B0503020204020204" charset="-122"/>
+              <a:ea typeface="Microsoft YaHei" panose="020B0503020204020204" charset="-122"/>
               <a:cs typeface="Noto sans" panose="020B0502040504020204" pitchFamily="34" charset="0"/>
             </a:endParaRPr>
           </a:p>
@@ -43083,7 +42969,7 @@
                   <a:schemeClr val="tx2"/>
                 </a:solidFill>
                 <a:latin typeface="Segoe UI" panose="020B0502040204020203" charset="0"/>
-                <a:ea typeface="微软雅黑" panose="020B0503020204020204" charset="-122"/>
+                <a:ea typeface="Microsoft YaHei" panose="020B0503020204020204" charset="-122"/>
                 <a:cs typeface="Noto sans" panose="020B0502040504020204" pitchFamily="34" charset="0"/>
               </a:rPr>
               <a:t>Model Display</a:t>
@@ -43093,7 +42979,7 @@
                 <a:schemeClr val="tx2"/>
               </a:solidFill>
               <a:latin typeface="Segoe UI" panose="020B0502040204020203" charset="0"/>
-              <a:ea typeface="微软雅黑" panose="020B0503020204020204" charset="-122"/>
+              <a:ea typeface="Microsoft YaHei" panose="020B0503020204020204" charset="-122"/>
               <a:cs typeface="Noto sans" panose="020B0502040504020204" pitchFamily="34" charset="0"/>
             </a:endParaRPr>
           </a:p>
@@ -43330,7 +43216,7 @@
                 </a:solidFill>
                 <a:effectLst/>
                 <a:latin typeface="Segoe UI" panose="020B0502040204020203" charset="0"/>
-                <a:ea typeface="微软雅黑" panose="020B0503020204020204" charset="-122"/>
+                <a:ea typeface="Microsoft YaHei" panose="020B0503020204020204" charset="-122"/>
               </a:rPr>
               <a:t>Lorem Ipsum is simply dummy text of the printing and typesetting industry. Lorem Ipsum has been the industry's standard dummy text ever since the 1500s, when an unknown printer took a galley of type and scrambled it to make a type specimen book.</a:t>
             </a:r>
@@ -43340,7 +43226,7 @@
               </a:solidFill>
               <a:effectLst/>
               <a:latin typeface="Segoe UI" panose="020B0502040204020203" charset="0"/>
-              <a:ea typeface="微软雅黑" panose="020B0503020204020204" charset="-122"/>
+              <a:ea typeface="Microsoft YaHei" panose="020B0503020204020204" charset="-122"/>
               <a:cs typeface="Poppins" panose="00000500000000000000" pitchFamily="2" charset="0"/>
             </a:endParaRPr>
           </a:p>
@@ -43374,7 +43260,7 @@
                   <a:schemeClr val="bg1"/>
                 </a:solidFill>
                 <a:latin typeface="Segoe UI" panose="020B0502040204020203" charset="0"/>
-                <a:ea typeface="微软雅黑" panose="020B0503020204020204" charset="-122"/>
+                <a:ea typeface="Microsoft YaHei" panose="020B0503020204020204" charset="-122"/>
                 <a:cs typeface="Poppins" panose="00000500000000000000" pitchFamily="2" charset="0"/>
               </a:rPr>
               <a:t>1. Image Description</a:t>
@@ -43384,7 +43270,7 @@
                 <a:schemeClr val="bg1"/>
               </a:solidFill>
               <a:latin typeface="Segoe UI" panose="020B0502040204020203" charset="0"/>
-              <a:ea typeface="微软雅黑" panose="020B0503020204020204" charset="-122"/>
+              <a:ea typeface="Microsoft YaHei" panose="020B0503020204020204" charset="-122"/>
               <a:cs typeface="Poppins" panose="00000500000000000000" pitchFamily="2" charset="0"/>
             </a:endParaRPr>
           </a:p>
@@ -43514,7 +43400,7 @@
                 </a:solidFill>
                 <a:effectLst/>
                 <a:latin typeface="Segoe UI" panose="020B0502040204020203" charset="0"/>
-                <a:ea typeface="微软雅黑" panose="020B0503020204020204" charset="-122"/>
+                <a:ea typeface="Microsoft YaHei" panose="020B0503020204020204" charset="-122"/>
               </a:rPr>
               <a:t>Lorem Ipsum is simply dummy text of the printing and typesetting industry. Lorem Ipsum has been the industry's standard dummy text ever since the 1500s, when an unknown printer took a galley of type and scrambled it to make a type specimen book.</a:t>
             </a:r>
@@ -43524,7 +43410,7 @@
               </a:solidFill>
               <a:effectLst/>
               <a:latin typeface="Segoe UI" panose="020B0502040204020203" charset="0"/>
-              <a:ea typeface="微软雅黑" panose="020B0503020204020204" charset="-122"/>
+              <a:ea typeface="Microsoft YaHei" panose="020B0503020204020204" charset="-122"/>
               <a:cs typeface="Poppins" panose="00000500000000000000" pitchFamily="2" charset="0"/>
             </a:endParaRPr>
           </a:p>
@@ -43559,7 +43445,7 @@
                   <a:schemeClr val="bg1"/>
                 </a:solidFill>
                 <a:latin typeface="Segoe UI" panose="020B0502040204020203" charset="0"/>
-                <a:ea typeface="微软雅黑" panose="020B0503020204020204" charset="-122"/>
+                <a:ea typeface="Microsoft YaHei" panose="020B0503020204020204" charset="-122"/>
                 <a:cs typeface="Poppins" panose="00000500000000000000" pitchFamily="2" charset="0"/>
               </a:rPr>
               <a:t>2. Image Description</a:t>
@@ -43569,7 +43455,7 @@
                 <a:schemeClr val="bg1"/>
               </a:solidFill>
               <a:latin typeface="Segoe UI" panose="020B0502040204020203" charset="0"/>
-              <a:ea typeface="微软雅黑" panose="020B0503020204020204" charset="-122"/>
+              <a:ea typeface="Microsoft YaHei" panose="020B0503020204020204" charset="-122"/>
               <a:cs typeface="Poppins" panose="00000500000000000000" pitchFamily="2" charset="0"/>
             </a:endParaRPr>
           </a:p>
@@ -43604,7 +43490,7 @@
                   <a:schemeClr val="tx2"/>
                 </a:solidFill>
                 <a:latin typeface="Segoe UI" panose="020B0502040204020203" charset="0"/>
-                <a:ea typeface="微软雅黑" panose="020B0503020204020204" charset="-122"/>
+                <a:ea typeface="Microsoft YaHei" panose="020B0503020204020204" charset="-122"/>
                 <a:cs typeface="Poppins" panose="00000500000000000000" pitchFamily="2" charset="0"/>
               </a:rPr>
               <a:t>First Image</a:t>
@@ -43614,7 +43500,7 @@
                 <a:schemeClr val="tx2"/>
               </a:solidFill>
               <a:latin typeface="Segoe UI" panose="020B0502040204020203" charset="0"/>
-              <a:ea typeface="微软雅黑" panose="020B0503020204020204" charset="-122"/>
+              <a:ea typeface="Microsoft YaHei" panose="020B0503020204020204" charset="-122"/>
               <a:cs typeface="Poppins" panose="00000500000000000000" pitchFamily="2" charset="0"/>
             </a:endParaRPr>
           </a:p>
@@ -43649,7 +43535,7 @@
                   <a:schemeClr val="tx2"/>
                 </a:solidFill>
                 <a:latin typeface="Segoe UI" panose="020B0502040204020203" charset="0"/>
-                <a:ea typeface="微软雅黑" panose="020B0503020204020204" charset="-122"/>
+                <a:ea typeface="Microsoft YaHei" panose="020B0503020204020204" charset="-122"/>
                 <a:cs typeface="Poppins" panose="00000500000000000000" pitchFamily="2" charset="0"/>
               </a:rPr>
               <a:t>Second Image</a:t>
@@ -43659,7 +43545,7 @@
                 <a:schemeClr val="tx2"/>
               </a:solidFill>
               <a:latin typeface="Segoe UI" panose="020B0502040204020203" charset="0"/>
-              <a:ea typeface="微软雅黑" panose="020B0503020204020204" charset="-122"/>
+              <a:ea typeface="Microsoft YaHei" panose="020B0503020204020204" charset="-122"/>
               <a:cs typeface="Poppins" panose="00000500000000000000" pitchFamily="2" charset="0"/>
             </a:endParaRPr>
           </a:p>
@@ -44082,7 +43968,7 @@
                   <a:schemeClr val="tx2"/>
                 </a:solidFill>
                 <a:latin typeface="Segoe UI" panose="020B0502040204020203" charset="0"/>
-                <a:ea typeface="微软雅黑" panose="020B0503020204020204" charset="-122"/>
+                <a:ea typeface="Microsoft YaHei" panose="020B0503020204020204" charset="-122"/>
                 <a:cs typeface="Noto sans" panose="020B0502040504020204" pitchFamily="34" charset="0"/>
               </a:rPr>
               <a:t>Modern Presentation</a:t>
@@ -44092,7 +43978,7 @@
                 <a:schemeClr val="tx2"/>
               </a:solidFill>
               <a:latin typeface="Segoe UI" panose="020B0502040204020203" charset="0"/>
-              <a:ea typeface="微软雅黑" panose="020B0503020204020204" charset="-122"/>
+              <a:ea typeface="Microsoft YaHei" panose="020B0503020204020204" charset="-122"/>
               <a:cs typeface="Noto sans" panose="020B0502040504020204" pitchFamily="34" charset="0"/>
             </a:endParaRPr>
           </a:p>
@@ -44310,7 +44196,7 @@
                   <a:schemeClr val="tx2"/>
                 </a:solidFill>
                 <a:latin typeface="Segoe UI" panose="020B0502040204020203" charset="0"/>
-                <a:ea typeface="微软雅黑" panose="020B0503020204020204" charset="-122"/>
+                <a:ea typeface="Microsoft YaHei" panose="020B0503020204020204" charset="-122"/>
                 <a:cs typeface="Noto sans" panose="020B0502040504020204" pitchFamily="34" charset="0"/>
               </a:rPr>
               <a:t>Brand Name</a:t>
@@ -44320,7 +44206,7 @@
                 <a:schemeClr val="tx2"/>
               </a:solidFill>
               <a:latin typeface="Segoe UI" panose="020B0502040204020203" charset="0"/>
-              <a:ea typeface="微软雅黑" panose="020B0503020204020204" charset="-122"/>
+              <a:ea typeface="Microsoft YaHei" panose="020B0503020204020204" charset="-122"/>
               <a:cs typeface="Noto sans" panose="020B0502040504020204" pitchFamily="34" charset="0"/>
             </a:endParaRPr>
           </a:p>
@@ -44376,7 +44262,7 @@
                   <a:schemeClr val="tx2"/>
                 </a:solidFill>
                 <a:latin typeface="Segoe UI" panose="020B0502040204020203" charset="0"/>
-                <a:ea typeface="微软雅黑" panose="020B0503020204020204" charset="-122"/>
+                <a:ea typeface="Microsoft YaHei" panose="020B0503020204020204" charset="-122"/>
                 <a:cs typeface="Noto sans" panose="020B0502040504020204" pitchFamily="34" charset="0"/>
               </a:rPr>
               <a:t>New Trend</a:t>
@@ -44386,7 +44272,7 @@
                 <a:schemeClr val="tx2"/>
               </a:solidFill>
               <a:latin typeface="Segoe UI" panose="020B0502040204020203" charset="0"/>
-              <a:ea typeface="微软雅黑" panose="020B0503020204020204" charset="-122"/>
+              <a:ea typeface="Microsoft YaHei" panose="020B0503020204020204" charset="-122"/>
               <a:cs typeface="Noto sans" panose="020B0502040504020204" pitchFamily="34" charset="0"/>
             </a:endParaRPr>
           </a:p>
@@ -44559,14 +44445,14 @@
               <a:rPr lang="en-US" sz="1100" b="0" i="0" dirty="0">
                 <a:effectLst/>
                 <a:latin typeface="Segoe UI" panose="020B0502040204020203" charset="0"/>
-                <a:ea typeface="微软雅黑" panose="020B0503020204020204" charset="-122"/>
+                <a:ea typeface="Microsoft YaHei" panose="020B0503020204020204" charset="-122"/>
               </a:rPr>
               <a:t>Lorem Ipsum is simply dummy text of the printing and typesetting industry. Lorem Ipsum has been the industry's standard dummy text ever since the 1500s.</a:t>
             </a:r>
             <a:endParaRPr lang="en-US" sz="1100" b="0" i="0" dirty="0">
               <a:effectLst/>
               <a:latin typeface="Segoe UI" panose="020B0502040204020203" charset="0"/>
-              <a:ea typeface="微软雅黑" panose="020B0503020204020204" charset="-122"/>
+              <a:ea typeface="Microsoft YaHei" panose="020B0503020204020204" charset="-122"/>
               <a:cs typeface="Poppins" panose="00000500000000000000" pitchFamily="2" charset="0"/>
             </a:endParaRPr>
           </a:p>
@@ -44600,7 +44486,7 @@
                   <a:schemeClr val="accent5"/>
                 </a:solidFill>
                 <a:latin typeface="Segoe UI" panose="020B0502040204020203" charset="0"/>
-                <a:ea typeface="微软雅黑" panose="020B0503020204020204" charset="-122"/>
+                <a:ea typeface="Microsoft YaHei" panose="020B0503020204020204" charset="-122"/>
                 <a:cs typeface="Poppins" panose="00000500000000000000" pitchFamily="2" charset="0"/>
               </a:rPr>
               <a:t>Description</a:t>
@@ -44610,7 +44496,7 @@
                 <a:schemeClr val="accent5"/>
               </a:solidFill>
               <a:latin typeface="Segoe UI" panose="020B0502040204020203" charset="0"/>
-              <a:ea typeface="微软雅黑" panose="020B0503020204020204" charset="-122"/>
+              <a:ea typeface="Microsoft YaHei" panose="020B0503020204020204" charset="-122"/>
               <a:cs typeface="Poppins" panose="00000500000000000000" pitchFamily="2" charset="0"/>
             </a:endParaRPr>
           </a:p>
@@ -44783,14 +44669,14 @@
               <a:rPr lang="en-US" sz="1100" b="0" i="0" dirty="0">
                 <a:effectLst/>
                 <a:latin typeface="Segoe UI" panose="020B0502040204020203" charset="0"/>
-                <a:ea typeface="微软雅黑" panose="020B0503020204020204" charset="-122"/>
+                <a:ea typeface="Microsoft YaHei" panose="020B0503020204020204" charset="-122"/>
               </a:rPr>
               <a:t>Lorem Ipsum is simply dummy text of the printing and typesetting industry. Lorem Ipsum has been the industry's standard dummy text ever since the 1500s.</a:t>
             </a:r>
             <a:endParaRPr lang="en-US" sz="1100" b="0" i="0" dirty="0">
               <a:effectLst/>
               <a:latin typeface="Segoe UI" panose="020B0502040204020203" charset="0"/>
-              <a:ea typeface="微软雅黑" panose="020B0503020204020204" charset="-122"/>
+              <a:ea typeface="Microsoft YaHei" panose="020B0503020204020204" charset="-122"/>
               <a:cs typeface="Poppins" panose="00000500000000000000" pitchFamily="2" charset="0"/>
             </a:endParaRPr>
           </a:p>
@@ -44824,7 +44710,7 @@
                   <a:schemeClr val="accent5"/>
                 </a:solidFill>
                 <a:latin typeface="Segoe UI" panose="020B0502040204020203" charset="0"/>
-                <a:ea typeface="微软雅黑" panose="020B0503020204020204" charset="-122"/>
+                <a:ea typeface="Microsoft YaHei" panose="020B0503020204020204" charset="-122"/>
                 <a:cs typeface="Poppins" panose="00000500000000000000" pitchFamily="2" charset="0"/>
               </a:rPr>
               <a:t>Description</a:t>
@@ -44834,7 +44720,7 @@
                 <a:schemeClr val="accent5"/>
               </a:solidFill>
               <a:latin typeface="Segoe UI" panose="020B0502040204020203" charset="0"/>
-              <a:ea typeface="微软雅黑" panose="020B0503020204020204" charset="-122"/>
+              <a:ea typeface="Microsoft YaHei" panose="020B0503020204020204" charset="-122"/>
               <a:cs typeface="Poppins" panose="00000500000000000000" pitchFamily="2" charset="0"/>
             </a:endParaRPr>
           </a:p>
@@ -45094,7 +44980,7 @@
                 </a:solidFill>
                 <a:effectLst/>
                 <a:latin typeface="Segoe UI" panose="020B0502040204020203" charset="0"/>
-                <a:ea typeface="微软雅黑" panose="020B0503020204020204" charset="-122"/>
+                <a:ea typeface="Microsoft YaHei" panose="020B0503020204020204" charset="-122"/>
                 <a:cs typeface="Poppins" panose="00000500000000000000" pitchFamily="2" charset="0"/>
               </a:rPr>
               <a:t>If I ever let my head down, it will be to admire my shoes</a:t>
@@ -45105,7 +44991,7 @@
               </a:solidFill>
               <a:effectLst/>
               <a:latin typeface="Segoe UI" panose="020B0502040204020203" charset="0"/>
-              <a:ea typeface="微软雅黑" panose="020B0503020204020204" charset="-122"/>
+              <a:ea typeface="Microsoft YaHei" panose="020B0503020204020204" charset="-122"/>
               <a:cs typeface="Poppins" panose="00000500000000000000" pitchFamily="2" charset="0"/>
             </a:endParaRPr>
           </a:p>
@@ -45417,7 +45303,7 @@
                   <a:schemeClr val="tx2"/>
                 </a:solidFill>
                 <a:latin typeface="Segoe UI" panose="020B0502040204020203" charset="0"/>
-                <a:ea typeface="微软雅黑" panose="020B0503020204020204" charset="-122"/>
+                <a:ea typeface="Microsoft YaHei" panose="020B0503020204020204" charset="-122"/>
                 <a:cs typeface="Noto sans" panose="020B0502040504020204" pitchFamily="34" charset="0"/>
               </a:rPr>
               <a:t>Modern Presentation</a:t>
@@ -45427,7 +45313,7 @@
                 <a:schemeClr val="tx2"/>
               </a:solidFill>
               <a:latin typeface="Segoe UI" panose="020B0502040204020203" charset="0"/>
-              <a:ea typeface="微软雅黑" panose="020B0503020204020204" charset="-122"/>
+              <a:ea typeface="Microsoft YaHei" panose="020B0503020204020204" charset="-122"/>
               <a:cs typeface="Noto sans" panose="020B0502040504020204" pitchFamily="34" charset="0"/>
             </a:endParaRPr>
           </a:p>
@@ -45645,7 +45531,7 @@
                   <a:schemeClr val="tx2"/>
                 </a:solidFill>
                 <a:latin typeface="Segoe UI" panose="020B0502040204020203" charset="0"/>
-                <a:ea typeface="微软雅黑" panose="020B0503020204020204" charset="-122"/>
+                <a:ea typeface="Microsoft YaHei" panose="020B0503020204020204" charset="-122"/>
                 <a:cs typeface="Noto sans" panose="020B0502040504020204" pitchFamily="34" charset="0"/>
               </a:rPr>
               <a:t>Brand Name</a:t>
@@ -45655,7 +45541,7 @@
                 <a:schemeClr val="tx2"/>
               </a:solidFill>
               <a:latin typeface="Segoe UI" panose="020B0502040204020203" charset="0"/>
-              <a:ea typeface="微软雅黑" panose="020B0503020204020204" charset="-122"/>
+              <a:ea typeface="Microsoft YaHei" panose="020B0503020204020204" charset="-122"/>
               <a:cs typeface="Noto sans" panose="020B0502040504020204" pitchFamily="34" charset="0"/>
             </a:endParaRPr>
           </a:p>
@@ -45689,7 +45575,7 @@
                   <a:schemeClr val="tx2"/>
                 </a:solidFill>
                 <a:latin typeface="Segoe UI" panose="020B0502040204020203" charset="0"/>
-                <a:ea typeface="微软雅黑" panose="020B0503020204020204" charset="-122"/>
+                <a:ea typeface="Microsoft YaHei" panose="020B0503020204020204" charset="-122"/>
                 <a:cs typeface="Noto sans" panose="020B0502040504020204" pitchFamily="34" charset="0"/>
               </a:rPr>
               <a:t>New Trend</a:t>
@@ -45699,7 +45585,7 @@
                 <a:schemeClr val="tx2"/>
               </a:solidFill>
               <a:latin typeface="Segoe UI" panose="020B0502040204020203" charset="0"/>
-              <a:ea typeface="微软雅黑" panose="020B0503020204020204" charset="-122"/>
+              <a:ea typeface="Microsoft YaHei" panose="020B0503020204020204" charset="-122"/>
               <a:cs typeface="Noto sans" panose="020B0502040504020204" pitchFamily="34" charset="0"/>
             </a:endParaRPr>
           </a:p>
@@ -45872,14 +45758,14 @@
               <a:rPr lang="en-US" sz="1100" b="0" i="0" dirty="0">
                 <a:effectLst/>
                 <a:latin typeface="Segoe UI" panose="020B0502040204020203" charset="0"/>
-                <a:ea typeface="微软雅黑" panose="020B0503020204020204" charset="-122"/>
+                <a:ea typeface="Microsoft YaHei" panose="020B0503020204020204" charset="-122"/>
               </a:rPr>
               <a:t>Lorem Ipsum is simply dummy text of the printing and typesetting industry. Lorem Ipsum has been the industry's standard dummy text ever since the 1500s.</a:t>
             </a:r>
             <a:endParaRPr lang="en-US" sz="1100" b="0" i="0" dirty="0">
               <a:effectLst/>
               <a:latin typeface="Segoe UI" panose="020B0502040204020203" charset="0"/>
-              <a:ea typeface="微软雅黑" panose="020B0503020204020204" charset="-122"/>
+              <a:ea typeface="Microsoft YaHei" panose="020B0503020204020204" charset="-122"/>
               <a:cs typeface="Poppins" panose="00000500000000000000" pitchFamily="2" charset="0"/>
             </a:endParaRPr>
           </a:p>
@@ -45913,7 +45799,7 @@
                   <a:schemeClr val="accent5"/>
                 </a:solidFill>
                 <a:latin typeface="Segoe UI" panose="020B0502040204020203" charset="0"/>
-                <a:ea typeface="微软雅黑" panose="020B0503020204020204" charset="-122"/>
+                <a:ea typeface="Microsoft YaHei" panose="020B0503020204020204" charset="-122"/>
                 <a:cs typeface="Poppins" panose="00000500000000000000" pitchFamily="2" charset="0"/>
               </a:rPr>
               <a:t>1. Image</a:t>
@@ -45923,7 +45809,7 @@
                 <a:schemeClr val="accent5"/>
               </a:solidFill>
               <a:latin typeface="Segoe UI" panose="020B0502040204020203" charset="0"/>
-              <a:ea typeface="微软雅黑" panose="020B0503020204020204" charset="-122"/>
+              <a:ea typeface="Microsoft YaHei" panose="020B0503020204020204" charset="-122"/>
               <a:cs typeface="Poppins" panose="00000500000000000000" pitchFamily="2" charset="0"/>
             </a:endParaRPr>
           </a:p>
@@ -46050,14 +45936,14 @@
               <a:rPr lang="en-US" sz="1100" b="0" i="0" dirty="0">
                 <a:effectLst/>
                 <a:latin typeface="Segoe UI" panose="020B0502040204020203" charset="0"/>
-                <a:ea typeface="微软雅黑" panose="020B0503020204020204" charset="-122"/>
+                <a:ea typeface="Microsoft YaHei" panose="020B0503020204020204" charset="-122"/>
               </a:rPr>
               <a:t>Lorem Ipsum is simply dummy text of the printing and typesetting industry. Lorem Ipsum has been the industry's standard dummy text ever since the 1500s.</a:t>
             </a:r>
             <a:endParaRPr lang="en-US" sz="1100" b="0" i="0" dirty="0">
               <a:effectLst/>
               <a:latin typeface="Segoe UI" panose="020B0502040204020203" charset="0"/>
-              <a:ea typeface="微软雅黑" panose="020B0503020204020204" charset="-122"/>
+              <a:ea typeface="Microsoft YaHei" panose="020B0503020204020204" charset="-122"/>
               <a:cs typeface="Poppins" panose="00000500000000000000" pitchFamily="2" charset="0"/>
             </a:endParaRPr>
           </a:p>
@@ -46091,7 +45977,7 @@
                   <a:schemeClr val="accent4"/>
                 </a:solidFill>
                 <a:latin typeface="Segoe UI" panose="020B0502040204020203" charset="0"/>
-                <a:ea typeface="微软雅黑" panose="020B0503020204020204" charset="-122"/>
+                <a:ea typeface="Microsoft YaHei" panose="020B0503020204020204" charset="-122"/>
                 <a:cs typeface="Poppins" panose="00000500000000000000" pitchFamily="2" charset="0"/>
               </a:rPr>
               <a:t>2. Image</a:t>
@@ -46101,7 +45987,7 @@
                 <a:schemeClr val="accent4"/>
               </a:solidFill>
               <a:latin typeface="Segoe UI" panose="020B0502040204020203" charset="0"/>
-              <a:ea typeface="微软雅黑" panose="020B0503020204020204" charset="-122"/>
+              <a:ea typeface="Microsoft YaHei" panose="020B0503020204020204" charset="-122"/>
               <a:cs typeface="Poppins" panose="00000500000000000000" pitchFamily="2" charset="0"/>
             </a:endParaRPr>
           </a:p>
@@ -46228,14 +46114,14 @@
               <a:rPr lang="en-US" sz="1100" b="0" i="0" dirty="0">
                 <a:effectLst/>
                 <a:latin typeface="Segoe UI" panose="020B0502040204020203" charset="0"/>
-                <a:ea typeface="微软雅黑" panose="020B0503020204020204" charset="-122"/>
+                <a:ea typeface="Microsoft YaHei" panose="020B0503020204020204" charset="-122"/>
               </a:rPr>
               <a:t>Lorem Ipsum is simply dummy text of the printing and typesetting industry. Lorem Ipsum has been the industry's standard dummy text ever since the 1500s.</a:t>
             </a:r>
             <a:endParaRPr lang="en-US" sz="1100" b="0" i="0" dirty="0">
               <a:effectLst/>
               <a:latin typeface="Segoe UI" panose="020B0502040204020203" charset="0"/>
-              <a:ea typeface="微软雅黑" panose="020B0503020204020204" charset="-122"/>
+              <a:ea typeface="Microsoft YaHei" panose="020B0503020204020204" charset="-122"/>
               <a:cs typeface="Poppins" panose="00000500000000000000" pitchFamily="2" charset="0"/>
             </a:endParaRPr>
           </a:p>
@@ -46269,7 +46155,7 @@
                   <a:schemeClr val="accent4"/>
                 </a:solidFill>
                 <a:latin typeface="Segoe UI" panose="020B0502040204020203" charset="0"/>
-                <a:ea typeface="微软雅黑" panose="020B0503020204020204" charset="-122"/>
+                <a:ea typeface="Microsoft YaHei" panose="020B0503020204020204" charset="-122"/>
                 <a:cs typeface="Poppins" panose="00000500000000000000" pitchFamily="2" charset="0"/>
               </a:rPr>
               <a:t>3. Image</a:t>
@@ -46279,7 +46165,7 @@
                 <a:schemeClr val="accent4"/>
               </a:solidFill>
               <a:latin typeface="Segoe UI" panose="020B0502040204020203" charset="0"/>
-              <a:ea typeface="微软雅黑" panose="020B0503020204020204" charset="-122"/>
+              <a:ea typeface="Microsoft YaHei" panose="020B0503020204020204" charset="-122"/>
               <a:cs typeface="Poppins" panose="00000500000000000000" pitchFamily="2" charset="0"/>
             </a:endParaRPr>
           </a:p>
@@ -46406,14 +46292,14 @@
               <a:rPr lang="en-US" sz="1100" b="0" i="0" dirty="0">
                 <a:effectLst/>
                 <a:latin typeface="Segoe UI" panose="020B0502040204020203" charset="0"/>
-                <a:ea typeface="微软雅黑" panose="020B0503020204020204" charset="-122"/>
+                <a:ea typeface="Microsoft YaHei" panose="020B0503020204020204" charset="-122"/>
               </a:rPr>
               <a:t>Lorem Ipsum is simply dummy text of the printing and typesetting industry. Lorem Ipsum has been the industry's standard dummy text ever since the 1500s.</a:t>
             </a:r>
             <a:endParaRPr lang="en-US" sz="1100" b="0" i="0" dirty="0">
               <a:effectLst/>
               <a:latin typeface="Segoe UI" panose="020B0502040204020203" charset="0"/>
-              <a:ea typeface="微软雅黑" panose="020B0503020204020204" charset="-122"/>
+              <a:ea typeface="Microsoft YaHei" panose="020B0503020204020204" charset="-122"/>
               <a:cs typeface="Poppins" panose="00000500000000000000" pitchFamily="2" charset="0"/>
             </a:endParaRPr>
           </a:p>
@@ -46447,7 +46333,7 @@
                   <a:schemeClr val="accent5"/>
                 </a:solidFill>
                 <a:latin typeface="Segoe UI" panose="020B0502040204020203" charset="0"/>
-                <a:ea typeface="微软雅黑" panose="020B0503020204020204" charset="-122"/>
+                <a:ea typeface="Microsoft YaHei" panose="020B0503020204020204" charset="-122"/>
                 <a:cs typeface="Poppins" panose="00000500000000000000" pitchFamily="2" charset="0"/>
               </a:rPr>
               <a:t>4. Image</a:t>
@@ -46457,7 +46343,7 @@
                 <a:schemeClr val="accent5"/>
               </a:solidFill>
               <a:latin typeface="Segoe UI" panose="020B0502040204020203" charset="0"/>
-              <a:ea typeface="微软雅黑" panose="020B0503020204020204" charset="-122"/>
+              <a:ea typeface="Microsoft YaHei" panose="020B0503020204020204" charset="-122"/>
               <a:cs typeface="Poppins" panose="00000500000000000000" pitchFamily="2" charset="0"/>
             </a:endParaRPr>
           </a:p>
@@ -46645,7 +46531,7 @@
                 </a:solidFill>
                 <a:effectLst/>
                 <a:latin typeface="Segoe UI" panose="020B0502040204020203" charset="0"/>
-                <a:ea typeface="微软雅黑" panose="020B0503020204020204" charset="-122"/>
+                <a:ea typeface="Microsoft YaHei" panose="020B0503020204020204" charset="-122"/>
                 <a:cs typeface="Poppins" panose="00000500000000000000" pitchFamily="2" charset="0"/>
               </a:rPr>
               <a:t>If I ever let my head down, it will be to admire my shoes</a:t>
@@ -46656,7 +46542,7 @@
               </a:solidFill>
               <a:effectLst/>
               <a:latin typeface="Segoe UI" panose="020B0502040204020203" charset="0"/>
-              <a:ea typeface="微软雅黑" panose="020B0503020204020204" charset="-122"/>
+              <a:ea typeface="Microsoft YaHei" panose="020B0503020204020204" charset="-122"/>
               <a:cs typeface="Poppins" panose="00000500000000000000" pitchFamily="2" charset="0"/>
             </a:endParaRPr>
           </a:p>
@@ -46880,7 +46766,7 @@
                   <a:schemeClr val="tx2"/>
                 </a:solidFill>
                 <a:latin typeface="Segoe UI" panose="020B0502040204020203" charset="0"/>
-                <a:ea typeface="微软雅黑" panose="020B0503020204020204" charset="-122"/>
+                <a:ea typeface="Microsoft YaHei" panose="020B0503020204020204" charset="-122"/>
                 <a:cs typeface="Noto sans" panose="020B0502040504020204" pitchFamily="34" charset="0"/>
               </a:rPr>
               <a:t>Modern Presentation</a:t>
@@ -46890,7 +46776,7 @@
                 <a:schemeClr val="tx2"/>
               </a:solidFill>
               <a:latin typeface="Segoe UI" panose="020B0502040204020203" charset="0"/>
-              <a:ea typeface="微软雅黑" panose="020B0503020204020204" charset="-122"/>
+              <a:ea typeface="Microsoft YaHei" panose="020B0503020204020204" charset="-122"/>
               <a:cs typeface="Noto sans" panose="020B0502040504020204" pitchFamily="34" charset="0"/>
             </a:endParaRPr>
           </a:p>
@@ -47108,7 +46994,7 @@
                   <a:schemeClr val="tx2"/>
                 </a:solidFill>
                 <a:latin typeface="Segoe UI" panose="020B0502040204020203" charset="0"/>
-                <a:ea typeface="微软雅黑" panose="020B0503020204020204" charset="-122"/>
+                <a:ea typeface="Microsoft YaHei" panose="020B0503020204020204" charset="-122"/>
                 <a:cs typeface="Noto sans" panose="020B0502040504020204" pitchFamily="34" charset="0"/>
               </a:rPr>
               <a:t>Brand Name</a:t>
@@ -47118,7 +47004,7 @@
                 <a:schemeClr val="tx2"/>
               </a:solidFill>
               <a:latin typeface="Segoe UI" panose="020B0502040204020203" charset="0"/>
-              <a:ea typeface="微软雅黑" panose="020B0503020204020204" charset="-122"/>
+              <a:ea typeface="Microsoft YaHei" panose="020B0503020204020204" charset="-122"/>
               <a:cs typeface="Noto sans" panose="020B0502040504020204" pitchFamily="34" charset="0"/>
             </a:endParaRPr>
           </a:p>
@@ -47489,7 +47375,7 @@
                     <a:schemeClr val="bg1"/>
                   </a:solidFill>
                   <a:latin typeface="Segoe UI" panose="020B0502040204020203" charset="0"/>
-                  <a:ea typeface="微软雅黑" panose="020B0503020204020204" charset="-122"/>
+                  <a:ea typeface="Microsoft YaHei" panose="020B0503020204020204" charset="-122"/>
                   <a:cs typeface="Open Sans" panose="020B0606030504020204" pitchFamily="2" charset="0"/>
                 </a:rPr>
                 <a:t>2019</a:t>
@@ -47499,7 +47385,7 @@
                   <a:schemeClr val="bg1"/>
                 </a:solidFill>
                 <a:latin typeface="Segoe UI" panose="020B0502040204020203" charset="0"/>
-                <a:ea typeface="微软雅黑" panose="020B0503020204020204" charset="-122"/>
+                <a:ea typeface="Microsoft YaHei" panose="020B0503020204020204" charset="-122"/>
                 <a:cs typeface="Open Sans" panose="020B0606030504020204" pitchFamily="2" charset="0"/>
               </a:endParaRPr>
             </a:p>
@@ -47595,7 +47481,7 @@
                     <a:schemeClr val="bg1"/>
                   </a:solidFill>
                   <a:latin typeface="Segoe UI" panose="020B0502040204020203" charset="0"/>
-                  <a:ea typeface="微软雅黑" panose="020B0503020204020204" charset="-122"/>
+                  <a:ea typeface="Microsoft YaHei" panose="020B0503020204020204" charset="-122"/>
                   <a:cs typeface="Open Sans" panose="020B0606030504020204" pitchFamily="2" charset="0"/>
                 </a:rPr>
                 <a:t>2020</a:t>
@@ -47605,7 +47491,7 @@
                   <a:schemeClr val="bg1"/>
                 </a:solidFill>
                 <a:latin typeface="Segoe UI" panose="020B0502040204020203" charset="0"/>
-                <a:ea typeface="微软雅黑" panose="020B0503020204020204" charset="-122"/>
+                <a:ea typeface="Microsoft YaHei" panose="020B0503020204020204" charset="-122"/>
                 <a:cs typeface="Open Sans" panose="020B0606030504020204" pitchFamily="2" charset="0"/>
               </a:endParaRPr>
             </a:p>
@@ -47701,7 +47587,7 @@
                     <a:schemeClr val="bg1"/>
                   </a:solidFill>
                   <a:latin typeface="Segoe UI" panose="020B0502040204020203" charset="0"/>
-                  <a:ea typeface="微软雅黑" panose="020B0503020204020204" charset="-122"/>
+                  <a:ea typeface="Microsoft YaHei" panose="020B0503020204020204" charset="-122"/>
                   <a:cs typeface="Open Sans" panose="020B0606030504020204" pitchFamily="2" charset="0"/>
                 </a:rPr>
                 <a:t>2021</a:t>
@@ -47711,7 +47597,7 @@
                   <a:schemeClr val="bg1"/>
                 </a:solidFill>
                 <a:latin typeface="Segoe UI" panose="020B0502040204020203" charset="0"/>
-                <a:ea typeface="微软雅黑" panose="020B0503020204020204" charset="-122"/>
+                <a:ea typeface="Microsoft YaHei" panose="020B0503020204020204" charset="-122"/>
                 <a:cs typeface="Open Sans" panose="020B0606030504020204" pitchFamily="2" charset="0"/>
               </a:endParaRPr>
             </a:p>
@@ -47807,7 +47693,7 @@
                     <a:schemeClr val="bg1"/>
                   </a:solidFill>
                   <a:latin typeface="Segoe UI" panose="020B0502040204020203" charset="0"/>
-                  <a:ea typeface="微软雅黑" panose="020B0503020204020204" charset="-122"/>
+                  <a:ea typeface="Microsoft YaHei" panose="020B0503020204020204" charset="-122"/>
                   <a:cs typeface="Open Sans" panose="020B0606030504020204" pitchFamily="2" charset="0"/>
                 </a:rPr>
                 <a:t>2022</a:t>
@@ -47817,7 +47703,7 @@
                   <a:schemeClr val="bg1"/>
                 </a:solidFill>
                 <a:latin typeface="Segoe UI" panose="020B0502040204020203" charset="0"/>
-                <a:ea typeface="微软雅黑" panose="020B0503020204020204" charset="-122"/>
+                <a:ea typeface="Microsoft YaHei" panose="020B0503020204020204" charset="-122"/>
                 <a:cs typeface="Open Sans" panose="020B0606030504020204" pitchFamily="2" charset="0"/>
               </a:endParaRPr>
             </a:p>
@@ -47945,14 +47831,14 @@
               <a:rPr lang="en-US" sz="1000" b="0" i="0" dirty="0">
                 <a:effectLst/>
                 <a:latin typeface="Segoe UI" panose="020B0502040204020203" charset="0"/>
-                <a:ea typeface="微软雅黑" panose="020B0503020204020204" charset="-122"/>
+                <a:ea typeface="Microsoft YaHei" panose="020B0503020204020204" charset="-122"/>
               </a:rPr>
               <a:t>Lorem Ipsum is simply dummy text of the printing and typesetting industry. Lorem Ipsum has been the industry's standard dummy text ever since the 1500s.</a:t>
             </a:r>
             <a:endParaRPr lang="en-US" sz="1000" b="0" i="0" dirty="0">
               <a:effectLst/>
               <a:latin typeface="Segoe UI" panose="020B0502040204020203" charset="0"/>
-              <a:ea typeface="微软雅黑" panose="020B0503020204020204" charset="-122"/>
+              <a:ea typeface="Microsoft YaHei" panose="020B0503020204020204" charset="-122"/>
               <a:cs typeface="Poppins" panose="00000500000000000000" pitchFamily="2" charset="0"/>
             </a:endParaRPr>
           </a:p>
@@ -47986,7 +47872,7 @@
                   <a:schemeClr val="accent5"/>
                 </a:solidFill>
                 <a:latin typeface="Segoe UI" panose="020B0502040204020203" charset="0"/>
-                <a:ea typeface="微软雅黑" panose="020B0503020204020204" charset="-122"/>
+                <a:ea typeface="Microsoft YaHei" panose="020B0503020204020204" charset="-122"/>
                 <a:cs typeface="Poppins" panose="00000500000000000000" pitchFamily="2" charset="0"/>
               </a:rPr>
               <a:t>1. Image</a:t>
@@ -47996,7 +47882,7 @@
                 <a:schemeClr val="accent5"/>
               </a:solidFill>
               <a:latin typeface="Segoe UI" panose="020B0502040204020203" charset="0"/>
-              <a:ea typeface="微软雅黑" panose="020B0503020204020204" charset="-122"/>
+              <a:ea typeface="Microsoft YaHei" panose="020B0503020204020204" charset="-122"/>
               <a:cs typeface="Poppins" panose="00000500000000000000" pitchFamily="2" charset="0"/>
             </a:endParaRPr>
           </a:p>
@@ -48123,14 +48009,14 @@
               <a:rPr lang="en-US" sz="1000" b="0" i="0" dirty="0">
                 <a:effectLst/>
                 <a:latin typeface="Segoe UI" panose="020B0502040204020203" charset="0"/>
-                <a:ea typeface="微软雅黑" panose="020B0503020204020204" charset="-122"/>
+                <a:ea typeface="Microsoft YaHei" panose="020B0503020204020204" charset="-122"/>
               </a:rPr>
               <a:t>Lorem Ipsum is simply dummy text of the printing and typesetting industry. Lorem Ipsum has been the industry's standard dummy text ever since the 1500s.</a:t>
             </a:r>
             <a:endParaRPr lang="en-US" sz="1000" b="0" i="0" dirty="0">
               <a:effectLst/>
               <a:latin typeface="Segoe UI" panose="020B0502040204020203" charset="0"/>
-              <a:ea typeface="微软雅黑" panose="020B0503020204020204" charset="-122"/>
+              <a:ea typeface="Microsoft YaHei" panose="020B0503020204020204" charset="-122"/>
               <a:cs typeface="Poppins" panose="00000500000000000000" pitchFamily="2" charset="0"/>
             </a:endParaRPr>
           </a:p>
@@ -48164,7 +48050,7 @@
                   <a:schemeClr val="accent4"/>
                 </a:solidFill>
                 <a:latin typeface="Segoe UI" panose="020B0502040204020203" charset="0"/>
-                <a:ea typeface="微软雅黑" panose="020B0503020204020204" charset="-122"/>
+                <a:ea typeface="Microsoft YaHei" panose="020B0503020204020204" charset="-122"/>
                 <a:cs typeface="Poppins" panose="00000500000000000000" pitchFamily="2" charset="0"/>
               </a:rPr>
               <a:t>2. Image</a:t>
@@ -48174,7 +48060,7 @@
                 <a:schemeClr val="accent4"/>
               </a:solidFill>
               <a:latin typeface="Segoe UI" panose="020B0502040204020203" charset="0"/>
-              <a:ea typeface="微软雅黑" panose="020B0503020204020204" charset="-122"/>
+              <a:ea typeface="Microsoft YaHei" panose="020B0503020204020204" charset="-122"/>
               <a:cs typeface="Poppins" panose="00000500000000000000" pitchFamily="2" charset="0"/>
             </a:endParaRPr>
           </a:p>
@@ -48301,14 +48187,14 @@
               <a:rPr lang="en-US" sz="1000" b="0" i="0" dirty="0">
                 <a:effectLst/>
                 <a:latin typeface="Segoe UI" panose="020B0502040204020203" charset="0"/>
-                <a:ea typeface="微软雅黑" panose="020B0503020204020204" charset="-122"/>
+                <a:ea typeface="Microsoft YaHei" panose="020B0503020204020204" charset="-122"/>
               </a:rPr>
               <a:t>Lorem Ipsum is simply dummy text of the printing and typesetting industry. Lorem Ipsum has been the industry's standard dummy text ever since the 1500s.</a:t>
             </a:r>
             <a:endParaRPr lang="en-US" sz="1000" b="0" i="0" dirty="0">
               <a:effectLst/>
               <a:latin typeface="Segoe UI" panose="020B0502040204020203" charset="0"/>
-              <a:ea typeface="微软雅黑" panose="020B0503020204020204" charset="-122"/>
+              <a:ea typeface="Microsoft YaHei" panose="020B0503020204020204" charset="-122"/>
               <a:cs typeface="Poppins" panose="00000500000000000000" pitchFamily="2" charset="0"/>
             </a:endParaRPr>
           </a:p>
@@ -48342,7 +48228,7 @@
                   <a:schemeClr val="accent5"/>
                 </a:solidFill>
                 <a:latin typeface="Segoe UI" panose="020B0502040204020203" charset="0"/>
-                <a:ea typeface="微软雅黑" panose="020B0503020204020204" charset="-122"/>
+                <a:ea typeface="Microsoft YaHei" panose="020B0503020204020204" charset="-122"/>
                 <a:cs typeface="Poppins" panose="00000500000000000000" pitchFamily="2" charset="0"/>
               </a:rPr>
               <a:t>3. Image</a:t>
@@ -48352,7 +48238,7 @@
                 <a:schemeClr val="accent5"/>
               </a:solidFill>
               <a:latin typeface="Segoe UI" panose="020B0502040204020203" charset="0"/>
-              <a:ea typeface="微软雅黑" panose="020B0503020204020204" charset="-122"/>
+              <a:ea typeface="Microsoft YaHei" panose="020B0503020204020204" charset="-122"/>
               <a:cs typeface="Poppins" panose="00000500000000000000" pitchFamily="2" charset="0"/>
             </a:endParaRPr>
           </a:p>
@@ -48479,14 +48365,14 @@
               <a:rPr lang="en-US" sz="1000" b="0" i="0" dirty="0">
                 <a:effectLst/>
                 <a:latin typeface="Segoe UI" panose="020B0502040204020203" charset="0"/>
-                <a:ea typeface="微软雅黑" panose="020B0503020204020204" charset="-122"/>
+                <a:ea typeface="Microsoft YaHei" panose="020B0503020204020204" charset="-122"/>
               </a:rPr>
               <a:t>Lorem Ipsum is simply dummy text of the printing and typesetting industry. Lorem Ipsum has been the industry's standard dummy text ever since the 1500s.</a:t>
             </a:r>
             <a:endParaRPr lang="en-US" sz="1000" b="0" i="0" dirty="0">
               <a:effectLst/>
               <a:latin typeface="Segoe UI" panose="020B0502040204020203" charset="0"/>
-              <a:ea typeface="微软雅黑" panose="020B0503020204020204" charset="-122"/>
+              <a:ea typeface="Microsoft YaHei" panose="020B0503020204020204" charset="-122"/>
               <a:cs typeface="Poppins" panose="00000500000000000000" pitchFamily="2" charset="0"/>
             </a:endParaRPr>
           </a:p>
@@ -48520,7 +48406,7 @@
                   <a:schemeClr val="accent4"/>
                 </a:solidFill>
                 <a:latin typeface="Segoe UI" panose="020B0502040204020203" charset="0"/>
-                <a:ea typeface="微软雅黑" panose="020B0503020204020204" charset="-122"/>
+                <a:ea typeface="Microsoft YaHei" panose="020B0503020204020204" charset="-122"/>
                 <a:cs typeface="Poppins" panose="00000500000000000000" pitchFamily="2" charset="0"/>
               </a:rPr>
               <a:t>4. Image</a:t>
@@ -48530,7 +48416,7 @@
                 <a:schemeClr val="accent4"/>
               </a:solidFill>
               <a:latin typeface="Segoe UI" panose="020B0502040204020203" charset="0"/>
-              <a:ea typeface="微软雅黑" panose="020B0503020204020204" charset="-122"/>
+              <a:ea typeface="Microsoft YaHei" panose="020B0503020204020204" charset="-122"/>
               <a:cs typeface="Poppins" panose="00000500000000000000" pitchFamily="2" charset="0"/>
             </a:endParaRPr>
           </a:p>
@@ -48776,7 +48662,7 @@
                   <a:schemeClr val="tx2"/>
                 </a:solidFill>
                 <a:latin typeface="Segoe UI" panose="020B0502040204020203" charset="0"/>
-                <a:ea typeface="微软雅黑" panose="020B0503020204020204" charset="-122"/>
+                <a:ea typeface="Microsoft YaHei" panose="020B0503020204020204" charset="-122"/>
                 <a:cs typeface="Noto sans" panose="020B0502040504020204" pitchFamily="34" charset="0"/>
               </a:rPr>
               <a:t>Modern Presentation</a:t>
@@ -48786,7 +48672,7 @@
                 <a:schemeClr val="tx2"/>
               </a:solidFill>
               <a:latin typeface="Segoe UI" panose="020B0502040204020203" charset="0"/>
-              <a:ea typeface="微软雅黑" panose="020B0503020204020204" charset="-122"/>
+              <a:ea typeface="Microsoft YaHei" panose="020B0503020204020204" charset="-122"/>
               <a:cs typeface="Noto sans" panose="020B0502040504020204" pitchFamily="34" charset="0"/>
             </a:endParaRPr>
           </a:p>
@@ -49004,7 +48890,7 @@
                   <a:schemeClr val="tx2"/>
                 </a:solidFill>
                 <a:latin typeface="Segoe UI" panose="020B0502040204020203" charset="0"/>
-                <a:ea typeface="微软雅黑" panose="020B0503020204020204" charset="-122"/>
+                <a:ea typeface="Microsoft YaHei" panose="020B0503020204020204" charset="-122"/>
                 <a:cs typeface="Noto sans" panose="020B0502040504020204" pitchFamily="34" charset="0"/>
               </a:rPr>
               <a:t>Brand Name</a:t>
@@ -49014,7 +48900,7 @@
                 <a:schemeClr val="tx2"/>
               </a:solidFill>
               <a:latin typeface="Segoe UI" panose="020B0502040204020203" charset="0"/>
-              <a:ea typeface="微软雅黑" panose="020B0503020204020204" charset="-122"/>
+              <a:ea typeface="Microsoft YaHei" panose="020B0503020204020204" charset="-122"/>
               <a:cs typeface="Noto sans" panose="020B0502040504020204" pitchFamily="34" charset="0"/>
             </a:endParaRPr>
           </a:p>
@@ -49201,7 +49087,7 @@
                   <a:schemeClr val="tx2"/>
                 </a:solidFill>
                 <a:latin typeface="Segoe UI" panose="020B0502040204020203" charset="0"/>
-                <a:ea typeface="微软雅黑" panose="020B0503020204020204" charset="-122"/>
+                <a:ea typeface="Microsoft YaHei" panose="020B0503020204020204" charset="-122"/>
                 <a:cs typeface="Noto sans" panose="020B0502040504020204" pitchFamily="34" charset="0"/>
               </a:rPr>
               <a:t>New Trend</a:t>
@@ -49211,7 +49097,7 @@
                 <a:schemeClr val="tx2"/>
               </a:solidFill>
               <a:latin typeface="Segoe UI" panose="020B0502040204020203" charset="0"/>
-              <a:ea typeface="微软雅黑" panose="020B0503020204020204" charset="-122"/>
+              <a:ea typeface="Microsoft YaHei" panose="020B0503020204020204" charset="-122"/>
               <a:cs typeface="Noto sans" panose="020B0502040504020204" pitchFamily="34" charset="0"/>
             </a:endParaRPr>
           </a:p>
@@ -49653,7 +49539,7 @@
                 </a:solidFill>
                 <a:effectLst/>
                 <a:latin typeface="Segoe UI" panose="020B0502040204020203" charset="0"/>
-                <a:ea typeface="微软雅黑" panose="020B0503020204020204" charset="-122"/>
+                <a:ea typeface="Microsoft YaHei" panose="020B0503020204020204" charset="-122"/>
               </a:rPr>
               <a:t>Lorem Ipsum is simply dummy text of the printing and typesetting industry. Lorem Ipsum has been the industry's standard dummy text ever since the 1500s.</a:t>
             </a:r>
@@ -49663,7 +49549,7 @@
               </a:solidFill>
               <a:effectLst/>
               <a:latin typeface="Segoe UI" panose="020B0502040204020203" charset="0"/>
-              <a:ea typeface="微软雅黑" panose="020B0503020204020204" charset="-122"/>
+              <a:ea typeface="Microsoft YaHei" panose="020B0503020204020204" charset="-122"/>
               <a:cs typeface="Poppins" panose="00000500000000000000" pitchFamily="2" charset="0"/>
             </a:endParaRPr>
           </a:p>
@@ -49697,7 +49583,7 @@
                   <a:schemeClr val="bg1"/>
                 </a:solidFill>
                 <a:latin typeface="Segoe UI" panose="020B0502040204020203" charset="0"/>
-                <a:ea typeface="微软雅黑" panose="020B0503020204020204" charset="-122"/>
+                <a:ea typeface="Microsoft YaHei" panose="020B0503020204020204" charset="-122"/>
                 <a:cs typeface="Poppins" panose="00000500000000000000" pitchFamily="2" charset="0"/>
               </a:rPr>
               <a:t>2019 Trend</a:t>
@@ -49707,7 +49593,7 @@
                 <a:schemeClr val="bg1"/>
               </a:solidFill>
               <a:latin typeface="Segoe UI" panose="020B0502040204020203" charset="0"/>
-              <a:ea typeface="微软雅黑" panose="020B0503020204020204" charset="-122"/>
+              <a:ea typeface="Microsoft YaHei" panose="020B0503020204020204" charset="-122"/>
               <a:cs typeface="Poppins" panose="00000500000000000000" pitchFamily="2" charset="0"/>
             </a:endParaRPr>
           </a:p>
@@ -50103,7 +49989,7 @@
                 </a:solidFill>
                 <a:effectLst/>
                 <a:latin typeface="Segoe UI" panose="020B0502040204020203" charset="0"/>
-                <a:ea typeface="微软雅黑" panose="020B0503020204020204" charset="-122"/>
+                <a:ea typeface="Microsoft YaHei" panose="020B0503020204020204" charset="-122"/>
               </a:rPr>
               <a:t>Lorem Ipsum is simply dummy text of the printing and typesetting industry. Lorem Ipsum has been the industry's standard dummy text ever since the 1500s.</a:t>
             </a:r>
@@ -50113,7 +49999,7 @@
               </a:solidFill>
               <a:effectLst/>
               <a:latin typeface="Segoe UI" panose="020B0502040204020203" charset="0"/>
-              <a:ea typeface="微软雅黑" panose="020B0503020204020204" charset="-122"/>
+              <a:ea typeface="Microsoft YaHei" panose="020B0503020204020204" charset="-122"/>
               <a:cs typeface="Poppins" panose="00000500000000000000" pitchFamily="2" charset="0"/>
             </a:endParaRPr>
           </a:p>
@@ -50147,7 +50033,7 @@
                   <a:schemeClr val="bg1"/>
                 </a:solidFill>
                 <a:latin typeface="Segoe UI" panose="020B0502040204020203" charset="0"/>
-                <a:ea typeface="微软雅黑" panose="020B0503020204020204" charset="-122"/>
+                <a:ea typeface="Microsoft YaHei" panose="020B0503020204020204" charset="-122"/>
                 <a:cs typeface="Poppins" panose="00000500000000000000" pitchFamily="2" charset="0"/>
               </a:rPr>
               <a:t>2020 Trend</a:t>
@@ -50157,7 +50043,7 @@
                 <a:schemeClr val="bg1"/>
               </a:solidFill>
               <a:latin typeface="Segoe UI" panose="020B0502040204020203" charset="0"/>
-              <a:ea typeface="微软雅黑" panose="020B0503020204020204" charset="-122"/>
+              <a:ea typeface="Microsoft YaHei" panose="020B0503020204020204" charset="-122"/>
               <a:cs typeface="Poppins" panose="00000500000000000000" pitchFamily="2" charset="0"/>
             </a:endParaRPr>
           </a:p>
@@ -50553,7 +50439,7 @@
                 </a:solidFill>
                 <a:effectLst/>
                 <a:latin typeface="Segoe UI" panose="020B0502040204020203" charset="0"/>
-                <a:ea typeface="微软雅黑" panose="020B0503020204020204" charset="-122"/>
+                <a:ea typeface="Microsoft YaHei" panose="020B0503020204020204" charset="-122"/>
               </a:rPr>
               <a:t>Lorem Ipsum is simply dummy text of the printing and typesetting industry. Lorem Ipsum has been the industry's standard dummy text ever since the 1500s.</a:t>
             </a:r>
@@ -50563,7 +50449,7 @@
               </a:solidFill>
               <a:effectLst/>
               <a:latin typeface="Segoe UI" panose="020B0502040204020203" charset="0"/>
-              <a:ea typeface="微软雅黑" panose="020B0503020204020204" charset="-122"/>
+              <a:ea typeface="Microsoft YaHei" panose="020B0503020204020204" charset="-122"/>
               <a:cs typeface="Poppins" panose="00000500000000000000" pitchFamily="2" charset="0"/>
             </a:endParaRPr>
           </a:p>
@@ -50597,7 +50483,7 @@
                   <a:schemeClr val="bg1"/>
                 </a:solidFill>
                 <a:latin typeface="Segoe UI" panose="020B0502040204020203" charset="0"/>
-                <a:ea typeface="微软雅黑" panose="020B0503020204020204" charset="-122"/>
+                <a:ea typeface="Microsoft YaHei" panose="020B0503020204020204" charset="-122"/>
                 <a:cs typeface="Poppins" panose="00000500000000000000" pitchFamily="2" charset="0"/>
               </a:rPr>
               <a:t>2021 Trend</a:t>
@@ -50607,7 +50493,7 @@
                 <a:schemeClr val="bg1"/>
               </a:solidFill>
               <a:latin typeface="Segoe UI" panose="020B0502040204020203" charset="0"/>
-              <a:ea typeface="微软雅黑" panose="020B0503020204020204" charset="-122"/>
+              <a:ea typeface="Microsoft YaHei" panose="020B0503020204020204" charset="-122"/>
               <a:cs typeface="Poppins" panose="00000500000000000000" pitchFamily="2" charset="0"/>
             </a:endParaRPr>
           </a:p>
@@ -50642,7 +50528,7 @@
                 </a:solidFill>
                 <a:effectLst/>
                 <a:latin typeface="Segoe UI" panose="020B0502040204020203" charset="0"/>
-                <a:ea typeface="微软雅黑" panose="020B0503020204020204" charset="-122"/>
+                <a:ea typeface="Microsoft YaHei" panose="020B0503020204020204" charset="-122"/>
                 <a:cs typeface="Poppins" panose="00000500000000000000" pitchFamily="2" charset="0"/>
               </a:rPr>
               <a:t>If I ever let my head down, it will be to admire my shoes</a:t>
@@ -50653,7 +50539,7 @@
               </a:solidFill>
               <a:effectLst/>
               <a:latin typeface="Segoe UI" panose="020B0502040204020203" charset="0"/>
-              <a:ea typeface="微软雅黑" panose="020B0503020204020204" charset="-122"/>
+              <a:ea typeface="Microsoft YaHei" panose="020B0503020204020204" charset="-122"/>
               <a:cs typeface="Poppins" panose="00000500000000000000" pitchFamily="2" charset="0"/>
             </a:endParaRPr>
           </a:p>
@@ -50780,14 +50666,14 @@
               <a:rPr lang="en-US" sz="1100" b="0" i="0" dirty="0">
                 <a:effectLst/>
                 <a:latin typeface="Segoe UI" panose="020B0502040204020203" charset="0"/>
-                <a:ea typeface="微软雅黑" panose="020B0503020204020204" charset="-122"/>
+                <a:ea typeface="Microsoft YaHei" panose="020B0503020204020204" charset="-122"/>
               </a:rPr>
               <a:t>Lorem Ipsum is simply dummy text of the printing and typesetting industry. Lorem Ipsum has been the industry's standard dummy text ever since the 1500s, when an unknown printer took a galley of type and scrambled it to make a type specimen book.</a:t>
             </a:r>
             <a:endParaRPr lang="en-US" sz="1100" b="0" i="0" dirty="0">
               <a:effectLst/>
               <a:latin typeface="Segoe UI" panose="020B0502040204020203" charset="0"/>
-              <a:ea typeface="微软雅黑" panose="020B0503020204020204" charset="-122"/>
+              <a:ea typeface="Microsoft YaHei" panose="020B0503020204020204" charset="-122"/>
               <a:cs typeface="Poppins" panose="00000500000000000000" pitchFamily="2" charset="0"/>
             </a:endParaRPr>
           </a:p>
@@ -51635,7 +51521,7 @@
                   <a:schemeClr val="tx2"/>
                 </a:solidFill>
                 <a:latin typeface="Segoe UI" panose="020B0502040204020203" charset="0"/>
-                <a:ea typeface="微软雅黑" panose="020B0503020204020204" charset="-122"/>
+                <a:ea typeface="Microsoft YaHei" panose="020B0503020204020204" charset="-122"/>
                 <a:cs typeface="Noto sans" panose="020B0502040504020204" pitchFamily="34" charset="0"/>
               </a:rPr>
               <a:t>Modern Presentation</a:t>
@@ -51645,7 +51531,7 @@
                 <a:schemeClr val="tx2"/>
               </a:solidFill>
               <a:latin typeface="Segoe UI" panose="020B0502040204020203" charset="0"/>
-              <a:ea typeface="微软雅黑" panose="020B0503020204020204" charset="-122"/>
+              <a:ea typeface="Microsoft YaHei" panose="020B0503020204020204" charset="-122"/>
               <a:cs typeface="Noto sans" panose="020B0502040504020204" pitchFamily="34" charset="0"/>
             </a:endParaRPr>
           </a:p>
@@ -51863,7 +51749,7 @@
                   <a:schemeClr val="tx2"/>
                 </a:solidFill>
                 <a:latin typeface="Segoe UI" panose="020B0502040204020203" charset="0"/>
-                <a:ea typeface="微软雅黑" panose="020B0503020204020204" charset="-122"/>
+                <a:ea typeface="Microsoft YaHei" panose="020B0503020204020204" charset="-122"/>
                 <a:cs typeface="Noto sans" panose="020B0502040504020204" pitchFamily="34" charset="0"/>
               </a:rPr>
               <a:t>Brand Name</a:t>
@@ -51873,7 +51759,7 @@
                 <a:schemeClr val="tx2"/>
               </a:solidFill>
               <a:latin typeface="Segoe UI" panose="020B0502040204020203" charset="0"/>
-              <a:ea typeface="微软雅黑" panose="020B0503020204020204" charset="-122"/>
+              <a:ea typeface="Microsoft YaHei" panose="020B0503020204020204" charset="-122"/>
               <a:cs typeface="Noto sans" panose="020B0502040504020204" pitchFamily="34" charset="0"/>
             </a:endParaRPr>
           </a:p>
@@ -52061,7 +51947,7 @@
                   <a:schemeClr val="tx2"/>
                 </a:solidFill>
                 <a:latin typeface="Segoe UI" panose="020B0502040204020203" charset="0"/>
-                <a:ea typeface="微软雅黑" panose="020B0503020204020204" charset="-122"/>
+                <a:ea typeface="Microsoft YaHei" panose="020B0503020204020204" charset="-122"/>
                 <a:cs typeface="Noto sans" panose="020B0502040504020204" pitchFamily="34" charset="0"/>
               </a:rPr>
               <a:t>Get Ideas</a:t>
@@ -52071,7 +51957,7 @@
                 <a:schemeClr val="tx2"/>
               </a:solidFill>
               <a:latin typeface="Segoe UI" panose="020B0502040204020203" charset="0"/>
-              <a:ea typeface="微软雅黑" panose="020B0503020204020204" charset="-122"/>
+              <a:ea typeface="Microsoft YaHei" panose="020B0503020204020204" charset="-122"/>
               <a:cs typeface="Noto sans" panose="020B0502040504020204" pitchFamily="34" charset="0"/>
             </a:endParaRPr>
           </a:p>
@@ -52444,7 +52330,7 @@
                 </a:solidFill>
                 <a:effectLst/>
                 <a:latin typeface="Segoe UI" panose="020B0502040204020203" charset="0"/>
-                <a:ea typeface="微软雅黑" panose="020B0503020204020204" charset="-122"/>
+                <a:ea typeface="Microsoft YaHei" panose="020B0503020204020204" charset="-122"/>
               </a:rPr>
               <a:t>Lorem Ipsum is simply dummy text of the printing and typesetting industry. Lorem Ipsum has been the industry's standard dummy text ever since the 1500s.</a:t>
             </a:r>
@@ -52457,7 +52343,7 @@
               </a:solidFill>
               <a:effectLst/>
               <a:latin typeface="Segoe UI" panose="020B0502040204020203" charset="0"/>
-              <a:ea typeface="微软雅黑" panose="020B0503020204020204" charset="-122"/>
+              <a:ea typeface="Microsoft YaHei" panose="020B0503020204020204" charset="-122"/>
               <a:cs typeface="Poppins" panose="00000500000000000000" pitchFamily="2" charset="0"/>
             </a:endParaRPr>
           </a:p>
@@ -52722,7 +52608,7 @@
                 </a:solidFill>
                 <a:effectLst/>
                 <a:latin typeface="Segoe UI" panose="020B0502040204020203" charset="0"/>
-                <a:ea typeface="微软雅黑" panose="020B0503020204020204" charset="-122"/>
+                <a:ea typeface="Microsoft YaHei" panose="020B0503020204020204" charset="-122"/>
               </a:rPr>
               <a:t>Lorem Ipsum is simply dummy text of the printing and typesetting industry. Lorem Ipsum has been the industry's standard dummy text ever since the 1500s.</a:t>
             </a:r>
@@ -52735,7 +52621,7 @@
               </a:solidFill>
               <a:effectLst/>
               <a:latin typeface="Segoe UI" panose="020B0502040204020203" charset="0"/>
-              <a:ea typeface="微软雅黑" panose="020B0503020204020204" charset="-122"/>
+              <a:ea typeface="Microsoft YaHei" panose="020B0503020204020204" charset="-122"/>
               <a:cs typeface="Poppins" panose="00000500000000000000" pitchFamily="2" charset="0"/>
             </a:endParaRPr>
           </a:p>
@@ -53000,7 +52886,7 @@
                 </a:solidFill>
                 <a:effectLst/>
                 <a:latin typeface="Segoe UI" panose="020B0502040204020203" charset="0"/>
-                <a:ea typeface="微软雅黑" panose="020B0503020204020204" charset="-122"/>
+                <a:ea typeface="Microsoft YaHei" panose="020B0503020204020204" charset="-122"/>
               </a:rPr>
               <a:t>Lorem Ipsum is simply dummy text of the printing and typesetting industry. Lorem Ipsum has been the industry's standard dummy text ever since the 1500s.</a:t>
             </a:r>
@@ -53013,7 +52899,7 @@
               </a:solidFill>
               <a:effectLst/>
               <a:latin typeface="Segoe UI" panose="020B0502040204020203" charset="0"/>
-              <a:ea typeface="微软雅黑" panose="020B0503020204020204" charset="-122"/>
+              <a:ea typeface="Microsoft YaHei" panose="020B0503020204020204" charset="-122"/>
               <a:cs typeface="Poppins" panose="00000500000000000000" pitchFamily="2" charset="0"/>
             </a:endParaRPr>
           </a:p>
@@ -53278,7 +53164,7 @@
                 </a:solidFill>
                 <a:effectLst/>
                 <a:latin typeface="Segoe UI" panose="020B0502040204020203" charset="0"/>
-                <a:ea typeface="微软雅黑" panose="020B0503020204020204" charset="-122"/>
+                <a:ea typeface="Microsoft YaHei" panose="020B0503020204020204" charset="-122"/>
               </a:rPr>
               <a:t>Lorem Ipsum is simply dummy text of the printing and typesetting industry. Lorem Ipsum has been the industry's standard dummy text ever since the 1500s.</a:t>
             </a:r>
@@ -53291,7 +53177,7 @@
               </a:solidFill>
               <a:effectLst/>
               <a:latin typeface="Segoe UI" panose="020B0502040204020203" charset="0"/>
-              <a:ea typeface="微软雅黑" panose="020B0503020204020204" charset="-122"/>
+              <a:ea typeface="Microsoft YaHei" panose="020B0503020204020204" charset="-122"/>
               <a:cs typeface="Poppins" panose="00000500000000000000" pitchFamily="2" charset="0"/>
             </a:endParaRPr>
           </a:p>
